--- a/Presentation of proposal.pptx
+++ b/Presentation of proposal.pptx
@@ -5,7 +5,7 @@
     <p:sldMasterId id="2147483648" r:id="rId1"/>
   </p:sldMasterIdLst>
   <p:notesMasterIdLst>
-    <p:notesMasterId r:id="rId7"/>
+    <p:notesMasterId r:id="rId10"/>
   </p:notesMasterIdLst>
   <p:sldIdLst>
     <p:sldId id="256" r:id="rId2"/>
@@ -13,6 +13,9 @@
     <p:sldId id="259" r:id="rId4"/>
     <p:sldId id="257" r:id="rId5"/>
     <p:sldId id="260" r:id="rId6"/>
+    <p:sldId id="261" r:id="rId7"/>
+    <p:sldId id="262" r:id="rId8"/>
+    <p:sldId id="263" r:id="rId9"/>
   </p:sldIdLst>
   <p:sldSz cx="12192000" cy="6858000"/>
   <p:notesSz cx="6858000" cy="9144000"/>
@@ -111,7 +114,4462 @@
       </a:defRPr>
     </a:lvl9pPr>
   </p:defaultTextStyle>
+  <p:extLst>
+    <p:ext uri="{EFAFB233-063F-42B5-8137-9DF3F51BA10A}">
+      <p15:sldGuideLst xmlns:p15="http://schemas.microsoft.com/office/powerpoint/2012/main"/>
+    </p:ext>
+  </p:extLst>
 </p:presentation>
+</file>
+
+<file path=ppt/diagrams/colors1.xml><?xml version="1.0" encoding="utf-8"?>
+<dgm:colorsDef xmlns:dgm="http://schemas.openxmlformats.org/drawingml/2006/diagram" xmlns:a="http://schemas.openxmlformats.org/drawingml/2006/main" uniqueId="urn:microsoft.com/office/officeart/2005/8/colors/accent1_2">
+  <dgm:title val=""/>
+  <dgm:desc val=""/>
+  <dgm:catLst>
+    <dgm:cat type="accent1" pri="11200"/>
+  </dgm:catLst>
+  <dgm:styleLbl name="node0">
+    <dgm:fillClrLst meth="repeat">
+      <a:schemeClr val="accent1"/>
+    </dgm:fillClrLst>
+    <dgm:linClrLst meth="repeat">
+      <a:schemeClr val="lt1"/>
+    </dgm:linClrLst>
+    <dgm:effectClrLst/>
+    <dgm:txLinClrLst/>
+    <dgm:txFillClrLst/>
+    <dgm:txEffectClrLst/>
+  </dgm:styleLbl>
+  <dgm:styleLbl name="alignNode1">
+    <dgm:fillClrLst meth="repeat">
+      <a:schemeClr val="accent1"/>
+    </dgm:fillClrLst>
+    <dgm:linClrLst meth="repeat">
+      <a:schemeClr val="accent1"/>
+    </dgm:linClrLst>
+    <dgm:effectClrLst/>
+    <dgm:txLinClrLst/>
+    <dgm:txFillClrLst/>
+    <dgm:txEffectClrLst/>
+  </dgm:styleLbl>
+  <dgm:styleLbl name="node1">
+    <dgm:fillClrLst meth="repeat">
+      <a:schemeClr val="accent1"/>
+    </dgm:fillClrLst>
+    <dgm:linClrLst meth="repeat">
+      <a:schemeClr val="lt1"/>
+    </dgm:linClrLst>
+    <dgm:effectClrLst/>
+    <dgm:txLinClrLst/>
+    <dgm:txFillClrLst/>
+    <dgm:txEffectClrLst/>
+  </dgm:styleLbl>
+  <dgm:styleLbl name="lnNode1">
+    <dgm:fillClrLst meth="repeat">
+      <a:schemeClr val="accent1"/>
+    </dgm:fillClrLst>
+    <dgm:linClrLst meth="repeat">
+      <a:schemeClr val="lt1"/>
+    </dgm:linClrLst>
+    <dgm:effectClrLst/>
+    <dgm:txLinClrLst/>
+    <dgm:txFillClrLst/>
+    <dgm:txEffectClrLst/>
+  </dgm:styleLbl>
+  <dgm:styleLbl name="vennNode1">
+    <dgm:fillClrLst meth="repeat">
+      <a:schemeClr val="accent1">
+        <a:alpha val="50000"/>
+      </a:schemeClr>
+    </dgm:fillClrLst>
+    <dgm:linClrLst meth="repeat">
+      <a:schemeClr val="lt1"/>
+    </dgm:linClrLst>
+    <dgm:effectClrLst/>
+    <dgm:txLinClrLst/>
+    <dgm:txFillClrLst/>
+    <dgm:txEffectClrLst/>
+  </dgm:styleLbl>
+  <dgm:styleLbl name="node2">
+    <dgm:fillClrLst meth="repeat">
+      <a:schemeClr val="accent1"/>
+    </dgm:fillClrLst>
+    <dgm:linClrLst meth="repeat">
+      <a:schemeClr val="lt1"/>
+    </dgm:linClrLst>
+    <dgm:effectClrLst/>
+    <dgm:txLinClrLst/>
+    <dgm:txFillClrLst/>
+    <dgm:txEffectClrLst/>
+  </dgm:styleLbl>
+  <dgm:styleLbl name="node3">
+    <dgm:fillClrLst meth="repeat">
+      <a:schemeClr val="accent1"/>
+    </dgm:fillClrLst>
+    <dgm:linClrLst meth="repeat">
+      <a:schemeClr val="lt1"/>
+    </dgm:linClrLst>
+    <dgm:effectClrLst/>
+    <dgm:txLinClrLst/>
+    <dgm:txFillClrLst/>
+    <dgm:txEffectClrLst/>
+  </dgm:styleLbl>
+  <dgm:styleLbl name="node4">
+    <dgm:fillClrLst meth="repeat">
+      <a:schemeClr val="accent1"/>
+    </dgm:fillClrLst>
+    <dgm:linClrLst meth="repeat">
+      <a:schemeClr val="lt1"/>
+    </dgm:linClrLst>
+    <dgm:effectClrLst/>
+    <dgm:txLinClrLst/>
+    <dgm:txFillClrLst/>
+    <dgm:txEffectClrLst/>
+  </dgm:styleLbl>
+  <dgm:styleLbl name="fgImgPlace1">
+    <dgm:fillClrLst meth="repeat">
+      <a:schemeClr val="accent1">
+        <a:tint val="50000"/>
+      </a:schemeClr>
+    </dgm:fillClrLst>
+    <dgm:linClrLst meth="repeat">
+      <a:schemeClr val="lt1"/>
+    </dgm:linClrLst>
+    <dgm:effectClrLst/>
+    <dgm:txLinClrLst/>
+    <dgm:txFillClrLst meth="repeat">
+      <a:schemeClr val="lt1"/>
+    </dgm:txFillClrLst>
+    <dgm:txEffectClrLst/>
+  </dgm:styleLbl>
+  <dgm:styleLbl name="alignImgPlace1">
+    <dgm:fillClrLst meth="repeat">
+      <a:schemeClr val="accent1">
+        <a:tint val="50000"/>
+      </a:schemeClr>
+    </dgm:fillClrLst>
+    <dgm:linClrLst meth="repeat">
+      <a:schemeClr val="lt1"/>
+    </dgm:linClrLst>
+    <dgm:effectClrLst/>
+    <dgm:txLinClrLst/>
+    <dgm:txFillClrLst meth="repeat">
+      <a:schemeClr val="lt1"/>
+    </dgm:txFillClrLst>
+    <dgm:txEffectClrLst/>
+  </dgm:styleLbl>
+  <dgm:styleLbl name="bgImgPlace1">
+    <dgm:fillClrLst meth="repeat">
+      <a:schemeClr val="accent1">
+        <a:tint val="50000"/>
+      </a:schemeClr>
+    </dgm:fillClrLst>
+    <dgm:linClrLst meth="repeat">
+      <a:schemeClr val="lt1"/>
+    </dgm:linClrLst>
+    <dgm:effectClrLst/>
+    <dgm:txLinClrLst/>
+    <dgm:txFillClrLst meth="repeat">
+      <a:schemeClr val="lt1"/>
+    </dgm:txFillClrLst>
+    <dgm:txEffectClrLst/>
+  </dgm:styleLbl>
+  <dgm:styleLbl name="sibTrans2D1">
+    <dgm:fillClrLst meth="repeat">
+      <a:schemeClr val="accent1">
+        <a:tint val="60000"/>
+      </a:schemeClr>
+    </dgm:fillClrLst>
+    <dgm:linClrLst meth="repeat">
+      <a:schemeClr val="accent1">
+        <a:tint val="60000"/>
+      </a:schemeClr>
+    </dgm:linClrLst>
+    <dgm:effectClrLst/>
+    <dgm:txLinClrLst/>
+    <dgm:txFillClrLst/>
+    <dgm:txEffectClrLst/>
+  </dgm:styleLbl>
+  <dgm:styleLbl name="fgSibTrans2D1">
+    <dgm:fillClrLst meth="repeat">
+      <a:schemeClr val="accent1">
+        <a:tint val="60000"/>
+      </a:schemeClr>
+    </dgm:fillClrLst>
+    <dgm:linClrLst meth="repeat">
+      <a:schemeClr val="accent1">
+        <a:tint val="60000"/>
+      </a:schemeClr>
+    </dgm:linClrLst>
+    <dgm:effectClrLst/>
+    <dgm:txLinClrLst/>
+    <dgm:txFillClrLst/>
+    <dgm:txEffectClrLst/>
+  </dgm:styleLbl>
+  <dgm:styleLbl name="bgSibTrans2D1">
+    <dgm:fillClrLst meth="repeat">
+      <a:schemeClr val="accent1">
+        <a:tint val="60000"/>
+      </a:schemeClr>
+    </dgm:fillClrLst>
+    <dgm:linClrLst meth="repeat">
+      <a:schemeClr val="accent1">
+        <a:tint val="60000"/>
+      </a:schemeClr>
+    </dgm:linClrLst>
+    <dgm:effectClrLst/>
+    <dgm:txLinClrLst/>
+    <dgm:txFillClrLst/>
+    <dgm:txEffectClrLst/>
+  </dgm:styleLbl>
+  <dgm:styleLbl name="sibTrans1D1">
+    <dgm:fillClrLst meth="repeat">
+      <a:schemeClr val="accent1"/>
+    </dgm:fillClrLst>
+    <dgm:linClrLst meth="repeat">
+      <a:schemeClr val="accent1"/>
+    </dgm:linClrLst>
+    <dgm:effectClrLst/>
+    <dgm:txLinClrLst/>
+    <dgm:txFillClrLst meth="repeat">
+      <a:schemeClr val="tx1"/>
+    </dgm:txFillClrLst>
+    <dgm:txEffectClrLst/>
+  </dgm:styleLbl>
+  <dgm:styleLbl name="callout">
+    <dgm:fillClrLst meth="repeat">
+      <a:schemeClr val="accent1"/>
+    </dgm:fillClrLst>
+    <dgm:linClrLst meth="repeat">
+      <a:schemeClr val="accent1">
+        <a:tint val="50000"/>
+      </a:schemeClr>
+    </dgm:linClrLst>
+    <dgm:effectClrLst/>
+    <dgm:txLinClrLst/>
+    <dgm:txFillClrLst meth="repeat">
+      <a:schemeClr val="tx1"/>
+    </dgm:txFillClrLst>
+    <dgm:txEffectClrLst/>
+  </dgm:styleLbl>
+  <dgm:styleLbl name="asst0">
+    <dgm:fillClrLst meth="repeat">
+      <a:schemeClr val="accent1"/>
+    </dgm:fillClrLst>
+    <dgm:linClrLst meth="repeat">
+      <a:schemeClr val="lt1"/>
+    </dgm:linClrLst>
+    <dgm:effectClrLst/>
+    <dgm:txLinClrLst/>
+    <dgm:txFillClrLst/>
+    <dgm:txEffectClrLst/>
+  </dgm:styleLbl>
+  <dgm:styleLbl name="asst1">
+    <dgm:fillClrLst meth="repeat">
+      <a:schemeClr val="accent1"/>
+    </dgm:fillClrLst>
+    <dgm:linClrLst meth="repeat">
+      <a:schemeClr val="lt1"/>
+    </dgm:linClrLst>
+    <dgm:effectClrLst/>
+    <dgm:txLinClrLst/>
+    <dgm:txFillClrLst/>
+    <dgm:txEffectClrLst/>
+  </dgm:styleLbl>
+  <dgm:styleLbl name="asst2">
+    <dgm:fillClrLst meth="repeat">
+      <a:schemeClr val="accent1"/>
+    </dgm:fillClrLst>
+    <dgm:linClrLst meth="repeat">
+      <a:schemeClr val="lt1"/>
+    </dgm:linClrLst>
+    <dgm:effectClrLst/>
+    <dgm:txLinClrLst/>
+    <dgm:txFillClrLst/>
+    <dgm:txEffectClrLst/>
+  </dgm:styleLbl>
+  <dgm:styleLbl name="asst3">
+    <dgm:fillClrLst meth="repeat">
+      <a:schemeClr val="accent1"/>
+    </dgm:fillClrLst>
+    <dgm:linClrLst meth="repeat">
+      <a:schemeClr val="lt1"/>
+    </dgm:linClrLst>
+    <dgm:effectClrLst/>
+    <dgm:txLinClrLst/>
+    <dgm:txFillClrLst/>
+    <dgm:txEffectClrLst/>
+  </dgm:styleLbl>
+  <dgm:styleLbl name="asst4">
+    <dgm:fillClrLst meth="repeat">
+      <a:schemeClr val="accent1"/>
+    </dgm:fillClrLst>
+    <dgm:linClrLst meth="repeat">
+      <a:schemeClr val="lt1"/>
+    </dgm:linClrLst>
+    <dgm:effectClrLst/>
+    <dgm:txLinClrLst/>
+    <dgm:txFillClrLst/>
+    <dgm:txEffectClrLst/>
+  </dgm:styleLbl>
+  <dgm:styleLbl name="parChTrans2D1">
+    <dgm:fillClrLst meth="repeat">
+      <a:schemeClr val="accent1">
+        <a:tint val="60000"/>
+      </a:schemeClr>
+    </dgm:fillClrLst>
+    <dgm:linClrLst meth="repeat">
+      <a:schemeClr val="accent1">
+        <a:tint val="60000"/>
+      </a:schemeClr>
+    </dgm:linClrLst>
+    <dgm:effectClrLst/>
+    <dgm:txLinClrLst/>
+    <dgm:txFillClrLst meth="repeat">
+      <a:schemeClr val="lt1"/>
+    </dgm:txFillClrLst>
+    <dgm:txEffectClrLst/>
+  </dgm:styleLbl>
+  <dgm:styleLbl name="parChTrans2D2">
+    <dgm:fillClrLst meth="repeat">
+      <a:schemeClr val="accent1"/>
+    </dgm:fillClrLst>
+    <dgm:linClrLst meth="repeat">
+      <a:schemeClr val="accent1"/>
+    </dgm:linClrLst>
+    <dgm:effectClrLst/>
+    <dgm:txLinClrLst/>
+    <dgm:txFillClrLst meth="repeat">
+      <a:schemeClr val="lt1"/>
+    </dgm:txFillClrLst>
+    <dgm:txEffectClrLst/>
+  </dgm:styleLbl>
+  <dgm:styleLbl name="parChTrans2D3">
+    <dgm:fillClrLst meth="repeat">
+      <a:schemeClr val="accent1"/>
+    </dgm:fillClrLst>
+    <dgm:linClrLst meth="repeat">
+      <a:schemeClr val="accent1"/>
+    </dgm:linClrLst>
+    <dgm:effectClrLst/>
+    <dgm:txLinClrLst/>
+    <dgm:txFillClrLst meth="repeat">
+      <a:schemeClr val="lt1"/>
+    </dgm:txFillClrLst>
+    <dgm:txEffectClrLst/>
+  </dgm:styleLbl>
+  <dgm:styleLbl name="parChTrans2D4">
+    <dgm:fillClrLst meth="repeat">
+      <a:schemeClr val="accent1"/>
+    </dgm:fillClrLst>
+    <dgm:linClrLst meth="repeat">
+      <a:schemeClr val="accent1"/>
+    </dgm:linClrLst>
+    <dgm:effectClrLst/>
+    <dgm:txLinClrLst/>
+    <dgm:txFillClrLst meth="repeat">
+      <a:schemeClr val="lt1"/>
+    </dgm:txFillClrLst>
+    <dgm:txEffectClrLst/>
+  </dgm:styleLbl>
+  <dgm:styleLbl name="parChTrans1D1">
+    <dgm:fillClrLst meth="repeat">
+      <a:schemeClr val="accent1"/>
+    </dgm:fillClrLst>
+    <dgm:linClrLst meth="repeat">
+      <a:schemeClr val="accent1">
+        <a:shade val="60000"/>
+      </a:schemeClr>
+    </dgm:linClrLst>
+    <dgm:effectClrLst/>
+    <dgm:txLinClrLst/>
+    <dgm:txFillClrLst meth="repeat">
+      <a:schemeClr val="tx1"/>
+    </dgm:txFillClrLst>
+    <dgm:txEffectClrLst/>
+  </dgm:styleLbl>
+  <dgm:styleLbl name="parChTrans1D2">
+    <dgm:fillClrLst meth="repeat">
+      <a:schemeClr val="accent1"/>
+    </dgm:fillClrLst>
+    <dgm:linClrLst meth="repeat">
+      <a:schemeClr val="accent1">
+        <a:shade val="60000"/>
+      </a:schemeClr>
+    </dgm:linClrLst>
+    <dgm:effectClrLst/>
+    <dgm:txLinClrLst/>
+    <dgm:txFillClrLst meth="repeat">
+      <a:schemeClr val="tx1"/>
+    </dgm:txFillClrLst>
+    <dgm:txEffectClrLst/>
+  </dgm:styleLbl>
+  <dgm:styleLbl name="parChTrans1D3">
+    <dgm:fillClrLst meth="repeat">
+      <a:schemeClr val="accent1"/>
+    </dgm:fillClrLst>
+    <dgm:linClrLst meth="repeat">
+      <a:schemeClr val="accent1">
+        <a:shade val="80000"/>
+      </a:schemeClr>
+    </dgm:linClrLst>
+    <dgm:effectClrLst/>
+    <dgm:txLinClrLst/>
+    <dgm:txFillClrLst meth="repeat">
+      <a:schemeClr val="tx1"/>
+    </dgm:txFillClrLst>
+    <dgm:txEffectClrLst/>
+  </dgm:styleLbl>
+  <dgm:styleLbl name="parChTrans1D4">
+    <dgm:fillClrLst meth="repeat">
+      <a:schemeClr val="accent1"/>
+    </dgm:fillClrLst>
+    <dgm:linClrLst meth="repeat">
+      <a:schemeClr val="accent1">
+        <a:shade val="80000"/>
+      </a:schemeClr>
+    </dgm:linClrLst>
+    <dgm:effectClrLst/>
+    <dgm:txLinClrLst/>
+    <dgm:txFillClrLst meth="repeat">
+      <a:schemeClr val="tx1"/>
+    </dgm:txFillClrLst>
+    <dgm:txEffectClrLst/>
+  </dgm:styleLbl>
+  <dgm:styleLbl name="fgAcc1">
+    <dgm:fillClrLst meth="repeat">
+      <a:schemeClr val="lt1">
+        <a:alpha val="90000"/>
+      </a:schemeClr>
+    </dgm:fillClrLst>
+    <dgm:linClrLst meth="repeat">
+      <a:schemeClr val="accent1"/>
+    </dgm:linClrLst>
+    <dgm:effectClrLst/>
+    <dgm:txLinClrLst/>
+    <dgm:txFillClrLst meth="repeat">
+      <a:schemeClr val="dk1"/>
+    </dgm:txFillClrLst>
+    <dgm:txEffectClrLst/>
+  </dgm:styleLbl>
+  <dgm:styleLbl name="conFgAcc1">
+    <dgm:fillClrLst meth="repeat">
+      <a:schemeClr val="lt1">
+        <a:alpha val="90000"/>
+      </a:schemeClr>
+    </dgm:fillClrLst>
+    <dgm:linClrLst meth="repeat">
+      <a:schemeClr val="accent1"/>
+    </dgm:linClrLst>
+    <dgm:effectClrLst/>
+    <dgm:txLinClrLst/>
+    <dgm:txFillClrLst meth="repeat">
+      <a:schemeClr val="dk1"/>
+    </dgm:txFillClrLst>
+    <dgm:txEffectClrLst/>
+  </dgm:styleLbl>
+  <dgm:styleLbl name="alignAcc1">
+    <dgm:fillClrLst meth="repeat">
+      <a:schemeClr val="lt1">
+        <a:alpha val="90000"/>
+      </a:schemeClr>
+    </dgm:fillClrLst>
+    <dgm:linClrLst meth="repeat">
+      <a:schemeClr val="accent1"/>
+    </dgm:linClrLst>
+    <dgm:effectClrLst/>
+    <dgm:txLinClrLst/>
+    <dgm:txFillClrLst meth="repeat">
+      <a:schemeClr val="dk1"/>
+    </dgm:txFillClrLst>
+    <dgm:txEffectClrLst/>
+  </dgm:styleLbl>
+  <dgm:styleLbl name="trAlignAcc1">
+    <dgm:fillClrLst meth="repeat">
+      <a:schemeClr val="lt1">
+        <a:alpha val="40000"/>
+      </a:schemeClr>
+    </dgm:fillClrLst>
+    <dgm:linClrLst meth="repeat">
+      <a:schemeClr val="accent1"/>
+    </dgm:linClrLst>
+    <dgm:effectClrLst/>
+    <dgm:txLinClrLst/>
+    <dgm:txFillClrLst meth="repeat">
+      <a:schemeClr val="dk1"/>
+    </dgm:txFillClrLst>
+    <dgm:txEffectClrLst/>
+  </dgm:styleLbl>
+  <dgm:styleLbl name="bgAcc1">
+    <dgm:fillClrLst meth="repeat">
+      <a:schemeClr val="lt1">
+        <a:alpha val="90000"/>
+      </a:schemeClr>
+    </dgm:fillClrLst>
+    <dgm:linClrLst meth="repeat">
+      <a:schemeClr val="accent1"/>
+    </dgm:linClrLst>
+    <dgm:effectClrLst/>
+    <dgm:txLinClrLst/>
+    <dgm:txFillClrLst meth="repeat">
+      <a:schemeClr val="dk1"/>
+    </dgm:txFillClrLst>
+    <dgm:txEffectClrLst/>
+  </dgm:styleLbl>
+  <dgm:styleLbl name="solidFgAcc1">
+    <dgm:fillClrLst meth="repeat">
+      <a:schemeClr val="lt1"/>
+    </dgm:fillClrLst>
+    <dgm:linClrLst meth="repeat">
+      <a:schemeClr val="accent1"/>
+    </dgm:linClrLst>
+    <dgm:effectClrLst/>
+    <dgm:txLinClrLst/>
+    <dgm:txFillClrLst meth="repeat">
+      <a:schemeClr val="dk1"/>
+    </dgm:txFillClrLst>
+    <dgm:txEffectClrLst/>
+  </dgm:styleLbl>
+  <dgm:styleLbl name="solidAlignAcc1">
+    <dgm:fillClrLst meth="repeat">
+      <a:schemeClr val="lt1"/>
+    </dgm:fillClrLst>
+    <dgm:linClrLst meth="repeat">
+      <a:schemeClr val="accent1"/>
+    </dgm:linClrLst>
+    <dgm:effectClrLst/>
+    <dgm:txLinClrLst/>
+    <dgm:txFillClrLst meth="repeat">
+      <a:schemeClr val="dk1"/>
+    </dgm:txFillClrLst>
+    <dgm:txEffectClrLst/>
+  </dgm:styleLbl>
+  <dgm:styleLbl name="solidBgAcc1">
+    <dgm:fillClrLst meth="repeat">
+      <a:schemeClr val="lt1"/>
+    </dgm:fillClrLst>
+    <dgm:linClrLst meth="repeat">
+      <a:schemeClr val="accent1"/>
+    </dgm:linClrLst>
+    <dgm:effectClrLst/>
+    <dgm:txLinClrLst/>
+    <dgm:txFillClrLst meth="repeat">
+      <a:schemeClr val="dk1"/>
+    </dgm:txFillClrLst>
+    <dgm:txEffectClrLst/>
+  </dgm:styleLbl>
+  <dgm:styleLbl name="fgAccFollowNode1">
+    <dgm:fillClrLst meth="repeat">
+      <a:schemeClr val="accent1">
+        <a:alpha val="90000"/>
+        <a:tint val="40000"/>
+      </a:schemeClr>
+    </dgm:fillClrLst>
+    <dgm:linClrLst meth="repeat">
+      <a:schemeClr val="accent1">
+        <a:alpha val="90000"/>
+        <a:tint val="40000"/>
+      </a:schemeClr>
+    </dgm:linClrLst>
+    <dgm:effectClrLst/>
+    <dgm:txLinClrLst/>
+    <dgm:txFillClrLst meth="repeat">
+      <a:schemeClr val="dk1"/>
+    </dgm:txFillClrLst>
+    <dgm:txEffectClrLst/>
+  </dgm:styleLbl>
+  <dgm:styleLbl name="alignAccFollowNode1">
+    <dgm:fillClrLst meth="repeat">
+      <a:schemeClr val="accent1">
+        <a:alpha val="90000"/>
+        <a:tint val="40000"/>
+      </a:schemeClr>
+    </dgm:fillClrLst>
+    <dgm:linClrLst meth="repeat">
+      <a:schemeClr val="accent1">
+        <a:alpha val="90000"/>
+        <a:tint val="40000"/>
+      </a:schemeClr>
+    </dgm:linClrLst>
+    <dgm:effectClrLst/>
+    <dgm:txLinClrLst/>
+    <dgm:txFillClrLst meth="repeat">
+      <a:schemeClr val="dk1"/>
+    </dgm:txFillClrLst>
+    <dgm:txEffectClrLst/>
+  </dgm:styleLbl>
+  <dgm:styleLbl name="bgAccFollowNode1">
+    <dgm:fillClrLst meth="repeat">
+      <a:schemeClr val="accent1">
+        <a:alpha val="90000"/>
+        <a:tint val="40000"/>
+      </a:schemeClr>
+    </dgm:fillClrLst>
+    <dgm:linClrLst meth="repeat">
+      <a:schemeClr val="accent1">
+        <a:alpha val="90000"/>
+        <a:tint val="40000"/>
+      </a:schemeClr>
+    </dgm:linClrLst>
+    <dgm:effectClrLst/>
+    <dgm:txLinClrLst/>
+    <dgm:txFillClrLst meth="repeat">
+      <a:schemeClr val="dk1"/>
+    </dgm:txFillClrLst>
+    <dgm:txEffectClrLst/>
+  </dgm:styleLbl>
+  <dgm:styleLbl name="fgAcc0">
+    <dgm:fillClrLst meth="repeat">
+      <a:schemeClr val="lt1">
+        <a:alpha val="90000"/>
+      </a:schemeClr>
+    </dgm:fillClrLst>
+    <dgm:linClrLst meth="repeat">
+      <a:schemeClr val="accent1"/>
+    </dgm:linClrLst>
+    <dgm:effectClrLst/>
+    <dgm:txLinClrLst/>
+    <dgm:txFillClrLst meth="repeat">
+      <a:schemeClr val="dk1"/>
+    </dgm:txFillClrLst>
+    <dgm:txEffectClrLst/>
+  </dgm:styleLbl>
+  <dgm:styleLbl name="fgAcc2">
+    <dgm:fillClrLst meth="repeat">
+      <a:schemeClr val="lt1">
+        <a:alpha val="90000"/>
+      </a:schemeClr>
+    </dgm:fillClrLst>
+    <dgm:linClrLst meth="repeat">
+      <a:schemeClr val="accent1"/>
+    </dgm:linClrLst>
+    <dgm:effectClrLst/>
+    <dgm:txLinClrLst/>
+    <dgm:txFillClrLst meth="repeat">
+      <a:schemeClr val="dk1"/>
+    </dgm:txFillClrLst>
+    <dgm:txEffectClrLst/>
+  </dgm:styleLbl>
+  <dgm:styleLbl name="fgAcc3">
+    <dgm:fillClrLst meth="repeat">
+      <a:schemeClr val="lt1">
+        <a:alpha val="90000"/>
+      </a:schemeClr>
+    </dgm:fillClrLst>
+    <dgm:linClrLst meth="repeat">
+      <a:schemeClr val="accent1"/>
+    </dgm:linClrLst>
+    <dgm:effectClrLst/>
+    <dgm:txLinClrLst/>
+    <dgm:txFillClrLst meth="repeat">
+      <a:schemeClr val="dk1"/>
+    </dgm:txFillClrLst>
+    <dgm:txEffectClrLst/>
+  </dgm:styleLbl>
+  <dgm:styleLbl name="fgAcc4">
+    <dgm:fillClrLst meth="repeat">
+      <a:schemeClr val="lt1">
+        <a:alpha val="90000"/>
+      </a:schemeClr>
+    </dgm:fillClrLst>
+    <dgm:linClrLst meth="repeat">
+      <a:schemeClr val="accent1"/>
+    </dgm:linClrLst>
+    <dgm:effectClrLst/>
+    <dgm:txLinClrLst/>
+    <dgm:txFillClrLst meth="repeat">
+      <a:schemeClr val="dk1"/>
+    </dgm:txFillClrLst>
+    <dgm:txEffectClrLst/>
+  </dgm:styleLbl>
+  <dgm:styleLbl name="bgShp">
+    <dgm:fillClrLst meth="repeat">
+      <a:schemeClr val="accent1">
+        <a:tint val="40000"/>
+      </a:schemeClr>
+    </dgm:fillClrLst>
+    <dgm:linClrLst meth="repeat">
+      <a:schemeClr val="accent1"/>
+    </dgm:linClrLst>
+    <dgm:effectClrLst/>
+    <dgm:txLinClrLst/>
+    <dgm:txFillClrLst meth="repeat">
+      <a:schemeClr val="dk1"/>
+    </dgm:txFillClrLst>
+    <dgm:txEffectClrLst/>
+  </dgm:styleLbl>
+  <dgm:styleLbl name="dkBgShp">
+    <dgm:fillClrLst meth="repeat">
+      <a:schemeClr val="accent1">
+        <a:shade val="80000"/>
+      </a:schemeClr>
+    </dgm:fillClrLst>
+    <dgm:linClrLst meth="repeat">
+      <a:schemeClr val="accent1"/>
+    </dgm:linClrLst>
+    <dgm:effectClrLst/>
+    <dgm:txLinClrLst/>
+    <dgm:txFillClrLst meth="repeat">
+      <a:schemeClr val="lt1"/>
+    </dgm:txFillClrLst>
+    <dgm:txEffectClrLst/>
+  </dgm:styleLbl>
+  <dgm:styleLbl name="trBgShp">
+    <dgm:fillClrLst meth="repeat">
+      <a:schemeClr val="accent1">
+        <a:tint val="50000"/>
+        <a:alpha val="40000"/>
+      </a:schemeClr>
+    </dgm:fillClrLst>
+    <dgm:linClrLst meth="repeat">
+      <a:schemeClr val="accent1"/>
+    </dgm:linClrLst>
+    <dgm:effectClrLst/>
+    <dgm:txLinClrLst/>
+    <dgm:txFillClrLst meth="repeat">
+      <a:schemeClr val="lt1"/>
+    </dgm:txFillClrLst>
+    <dgm:txEffectClrLst/>
+  </dgm:styleLbl>
+  <dgm:styleLbl name="fgShp">
+    <dgm:fillClrLst meth="repeat">
+      <a:schemeClr val="accent1">
+        <a:tint val="60000"/>
+      </a:schemeClr>
+    </dgm:fillClrLst>
+    <dgm:linClrLst meth="repeat">
+      <a:schemeClr val="lt1"/>
+    </dgm:linClrLst>
+    <dgm:effectClrLst/>
+    <dgm:txLinClrLst/>
+    <dgm:txFillClrLst meth="repeat">
+      <a:schemeClr val="dk1"/>
+    </dgm:txFillClrLst>
+    <dgm:txEffectClrLst/>
+  </dgm:styleLbl>
+  <dgm:styleLbl name="revTx">
+    <dgm:fillClrLst meth="repeat">
+      <a:schemeClr val="lt1">
+        <a:alpha val="0"/>
+      </a:schemeClr>
+    </dgm:fillClrLst>
+    <dgm:linClrLst meth="repeat">
+      <a:schemeClr val="dk1">
+        <a:alpha val="0"/>
+      </a:schemeClr>
+    </dgm:linClrLst>
+    <dgm:effectClrLst/>
+    <dgm:txLinClrLst/>
+    <dgm:txFillClrLst meth="repeat">
+      <a:schemeClr val="tx1"/>
+    </dgm:txFillClrLst>
+    <dgm:txEffectClrLst/>
+  </dgm:styleLbl>
+</dgm:colorsDef>
+</file>
+
+<file path=ppt/diagrams/data1.xml><?xml version="1.0" encoding="utf-8"?>
+<dgm:dataModel xmlns:dgm="http://schemas.openxmlformats.org/drawingml/2006/diagram" xmlns:a="http://schemas.openxmlformats.org/drawingml/2006/main">
+  <dgm:ptLst>
+    <dgm:pt modelId="{2B702CCE-0648-7347-87AE-1216C34969A5}" type="doc">
+      <dgm:prSet loTypeId="urn:microsoft.com/office/officeart/2005/8/layout/hierarchy1" loCatId="" qsTypeId="urn:microsoft.com/office/officeart/2005/8/quickstyle/simple1" qsCatId="simple" csTypeId="urn:microsoft.com/office/officeart/2005/8/colors/accent1_2" csCatId="accent1" phldr="1"/>
+      <dgm:spPr/>
+      <dgm:t>
+        <a:bodyPr/>
+        <a:lstStyle/>
+        <a:p>
+          <a:endParaRPr lang="en-GB"/>
+        </a:p>
+      </dgm:t>
+    </dgm:pt>
+    <dgm:pt modelId="{FB9B6087-2175-C442-8D5A-740DC6612EB2}">
+      <dgm:prSet phldrT="[Text]"/>
+      <dgm:spPr/>
+      <dgm:t>
+        <a:bodyPr/>
+        <a:lstStyle/>
+        <a:p>
+          <a:r>
+            <a:rPr lang="en-GB" dirty="0"/>
+            <a:t>Weather Monitoring System</a:t>
+          </a:r>
+        </a:p>
+      </dgm:t>
+    </dgm:pt>
+    <dgm:pt modelId="{940501E2-CD72-1640-966E-7CCD4AD2EEBD}" type="parTrans" cxnId="{C7257F4A-5DD8-DE49-902A-EFCDB8D77357}">
+      <dgm:prSet/>
+      <dgm:spPr/>
+      <dgm:t>
+        <a:bodyPr/>
+        <a:lstStyle/>
+        <a:p>
+          <a:endParaRPr lang="en-GB"/>
+        </a:p>
+      </dgm:t>
+    </dgm:pt>
+    <dgm:pt modelId="{87150B45-E7A1-1246-BCC6-3E74E41BFB15}" type="sibTrans" cxnId="{C7257F4A-5DD8-DE49-902A-EFCDB8D77357}">
+      <dgm:prSet/>
+      <dgm:spPr/>
+      <dgm:t>
+        <a:bodyPr/>
+        <a:lstStyle/>
+        <a:p>
+          <a:endParaRPr lang="en-GB"/>
+        </a:p>
+      </dgm:t>
+    </dgm:pt>
+    <dgm:pt modelId="{4E938A09-34C0-2549-AB8E-AEECFB51015B}">
+      <dgm:prSet phldrT="[Text]"/>
+      <dgm:spPr/>
+      <dgm:t>
+        <a:bodyPr/>
+        <a:lstStyle/>
+        <a:p>
+          <a:r>
+            <a:rPr lang="en-GB" dirty="0"/>
+            <a:t>Normal Situation</a:t>
+          </a:r>
+        </a:p>
+      </dgm:t>
+    </dgm:pt>
+    <dgm:pt modelId="{1B1D9A9E-0C16-7F4B-8BEE-91B49B1B0DE9}" type="parTrans" cxnId="{AF6EBF9D-0E23-3342-8BAB-43923FA420FB}">
+      <dgm:prSet/>
+      <dgm:spPr/>
+      <dgm:t>
+        <a:bodyPr/>
+        <a:lstStyle/>
+        <a:p>
+          <a:endParaRPr lang="en-GB"/>
+        </a:p>
+      </dgm:t>
+    </dgm:pt>
+    <dgm:pt modelId="{35E2BEF9-BAED-0E4B-BA4A-FCB992C8F388}" type="sibTrans" cxnId="{AF6EBF9D-0E23-3342-8BAB-43923FA420FB}">
+      <dgm:prSet/>
+      <dgm:spPr/>
+      <dgm:t>
+        <a:bodyPr/>
+        <a:lstStyle/>
+        <a:p>
+          <a:endParaRPr lang="en-GB"/>
+        </a:p>
+      </dgm:t>
+    </dgm:pt>
+    <dgm:pt modelId="{5F14BFBA-58E1-E74C-926C-D5EA330CD898}">
+      <dgm:prSet phldrT="[Text]"/>
+      <dgm:spPr/>
+      <dgm:t>
+        <a:bodyPr/>
+        <a:lstStyle/>
+        <a:p>
+          <a:r>
+            <a:rPr lang="en-GB" dirty="0"/>
+            <a:t>Keeps on checking the value of the environment</a:t>
+          </a:r>
+        </a:p>
+      </dgm:t>
+    </dgm:pt>
+    <dgm:pt modelId="{CB138B12-8907-0C42-8560-6262D3116B82}" type="parTrans" cxnId="{5A759255-DFB3-C34E-B423-EC912B01CB22}">
+      <dgm:prSet/>
+      <dgm:spPr/>
+      <dgm:t>
+        <a:bodyPr/>
+        <a:lstStyle/>
+        <a:p>
+          <a:endParaRPr lang="en-GB"/>
+        </a:p>
+      </dgm:t>
+    </dgm:pt>
+    <dgm:pt modelId="{14023418-F41F-BA4C-B559-9510DFEBD026}" type="sibTrans" cxnId="{5A759255-DFB3-C34E-B423-EC912B01CB22}">
+      <dgm:prSet/>
+      <dgm:spPr/>
+      <dgm:t>
+        <a:bodyPr/>
+        <a:lstStyle/>
+        <a:p>
+          <a:endParaRPr lang="en-GB"/>
+        </a:p>
+      </dgm:t>
+    </dgm:pt>
+    <dgm:pt modelId="{5BA315DF-3E49-044B-AF21-D0F29E7728B9}">
+      <dgm:prSet phldrT="[Text]"/>
+      <dgm:spPr/>
+      <dgm:t>
+        <a:bodyPr/>
+        <a:lstStyle/>
+        <a:p>
+          <a:r>
+            <a:rPr lang="en-GB" dirty="0"/>
+            <a:t>Report data to panel</a:t>
+          </a:r>
+        </a:p>
+      </dgm:t>
+    </dgm:pt>
+    <dgm:pt modelId="{E014B8AA-6E61-B54B-A618-34ED21B794BE}" type="parTrans" cxnId="{A2975679-E3CE-7146-9C36-F79EFBC1FC00}">
+      <dgm:prSet/>
+      <dgm:spPr/>
+      <dgm:t>
+        <a:bodyPr/>
+        <a:lstStyle/>
+        <a:p>
+          <a:endParaRPr lang="en-GB"/>
+        </a:p>
+      </dgm:t>
+    </dgm:pt>
+    <dgm:pt modelId="{D058CD2E-36FF-9B44-AB60-84D43AC13AEA}" type="sibTrans" cxnId="{A2975679-E3CE-7146-9C36-F79EFBC1FC00}">
+      <dgm:prSet/>
+      <dgm:spPr/>
+      <dgm:t>
+        <a:bodyPr/>
+        <a:lstStyle/>
+        <a:p>
+          <a:endParaRPr lang="en-GB"/>
+        </a:p>
+      </dgm:t>
+    </dgm:pt>
+    <dgm:pt modelId="{D38BC85A-39C7-C040-9423-D0AC6FEE146C}">
+      <dgm:prSet phldrT="[Text]"/>
+      <dgm:spPr/>
+      <dgm:t>
+        <a:bodyPr/>
+        <a:lstStyle/>
+        <a:p>
+          <a:r>
+            <a:rPr lang="en-GB" dirty="0"/>
+            <a:t>GAS LEAKAGE</a:t>
+          </a:r>
+        </a:p>
+      </dgm:t>
+    </dgm:pt>
+    <dgm:pt modelId="{94636211-E6A7-9045-B1BC-38A259B047FF}" type="parTrans" cxnId="{9E8D659B-11C7-284F-89CE-CB4006DB77DF}">
+      <dgm:prSet/>
+      <dgm:spPr/>
+      <dgm:t>
+        <a:bodyPr/>
+        <a:lstStyle/>
+        <a:p>
+          <a:endParaRPr lang="en-GB"/>
+        </a:p>
+      </dgm:t>
+    </dgm:pt>
+    <dgm:pt modelId="{42D982C6-3E1E-4045-AC60-E5805E3E7866}" type="sibTrans" cxnId="{9E8D659B-11C7-284F-89CE-CB4006DB77DF}">
+      <dgm:prSet/>
+      <dgm:spPr/>
+      <dgm:t>
+        <a:bodyPr/>
+        <a:lstStyle/>
+        <a:p>
+          <a:endParaRPr lang="en-GB"/>
+        </a:p>
+      </dgm:t>
+    </dgm:pt>
+    <dgm:pt modelId="{56A9A591-28F5-0E43-9611-F51E5A651069}">
+      <dgm:prSet phldrT="[Text]"/>
+      <dgm:spPr/>
+      <dgm:t>
+        <a:bodyPr/>
+        <a:lstStyle/>
+        <a:p>
+          <a:r>
+            <a:rPr lang="en-GB" dirty="0"/>
+            <a:t>Send unusual data to online panel</a:t>
+          </a:r>
+        </a:p>
+      </dgm:t>
+    </dgm:pt>
+    <dgm:pt modelId="{2EE82983-AE39-9B4A-B905-7F71FE5B7574}" type="parTrans" cxnId="{FC730F2F-882D-AD47-B3B9-EF2140709F41}">
+      <dgm:prSet/>
+      <dgm:spPr/>
+      <dgm:t>
+        <a:bodyPr/>
+        <a:lstStyle/>
+        <a:p>
+          <a:endParaRPr lang="en-GB"/>
+        </a:p>
+      </dgm:t>
+    </dgm:pt>
+    <dgm:pt modelId="{2D1EFE8D-A735-FD4B-B305-A3EFB8D9917B}" type="sibTrans" cxnId="{FC730F2F-882D-AD47-B3B9-EF2140709F41}">
+      <dgm:prSet/>
+      <dgm:spPr/>
+      <dgm:t>
+        <a:bodyPr/>
+        <a:lstStyle/>
+        <a:p>
+          <a:endParaRPr lang="en-GB"/>
+        </a:p>
+      </dgm:t>
+    </dgm:pt>
+    <dgm:pt modelId="{0BCD3855-7632-2048-A6D1-43899C086BE6}">
+      <dgm:prSet phldrT="[Text]"/>
+      <dgm:spPr/>
+      <dgm:t>
+        <a:bodyPr/>
+        <a:lstStyle/>
+        <a:p>
+          <a:r>
+            <a:rPr lang="en-GB" dirty="0"/>
+            <a:t>Send unusual data to mobile phones connected</a:t>
+          </a:r>
+        </a:p>
+      </dgm:t>
+    </dgm:pt>
+    <dgm:pt modelId="{A5CAE55A-7006-E74F-B296-D013579C113A}" type="parTrans" cxnId="{CBB30932-10FD-5343-8C4C-2538E907F2EF}">
+      <dgm:prSet/>
+      <dgm:spPr/>
+      <dgm:t>
+        <a:bodyPr/>
+        <a:lstStyle/>
+        <a:p>
+          <a:endParaRPr lang="en-GB"/>
+        </a:p>
+      </dgm:t>
+    </dgm:pt>
+    <dgm:pt modelId="{B59CBE1D-9728-AB47-A2C0-6B3FD4D5896B}" type="sibTrans" cxnId="{CBB30932-10FD-5343-8C4C-2538E907F2EF}">
+      <dgm:prSet/>
+      <dgm:spPr/>
+      <dgm:t>
+        <a:bodyPr/>
+        <a:lstStyle/>
+        <a:p>
+          <a:endParaRPr lang="en-GB"/>
+        </a:p>
+      </dgm:t>
+    </dgm:pt>
+    <dgm:pt modelId="{E5F09CB3-3784-644B-A3C8-BB577E981559}">
+      <dgm:prSet phldrT="[Text]"/>
+      <dgm:spPr/>
+      <dgm:t>
+        <a:bodyPr/>
+        <a:lstStyle/>
+        <a:p>
+          <a:r>
+            <a:rPr lang="en-GB" dirty="0"/>
+            <a:t>Turn on LED lights and emit sound</a:t>
+          </a:r>
+        </a:p>
+      </dgm:t>
+    </dgm:pt>
+    <dgm:pt modelId="{C3248F37-8EBD-0A4C-8B3E-C1BA255EAEE9}" type="parTrans" cxnId="{48C34625-ED2C-D54C-A71C-E559CD980D6F}">
+      <dgm:prSet/>
+      <dgm:spPr/>
+      <dgm:t>
+        <a:bodyPr/>
+        <a:lstStyle/>
+        <a:p>
+          <a:endParaRPr lang="en-GB"/>
+        </a:p>
+      </dgm:t>
+    </dgm:pt>
+    <dgm:pt modelId="{9C3D1439-119F-EE45-8764-2CCFE07861BE}" type="sibTrans" cxnId="{48C34625-ED2C-D54C-A71C-E559CD980D6F}">
+      <dgm:prSet/>
+      <dgm:spPr/>
+      <dgm:t>
+        <a:bodyPr/>
+        <a:lstStyle/>
+        <a:p>
+          <a:endParaRPr lang="en-GB"/>
+        </a:p>
+      </dgm:t>
+    </dgm:pt>
+    <dgm:pt modelId="{9103FD8C-1988-A94E-80EF-BC9A3C9DEB31}" type="pres">
+      <dgm:prSet presAssocID="{2B702CCE-0648-7347-87AE-1216C34969A5}" presName="hierChild1" presStyleCnt="0">
+        <dgm:presLayoutVars>
+          <dgm:chPref val="1"/>
+          <dgm:dir/>
+          <dgm:animOne val="branch"/>
+          <dgm:animLvl val="lvl"/>
+          <dgm:resizeHandles/>
+        </dgm:presLayoutVars>
+      </dgm:prSet>
+      <dgm:spPr/>
+    </dgm:pt>
+    <dgm:pt modelId="{BA1F3285-760F-4E4F-8D04-D0DBA9625235}" type="pres">
+      <dgm:prSet presAssocID="{FB9B6087-2175-C442-8D5A-740DC6612EB2}" presName="hierRoot1" presStyleCnt="0"/>
+      <dgm:spPr/>
+    </dgm:pt>
+    <dgm:pt modelId="{80B4E0A3-7931-414F-BEBD-B886D099B588}" type="pres">
+      <dgm:prSet presAssocID="{FB9B6087-2175-C442-8D5A-740DC6612EB2}" presName="composite" presStyleCnt="0"/>
+      <dgm:spPr/>
+    </dgm:pt>
+    <dgm:pt modelId="{EE61A2A1-FA9D-E44A-A0B4-0B0537CD848D}" type="pres">
+      <dgm:prSet presAssocID="{FB9B6087-2175-C442-8D5A-740DC6612EB2}" presName="background" presStyleLbl="node0" presStyleIdx="0" presStyleCnt="1"/>
+      <dgm:spPr/>
+    </dgm:pt>
+    <dgm:pt modelId="{50053407-133F-234F-8607-41C89A09E437}" type="pres">
+      <dgm:prSet presAssocID="{FB9B6087-2175-C442-8D5A-740DC6612EB2}" presName="text" presStyleLbl="fgAcc0" presStyleIdx="0" presStyleCnt="1">
+        <dgm:presLayoutVars>
+          <dgm:chPref val="3"/>
+        </dgm:presLayoutVars>
+      </dgm:prSet>
+      <dgm:spPr/>
+    </dgm:pt>
+    <dgm:pt modelId="{B44946A0-BAF4-9140-A696-40AB1FC0B22D}" type="pres">
+      <dgm:prSet presAssocID="{FB9B6087-2175-C442-8D5A-740DC6612EB2}" presName="hierChild2" presStyleCnt="0"/>
+      <dgm:spPr/>
+    </dgm:pt>
+    <dgm:pt modelId="{6F09EE0C-B330-504A-A469-8EB20CD93C66}" type="pres">
+      <dgm:prSet presAssocID="{1B1D9A9E-0C16-7F4B-8BEE-91B49B1B0DE9}" presName="Name10" presStyleLbl="parChTrans1D2" presStyleIdx="0" presStyleCnt="2"/>
+      <dgm:spPr/>
+    </dgm:pt>
+    <dgm:pt modelId="{C756CFFA-E16C-9844-8E24-5B7FCE4E1E5F}" type="pres">
+      <dgm:prSet presAssocID="{4E938A09-34C0-2549-AB8E-AEECFB51015B}" presName="hierRoot2" presStyleCnt="0"/>
+      <dgm:spPr/>
+    </dgm:pt>
+    <dgm:pt modelId="{39AD3A7E-4F6D-FF4C-BEEF-8F540C50AAB2}" type="pres">
+      <dgm:prSet presAssocID="{4E938A09-34C0-2549-AB8E-AEECFB51015B}" presName="composite2" presStyleCnt="0"/>
+      <dgm:spPr/>
+    </dgm:pt>
+    <dgm:pt modelId="{BEAC89BA-88E1-3245-BFA8-AB44946802A0}" type="pres">
+      <dgm:prSet presAssocID="{4E938A09-34C0-2549-AB8E-AEECFB51015B}" presName="background2" presStyleLbl="node2" presStyleIdx="0" presStyleCnt="2"/>
+      <dgm:spPr/>
+    </dgm:pt>
+    <dgm:pt modelId="{1484F084-6A5E-8749-A423-16C89E4DBEA2}" type="pres">
+      <dgm:prSet presAssocID="{4E938A09-34C0-2549-AB8E-AEECFB51015B}" presName="text2" presStyleLbl="fgAcc2" presStyleIdx="0" presStyleCnt="2">
+        <dgm:presLayoutVars>
+          <dgm:chPref val="3"/>
+        </dgm:presLayoutVars>
+      </dgm:prSet>
+      <dgm:spPr/>
+    </dgm:pt>
+    <dgm:pt modelId="{A4DEEC3F-396E-2F4D-9CEC-2DE3A79DFBC1}" type="pres">
+      <dgm:prSet presAssocID="{4E938A09-34C0-2549-AB8E-AEECFB51015B}" presName="hierChild3" presStyleCnt="0"/>
+      <dgm:spPr/>
+    </dgm:pt>
+    <dgm:pt modelId="{B1FA6E4A-0738-924F-9457-94BCB3931759}" type="pres">
+      <dgm:prSet presAssocID="{CB138B12-8907-0C42-8560-6262D3116B82}" presName="Name17" presStyleLbl="parChTrans1D3" presStyleIdx="0" presStyleCnt="5"/>
+      <dgm:spPr/>
+    </dgm:pt>
+    <dgm:pt modelId="{50715722-B99A-9F46-9B71-DF2F76ED9408}" type="pres">
+      <dgm:prSet presAssocID="{5F14BFBA-58E1-E74C-926C-D5EA330CD898}" presName="hierRoot3" presStyleCnt="0"/>
+      <dgm:spPr/>
+    </dgm:pt>
+    <dgm:pt modelId="{93341DF4-74B8-C643-B761-C0EF675A6A44}" type="pres">
+      <dgm:prSet presAssocID="{5F14BFBA-58E1-E74C-926C-D5EA330CD898}" presName="composite3" presStyleCnt="0"/>
+      <dgm:spPr/>
+    </dgm:pt>
+    <dgm:pt modelId="{FDAC7D2A-1FEB-0747-B28A-333ECB8F274E}" type="pres">
+      <dgm:prSet presAssocID="{5F14BFBA-58E1-E74C-926C-D5EA330CD898}" presName="background3" presStyleLbl="node3" presStyleIdx="0" presStyleCnt="5"/>
+      <dgm:spPr/>
+    </dgm:pt>
+    <dgm:pt modelId="{03405E62-2A39-EE4B-9BBE-7BDFB911F484}" type="pres">
+      <dgm:prSet presAssocID="{5F14BFBA-58E1-E74C-926C-D5EA330CD898}" presName="text3" presStyleLbl="fgAcc3" presStyleIdx="0" presStyleCnt="5">
+        <dgm:presLayoutVars>
+          <dgm:chPref val="3"/>
+        </dgm:presLayoutVars>
+      </dgm:prSet>
+      <dgm:spPr/>
+    </dgm:pt>
+    <dgm:pt modelId="{42A3C19B-3506-F74A-B4C6-E77EB0DC5146}" type="pres">
+      <dgm:prSet presAssocID="{5F14BFBA-58E1-E74C-926C-D5EA330CD898}" presName="hierChild4" presStyleCnt="0"/>
+      <dgm:spPr/>
+    </dgm:pt>
+    <dgm:pt modelId="{37F0F67E-A234-5648-9E0E-0B24022106B5}" type="pres">
+      <dgm:prSet presAssocID="{E014B8AA-6E61-B54B-A618-34ED21B794BE}" presName="Name17" presStyleLbl="parChTrans1D3" presStyleIdx="1" presStyleCnt="5"/>
+      <dgm:spPr/>
+    </dgm:pt>
+    <dgm:pt modelId="{063B545A-60BA-A641-AF93-3EE33ACAFB4C}" type="pres">
+      <dgm:prSet presAssocID="{5BA315DF-3E49-044B-AF21-D0F29E7728B9}" presName="hierRoot3" presStyleCnt="0"/>
+      <dgm:spPr/>
+    </dgm:pt>
+    <dgm:pt modelId="{32857628-E157-7E4B-8174-4E41509BAE11}" type="pres">
+      <dgm:prSet presAssocID="{5BA315DF-3E49-044B-AF21-D0F29E7728B9}" presName="composite3" presStyleCnt="0"/>
+      <dgm:spPr/>
+    </dgm:pt>
+    <dgm:pt modelId="{E5CE239C-05EF-DF41-A255-D7CCCB6846CB}" type="pres">
+      <dgm:prSet presAssocID="{5BA315DF-3E49-044B-AF21-D0F29E7728B9}" presName="background3" presStyleLbl="node3" presStyleIdx="1" presStyleCnt="5"/>
+      <dgm:spPr/>
+    </dgm:pt>
+    <dgm:pt modelId="{FEBB1DD1-40D2-7B4B-9048-43CFFE0BB470}" type="pres">
+      <dgm:prSet presAssocID="{5BA315DF-3E49-044B-AF21-D0F29E7728B9}" presName="text3" presStyleLbl="fgAcc3" presStyleIdx="1" presStyleCnt="5">
+        <dgm:presLayoutVars>
+          <dgm:chPref val="3"/>
+        </dgm:presLayoutVars>
+      </dgm:prSet>
+      <dgm:spPr/>
+    </dgm:pt>
+    <dgm:pt modelId="{D9E43824-478F-CD4F-B6B9-0B6427304B54}" type="pres">
+      <dgm:prSet presAssocID="{5BA315DF-3E49-044B-AF21-D0F29E7728B9}" presName="hierChild4" presStyleCnt="0"/>
+      <dgm:spPr/>
+    </dgm:pt>
+    <dgm:pt modelId="{EDC63F23-8EEB-164A-A411-617E9BC3EF5F}" type="pres">
+      <dgm:prSet presAssocID="{94636211-E6A7-9045-B1BC-38A259B047FF}" presName="Name10" presStyleLbl="parChTrans1D2" presStyleIdx="1" presStyleCnt="2"/>
+      <dgm:spPr/>
+    </dgm:pt>
+    <dgm:pt modelId="{137FAA4A-97E5-0145-B9FD-C74E89155CFA}" type="pres">
+      <dgm:prSet presAssocID="{D38BC85A-39C7-C040-9423-D0AC6FEE146C}" presName="hierRoot2" presStyleCnt="0"/>
+      <dgm:spPr/>
+    </dgm:pt>
+    <dgm:pt modelId="{159ECD35-3889-9E40-8C7D-1B070DB0DBB8}" type="pres">
+      <dgm:prSet presAssocID="{D38BC85A-39C7-C040-9423-D0AC6FEE146C}" presName="composite2" presStyleCnt="0"/>
+      <dgm:spPr/>
+    </dgm:pt>
+    <dgm:pt modelId="{D608583C-82B7-6B46-9F55-C8EA47FCECA0}" type="pres">
+      <dgm:prSet presAssocID="{D38BC85A-39C7-C040-9423-D0AC6FEE146C}" presName="background2" presStyleLbl="node2" presStyleIdx="1" presStyleCnt="2"/>
+      <dgm:spPr/>
+    </dgm:pt>
+    <dgm:pt modelId="{31E9129B-7678-154E-8F07-8C3DB2FB87E9}" type="pres">
+      <dgm:prSet presAssocID="{D38BC85A-39C7-C040-9423-D0AC6FEE146C}" presName="text2" presStyleLbl="fgAcc2" presStyleIdx="1" presStyleCnt="2">
+        <dgm:presLayoutVars>
+          <dgm:chPref val="3"/>
+        </dgm:presLayoutVars>
+      </dgm:prSet>
+      <dgm:spPr/>
+    </dgm:pt>
+    <dgm:pt modelId="{B1044AC5-7451-A44F-9648-F3B35F45A13D}" type="pres">
+      <dgm:prSet presAssocID="{D38BC85A-39C7-C040-9423-D0AC6FEE146C}" presName="hierChild3" presStyleCnt="0"/>
+      <dgm:spPr/>
+    </dgm:pt>
+    <dgm:pt modelId="{3528B1E1-9DAD-1A4A-9D59-BE9CFC70901B}" type="pres">
+      <dgm:prSet presAssocID="{2EE82983-AE39-9B4A-B905-7F71FE5B7574}" presName="Name17" presStyleLbl="parChTrans1D3" presStyleIdx="2" presStyleCnt="5"/>
+      <dgm:spPr/>
+    </dgm:pt>
+    <dgm:pt modelId="{09EA5E78-F656-B743-B8CF-599C175F9262}" type="pres">
+      <dgm:prSet presAssocID="{56A9A591-28F5-0E43-9611-F51E5A651069}" presName="hierRoot3" presStyleCnt="0"/>
+      <dgm:spPr/>
+    </dgm:pt>
+    <dgm:pt modelId="{C6F764E2-65B5-5645-ABD8-4E91175952B4}" type="pres">
+      <dgm:prSet presAssocID="{56A9A591-28F5-0E43-9611-F51E5A651069}" presName="composite3" presStyleCnt="0"/>
+      <dgm:spPr/>
+    </dgm:pt>
+    <dgm:pt modelId="{68A1BC1A-B60C-FB47-A302-EF9688D65E78}" type="pres">
+      <dgm:prSet presAssocID="{56A9A591-28F5-0E43-9611-F51E5A651069}" presName="background3" presStyleLbl="node3" presStyleIdx="2" presStyleCnt="5"/>
+      <dgm:spPr/>
+    </dgm:pt>
+    <dgm:pt modelId="{F81D72DC-8440-0C47-B7C0-AF780294C3A7}" type="pres">
+      <dgm:prSet presAssocID="{56A9A591-28F5-0E43-9611-F51E5A651069}" presName="text3" presStyleLbl="fgAcc3" presStyleIdx="2" presStyleCnt="5">
+        <dgm:presLayoutVars>
+          <dgm:chPref val="3"/>
+        </dgm:presLayoutVars>
+      </dgm:prSet>
+      <dgm:spPr/>
+    </dgm:pt>
+    <dgm:pt modelId="{09687B87-0FA8-3542-B898-309563E11D38}" type="pres">
+      <dgm:prSet presAssocID="{56A9A591-28F5-0E43-9611-F51E5A651069}" presName="hierChild4" presStyleCnt="0"/>
+      <dgm:spPr/>
+    </dgm:pt>
+    <dgm:pt modelId="{F8EF8047-5B9D-5140-80A6-24DD42838CA2}" type="pres">
+      <dgm:prSet presAssocID="{A5CAE55A-7006-E74F-B296-D013579C113A}" presName="Name17" presStyleLbl="parChTrans1D3" presStyleIdx="3" presStyleCnt="5"/>
+      <dgm:spPr/>
+    </dgm:pt>
+    <dgm:pt modelId="{B5F2F411-284E-2145-A342-C5484338243C}" type="pres">
+      <dgm:prSet presAssocID="{0BCD3855-7632-2048-A6D1-43899C086BE6}" presName="hierRoot3" presStyleCnt="0"/>
+      <dgm:spPr/>
+    </dgm:pt>
+    <dgm:pt modelId="{28176CC2-0ADE-1E44-8387-6FD8C7C4D74E}" type="pres">
+      <dgm:prSet presAssocID="{0BCD3855-7632-2048-A6D1-43899C086BE6}" presName="composite3" presStyleCnt="0"/>
+      <dgm:spPr/>
+    </dgm:pt>
+    <dgm:pt modelId="{18E8EBDF-D231-6345-869D-2CFA03AA78CA}" type="pres">
+      <dgm:prSet presAssocID="{0BCD3855-7632-2048-A6D1-43899C086BE6}" presName="background3" presStyleLbl="node3" presStyleIdx="3" presStyleCnt="5"/>
+      <dgm:spPr/>
+    </dgm:pt>
+    <dgm:pt modelId="{397E58EE-50B4-F741-B3E0-755D7501E54F}" type="pres">
+      <dgm:prSet presAssocID="{0BCD3855-7632-2048-A6D1-43899C086BE6}" presName="text3" presStyleLbl="fgAcc3" presStyleIdx="3" presStyleCnt="5">
+        <dgm:presLayoutVars>
+          <dgm:chPref val="3"/>
+        </dgm:presLayoutVars>
+      </dgm:prSet>
+      <dgm:spPr/>
+    </dgm:pt>
+    <dgm:pt modelId="{59A5E01C-5C5E-E645-8F51-5D4B02F0FF04}" type="pres">
+      <dgm:prSet presAssocID="{0BCD3855-7632-2048-A6D1-43899C086BE6}" presName="hierChild4" presStyleCnt="0"/>
+      <dgm:spPr/>
+    </dgm:pt>
+    <dgm:pt modelId="{B35E5D54-F8D7-C445-BC61-E4DBCB7874B8}" type="pres">
+      <dgm:prSet presAssocID="{C3248F37-8EBD-0A4C-8B3E-C1BA255EAEE9}" presName="Name17" presStyleLbl="parChTrans1D3" presStyleIdx="4" presStyleCnt="5"/>
+      <dgm:spPr/>
+    </dgm:pt>
+    <dgm:pt modelId="{34158C0B-A6A7-0D43-89A4-6E6FF8875453}" type="pres">
+      <dgm:prSet presAssocID="{E5F09CB3-3784-644B-A3C8-BB577E981559}" presName="hierRoot3" presStyleCnt="0"/>
+      <dgm:spPr/>
+    </dgm:pt>
+    <dgm:pt modelId="{477C2614-4ADC-AF43-A524-5DA2A3A3DB20}" type="pres">
+      <dgm:prSet presAssocID="{E5F09CB3-3784-644B-A3C8-BB577E981559}" presName="composite3" presStyleCnt="0"/>
+      <dgm:spPr/>
+    </dgm:pt>
+    <dgm:pt modelId="{4DEAB5EC-E56C-8443-9E9D-1CCFEAA0F5F4}" type="pres">
+      <dgm:prSet presAssocID="{E5F09CB3-3784-644B-A3C8-BB577E981559}" presName="background3" presStyleLbl="node3" presStyleIdx="4" presStyleCnt="5"/>
+      <dgm:spPr/>
+    </dgm:pt>
+    <dgm:pt modelId="{7F2A0552-20C3-734A-B6AA-310FE1443659}" type="pres">
+      <dgm:prSet presAssocID="{E5F09CB3-3784-644B-A3C8-BB577E981559}" presName="text3" presStyleLbl="fgAcc3" presStyleIdx="4" presStyleCnt="5">
+        <dgm:presLayoutVars>
+          <dgm:chPref val="3"/>
+        </dgm:presLayoutVars>
+      </dgm:prSet>
+      <dgm:spPr/>
+    </dgm:pt>
+    <dgm:pt modelId="{42C8D1E1-9E78-0046-BF40-E713D88DFF52}" type="pres">
+      <dgm:prSet presAssocID="{E5F09CB3-3784-644B-A3C8-BB577E981559}" presName="hierChild4" presStyleCnt="0"/>
+      <dgm:spPr/>
+    </dgm:pt>
+  </dgm:ptLst>
+  <dgm:cxnLst>
+    <dgm:cxn modelId="{9D786D0A-41C2-864B-92DA-1D5909B15A80}" type="presOf" srcId="{C3248F37-8EBD-0A4C-8B3E-C1BA255EAEE9}" destId="{B35E5D54-F8D7-C445-BC61-E4DBCB7874B8}" srcOrd="0" destOrd="0" presId="urn:microsoft.com/office/officeart/2005/8/layout/hierarchy1"/>
+    <dgm:cxn modelId="{394AED0C-985F-F442-9C8A-EC9ECE4A8382}" type="presOf" srcId="{E5F09CB3-3784-644B-A3C8-BB577E981559}" destId="{7F2A0552-20C3-734A-B6AA-310FE1443659}" srcOrd="0" destOrd="0" presId="urn:microsoft.com/office/officeart/2005/8/layout/hierarchy1"/>
+    <dgm:cxn modelId="{62760122-EF34-C147-9F0B-47070242CA84}" type="presOf" srcId="{0BCD3855-7632-2048-A6D1-43899C086BE6}" destId="{397E58EE-50B4-F741-B3E0-755D7501E54F}" srcOrd="0" destOrd="0" presId="urn:microsoft.com/office/officeart/2005/8/layout/hierarchy1"/>
+    <dgm:cxn modelId="{48C34625-ED2C-D54C-A71C-E559CD980D6F}" srcId="{D38BC85A-39C7-C040-9423-D0AC6FEE146C}" destId="{E5F09CB3-3784-644B-A3C8-BB577E981559}" srcOrd="2" destOrd="0" parTransId="{C3248F37-8EBD-0A4C-8B3E-C1BA255EAEE9}" sibTransId="{9C3D1439-119F-EE45-8764-2CCFE07861BE}"/>
+    <dgm:cxn modelId="{F445362C-FABD-944B-8532-56AE0EF5AC90}" type="presOf" srcId="{2EE82983-AE39-9B4A-B905-7F71FE5B7574}" destId="{3528B1E1-9DAD-1A4A-9D59-BE9CFC70901B}" srcOrd="0" destOrd="0" presId="urn:microsoft.com/office/officeart/2005/8/layout/hierarchy1"/>
+    <dgm:cxn modelId="{FC730F2F-882D-AD47-B3B9-EF2140709F41}" srcId="{D38BC85A-39C7-C040-9423-D0AC6FEE146C}" destId="{56A9A591-28F5-0E43-9611-F51E5A651069}" srcOrd="0" destOrd="0" parTransId="{2EE82983-AE39-9B4A-B905-7F71FE5B7574}" sibTransId="{2D1EFE8D-A735-FD4B-B305-A3EFB8D9917B}"/>
+    <dgm:cxn modelId="{CBB30932-10FD-5343-8C4C-2538E907F2EF}" srcId="{D38BC85A-39C7-C040-9423-D0AC6FEE146C}" destId="{0BCD3855-7632-2048-A6D1-43899C086BE6}" srcOrd="1" destOrd="0" parTransId="{A5CAE55A-7006-E74F-B296-D013579C113A}" sibTransId="{B59CBE1D-9728-AB47-A2C0-6B3FD4D5896B}"/>
+    <dgm:cxn modelId="{031C223E-A777-E441-B461-6EB0C1C6A8E7}" type="presOf" srcId="{D38BC85A-39C7-C040-9423-D0AC6FEE146C}" destId="{31E9129B-7678-154E-8F07-8C3DB2FB87E9}" srcOrd="0" destOrd="0" presId="urn:microsoft.com/office/officeart/2005/8/layout/hierarchy1"/>
+    <dgm:cxn modelId="{C7257F4A-5DD8-DE49-902A-EFCDB8D77357}" srcId="{2B702CCE-0648-7347-87AE-1216C34969A5}" destId="{FB9B6087-2175-C442-8D5A-740DC6612EB2}" srcOrd="0" destOrd="0" parTransId="{940501E2-CD72-1640-966E-7CCD4AD2EEBD}" sibTransId="{87150B45-E7A1-1246-BCC6-3E74E41BFB15}"/>
+    <dgm:cxn modelId="{212AEA50-012D-4745-BA31-492BFA68C1EA}" type="presOf" srcId="{A5CAE55A-7006-E74F-B296-D013579C113A}" destId="{F8EF8047-5B9D-5140-80A6-24DD42838CA2}" srcOrd="0" destOrd="0" presId="urn:microsoft.com/office/officeart/2005/8/layout/hierarchy1"/>
+    <dgm:cxn modelId="{5A759255-DFB3-C34E-B423-EC912B01CB22}" srcId="{4E938A09-34C0-2549-AB8E-AEECFB51015B}" destId="{5F14BFBA-58E1-E74C-926C-D5EA330CD898}" srcOrd="0" destOrd="0" parTransId="{CB138B12-8907-0C42-8560-6262D3116B82}" sibTransId="{14023418-F41F-BA4C-B559-9510DFEBD026}"/>
+    <dgm:cxn modelId="{CCD1C274-5457-DE42-AB64-BCA03DC7A571}" type="presOf" srcId="{5BA315DF-3E49-044B-AF21-D0F29E7728B9}" destId="{FEBB1DD1-40D2-7B4B-9048-43CFFE0BB470}" srcOrd="0" destOrd="0" presId="urn:microsoft.com/office/officeart/2005/8/layout/hierarchy1"/>
+    <dgm:cxn modelId="{D47D6678-F173-5841-ACDB-EFC4917ADA28}" type="presOf" srcId="{2B702CCE-0648-7347-87AE-1216C34969A5}" destId="{9103FD8C-1988-A94E-80EF-BC9A3C9DEB31}" srcOrd="0" destOrd="0" presId="urn:microsoft.com/office/officeart/2005/8/layout/hierarchy1"/>
+    <dgm:cxn modelId="{A2975679-E3CE-7146-9C36-F79EFBC1FC00}" srcId="{4E938A09-34C0-2549-AB8E-AEECFB51015B}" destId="{5BA315DF-3E49-044B-AF21-D0F29E7728B9}" srcOrd="1" destOrd="0" parTransId="{E014B8AA-6E61-B54B-A618-34ED21B794BE}" sibTransId="{D058CD2E-36FF-9B44-AB60-84D43AC13AEA}"/>
+    <dgm:cxn modelId="{04019897-AD32-5A42-ADE8-E21A9DD15167}" type="presOf" srcId="{5F14BFBA-58E1-E74C-926C-D5EA330CD898}" destId="{03405E62-2A39-EE4B-9BBE-7BDFB911F484}" srcOrd="0" destOrd="0" presId="urn:microsoft.com/office/officeart/2005/8/layout/hierarchy1"/>
+    <dgm:cxn modelId="{562B7899-513E-E048-B8FE-89EFBF25B695}" type="presOf" srcId="{FB9B6087-2175-C442-8D5A-740DC6612EB2}" destId="{50053407-133F-234F-8607-41C89A09E437}" srcOrd="0" destOrd="0" presId="urn:microsoft.com/office/officeart/2005/8/layout/hierarchy1"/>
+    <dgm:cxn modelId="{9E8D659B-11C7-284F-89CE-CB4006DB77DF}" srcId="{FB9B6087-2175-C442-8D5A-740DC6612EB2}" destId="{D38BC85A-39C7-C040-9423-D0AC6FEE146C}" srcOrd="1" destOrd="0" parTransId="{94636211-E6A7-9045-B1BC-38A259B047FF}" sibTransId="{42D982C6-3E1E-4045-AC60-E5805E3E7866}"/>
+    <dgm:cxn modelId="{AF6EBF9D-0E23-3342-8BAB-43923FA420FB}" srcId="{FB9B6087-2175-C442-8D5A-740DC6612EB2}" destId="{4E938A09-34C0-2549-AB8E-AEECFB51015B}" srcOrd="0" destOrd="0" parTransId="{1B1D9A9E-0C16-7F4B-8BEE-91B49B1B0DE9}" sibTransId="{35E2BEF9-BAED-0E4B-BA4A-FCB992C8F388}"/>
+    <dgm:cxn modelId="{CA48599E-8B56-A746-9F7A-0459B0C82FEA}" type="presOf" srcId="{CB138B12-8907-0C42-8560-6262D3116B82}" destId="{B1FA6E4A-0738-924F-9457-94BCB3931759}" srcOrd="0" destOrd="0" presId="urn:microsoft.com/office/officeart/2005/8/layout/hierarchy1"/>
+    <dgm:cxn modelId="{CA9FACB0-6084-0C4D-9D88-D27DB3B6FCE5}" type="presOf" srcId="{4E938A09-34C0-2549-AB8E-AEECFB51015B}" destId="{1484F084-6A5E-8749-A423-16C89E4DBEA2}" srcOrd="0" destOrd="0" presId="urn:microsoft.com/office/officeart/2005/8/layout/hierarchy1"/>
+    <dgm:cxn modelId="{0BEB87BC-0496-0D44-82EC-B6DA4BBC64C4}" type="presOf" srcId="{1B1D9A9E-0C16-7F4B-8BEE-91B49B1B0DE9}" destId="{6F09EE0C-B330-504A-A469-8EB20CD93C66}" srcOrd="0" destOrd="0" presId="urn:microsoft.com/office/officeart/2005/8/layout/hierarchy1"/>
+    <dgm:cxn modelId="{6DBA67C4-ABEE-964B-AE51-E4757D69D251}" type="presOf" srcId="{E014B8AA-6E61-B54B-A618-34ED21B794BE}" destId="{37F0F67E-A234-5648-9E0E-0B24022106B5}" srcOrd="0" destOrd="0" presId="urn:microsoft.com/office/officeart/2005/8/layout/hierarchy1"/>
+    <dgm:cxn modelId="{ADA145CB-577C-6940-B75F-CCFB8549ADA0}" type="presOf" srcId="{56A9A591-28F5-0E43-9611-F51E5A651069}" destId="{F81D72DC-8440-0C47-B7C0-AF780294C3A7}" srcOrd="0" destOrd="0" presId="urn:microsoft.com/office/officeart/2005/8/layout/hierarchy1"/>
+    <dgm:cxn modelId="{C949D1E3-8A88-034D-85E7-795A7E8F061B}" type="presOf" srcId="{94636211-E6A7-9045-B1BC-38A259B047FF}" destId="{EDC63F23-8EEB-164A-A411-617E9BC3EF5F}" srcOrd="0" destOrd="0" presId="urn:microsoft.com/office/officeart/2005/8/layout/hierarchy1"/>
+    <dgm:cxn modelId="{B0FEE2F1-17EC-5644-BA0A-D6A86365FEBE}" type="presParOf" srcId="{9103FD8C-1988-A94E-80EF-BC9A3C9DEB31}" destId="{BA1F3285-760F-4E4F-8D04-D0DBA9625235}" srcOrd="0" destOrd="0" presId="urn:microsoft.com/office/officeart/2005/8/layout/hierarchy1"/>
+    <dgm:cxn modelId="{9410BEBC-0083-5443-B5CE-C904A7C77844}" type="presParOf" srcId="{BA1F3285-760F-4E4F-8D04-D0DBA9625235}" destId="{80B4E0A3-7931-414F-BEBD-B886D099B588}" srcOrd="0" destOrd="0" presId="urn:microsoft.com/office/officeart/2005/8/layout/hierarchy1"/>
+    <dgm:cxn modelId="{E4E34FC1-AAA7-1E49-8589-BD2BD3D2D8C6}" type="presParOf" srcId="{80B4E0A3-7931-414F-BEBD-B886D099B588}" destId="{EE61A2A1-FA9D-E44A-A0B4-0B0537CD848D}" srcOrd="0" destOrd="0" presId="urn:microsoft.com/office/officeart/2005/8/layout/hierarchy1"/>
+    <dgm:cxn modelId="{CA958095-5D53-D04E-8C24-408B348A7ABB}" type="presParOf" srcId="{80B4E0A3-7931-414F-BEBD-B886D099B588}" destId="{50053407-133F-234F-8607-41C89A09E437}" srcOrd="1" destOrd="0" presId="urn:microsoft.com/office/officeart/2005/8/layout/hierarchy1"/>
+    <dgm:cxn modelId="{45160508-2301-4E40-B26C-6E2887146D1C}" type="presParOf" srcId="{BA1F3285-760F-4E4F-8D04-D0DBA9625235}" destId="{B44946A0-BAF4-9140-A696-40AB1FC0B22D}" srcOrd="1" destOrd="0" presId="urn:microsoft.com/office/officeart/2005/8/layout/hierarchy1"/>
+    <dgm:cxn modelId="{C750442B-BC67-EC49-AEA3-922377981C40}" type="presParOf" srcId="{B44946A0-BAF4-9140-A696-40AB1FC0B22D}" destId="{6F09EE0C-B330-504A-A469-8EB20CD93C66}" srcOrd="0" destOrd="0" presId="urn:microsoft.com/office/officeart/2005/8/layout/hierarchy1"/>
+    <dgm:cxn modelId="{7D6494BA-5DA3-7947-83B2-8D71408D9CE3}" type="presParOf" srcId="{B44946A0-BAF4-9140-A696-40AB1FC0B22D}" destId="{C756CFFA-E16C-9844-8E24-5B7FCE4E1E5F}" srcOrd="1" destOrd="0" presId="urn:microsoft.com/office/officeart/2005/8/layout/hierarchy1"/>
+    <dgm:cxn modelId="{4CBBDC31-5EE9-EE42-A1F2-5B819F126CCE}" type="presParOf" srcId="{C756CFFA-E16C-9844-8E24-5B7FCE4E1E5F}" destId="{39AD3A7E-4F6D-FF4C-BEEF-8F540C50AAB2}" srcOrd="0" destOrd="0" presId="urn:microsoft.com/office/officeart/2005/8/layout/hierarchy1"/>
+    <dgm:cxn modelId="{D904B88D-4FEA-7C4B-BD30-705D1CFD33F2}" type="presParOf" srcId="{39AD3A7E-4F6D-FF4C-BEEF-8F540C50AAB2}" destId="{BEAC89BA-88E1-3245-BFA8-AB44946802A0}" srcOrd="0" destOrd="0" presId="urn:microsoft.com/office/officeart/2005/8/layout/hierarchy1"/>
+    <dgm:cxn modelId="{D6F852E7-F56E-934F-A898-F968A6A83CF1}" type="presParOf" srcId="{39AD3A7E-4F6D-FF4C-BEEF-8F540C50AAB2}" destId="{1484F084-6A5E-8749-A423-16C89E4DBEA2}" srcOrd="1" destOrd="0" presId="urn:microsoft.com/office/officeart/2005/8/layout/hierarchy1"/>
+    <dgm:cxn modelId="{88F60E9F-ACE9-0C4A-8F4D-72DF6F4AA007}" type="presParOf" srcId="{C756CFFA-E16C-9844-8E24-5B7FCE4E1E5F}" destId="{A4DEEC3F-396E-2F4D-9CEC-2DE3A79DFBC1}" srcOrd="1" destOrd="0" presId="urn:microsoft.com/office/officeart/2005/8/layout/hierarchy1"/>
+    <dgm:cxn modelId="{2FC531DC-DE97-144A-8E5D-5C6FFAD84F0D}" type="presParOf" srcId="{A4DEEC3F-396E-2F4D-9CEC-2DE3A79DFBC1}" destId="{B1FA6E4A-0738-924F-9457-94BCB3931759}" srcOrd="0" destOrd="0" presId="urn:microsoft.com/office/officeart/2005/8/layout/hierarchy1"/>
+    <dgm:cxn modelId="{EF413EF1-DC6E-6248-98CB-84E3FA4B4E42}" type="presParOf" srcId="{A4DEEC3F-396E-2F4D-9CEC-2DE3A79DFBC1}" destId="{50715722-B99A-9F46-9B71-DF2F76ED9408}" srcOrd="1" destOrd="0" presId="urn:microsoft.com/office/officeart/2005/8/layout/hierarchy1"/>
+    <dgm:cxn modelId="{53A56B68-084E-7F4A-9709-332E9BA783D7}" type="presParOf" srcId="{50715722-B99A-9F46-9B71-DF2F76ED9408}" destId="{93341DF4-74B8-C643-B761-C0EF675A6A44}" srcOrd="0" destOrd="0" presId="urn:microsoft.com/office/officeart/2005/8/layout/hierarchy1"/>
+    <dgm:cxn modelId="{498E4EE6-C330-5541-A188-3D0CB7756947}" type="presParOf" srcId="{93341DF4-74B8-C643-B761-C0EF675A6A44}" destId="{FDAC7D2A-1FEB-0747-B28A-333ECB8F274E}" srcOrd="0" destOrd="0" presId="urn:microsoft.com/office/officeart/2005/8/layout/hierarchy1"/>
+    <dgm:cxn modelId="{BCF6432A-741D-7848-99B8-17891B59EA6F}" type="presParOf" srcId="{93341DF4-74B8-C643-B761-C0EF675A6A44}" destId="{03405E62-2A39-EE4B-9BBE-7BDFB911F484}" srcOrd="1" destOrd="0" presId="urn:microsoft.com/office/officeart/2005/8/layout/hierarchy1"/>
+    <dgm:cxn modelId="{E936CC23-2DF2-3249-A5DB-55A65D6CC6C4}" type="presParOf" srcId="{50715722-B99A-9F46-9B71-DF2F76ED9408}" destId="{42A3C19B-3506-F74A-B4C6-E77EB0DC5146}" srcOrd="1" destOrd="0" presId="urn:microsoft.com/office/officeart/2005/8/layout/hierarchy1"/>
+    <dgm:cxn modelId="{0155AE68-51A7-424E-B849-DAB75775DABF}" type="presParOf" srcId="{A4DEEC3F-396E-2F4D-9CEC-2DE3A79DFBC1}" destId="{37F0F67E-A234-5648-9E0E-0B24022106B5}" srcOrd="2" destOrd="0" presId="urn:microsoft.com/office/officeart/2005/8/layout/hierarchy1"/>
+    <dgm:cxn modelId="{F57CDE82-5C91-C64E-96A8-4CE0C21D10AE}" type="presParOf" srcId="{A4DEEC3F-396E-2F4D-9CEC-2DE3A79DFBC1}" destId="{063B545A-60BA-A641-AF93-3EE33ACAFB4C}" srcOrd="3" destOrd="0" presId="urn:microsoft.com/office/officeart/2005/8/layout/hierarchy1"/>
+    <dgm:cxn modelId="{61F02A70-F42C-994D-B09E-EE14F4DCC86D}" type="presParOf" srcId="{063B545A-60BA-A641-AF93-3EE33ACAFB4C}" destId="{32857628-E157-7E4B-8174-4E41509BAE11}" srcOrd="0" destOrd="0" presId="urn:microsoft.com/office/officeart/2005/8/layout/hierarchy1"/>
+    <dgm:cxn modelId="{4791F449-0F82-A247-AF42-4DD368AF6497}" type="presParOf" srcId="{32857628-E157-7E4B-8174-4E41509BAE11}" destId="{E5CE239C-05EF-DF41-A255-D7CCCB6846CB}" srcOrd="0" destOrd="0" presId="urn:microsoft.com/office/officeart/2005/8/layout/hierarchy1"/>
+    <dgm:cxn modelId="{783C3B71-86AC-604E-B759-351B8F1F1411}" type="presParOf" srcId="{32857628-E157-7E4B-8174-4E41509BAE11}" destId="{FEBB1DD1-40D2-7B4B-9048-43CFFE0BB470}" srcOrd="1" destOrd="0" presId="urn:microsoft.com/office/officeart/2005/8/layout/hierarchy1"/>
+    <dgm:cxn modelId="{061773BE-F9D3-EA40-9596-8E5DA21BF2CC}" type="presParOf" srcId="{063B545A-60BA-A641-AF93-3EE33ACAFB4C}" destId="{D9E43824-478F-CD4F-B6B9-0B6427304B54}" srcOrd="1" destOrd="0" presId="urn:microsoft.com/office/officeart/2005/8/layout/hierarchy1"/>
+    <dgm:cxn modelId="{F7856B10-909B-5442-B4C0-8A141AE21372}" type="presParOf" srcId="{B44946A0-BAF4-9140-A696-40AB1FC0B22D}" destId="{EDC63F23-8EEB-164A-A411-617E9BC3EF5F}" srcOrd="2" destOrd="0" presId="urn:microsoft.com/office/officeart/2005/8/layout/hierarchy1"/>
+    <dgm:cxn modelId="{5E1C841A-E104-004D-85B4-0AC5F9C734F3}" type="presParOf" srcId="{B44946A0-BAF4-9140-A696-40AB1FC0B22D}" destId="{137FAA4A-97E5-0145-B9FD-C74E89155CFA}" srcOrd="3" destOrd="0" presId="urn:microsoft.com/office/officeart/2005/8/layout/hierarchy1"/>
+    <dgm:cxn modelId="{BAE55710-6A82-6A40-A8A9-A370A60B3E1D}" type="presParOf" srcId="{137FAA4A-97E5-0145-B9FD-C74E89155CFA}" destId="{159ECD35-3889-9E40-8C7D-1B070DB0DBB8}" srcOrd="0" destOrd="0" presId="urn:microsoft.com/office/officeart/2005/8/layout/hierarchy1"/>
+    <dgm:cxn modelId="{8DD40A22-86D7-2644-8288-9D5967B87F79}" type="presParOf" srcId="{159ECD35-3889-9E40-8C7D-1B070DB0DBB8}" destId="{D608583C-82B7-6B46-9F55-C8EA47FCECA0}" srcOrd="0" destOrd="0" presId="urn:microsoft.com/office/officeart/2005/8/layout/hierarchy1"/>
+    <dgm:cxn modelId="{3C923577-9BA2-6B41-AD1F-C403AF105EB8}" type="presParOf" srcId="{159ECD35-3889-9E40-8C7D-1B070DB0DBB8}" destId="{31E9129B-7678-154E-8F07-8C3DB2FB87E9}" srcOrd="1" destOrd="0" presId="urn:microsoft.com/office/officeart/2005/8/layout/hierarchy1"/>
+    <dgm:cxn modelId="{A2A532AF-2FBC-404C-A97A-049E58E78BAF}" type="presParOf" srcId="{137FAA4A-97E5-0145-B9FD-C74E89155CFA}" destId="{B1044AC5-7451-A44F-9648-F3B35F45A13D}" srcOrd="1" destOrd="0" presId="urn:microsoft.com/office/officeart/2005/8/layout/hierarchy1"/>
+    <dgm:cxn modelId="{A05B0E25-2525-AC4E-AFAF-FB4637C1DB5E}" type="presParOf" srcId="{B1044AC5-7451-A44F-9648-F3B35F45A13D}" destId="{3528B1E1-9DAD-1A4A-9D59-BE9CFC70901B}" srcOrd="0" destOrd="0" presId="urn:microsoft.com/office/officeart/2005/8/layout/hierarchy1"/>
+    <dgm:cxn modelId="{EF4BF1EF-2EA5-AB41-A930-256B8EC327AE}" type="presParOf" srcId="{B1044AC5-7451-A44F-9648-F3B35F45A13D}" destId="{09EA5E78-F656-B743-B8CF-599C175F9262}" srcOrd="1" destOrd="0" presId="urn:microsoft.com/office/officeart/2005/8/layout/hierarchy1"/>
+    <dgm:cxn modelId="{DB45B2A4-0369-3846-BEBB-9EAD462D8417}" type="presParOf" srcId="{09EA5E78-F656-B743-B8CF-599C175F9262}" destId="{C6F764E2-65B5-5645-ABD8-4E91175952B4}" srcOrd="0" destOrd="0" presId="urn:microsoft.com/office/officeart/2005/8/layout/hierarchy1"/>
+    <dgm:cxn modelId="{97945BC3-B36D-6C47-888E-D0859A04D3BF}" type="presParOf" srcId="{C6F764E2-65B5-5645-ABD8-4E91175952B4}" destId="{68A1BC1A-B60C-FB47-A302-EF9688D65E78}" srcOrd="0" destOrd="0" presId="urn:microsoft.com/office/officeart/2005/8/layout/hierarchy1"/>
+    <dgm:cxn modelId="{D9B24007-2BA5-4D4B-977C-4CB4F0F5B887}" type="presParOf" srcId="{C6F764E2-65B5-5645-ABD8-4E91175952B4}" destId="{F81D72DC-8440-0C47-B7C0-AF780294C3A7}" srcOrd="1" destOrd="0" presId="urn:microsoft.com/office/officeart/2005/8/layout/hierarchy1"/>
+    <dgm:cxn modelId="{2072E0EF-AAD7-7546-81E8-1D275F25F868}" type="presParOf" srcId="{09EA5E78-F656-B743-B8CF-599C175F9262}" destId="{09687B87-0FA8-3542-B898-309563E11D38}" srcOrd="1" destOrd="0" presId="urn:microsoft.com/office/officeart/2005/8/layout/hierarchy1"/>
+    <dgm:cxn modelId="{B522FA08-BBBC-1247-9779-92BD23349AF1}" type="presParOf" srcId="{B1044AC5-7451-A44F-9648-F3B35F45A13D}" destId="{F8EF8047-5B9D-5140-80A6-24DD42838CA2}" srcOrd="2" destOrd="0" presId="urn:microsoft.com/office/officeart/2005/8/layout/hierarchy1"/>
+    <dgm:cxn modelId="{DF4D900A-2E4D-8641-9916-D2EE4B12B89B}" type="presParOf" srcId="{B1044AC5-7451-A44F-9648-F3B35F45A13D}" destId="{B5F2F411-284E-2145-A342-C5484338243C}" srcOrd="3" destOrd="0" presId="urn:microsoft.com/office/officeart/2005/8/layout/hierarchy1"/>
+    <dgm:cxn modelId="{F291EF7D-8658-2F4E-B8C0-047BBCA30AE4}" type="presParOf" srcId="{B5F2F411-284E-2145-A342-C5484338243C}" destId="{28176CC2-0ADE-1E44-8387-6FD8C7C4D74E}" srcOrd="0" destOrd="0" presId="urn:microsoft.com/office/officeart/2005/8/layout/hierarchy1"/>
+    <dgm:cxn modelId="{B66044C3-F352-2549-BC41-5426FB461158}" type="presParOf" srcId="{28176CC2-0ADE-1E44-8387-6FD8C7C4D74E}" destId="{18E8EBDF-D231-6345-869D-2CFA03AA78CA}" srcOrd="0" destOrd="0" presId="urn:microsoft.com/office/officeart/2005/8/layout/hierarchy1"/>
+    <dgm:cxn modelId="{2FE888D5-A547-7A49-BFF8-9B34E0FE993B}" type="presParOf" srcId="{28176CC2-0ADE-1E44-8387-6FD8C7C4D74E}" destId="{397E58EE-50B4-F741-B3E0-755D7501E54F}" srcOrd="1" destOrd="0" presId="urn:microsoft.com/office/officeart/2005/8/layout/hierarchy1"/>
+    <dgm:cxn modelId="{96949EDB-BAEA-F146-9CB2-F3593FBABF2B}" type="presParOf" srcId="{B5F2F411-284E-2145-A342-C5484338243C}" destId="{59A5E01C-5C5E-E645-8F51-5D4B02F0FF04}" srcOrd="1" destOrd="0" presId="urn:microsoft.com/office/officeart/2005/8/layout/hierarchy1"/>
+    <dgm:cxn modelId="{055B17FF-898B-5B41-9CFC-81A5DECA1B8D}" type="presParOf" srcId="{B1044AC5-7451-A44F-9648-F3B35F45A13D}" destId="{B35E5D54-F8D7-C445-BC61-E4DBCB7874B8}" srcOrd="4" destOrd="0" presId="urn:microsoft.com/office/officeart/2005/8/layout/hierarchy1"/>
+    <dgm:cxn modelId="{D2D04AB6-ACE7-DB4B-A5B5-3049DCA2DD56}" type="presParOf" srcId="{B1044AC5-7451-A44F-9648-F3B35F45A13D}" destId="{34158C0B-A6A7-0D43-89A4-6E6FF8875453}" srcOrd="5" destOrd="0" presId="urn:microsoft.com/office/officeart/2005/8/layout/hierarchy1"/>
+    <dgm:cxn modelId="{336268A8-A815-DE42-A864-E247014DAA93}" type="presParOf" srcId="{34158C0B-A6A7-0D43-89A4-6E6FF8875453}" destId="{477C2614-4ADC-AF43-A524-5DA2A3A3DB20}" srcOrd="0" destOrd="0" presId="urn:microsoft.com/office/officeart/2005/8/layout/hierarchy1"/>
+    <dgm:cxn modelId="{0841E2EF-3B9B-1246-8A94-664AD17E252B}" type="presParOf" srcId="{477C2614-4ADC-AF43-A524-5DA2A3A3DB20}" destId="{4DEAB5EC-E56C-8443-9E9D-1CCFEAA0F5F4}" srcOrd="0" destOrd="0" presId="urn:microsoft.com/office/officeart/2005/8/layout/hierarchy1"/>
+    <dgm:cxn modelId="{E17E437F-012C-8E4F-8340-4E8A405543D0}" type="presParOf" srcId="{477C2614-4ADC-AF43-A524-5DA2A3A3DB20}" destId="{7F2A0552-20C3-734A-B6AA-310FE1443659}" srcOrd="1" destOrd="0" presId="urn:microsoft.com/office/officeart/2005/8/layout/hierarchy1"/>
+    <dgm:cxn modelId="{9D73C048-5885-CE4E-B4E9-2D79846A4F80}" type="presParOf" srcId="{34158C0B-A6A7-0D43-89A4-6E6FF8875453}" destId="{42C8D1E1-9E78-0046-BF40-E713D88DFF52}" srcOrd="1" destOrd="0" presId="urn:microsoft.com/office/officeart/2005/8/layout/hierarchy1"/>
+  </dgm:cxnLst>
+  <dgm:bg/>
+  <dgm:whole/>
+  <dgm:extLst>
+    <a:ext uri="http://schemas.microsoft.com/office/drawing/2008/diagram">
+      <dsp:dataModelExt xmlns:dsp="http://schemas.microsoft.com/office/drawing/2008/diagram" relId="rId6" minVer="http://schemas.openxmlformats.org/drawingml/2006/diagram"/>
+    </a:ext>
+  </dgm:extLst>
+</dgm:dataModel>
+</file>
+
+<file path=ppt/diagrams/drawing1.xml><?xml version="1.0" encoding="utf-8"?>
+<dsp:drawing xmlns:dgm="http://schemas.openxmlformats.org/drawingml/2006/diagram" xmlns:dsp="http://schemas.microsoft.com/office/drawing/2008/diagram" xmlns:a="http://schemas.openxmlformats.org/drawingml/2006/main">
+  <dsp:spTree>
+    <dsp:nvGrpSpPr>
+      <dsp:cNvPr id="0" name=""/>
+      <dsp:cNvGrpSpPr/>
+    </dsp:nvGrpSpPr>
+    <dsp:grpSpPr/>
+    <dsp:sp modelId="{B35E5D54-F8D7-C445-BC61-E4DBCB7874B8}">
+      <dsp:nvSpPr>
+        <dsp:cNvPr id="0" name=""/>
+        <dsp:cNvSpPr/>
+      </dsp:nvSpPr>
+      <dsp:spPr>
+        <a:xfrm>
+          <a:off x="8027871" y="3794406"/>
+          <a:ext cx="2353683" cy="560069"/>
+        </a:xfrm>
+        <a:custGeom>
+          <a:avLst/>
+          <a:gdLst/>
+          <a:ahLst/>
+          <a:cxnLst/>
+          <a:rect l="0" t="0" r="0" b="0"/>
+          <a:pathLst>
+            <a:path>
+              <a:moveTo>
+                <a:pt x="0" y="0"/>
+              </a:moveTo>
+              <a:lnTo>
+                <a:pt x="0" y="381671"/>
+              </a:lnTo>
+              <a:lnTo>
+                <a:pt x="2353683" y="381671"/>
+              </a:lnTo>
+              <a:lnTo>
+                <a:pt x="2353683" y="560069"/>
+              </a:lnTo>
+            </a:path>
+          </a:pathLst>
+        </a:custGeom>
+        <a:noFill/>
+        <a:ln w="12700" cap="flat" cmpd="sng" algn="ctr">
+          <a:solidFill>
+            <a:schemeClr val="accent1">
+              <a:shade val="80000"/>
+              <a:hueOff val="0"/>
+              <a:satOff val="0"/>
+              <a:lumOff val="0"/>
+              <a:alphaOff val="0"/>
+            </a:schemeClr>
+          </a:solidFill>
+          <a:prstDash val="solid"/>
+          <a:miter lim="800000"/>
+        </a:ln>
+        <a:effectLst/>
+      </dsp:spPr>
+      <dsp:style>
+        <a:lnRef idx="2">
+          <a:scrgbClr r="0" g="0" b="0"/>
+        </a:lnRef>
+        <a:fillRef idx="0">
+          <a:scrgbClr r="0" g="0" b="0"/>
+        </a:fillRef>
+        <a:effectRef idx="0">
+          <a:scrgbClr r="0" g="0" b="0"/>
+        </a:effectRef>
+        <a:fontRef idx="minor"/>
+      </dsp:style>
+    </dsp:sp>
+    <dsp:sp modelId="{F8EF8047-5B9D-5140-80A6-24DD42838CA2}">
+      <dsp:nvSpPr>
+        <dsp:cNvPr id="0" name=""/>
+        <dsp:cNvSpPr/>
+      </dsp:nvSpPr>
+      <dsp:spPr>
+        <a:xfrm>
+          <a:off x="7982151" y="3794406"/>
+          <a:ext cx="91440" cy="560069"/>
+        </a:xfrm>
+        <a:custGeom>
+          <a:avLst/>
+          <a:gdLst/>
+          <a:ahLst/>
+          <a:cxnLst/>
+          <a:rect l="0" t="0" r="0" b="0"/>
+          <a:pathLst>
+            <a:path>
+              <a:moveTo>
+                <a:pt x="45720" y="0"/>
+              </a:moveTo>
+              <a:lnTo>
+                <a:pt x="45720" y="560069"/>
+              </a:lnTo>
+            </a:path>
+          </a:pathLst>
+        </a:custGeom>
+        <a:noFill/>
+        <a:ln w="12700" cap="flat" cmpd="sng" algn="ctr">
+          <a:solidFill>
+            <a:schemeClr val="accent1">
+              <a:shade val="80000"/>
+              <a:hueOff val="0"/>
+              <a:satOff val="0"/>
+              <a:lumOff val="0"/>
+              <a:alphaOff val="0"/>
+            </a:schemeClr>
+          </a:solidFill>
+          <a:prstDash val="solid"/>
+          <a:miter lim="800000"/>
+        </a:ln>
+        <a:effectLst/>
+      </dsp:spPr>
+      <dsp:style>
+        <a:lnRef idx="2">
+          <a:scrgbClr r="0" g="0" b="0"/>
+        </a:lnRef>
+        <a:fillRef idx="0">
+          <a:scrgbClr r="0" g="0" b="0"/>
+        </a:fillRef>
+        <a:effectRef idx="0">
+          <a:scrgbClr r="0" g="0" b="0"/>
+        </a:effectRef>
+        <a:fontRef idx="minor"/>
+      </dsp:style>
+    </dsp:sp>
+    <dsp:sp modelId="{3528B1E1-9DAD-1A4A-9D59-BE9CFC70901B}">
+      <dsp:nvSpPr>
+        <dsp:cNvPr id="0" name=""/>
+        <dsp:cNvSpPr/>
+      </dsp:nvSpPr>
+      <dsp:spPr>
+        <a:xfrm>
+          <a:off x="5674188" y="3794406"/>
+          <a:ext cx="2353683" cy="560069"/>
+        </a:xfrm>
+        <a:custGeom>
+          <a:avLst/>
+          <a:gdLst/>
+          <a:ahLst/>
+          <a:cxnLst/>
+          <a:rect l="0" t="0" r="0" b="0"/>
+          <a:pathLst>
+            <a:path>
+              <a:moveTo>
+                <a:pt x="2353683" y="0"/>
+              </a:moveTo>
+              <a:lnTo>
+                <a:pt x="2353683" y="381671"/>
+              </a:lnTo>
+              <a:lnTo>
+                <a:pt x="0" y="381671"/>
+              </a:lnTo>
+              <a:lnTo>
+                <a:pt x="0" y="560069"/>
+              </a:lnTo>
+            </a:path>
+          </a:pathLst>
+        </a:custGeom>
+        <a:noFill/>
+        <a:ln w="12700" cap="flat" cmpd="sng" algn="ctr">
+          <a:solidFill>
+            <a:schemeClr val="accent1">
+              <a:shade val="80000"/>
+              <a:hueOff val="0"/>
+              <a:satOff val="0"/>
+              <a:lumOff val="0"/>
+              <a:alphaOff val="0"/>
+            </a:schemeClr>
+          </a:solidFill>
+          <a:prstDash val="solid"/>
+          <a:miter lim="800000"/>
+        </a:ln>
+        <a:effectLst/>
+      </dsp:spPr>
+      <dsp:style>
+        <a:lnRef idx="2">
+          <a:scrgbClr r="0" g="0" b="0"/>
+        </a:lnRef>
+        <a:fillRef idx="0">
+          <a:scrgbClr r="0" g="0" b="0"/>
+        </a:fillRef>
+        <a:effectRef idx="0">
+          <a:scrgbClr r="0" g="0" b="0"/>
+        </a:effectRef>
+        <a:fontRef idx="minor"/>
+      </dsp:style>
+    </dsp:sp>
+    <dsp:sp modelId="{EDC63F23-8EEB-164A-A411-617E9BC3EF5F}">
+      <dsp:nvSpPr>
+        <dsp:cNvPr id="0" name=""/>
+        <dsp:cNvSpPr/>
+      </dsp:nvSpPr>
+      <dsp:spPr>
+        <a:xfrm>
+          <a:off x="5085767" y="2011491"/>
+          <a:ext cx="2942103" cy="560069"/>
+        </a:xfrm>
+        <a:custGeom>
+          <a:avLst/>
+          <a:gdLst/>
+          <a:ahLst/>
+          <a:cxnLst/>
+          <a:rect l="0" t="0" r="0" b="0"/>
+          <a:pathLst>
+            <a:path>
+              <a:moveTo>
+                <a:pt x="0" y="0"/>
+              </a:moveTo>
+              <a:lnTo>
+                <a:pt x="0" y="381671"/>
+              </a:lnTo>
+              <a:lnTo>
+                <a:pt x="2942103" y="381671"/>
+              </a:lnTo>
+              <a:lnTo>
+                <a:pt x="2942103" y="560069"/>
+              </a:lnTo>
+            </a:path>
+          </a:pathLst>
+        </a:custGeom>
+        <a:noFill/>
+        <a:ln w="12700" cap="flat" cmpd="sng" algn="ctr">
+          <a:solidFill>
+            <a:schemeClr val="accent1">
+              <a:shade val="60000"/>
+              <a:hueOff val="0"/>
+              <a:satOff val="0"/>
+              <a:lumOff val="0"/>
+              <a:alphaOff val="0"/>
+            </a:schemeClr>
+          </a:solidFill>
+          <a:prstDash val="solid"/>
+          <a:miter lim="800000"/>
+        </a:ln>
+        <a:effectLst/>
+      </dsp:spPr>
+      <dsp:style>
+        <a:lnRef idx="2">
+          <a:scrgbClr r="0" g="0" b="0"/>
+        </a:lnRef>
+        <a:fillRef idx="0">
+          <a:scrgbClr r="0" g="0" b="0"/>
+        </a:fillRef>
+        <a:effectRef idx="0">
+          <a:scrgbClr r="0" g="0" b="0"/>
+        </a:effectRef>
+        <a:fontRef idx="minor"/>
+      </dsp:style>
+    </dsp:sp>
+    <dsp:sp modelId="{37F0F67E-A234-5648-9E0E-0B24022106B5}">
+      <dsp:nvSpPr>
+        <dsp:cNvPr id="0" name=""/>
+        <dsp:cNvSpPr/>
+      </dsp:nvSpPr>
+      <dsp:spPr>
+        <a:xfrm>
+          <a:off x="2143663" y="3794406"/>
+          <a:ext cx="1176841" cy="560069"/>
+        </a:xfrm>
+        <a:custGeom>
+          <a:avLst/>
+          <a:gdLst/>
+          <a:ahLst/>
+          <a:cxnLst/>
+          <a:rect l="0" t="0" r="0" b="0"/>
+          <a:pathLst>
+            <a:path>
+              <a:moveTo>
+                <a:pt x="0" y="0"/>
+              </a:moveTo>
+              <a:lnTo>
+                <a:pt x="0" y="381671"/>
+              </a:lnTo>
+              <a:lnTo>
+                <a:pt x="1176841" y="381671"/>
+              </a:lnTo>
+              <a:lnTo>
+                <a:pt x="1176841" y="560069"/>
+              </a:lnTo>
+            </a:path>
+          </a:pathLst>
+        </a:custGeom>
+        <a:noFill/>
+        <a:ln w="12700" cap="flat" cmpd="sng" algn="ctr">
+          <a:solidFill>
+            <a:schemeClr val="accent1">
+              <a:shade val="80000"/>
+              <a:hueOff val="0"/>
+              <a:satOff val="0"/>
+              <a:lumOff val="0"/>
+              <a:alphaOff val="0"/>
+            </a:schemeClr>
+          </a:solidFill>
+          <a:prstDash val="solid"/>
+          <a:miter lim="800000"/>
+        </a:ln>
+        <a:effectLst/>
+      </dsp:spPr>
+      <dsp:style>
+        <a:lnRef idx="2">
+          <a:scrgbClr r="0" g="0" b="0"/>
+        </a:lnRef>
+        <a:fillRef idx="0">
+          <a:scrgbClr r="0" g="0" b="0"/>
+        </a:fillRef>
+        <a:effectRef idx="0">
+          <a:scrgbClr r="0" g="0" b="0"/>
+        </a:effectRef>
+        <a:fontRef idx="minor"/>
+      </dsp:style>
+    </dsp:sp>
+    <dsp:sp modelId="{B1FA6E4A-0738-924F-9457-94BCB3931759}">
+      <dsp:nvSpPr>
+        <dsp:cNvPr id="0" name=""/>
+        <dsp:cNvSpPr/>
+      </dsp:nvSpPr>
+      <dsp:spPr>
+        <a:xfrm>
+          <a:off x="966822" y="3794406"/>
+          <a:ext cx="1176841" cy="560069"/>
+        </a:xfrm>
+        <a:custGeom>
+          <a:avLst/>
+          <a:gdLst/>
+          <a:ahLst/>
+          <a:cxnLst/>
+          <a:rect l="0" t="0" r="0" b="0"/>
+          <a:pathLst>
+            <a:path>
+              <a:moveTo>
+                <a:pt x="1176841" y="0"/>
+              </a:moveTo>
+              <a:lnTo>
+                <a:pt x="1176841" y="381671"/>
+              </a:lnTo>
+              <a:lnTo>
+                <a:pt x="0" y="381671"/>
+              </a:lnTo>
+              <a:lnTo>
+                <a:pt x="0" y="560069"/>
+              </a:lnTo>
+            </a:path>
+          </a:pathLst>
+        </a:custGeom>
+        <a:noFill/>
+        <a:ln w="12700" cap="flat" cmpd="sng" algn="ctr">
+          <a:solidFill>
+            <a:schemeClr val="accent1">
+              <a:shade val="80000"/>
+              <a:hueOff val="0"/>
+              <a:satOff val="0"/>
+              <a:lumOff val="0"/>
+              <a:alphaOff val="0"/>
+            </a:schemeClr>
+          </a:solidFill>
+          <a:prstDash val="solid"/>
+          <a:miter lim="800000"/>
+        </a:ln>
+        <a:effectLst/>
+      </dsp:spPr>
+      <dsp:style>
+        <a:lnRef idx="2">
+          <a:scrgbClr r="0" g="0" b="0"/>
+        </a:lnRef>
+        <a:fillRef idx="0">
+          <a:scrgbClr r="0" g="0" b="0"/>
+        </a:fillRef>
+        <a:effectRef idx="0">
+          <a:scrgbClr r="0" g="0" b="0"/>
+        </a:effectRef>
+        <a:fontRef idx="minor"/>
+      </dsp:style>
+    </dsp:sp>
+    <dsp:sp modelId="{6F09EE0C-B330-504A-A469-8EB20CD93C66}">
+      <dsp:nvSpPr>
+        <dsp:cNvPr id="0" name=""/>
+        <dsp:cNvSpPr/>
+      </dsp:nvSpPr>
+      <dsp:spPr>
+        <a:xfrm>
+          <a:off x="2143663" y="2011491"/>
+          <a:ext cx="2942103" cy="560069"/>
+        </a:xfrm>
+        <a:custGeom>
+          <a:avLst/>
+          <a:gdLst/>
+          <a:ahLst/>
+          <a:cxnLst/>
+          <a:rect l="0" t="0" r="0" b="0"/>
+          <a:pathLst>
+            <a:path>
+              <a:moveTo>
+                <a:pt x="2942103" y="0"/>
+              </a:moveTo>
+              <a:lnTo>
+                <a:pt x="2942103" y="381671"/>
+              </a:lnTo>
+              <a:lnTo>
+                <a:pt x="0" y="381671"/>
+              </a:lnTo>
+              <a:lnTo>
+                <a:pt x="0" y="560069"/>
+              </a:lnTo>
+            </a:path>
+          </a:pathLst>
+        </a:custGeom>
+        <a:noFill/>
+        <a:ln w="12700" cap="flat" cmpd="sng" algn="ctr">
+          <a:solidFill>
+            <a:schemeClr val="accent1">
+              <a:shade val="60000"/>
+              <a:hueOff val="0"/>
+              <a:satOff val="0"/>
+              <a:lumOff val="0"/>
+              <a:alphaOff val="0"/>
+            </a:schemeClr>
+          </a:solidFill>
+          <a:prstDash val="solid"/>
+          <a:miter lim="800000"/>
+        </a:ln>
+        <a:effectLst/>
+      </dsp:spPr>
+      <dsp:style>
+        <a:lnRef idx="2">
+          <a:scrgbClr r="0" g="0" b="0"/>
+        </a:lnRef>
+        <a:fillRef idx="0">
+          <a:scrgbClr r="0" g="0" b="0"/>
+        </a:fillRef>
+        <a:effectRef idx="0">
+          <a:scrgbClr r="0" g="0" b="0"/>
+        </a:effectRef>
+        <a:fontRef idx="minor"/>
+      </dsp:style>
+    </dsp:sp>
+    <dsp:sp modelId="{EE61A2A1-FA9D-E44A-A0B4-0B0537CD848D}">
+      <dsp:nvSpPr>
+        <dsp:cNvPr id="0" name=""/>
+        <dsp:cNvSpPr/>
+      </dsp:nvSpPr>
+      <dsp:spPr>
+        <a:xfrm>
+          <a:off x="4122897" y="788646"/>
+          <a:ext cx="1925740" cy="1222845"/>
+        </a:xfrm>
+        <a:prstGeom prst="roundRect">
+          <a:avLst>
+            <a:gd name="adj" fmla="val 10000"/>
+          </a:avLst>
+        </a:prstGeom>
+        <a:solidFill>
+          <a:schemeClr val="accent1">
+            <a:hueOff val="0"/>
+            <a:satOff val="0"/>
+            <a:lumOff val="0"/>
+            <a:alphaOff val="0"/>
+          </a:schemeClr>
+        </a:solidFill>
+        <a:ln w="12700" cap="flat" cmpd="sng" algn="ctr">
+          <a:solidFill>
+            <a:schemeClr val="lt1">
+              <a:hueOff val="0"/>
+              <a:satOff val="0"/>
+              <a:lumOff val="0"/>
+              <a:alphaOff val="0"/>
+            </a:schemeClr>
+          </a:solidFill>
+          <a:prstDash val="solid"/>
+          <a:miter lim="800000"/>
+        </a:ln>
+        <a:effectLst/>
+      </dsp:spPr>
+      <dsp:style>
+        <a:lnRef idx="2">
+          <a:scrgbClr r="0" g="0" b="0"/>
+        </a:lnRef>
+        <a:fillRef idx="1">
+          <a:scrgbClr r="0" g="0" b="0"/>
+        </a:fillRef>
+        <a:effectRef idx="0">
+          <a:scrgbClr r="0" g="0" b="0"/>
+        </a:effectRef>
+        <a:fontRef idx="minor">
+          <a:schemeClr val="lt1"/>
+        </a:fontRef>
+      </dsp:style>
+    </dsp:sp>
+    <dsp:sp modelId="{50053407-133F-234F-8607-41C89A09E437}">
+      <dsp:nvSpPr>
+        <dsp:cNvPr id="0" name=""/>
+        <dsp:cNvSpPr/>
+      </dsp:nvSpPr>
+      <dsp:spPr>
+        <a:xfrm>
+          <a:off x="4336868" y="991919"/>
+          <a:ext cx="1925740" cy="1222845"/>
+        </a:xfrm>
+        <a:prstGeom prst="roundRect">
+          <a:avLst>
+            <a:gd name="adj" fmla="val 10000"/>
+          </a:avLst>
+        </a:prstGeom>
+        <a:solidFill>
+          <a:schemeClr val="lt1">
+            <a:alpha val="90000"/>
+            <a:hueOff val="0"/>
+            <a:satOff val="0"/>
+            <a:lumOff val="0"/>
+            <a:alphaOff val="0"/>
+          </a:schemeClr>
+        </a:solidFill>
+        <a:ln w="12700" cap="flat" cmpd="sng" algn="ctr">
+          <a:solidFill>
+            <a:schemeClr val="accent1">
+              <a:hueOff val="0"/>
+              <a:satOff val="0"/>
+              <a:lumOff val="0"/>
+              <a:alphaOff val="0"/>
+            </a:schemeClr>
+          </a:solidFill>
+          <a:prstDash val="solid"/>
+          <a:miter lim="800000"/>
+        </a:ln>
+        <a:effectLst/>
+      </dsp:spPr>
+      <dsp:style>
+        <a:lnRef idx="2">
+          <a:scrgbClr r="0" g="0" b="0"/>
+        </a:lnRef>
+        <a:fillRef idx="1">
+          <a:scrgbClr r="0" g="0" b="0"/>
+        </a:fillRef>
+        <a:effectRef idx="0">
+          <a:scrgbClr r="0" g="0" b="0"/>
+        </a:effectRef>
+        <a:fontRef idx="minor"/>
+      </dsp:style>
+      <dsp:txBody>
+        <a:bodyPr spcFirstLastPara="0" vert="horz" wrap="square" lIns="68580" tIns="68580" rIns="68580" bIns="68580" numCol="1" spcCol="1270" anchor="ctr" anchorCtr="0">
+          <a:noAutofit/>
+        </a:bodyPr>
+        <a:lstStyle/>
+        <a:p>
+          <a:pPr marL="0" lvl="0" indent="0" algn="ctr" defTabSz="800100">
+            <a:lnSpc>
+              <a:spcPct val="90000"/>
+            </a:lnSpc>
+            <a:spcBef>
+              <a:spcPct val="0"/>
+            </a:spcBef>
+            <a:spcAft>
+              <a:spcPct val="35000"/>
+            </a:spcAft>
+            <a:buNone/>
+          </a:pPr>
+          <a:r>
+            <a:rPr lang="en-GB" sz="1800" kern="1200" dirty="0"/>
+            <a:t>Weather Monitoring System</a:t>
+          </a:r>
+        </a:p>
+      </dsp:txBody>
+      <dsp:txXfrm>
+        <a:off x="4372684" y="1027735"/>
+        <a:ext cx="1854108" cy="1151213"/>
+      </dsp:txXfrm>
+    </dsp:sp>
+    <dsp:sp modelId="{BEAC89BA-88E1-3245-BFA8-AB44946802A0}">
+      <dsp:nvSpPr>
+        <dsp:cNvPr id="0" name=""/>
+        <dsp:cNvSpPr/>
+      </dsp:nvSpPr>
+      <dsp:spPr>
+        <a:xfrm>
+          <a:off x="1180793" y="2571561"/>
+          <a:ext cx="1925740" cy="1222845"/>
+        </a:xfrm>
+        <a:prstGeom prst="roundRect">
+          <a:avLst>
+            <a:gd name="adj" fmla="val 10000"/>
+          </a:avLst>
+        </a:prstGeom>
+        <a:solidFill>
+          <a:schemeClr val="accent1">
+            <a:hueOff val="0"/>
+            <a:satOff val="0"/>
+            <a:lumOff val="0"/>
+            <a:alphaOff val="0"/>
+          </a:schemeClr>
+        </a:solidFill>
+        <a:ln w="12700" cap="flat" cmpd="sng" algn="ctr">
+          <a:solidFill>
+            <a:schemeClr val="lt1">
+              <a:hueOff val="0"/>
+              <a:satOff val="0"/>
+              <a:lumOff val="0"/>
+              <a:alphaOff val="0"/>
+            </a:schemeClr>
+          </a:solidFill>
+          <a:prstDash val="solid"/>
+          <a:miter lim="800000"/>
+        </a:ln>
+        <a:effectLst/>
+      </dsp:spPr>
+      <dsp:style>
+        <a:lnRef idx="2">
+          <a:scrgbClr r="0" g="0" b="0"/>
+        </a:lnRef>
+        <a:fillRef idx="1">
+          <a:scrgbClr r="0" g="0" b="0"/>
+        </a:fillRef>
+        <a:effectRef idx="0">
+          <a:scrgbClr r="0" g="0" b="0"/>
+        </a:effectRef>
+        <a:fontRef idx="minor">
+          <a:schemeClr val="lt1"/>
+        </a:fontRef>
+      </dsp:style>
+    </dsp:sp>
+    <dsp:sp modelId="{1484F084-6A5E-8749-A423-16C89E4DBEA2}">
+      <dsp:nvSpPr>
+        <dsp:cNvPr id="0" name=""/>
+        <dsp:cNvSpPr/>
+      </dsp:nvSpPr>
+      <dsp:spPr>
+        <a:xfrm>
+          <a:off x="1394764" y="2774834"/>
+          <a:ext cx="1925740" cy="1222845"/>
+        </a:xfrm>
+        <a:prstGeom prst="roundRect">
+          <a:avLst>
+            <a:gd name="adj" fmla="val 10000"/>
+          </a:avLst>
+        </a:prstGeom>
+        <a:solidFill>
+          <a:schemeClr val="lt1">
+            <a:alpha val="90000"/>
+            <a:hueOff val="0"/>
+            <a:satOff val="0"/>
+            <a:lumOff val="0"/>
+            <a:alphaOff val="0"/>
+          </a:schemeClr>
+        </a:solidFill>
+        <a:ln w="12700" cap="flat" cmpd="sng" algn="ctr">
+          <a:solidFill>
+            <a:schemeClr val="accent1">
+              <a:hueOff val="0"/>
+              <a:satOff val="0"/>
+              <a:lumOff val="0"/>
+              <a:alphaOff val="0"/>
+            </a:schemeClr>
+          </a:solidFill>
+          <a:prstDash val="solid"/>
+          <a:miter lim="800000"/>
+        </a:ln>
+        <a:effectLst/>
+      </dsp:spPr>
+      <dsp:style>
+        <a:lnRef idx="2">
+          <a:scrgbClr r="0" g="0" b="0"/>
+        </a:lnRef>
+        <a:fillRef idx="1">
+          <a:scrgbClr r="0" g="0" b="0"/>
+        </a:fillRef>
+        <a:effectRef idx="0">
+          <a:scrgbClr r="0" g="0" b="0"/>
+        </a:effectRef>
+        <a:fontRef idx="minor"/>
+      </dsp:style>
+      <dsp:txBody>
+        <a:bodyPr spcFirstLastPara="0" vert="horz" wrap="square" lIns="68580" tIns="68580" rIns="68580" bIns="68580" numCol="1" spcCol="1270" anchor="ctr" anchorCtr="0">
+          <a:noAutofit/>
+        </a:bodyPr>
+        <a:lstStyle/>
+        <a:p>
+          <a:pPr marL="0" lvl="0" indent="0" algn="ctr" defTabSz="800100">
+            <a:lnSpc>
+              <a:spcPct val="90000"/>
+            </a:lnSpc>
+            <a:spcBef>
+              <a:spcPct val="0"/>
+            </a:spcBef>
+            <a:spcAft>
+              <a:spcPct val="35000"/>
+            </a:spcAft>
+            <a:buNone/>
+          </a:pPr>
+          <a:r>
+            <a:rPr lang="en-GB" sz="1800" kern="1200" dirty="0"/>
+            <a:t>Normal Situation</a:t>
+          </a:r>
+        </a:p>
+      </dsp:txBody>
+      <dsp:txXfrm>
+        <a:off x="1430580" y="2810650"/>
+        <a:ext cx="1854108" cy="1151213"/>
+      </dsp:txXfrm>
+    </dsp:sp>
+    <dsp:sp modelId="{FDAC7D2A-1FEB-0747-B28A-333ECB8F274E}">
+      <dsp:nvSpPr>
+        <dsp:cNvPr id="0" name=""/>
+        <dsp:cNvSpPr/>
+      </dsp:nvSpPr>
+      <dsp:spPr>
+        <a:xfrm>
+          <a:off x="3951" y="4354476"/>
+          <a:ext cx="1925740" cy="1222845"/>
+        </a:xfrm>
+        <a:prstGeom prst="roundRect">
+          <a:avLst>
+            <a:gd name="adj" fmla="val 10000"/>
+          </a:avLst>
+        </a:prstGeom>
+        <a:solidFill>
+          <a:schemeClr val="accent1">
+            <a:hueOff val="0"/>
+            <a:satOff val="0"/>
+            <a:lumOff val="0"/>
+            <a:alphaOff val="0"/>
+          </a:schemeClr>
+        </a:solidFill>
+        <a:ln w="12700" cap="flat" cmpd="sng" algn="ctr">
+          <a:solidFill>
+            <a:schemeClr val="lt1">
+              <a:hueOff val="0"/>
+              <a:satOff val="0"/>
+              <a:lumOff val="0"/>
+              <a:alphaOff val="0"/>
+            </a:schemeClr>
+          </a:solidFill>
+          <a:prstDash val="solid"/>
+          <a:miter lim="800000"/>
+        </a:ln>
+        <a:effectLst/>
+      </dsp:spPr>
+      <dsp:style>
+        <a:lnRef idx="2">
+          <a:scrgbClr r="0" g="0" b="0"/>
+        </a:lnRef>
+        <a:fillRef idx="1">
+          <a:scrgbClr r="0" g="0" b="0"/>
+        </a:fillRef>
+        <a:effectRef idx="0">
+          <a:scrgbClr r="0" g="0" b="0"/>
+        </a:effectRef>
+        <a:fontRef idx="minor">
+          <a:schemeClr val="lt1"/>
+        </a:fontRef>
+      </dsp:style>
+    </dsp:sp>
+    <dsp:sp modelId="{03405E62-2A39-EE4B-9BBE-7BDFB911F484}">
+      <dsp:nvSpPr>
+        <dsp:cNvPr id="0" name=""/>
+        <dsp:cNvSpPr/>
+      </dsp:nvSpPr>
+      <dsp:spPr>
+        <a:xfrm>
+          <a:off x="217923" y="4557749"/>
+          <a:ext cx="1925740" cy="1222845"/>
+        </a:xfrm>
+        <a:prstGeom prst="roundRect">
+          <a:avLst>
+            <a:gd name="adj" fmla="val 10000"/>
+          </a:avLst>
+        </a:prstGeom>
+        <a:solidFill>
+          <a:schemeClr val="lt1">
+            <a:alpha val="90000"/>
+            <a:hueOff val="0"/>
+            <a:satOff val="0"/>
+            <a:lumOff val="0"/>
+            <a:alphaOff val="0"/>
+          </a:schemeClr>
+        </a:solidFill>
+        <a:ln w="12700" cap="flat" cmpd="sng" algn="ctr">
+          <a:solidFill>
+            <a:schemeClr val="accent1">
+              <a:hueOff val="0"/>
+              <a:satOff val="0"/>
+              <a:lumOff val="0"/>
+              <a:alphaOff val="0"/>
+            </a:schemeClr>
+          </a:solidFill>
+          <a:prstDash val="solid"/>
+          <a:miter lim="800000"/>
+        </a:ln>
+        <a:effectLst/>
+      </dsp:spPr>
+      <dsp:style>
+        <a:lnRef idx="2">
+          <a:scrgbClr r="0" g="0" b="0"/>
+        </a:lnRef>
+        <a:fillRef idx="1">
+          <a:scrgbClr r="0" g="0" b="0"/>
+        </a:fillRef>
+        <a:effectRef idx="0">
+          <a:scrgbClr r="0" g="0" b="0"/>
+        </a:effectRef>
+        <a:fontRef idx="minor"/>
+      </dsp:style>
+      <dsp:txBody>
+        <a:bodyPr spcFirstLastPara="0" vert="horz" wrap="square" lIns="68580" tIns="68580" rIns="68580" bIns="68580" numCol="1" spcCol="1270" anchor="ctr" anchorCtr="0">
+          <a:noAutofit/>
+        </a:bodyPr>
+        <a:lstStyle/>
+        <a:p>
+          <a:pPr marL="0" lvl="0" indent="0" algn="ctr" defTabSz="800100">
+            <a:lnSpc>
+              <a:spcPct val="90000"/>
+            </a:lnSpc>
+            <a:spcBef>
+              <a:spcPct val="0"/>
+            </a:spcBef>
+            <a:spcAft>
+              <a:spcPct val="35000"/>
+            </a:spcAft>
+            <a:buNone/>
+          </a:pPr>
+          <a:r>
+            <a:rPr lang="en-GB" sz="1800" kern="1200" dirty="0"/>
+            <a:t>Keeps on checking the value of the environment</a:t>
+          </a:r>
+        </a:p>
+      </dsp:txBody>
+      <dsp:txXfrm>
+        <a:off x="253739" y="4593565"/>
+        <a:ext cx="1854108" cy="1151213"/>
+      </dsp:txXfrm>
+    </dsp:sp>
+    <dsp:sp modelId="{E5CE239C-05EF-DF41-A255-D7CCCB6846CB}">
+      <dsp:nvSpPr>
+        <dsp:cNvPr id="0" name=""/>
+        <dsp:cNvSpPr/>
+      </dsp:nvSpPr>
+      <dsp:spPr>
+        <a:xfrm>
+          <a:off x="2357635" y="4354476"/>
+          <a:ext cx="1925740" cy="1222845"/>
+        </a:xfrm>
+        <a:prstGeom prst="roundRect">
+          <a:avLst>
+            <a:gd name="adj" fmla="val 10000"/>
+          </a:avLst>
+        </a:prstGeom>
+        <a:solidFill>
+          <a:schemeClr val="accent1">
+            <a:hueOff val="0"/>
+            <a:satOff val="0"/>
+            <a:lumOff val="0"/>
+            <a:alphaOff val="0"/>
+          </a:schemeClr>
+        </a:solidFill>
+        <a:ln w="12700" cap="flat" cmpd="sng" algn="ctr">
+          <a:solidFill>
+            <a:schemeClr val="lt1">
+              <a:hueOff val="0"/>
+              <a:satOff val="0"/>
+              <a:lumOff val="0"/>
+              <a:alphaOff val="0"/>
+            </a:schemeClr>
+          </a:solidFill>
+          <a:prstDash val="solid"/>
+          <a:miter lim="800000"/>
+        </a:ln>
+        <a:effectLst/>
+      </dsp:spPr>
+      <dsp:style>
+        <a:lnRef idx="2">
+          <a:scrgbClr r="0" g="0" b="0"/>
+        </a:lnRef>
+        <a:fillRef idx="1">
+          <a:scrgbClr r="0" g="0" b="0"/>
+        </a:fillRef>
+        <a:effectRef idx="0">
+          <a:scrgbClr r="0" g="0" b="0"/>
+        </a:effectRef>
+        <a:fontRef idx="minor">
+          <a:schemeClr val="lt1"/>
+        </a:fontRef>
+      </dsp:style>
+    </dsp:sp>
+    <dsp:sp modelId="{FEBB1DD1-40D2-7B4B-9048-43CFFE0BB470}">
+      <dsp:nvSpPr>
+        <dsp:cNvPr id="0" name=""/>
+        <dsp:cNvSpPr/>
+      </dsp:nvSpPr>
+      <dsp:spPr>
+        <a:xfrm>
+          <a:off x="2571606" y="4557749"/>
+          <a:ext cx="1925740" cy="1222845"/>
+        </a:xfrm>
+        <a:prstGeom prst="roundRect">
+          <a:avLst>
+            <a:gd name="adj" fmla="val 10000"/>
+          </a:avLst>
+        </a:prstGeom>
+        <a:solidFill>
+          <a:schemeClr val="lt1">
+            <a:alpha val="90000"/>
+            <a:hueOff val="0"/>
+            <a:satOff val="0"/>
+            <a:lumOff val="0"/>
+            <a:alphaOff val="0"/>
+          </a:schemeClr>
+        </a:solidFill>
+        <a:ln w="12700" cap="flat" cmpd="sng" algn="ctr">
+          <a:solidFill>
+            <a:schemeClr val="accent1">
+              <a:hueOff val="0"/>
+              <a:satOff val="0"/>
+              <a:lumOff val="0"/>
+              <a:alphaOff val="0"/>
+            </a:schemeClr>
+          </a:solidFill>
+          <a:prstDash val="solid"/>
+          <a:miter lim="800000"/>
+        </a:ln>
+        <a:effectLst/>
+      </dsp:spPr>
+      <dsp:style>
+        <a:lnRef idx="2">
+          <a:scrgbClr r="0" g="0" b="0"/>
+        </a:lnRef>
+        <a:fillRef idx="1">
+          <a:scrgbClr r="0" g="0" b="0"/>
+        </a:fillRef>
+        <a:effectRef idx="0">
+          <a:scrgbClr r="0" g="0" b="0"/>
+        </a:effectRef>
+        <a:fontRef idx="minor"/>
+      </dsp:style>
+      <dsp:txBody>
+        <a:bodyPr spcFirstLastPara="0" vert="horz" wrap="square" lIns="68580" tIns="68580" rIns="68580" bIns="68580" numCol="1" spcCol="1270" anchor="ctr" anchorCtr="0">
+          <a:noAutofit/>
+        </a:bodyPr>
+        <a:lstStyle/>
+        <a:p>
+          <a:pPr marL="0" lvl="0" indent="0" algn="ctr" defTabSz="800100">
+            <a:lnSpc>
+              <a:spcPct val="90000"/>
+            </a:lnSpc>
+            <a:spcBef>
+              <a:spcPct val="0"/>
+            </a:spcBef>
+            <a:spcAft>
+              <a:spcPct val="35000"/>
+            </a:spcAft>
+            <a:buNone/>
+          </a:pPr>
+          <a:r>
+            <a:rPr lang="en-GB" sz="1800" kern="1200" dirty="0"/>
+            <a:t>Report data to panel</a:t>
+          </a:r>
+        </a:p>
+      </dsp:txBody>
+      <dsp:txXfrm>
+        <a:off x="2607422" y="4593565"/>
+        <a:ext cx="1854108" cy="1151213"/>
+      </dsp:txXfrm>
+    </dsp:sp>
+    <dsp:sp modelId="{D608583C-82B7-6B46-9F55-C8EA47FCECA0}">
+      <dsp:nvSpPr>
+        <dsp:cNvPr id="0" name=""/>
+        <dsp:cNvSpPr/>
+      </dsp:nvSpPr>
+      <dsp:spPr>
+        <a:xfrm>
+          <a:off x="7065001" y="2571561"/>
+          <a:ext cx="1925740" cy="1222845"/>
+        </a:xfrm>
+        <a:prstGeom prst="roundRect">
+          <a:avLst>
+            <a:gd name="adj" fmla="val 10000"/>
+          </a:avLst>
+        </a:prstGeom>
+        <a:solidFill>
+          <a:schemeClr val="accent1">
+            <a:hueOff val="0"/>
+            <a:satOff val="0"/>
+            <a:lumOff val="0"/>
+            <a:alphaOff val="0"/>
+          </a:schemeClr>
+        </a:solidFill>
+        <a:ln w="12700" cap="flat" cmpd="sng" algn="ctr">
+          <a:solidFill>
+            <a:schemeClr val="lt1">
+              <a:hueOff val="0"/>
+              <a:satOff val="0"/>
+              <a:lumOff val="0"/>
+              <a:alphaOff val="0"/>
+            </a:schemeClr>
+          </a:solidFill>
+          <a:prstDash val="solid"/>
+          <a:miter lim="800000"/>
+        </a:ln>
+        <a:effectLst/>
+      </dsp:spPr>
+      <dsp:style>
+        <a:lnRef idx="2">
+          <a:scrgbClr r="0" g="0" b="0"/>
+        </a:lnRef>
+        <a:fillRef idx="1">
+          <a:scrgbClr r="0" g="0" b="0"/>
+        </a:fillRef>
+        <a:effectRef idx="0">
+          <a:scrgbClr r="0" g="0" b="0"/>
+        </a:effectRef>
+        <a:fontRef idx="minor">
+          <a:schemeClr val="lt1"/>
+        </a:fontRef>
+      </dsp:style>
+    </dsp:sp>
+    <dsp:sp modelId="{31E9129B-7678-154E-8F07-8C3DB2FB87E9}">
+      <dsp:nvSpPr>
+        <dsp:cNvPr id="0" name=""/>
+        <dsp:cNvSpPr/>
+      </dsp:nvSpPr>
+      <dsp:spPr>
+        <a:xfrm>
+          <a:off x="7278972" y="2774834"/>
+          <a:ext cx="1925740" cy="1222845"/>
+        </a:xfrm>
+        <a:prstGeom prst="roundRect">
+          <a:avLst>
+            <a:gd name="adj" fmla="val 10000"/>
+          </a:avLst>
+        </a:prstGeom>
+        <a:solidFill>
+          <a:schemeClr val="lt1">
+            <a:alpha val="90000"/>
+            <a:hueOff val="0"/>
+            <a:satOff val="0"/>
+            <a:lumOff val="0"/>
+            <a:alphaOff val="0"/>
+          </a:schemeClr>
+        </a:solidFill>
+        <a:ln w="12700" cap="flat" cmpd="sng" algn="ctr">
+          <a:solidFill>
+            <a:schemeClr val="accent1">
+              <a:hueOff val="0"/>
+              <a:satOff val="0"/>
+              <a:lumOff val="0"/>
+              <a:alphaOff val="0"/>
+            </a:schemeClr>
+          </a:solidFill>
+          <a:prstDash val="solid"/>
+          <a:miter lim="800000"/>
+        </a:ln>
+        <a:effectLst/>
+      </dsp:spPr>
+      <dsp:style>
+        <a:lnRef idx="2">
+          <a:scrgbClr r="0" g="0" b="0"/>
+        </a:lnRef>
+        <a:fillRef idx="1">
+          <a:scrgbClr r="0" g="0" b="0"/>
+        </a:fillRef>
+        <a:effectRef idx="0">
+          <a:scrgbClr r="0" g="0" b="0"/>
+        </a:effectRef>
+        <a:fontRef idx="minor"/>
+      </dsp:style>
+      <dsp:txBody>
+        <a:bodyPr spcFirstLastPara="0" vert="horz" wrap="square" lIns="68580" tIns="68580" rIns="68580" bIns="68580" numCol="1" spcCol="1270" anchor="ctr" anchorCtr="0">
+          <a:noAutofit/>
+        </a:bodyPr>
+        <a:lstStyle/>
+        <a:p>
+          <a:pPr marL="0" lvl="0" indent="0" algn="ctr" defTabSz="800100">
+            <a:lnSpc>
+              <a:spcPct val="90000"/>
+            </a:lnSpc>
+            <a:spcBef>
+              <a:spcPct val="0"/>
+            </a:spcBef>
+            <a:spcAft>
+              <a:spcPct val="35000"/>
+            </a:spcAft>
+            <a:buNone/>
+          </a:pPr>
+          <a:r>
+            <a:rPr lang="en-GB" sz="1800" kern="1200" dirty="0"/>
+            <a:t>GAS LEAKAGE</a:t>
+          </a:r>
+        </a:p>
+      </dsp:txBody>
+      <dsp:txXfrm>
+        <a:off x="7314788" y="2810650"/>
+        <a:ext cx="1854108" cy="1151213"/>
+      </dsp:txXfrm>
+    </dsp:sp>
+    <dsp:sp modelId="{68A1BC1A-B60C-FB47-A302-EF9688D65E78}">
+      <dsp:nvSpPr>
+        <dsp:cNvPr id="0" name=""/>
+        <dsp:cNvSpPr/>
+      </dsp:nvSpPr>
+      <dsp:spPr>
+        <a:xfrm>
+          <a:off x="4711318" y="4354476"/>
+          <a:ext cx="1925740" cy="1222845"/>
+        </a:xfrm>
+        <a:prstGeom prst="roundRect">
+          <a:avLst>
+            <a:gd name="adj" fmla="val 10000"/>
+          </a:avLst>
+        </a:prstGeom>
+        <a:solidFill>
+          <a:schemeClr val="accent1">
+            <a:hueOff val="0"/>
+            <a:satOff val="0"/>
+            <a:lumOff val="0"/>
+            <a:alphaOff val="0"/>
+          </a:schemeClr>
+        </a:solidFill>
+        <a:ln w="12700" cap="flat" cmpd="sng" algn="ctr">
+          <a:solidFill>
+            <a:schemeClr val="lt1">
+              <a:hueOff val="0"/>
+              <a:satOff val="0"/>
+              <a:lumOff val="0"/>
+              <a:alphaOff val="0"/>
+            </a:schemeClr>
+          </a:solidFill>
+          <a:prstDash val="solid"/>
+          <a:miter lim="800000"/>
+        </a:ln>
+        <a:effectLst/>
+      </dsp:spPr>
+      <dsp:style>
+        <a:lnRef idx="2">
+          <a:scrgbClr r="0" g="0" b="0"/>
+        </a:lnRef>
+        <a:fillRef idx="1">
+          <a:scrgbClr r="0" g="0" b="0"/>
+        </a:fillRef>
+        <a:effectRef idx="0">
+          <a:scrgbClr r="0" g="0" b="0"/>
+        </a:effectRef>
+        <a:fontRef idx="minor">
+          <a:schemeClr val="lt1"/>
+        </a:fontRef>
+      </dsp:style>
+    </dsp:sp>
+    <dsp:sp modelId="{F81D72DC-8440-0C47-B7C0-AF780294C3A7}">
+      <dsp:nvSpPr>
+        <dsp:cNvPr id="0" name=""/>
+        <dsp:cNvSpPr/>
+      </dsp:nvSpPr>
+      <dsp:spPr>
+        <a:xfrm>
+          <a:off x="4925289" y="4557749"/>
+          <a:ext cx="1925740" cy="1222845"/>
+        </a:xfrm>
+        <a:prstGeom prst="roundRect">
+          <a:avLst>
+            <a:gd name="adj" fmla="val 10000"/>
+          </a:avLst>
+        </a:prstGeom>
+        <a:solidFill>
+          <a:schemeClr val="lt1">
+            <a:alpha val="90000"/>
+            <a:hueOff val="0"/>
+            <a:satOff val="0"/>
+            <a:lumOff val="0"/>
+            <a:alphaOff val="0"/>
+          </a:schemeClr>
+        </a:solidFill>
+        <a:ln w="12700" cap="flat" cmpd="sng" algn="ctr">
+          <a:solidFill>
+            <a:schemeClr val="accent1">
+              <a:hueOff val="0"/>
+              <a:satOff val="0"/>
+              <a:lumOff val="0"/>
+              <a:alphaOff val="0"/>
+            </a:schemeClr>
+          </a:solidFill>
+          <a:prstDash val="solid"/>
+          <a:miter lim="800000"/>
+        </a:ln>
+        <a:effectLst/>
+      </dsp:spPr>
+      <dsp:style>
+        <a:lnRef idx="2">
+          <a:scrgbClr r="0" g="0" b="0"/>
+        </a:lnRef>
+        <a:fillRef idx="1">
+          <a:scrgbClr r="0" g="0" b="0"/>
+        </a:fillRef>
+        <a:effectRef idx="0">
+          <a:scrgbClr r="0" g="0" b="0"/>
+        </a:effectRef>
+        <a:fontRef idx="minor"/>
+      </dsp:style>
+      <dsp:txBody>
+        <a:bodyPr spcFirstLastPara="0" vert="horz" wrap="square" lIns="68580" tIns="68580" rIns="68580" bIns="68580" numCol="1" spcCol="1270" anchor="ctr" anchorCtr="0">
+          <a:noAutofit/>
+        </a:bodyPr>
+        <a:lstStyle/>
+        <a:p>
+          <a:pPr marL="0" lvl="0" indent="0" algn="ctr" defTabSz="800100">
+            <a:lnSpc>
+              <a:spcPct val="90000"/>
+            </a:lnSpc>
+            <a:spcBef>
+              <a:spcPct val="0"/>
+            </a:spcBef>
+            <a:spcAft>
+              <a:spcPct val="35000"/>
+            </a:spcAft>
+            <a:buNone/>
+          </a:pPr>
+          <a:r>
+            <a:rPr lang="en-GB" sz="1800" kern="1200" dirty="0"/>
+            <a:t>Send unusual data to online panel</a:t>
+          </a:r>
+        </a:p>
+      </dsp:txBody>
+      <dsp:txXfrm>
+        <a:off x="4961105" y="4593565"/>
+        <a:ext cx="1854108" cy="1151213"/>
+      </dsp:txXfrm>
+    </dsp:sp>
+    <dsp:sp modelId="{18E8EBDF-D231-6345-869D-2CFA03AA78CA}">
+      <dsp:nvSpPr>
+        <dsp:cNvPr id="0" name=""/>
+        <dsp:cNvSpPr/>
+      </dsp:nvSpPr>
+      <dsp:spPr>
+        <a:xfrm>
+          <a:off x="7065001" y="4354476"/>
+          <a:ext cx="1925740" cy="1222845"/>
+        </a:xfrm>
+        <a:prstGeom prst="roundRect">
+          <a:avLst>
+            <a:gd name="adj" fmla="val 10000"/>
+          </a:avLst>
+        </a:prstGeom>
+        <a:solidFill>
+          <a:schemeClr val="accent1">
+            <a:hueOff val="0"/>
+            <a:satOff val="0"/>
+            <a:lumOff val="0"/>
+            <a:alphaOff val="0"/>
+          </a:schemeClr>
+        </a:solidFill>
+        <a:ln w="12700" cap="flat" cmpd="sng" algn="ctr">
+          <a:solidFill>
+            <a:schemeClr val="lt1">
+              <a:hueOff val="0"/>
+              <a:satOff val="0"/>
+              <a:lumOff val="0"/>
+              <a:alphaOff val="0"/>
+            </a:schemeClr>
+          </a:solidFill>
+          <a:prstDash val="solid"/>
+          <a:miter lim="800000"/>
+        </a:ln>
+        <a:effectLst/>
+      </dsp:spPr>
+      <dsp:style>
+        <a:lnRef idx="2">
+          <a:scrgbClr r="0" g="0" b="0"/>
+        </a:lnRef>
+        <a:fillRef idx="1">
+          <a:scrgbClr r="0" g="0" b="0"/>
+        </a:fillRef>
+        <a:effectRef idx="0">
+          <a:scrgbClr r="0" g="0" b="0"/>
+        </a:effectRef>
+        <a:fontRef idx="minor">
+          <a:schemeClr val="lt1"/>
+        </a:fontRef>
+      </dsp:style>
+    </dsp:sp>
+    <dsp:sp modelId="{397E58EE-50B4-F741-B3E0-755D7501E54F}">
+      <dsp:nvSpPr>
+        <dsp:cNvPr id="0" name=""/>
+        <dsp:cNvSpPr/>
+      </dsp:nvSpPr>
+      <dsp:spPr>
+        <a:xfrm>
+          <a:off x="7278972" y="4557749"/>
+          <a:ext cx="1925740" cy="1222845"/>
+        </a:xfrm>
+        <a:prstGeom prst="roundRect">
+          <a:avLst>
+            <a:gd name="adj" fmla="val 10000"/>
+          </a:avLst>
+        </a:prstGeom>
+        <a:solidFill>
+          <a:schemeClr val="lt1">
+            <a:alpha val="90000"/>
+            <a:hueOff val="0"/>
+            <a:satOff val="0"/>
+            <a:lumOff val="0"/>
+            <a:alphaOff val="0"/>
+          </a:schemeClr>
+        </a:solidFill>
+        <a:ln w="12700" cap="flat" cmpd="sng" algn="ctr">
+          <a:solidFill>
+            <a:schemeClr val="accent1">
+              <a:hueOff val="0"/>
+              <a:satOff val="0"/>
+              <a:lumOff val="0"/>
+              <a:alphaOff val="0"/>
+            </a:schemeClr>
+          </a:solidFill>
+          <a:prstDash val="solid"/>
+          <a:miter lim="800000"/>
+        </a:ln>
+        <a:effectLst/>
+      </dsp:spPr>
+      <dsp:style>
+        <a:lnRef idx="2">
+          <a:scrgbClr r="0" g="0" b="0"/>
+        </a:lnRef>
+        <a:fillRef idx="1">
+          <a:scrgbClr r="0" g="0" b="0"/>
+        </a:fillRef>
+        <a:effectRef idx="0">
+          <a:scrgbClr r="0" g="0" b="0"/>
+        </a:effectRef>
+        <a:fontRef idx="minor"/>
+      </dsp:style>
+      <dsp:txBody>
+        <a:bodyPr spcFirstLastPara="0" vert="horz" wrap="square" lIns="68580" tIns="68580" rIns="68580" bIns="68580" numCol="1" spcCol="1270" anchor="ctr" anchorCtr="0">
+          <a:noAutofit/>
+        </a:bodyPr>
+        <a:lstStyle/>
+        <a:p>
+          <a:pPr marL="0" lvl="0" indent="0" algn="ctr" defTabSz="800100">
+            <a:lnSpc>
+              <a:spcPct val="90000"/>
+            </a:lnSpc>
+            <a:spcBef>
+              <a:spcPct val="0"/>
+            </a:spcBef>
+            <a:spcAft>
+              <a:spcPct val="35000"/>
+            </a:spcAft>
+            <a:buNone/>
+          </a:pPr>
+          <a:r>
+            <a:rPr lang="en-GB" sz="1800" kern="1200" dirty="0"/>
+            <a:t>Send unusual data to mobile phones connected</a:t>
+          </a:r>
+        </a:p>
+      </dsp:txBody>
+      <dsp:txXfrm>
+        <a:off x="7314788" y="4593565"/>
+        <a:ext cx="1854108" cy="1151213"/>
+      </dsp:txXfrm>
+    </dsp:sp>
+    <dsp:sp modelId="{4DEAB5EC-E56C-8443-9E9D-1CCFEAA0F5F4}">
+      <dsp:nvSpPr>
+        <dsp:cNvPr id="0" name=""/>
+        <dsp:cNvSpPr/>
+      </dsp:nvSpPr>
+      <dsp:spPr>
+        <a:xfrm>
+          <a:off x="9418684" y="4354476"/>
+          <a:ext cx="1925740" cy="1222845"/>
+        </a:xfrm>
+        <a:prstGeom prst="roundRect">
+          <a:avLst>
+            <a:gd name="adj" fmla="val 10000"/>
+          </a:avLst>
+        </a:prstGeom>
+        <a:solidFill>
+          <a:schemeClr val="accent1">
+            <a:hueOff val="0"/>
+            <a:satOff val="0"/>
+            <a:lumOff val="0"/>
+            <a:alphaOff val="0"/>
+          </a:schemeClr>
+        </a:solidFill>
+        <a:ln w="12700" cap="flat" cmpd="sng" algn="ctr">
+          <a:solidFill>
+            <a:schemeClr val="lt1">
+              <a:hueOff val="0"/>
+              <a:satOff val="0"/>
+              <a:lumOff val="0"/>
+              <a:alphaOff val="0"/>
+            </a:schemeClr>
+          </a:solidFill>
+          <a:prstDash val="solid"/>
+          <a:miter lim="800000"/>
+        </a:ln>
+        <a:effectLst/>
+      </dsp:spPr>
+      <dsp:style>
+        <a:lnRef idx="2">
+          <a:scrgbClr r="0" g="0" b="0"/>
+        </a:lnRef>
+        <a:fillRef idx="1">
+          <a:scrgbClr r="0" g="0" b="0"/>
+        </a:fillRef>
+        <a:effectRef idx="0">
+          <a:scrgbClr r="0" g="0" b="0"/>
+        </a:effectRef>
+        <a:fontRef idx="minor">
+          <a:schemeClr val="lt1"/>
+        </a:fontRef>
+      </dsp:style>
+    </dsp:sp>
+    <dsp:sp modelId="{7F2A0552-20C3-734A-B6AA-310FE1443659}">
+      <dsp:nvSpPr>
+        <dsp:cNvPr id="0" name=""/>
+        <dsp:cNvSpPr/>
+      </dsp:nvSpPr>
+      <dsp:spPr>
+        <a:xfrm>
+          <a:off x="9632655" y="4557749"/>
+          <a:ext cx="1925740" cy="1222845"/>
+        </a:xfrm>
+        <a:prstGeom prst="roundRect">
+          <a:avLst>
+            <a:gd name="adj" fmla="val 10000"/>
+          </a:avLst>
+        </a:prstGeom>
+        <a:solidFill>
+          <a:schemeClr val="lt1">
+            <a:alpha val="90000"/>
+            <a:hueOff val="0"/>
+            <a:satOff val="0"/>
+            <a:lumOff val="0"/>
+            <a:alphaOff val="0"/>
+          </a:schemeClr>
+        </a:solidFill>
+        <a:ln w="12700" cap="flat" cmpd="sng" algn="ctr">
+          <a:solidFill>
+            <a:schemeClr val="accent1">
+              <a:hueOff val="0"/>
+              <a:satOff val="0"/>
+              <a:lumOff val="0"/>
+              <a:alphaOff val="0"/>
+            </a:schemeClr>
+          </a:solidFill>
+          <a:prstDash val="solid"/>
+          <a:miter lim="800000"/>
+        </a:ln>
+        <a:effectLst/>
+      </dsp:spPr>
+      <dsp:style>
+        <a:lnRef idx="2">
+          <a:scrgbClr r="0" g="0" b="0"/>
+        </a:lnRef>
+        <a:fillRef idx="1">
+          <a:scrgbClr r="0" g="0" b="0"/>
+        </a:fillRef>
+        <a:effectRef idx="0">
+          <a:scrgbClr r="0" g="0" b="0"/>
+        </a:effectRef>
+        <a:fontRef idx="minor"/>
+      </dsp:style>
+      <dsp:txBody>
+        <a:bodyPr spcFirstLastPara="0" vert="horz" wrap="square" lIns="68580" tIns="68580" rIns="68580" bIns="68580" numCol="1" spcCol="1270" anchor="ctr" anchorCtr="0">
+          <a:noAutofit/>
+        </a:bodyPr>
+        <a:lstStyle/>
+        <a:p>
+          <a:pPr marL="0" lvl="0" indent="0" algn="ctr" defTabSz="800100">
+            <a:lnSpc>
+              <a:spcPct val="90000"/>
+            </a:lnSpc>
+            <a:spcBef>
+              <a:spcPct val="0"/>
+            </a:spcBef>
+            <a:spcAft>
+              <a:spcPct val="35000"/>
+            </a:spcAft>
+            <a:buNone/>
+          </a:pPr>
+          <a:r>
+            <a:rPr lang="en-GB" sz="1800" kern="1200" dirty="0"/>
+            <a:t>Turn on LED lights and emit sound</a:t>
+          </a:r>
+        </a:p>
+      </dsp:txBody>
+      <dsp:txXfrm>
+        <a:off x="9668471" y="4593565"/>
+        <a:ext cx="1854108" cy="1151213"/>
+      </dsp:txXfrm>
+    </dsp:sp>
+  </dsp:spTree>
+</dsp:drawing>
+</file>
+
+<file path=ppt/diagrams/layout1.xml><?xml version="1.0" encoding="utf-8"?>
+<dgm:layoutDef xmlns:dgm="http://schemas.openxmlformats.org/drawingml/2006/diagram" xmlns:a="http://schemas.openxmlformats.org/drawingml/2006/main" uniqueId="urn:microsoft.com/office/officeart/2005/8/layout/hierarchy1">
+  <dgm:title val=""/>
+  <dgm:desc val=""/>
+  <dgm:catLst>
+    <dgm:cat type="hierarchy" pri="2000"/>
+  </dgm:catLst>
+  <dgm:sampData>
+    <dgm:dataModel>
+      <dgm:ptLst>
+        <dgm:pt modelId="0" type="doc"/>
+        <dgm:pt modelId="1">
+          <dgm:prSet phldr="1"/>
+        </dgm:pt>
+        <dgm:pt modelId="2">
+          <dgm:prSet phldr="1"/>
+        </dgm:pt>
+        <dgm:pt modelId="21">
+          <dgm:prSet phldr="1"/>
+        </dgm:pt>
+        <dgm:pt modelId="22">
+          <dgm:prSet phldr="1"/>
+        </dgm:pt>
+        <dgm:pt modelId="3">
+          <dgm:prSet phldr="1"/>
+        </dgm:pt>
+        <dgm:pt modelId="31">
+          <dgm:prSet phldr="1"/>
+        </dgm:pt>
+      </dgm:ptLst>
+      <dgm:cxnLst>
+        <dgm:cxn modelId="4" srcId="0" destId="1" srcOrd="0" destOrd="0"/>
+        <dgm:cxn modelId="5" srcId="1" destId="2" srcOrd="0" destOrd="0"/>
+        <dgm:cxn modelId="6" srcId="1" destId="3" srcOrd="1" destOrd="0"/>
+        <dgm:cxn modelId="23" srcId="2" destId="21" srcOrd="0" destOrd="0"/>
+        <dgm:cxn modelId="24" srcId="2" destId="22" srcOrd="1" destOrd="0"/>
+        <dgm:cxn modelId="33" srcId="3" destId="31" srcOrd="0" destOrd="0"/>
+      </dgm:cxnLst>
+      <dgm:bg/>
+      <dgm:whole/>
+    </dgm:dataModel>
+  </dgm:sampData>
+  <dgm:styleData>
+    <dgm:dataModel>
+      <dgm:ptLst>
+        <dgm:pt modelId="0" type="doc"/>
+        <dgm:pt modelId="1"/>
+        <dgm:pt modelId="11"/>
+        <dgm:pt modelId="12"/>
+      </dgm:ptLst>
+      <dgm:cxnLst>
+        <dgm:cxn modelId="2" srcId="0" destId="1" srcOrd="0" destOrd="0"/>
+        <dgm:cxn modelId="13" srcId="1" destId="11" srcOrd="0" destOrd="0"/>
+        <dgm:cxn modelId="14" srcId="1" destId="12" srcOrd="1" destOrd="0"/>
+      </dgm:cxnLst>
+      <dgm:bg/>
+      <dgm:whole/>
+    </dgm:dataModel>
+  </dgm:styleData>
+  <dgm:clrData>
+    <dgm:dataModel>
+      <dgm:ptLst>
+        <dgm:pt modelId="0" type="doc"/>
+        <dgm:pt modelId="1"/>
+        <dgm:pt modelId="2"/>
+        <dgm:pt modelId="21"/>
+        <dgm:pt modelId="211"/>
+        <dgm:pt modelId="3"/>
+        <dgm:pt modelId="31"/>
+        <dgm:pt modelId="311"/>
+      </dgm:ptLst>
+      <dgm:cxnLst>
+        <dgm:cxn modelId="4" srcId="0" destId="1" srcOrd="0" destOrd="0"/>
+        <dgm:cxn modelId="5" srcId="1" destId="2" srcOrd="0" destOrd="0"/>
+        <dgm:cxn modelId="6" srcId="1" destId="3" srcOrd="1" destOrd="0"/>
+        <dgm:cxn modelId="23" srcId="2" destId="21" srcOrd="0" destOrd="0"/>
+        <dgm:cxn modelId="24" srcId="21" destId="211" srcOrd="0" destOrd="0"/>
+        <dgm:cxn modelId="33" srcId="3" destId="31" srcOrd="0" destOrd="0"/>
+        <dgm:cxn modelId="34" srcId="31" destId="311" srcOrd="0" destOrd="0"/>
+      </dgm:cxnLst>
+      <dgm:bg/>
+      <dgm:whole/>
+    </dgm:dataModel>
+  </dgm:clrData>
+  <dgm:layoutNode name="hierChild1">
+    <dgm:varLst>
+      <dgm:chPref val="1"/>
+      <dgm:dir/>
+      <dgm:animOne val="branch"/>
+      <dgm:animLvl val="lvl"/>
+      <dgm:resizeHandles/>
+    </dgm:varLst>
+    <dgm:choose name="Name0">
+      <dgm:if name="Name1" func="var" arg="dir" op="equ" val="norm">
+        <dgm:alg type="hierChild">
+          <dgm:param type="linDir" val="fromL"/>
+        </dgm:alg>
+      </dgm:if>
+      <dgm:else name="Name2">
+        <dgm:alg type="hierChild">
+          <dgm:param type="linDir" val="fromR"/>
+        </dgm:alg>
+      </dgm:else>
+    </dgm:choose>
+    <dgm:shape xmlns:r="http://schemas.openxmlformats.org/officeDocument/2006/relationships" r:blip="">
+      <dgm:adjLst/>
+    </dgm:shape>
+    <dgm:presOf/>
+    <dgm:constrLst>
+      <dgm:constr type="primFontSz" for="des" ptType="node" op="equ" val="65"/>
+      <dgm:constr type="w" for="des" forName="composite" refType="w"/>
+      <dgm:constr type="h" for="des" forName="composite" refType="w" refFor="des" refForName="composite" fact="0.667"/>
+      <dgm:constr type="w" for="des" forName="composite2" refType="w" refFor="des" refForName="composite"/>
+      <dgm:constr type="h" for="des" forName="composite2" refType="h" refFor="des" refForName="composite"/>
+      <dgm:constr type="w" for="des" forName="composite3" refType="w" refFor="des" refForName="composite"/>
+      <dgm:constr type="h" for="des" forName="composite3" refType="h" refFor="des" refForName="composite"/>
+      <dgm:constr type="w" for="des" forName="composite4" refType="w" refFor="des" refForName="composite"/>
+      <dgm:constr type="h" for="des" forName="composite4" refType="h" refFor="des" refForName="composite"/>
+      <dgm:constr type="w" for="des" forName="composite5" refType="w" refFor="des" refForName="composite"/>
+      <dgm:constr type="h" for="des" forName="composite5" refType="h" refFor="des" refForName="composite"/>
+      <dgm:constr type="sibSp" refType="w" refFor="des" refForName="composite" fact="0.1"/>
+      <dgm:constr type="sibSp" for="des" forName="hierChild2" refType="sibSp"/>
+      <dgm:constr type="sibSp" for="des" forName="hierChild3" refType="sibSp"/>
+      <dgm:constr type="sibSp" for="des" forName="hierChild4" refType="sibSp"/>
+      <dgm:constr type="sibSp" for="des" forName="hierChild5" refType="sibSp"/>
+      <dgm:constr type="sibSp" for="des" forName="hierChild6" refType="sibSp"/>
+      <dgm:constr type="sp" for="des" forName="hierRoot1" refType="h" refFor="des" refForName="composite" fact="0.25"/>
+      <dgm:constr type="sp" for="des" forName="hierRoot2" refType="sp" refFor="des" refForName="hierRoot1"/>
+      <dgm:constr type="sp" for="des" forName="hierRoot3" refType="sp" refFor="des" refForName="hierRoot1"/>
+      <dgm:constr type="sp" for="des" forName="hierRoot4" refType="sp" refFor="des" refForName="hierRoot1"/>
+      <dgm:constr type="sp" for="des" forName="hierRoot5" refType="sp" refFor="des" refForName="hierRoot1"/>
+    </dgm:constrLst>
+    <dgm:ruleLst/>
+    <dgm:forEach name="Name3" axis="ch">
+      <dgm:forEach name="Name4" axis="self" ptType="node">
+        <dgm:layoutNode name="hierRoot1">
+          <dgm:alg type="hierRoot"/>
+          <dgm:shape xmlns:r="http://schemas.openxmlformats.org/officeDocument/2006/relationships" r:blip="">
+            <dgm:adjLst/>
+          </dgm:shape>
+          <dgm:presOf/>
+          <dgm:constrLst>
+            <dgm:constr type="bendDist" for="des" ptType="parTrans" refType="sp" fact="0.5"/>
+          </dgm:constrLst>
+          <dgm:ruleLst/>
+          <dgm:layoutNode name="composite">
+            <dgm:alg type="composite"/>
+            <dgm:shape xmlns:r="http://schemas.openxmlformats.org/officeDocument/2006/relationships" r:blip="">
+              <dgm:adjLst/>
+            </dgm:shape>
+            <dgm:presOf/>
+            <dgm:constrLst>
+              <dgm:constr type="w" for="ch" forName="background" refType="w" fact="0.9"/>
+              <dgm:constr type="h" for="ch" forName="background" refType="w" refFor="ch" refForName="background" fact="0.635"/>
+              <dgm:constr type="t" for="ch" forName="background"/>
+              <dgm:constr type="l" for="ch" forName="background"/>
+              <dgm:constr type="w" for="ch" forName="text" refType="w" fact="0.9"/>
+              <dgm:constr type="h" for="ch" forName="text" refType="w" refFor="ch" refForName="text" fact="0.635"/>
+              <dgm:constr type="t" for="ch" forName="text" refType="w" fact="0.095"/>
+              <dgm:constr type="l" for="ch" forName="text" refType="w" fact="0.1"/>
+            </dgm:constrLst>
+            <dgm:ruleLst/>
+            <dgm:layoutNode name="background" styleLbl="node0" moveWith="text">
+              <dgm:alg type="sp"/>
+              <dgm:shape xmlns:r="http://schemas.openxmlformats.org/officeDocument/2006/relationships" type="roundRect" r:blip="">
+                <dgm:adjLst>
+                  <dgm:adj idx="1" val="0.1"/>
+                </dgm:adjLst>
+              </dgm:shape>
+              <dgm:presOf/>
+              <dgm:constrLst/>
+              <dgm:ruleLst/>
+            </dgm:layoutNode>
+            <dgm:layoutNode name="text" styleLbl="fgAcc0">
+              <dgm:varLst>
+                <dgm:chPref val="3"/>
+              </dgm:varLst>
+              <dgm:alg type="tx"/>
+              <dgm:shape xmlns:r="http://schemas.openxmlformats.org/officeDocument/2006/relationships" type="roundRect" r:blip="">
+                <dgm:adjLst>
+                  <dgm:adj idx="1" val="0.1"/>
+                </dgm:adjLst>
+              </dgm:shape>
+              <dgm:presOf axis="self"/>
+              <dgm:constrLst>
+                <dgm:constr type="tMarg" refType="primFontSz" fact="0.3"/>
+                <dgm:constr type="bMarg" refType="primFontSz" fact="0.3"/>
+                <dgm:constr type="lMarg" refType="primFontSz" fact="0.3"/>
+                <dgm:constr type="rMarg" refType="primFontSz" fact="0.3"/>
+              </dgm:constrLst>
+              <dgm:ruleLst>
+                <dgm:rule type="primFontSz" val="5" fact="NaN" max="NaN"/>
+              </dgm:ruleLst>
+            </dgm:layoutNode>
+          </dgm:layoutNode>
+          <dgm:layoutNode name="hierChild2">
+            <dgm:choose name="Name5">
+              <dgm:if name="Name6" func="var" arg="dir" op="equ" val="norm">
+                <dgm:alg type="hierChild">
+                  <dgm:param type="linDir" val="fromL"/>
+                </dgm:alg>
+              </dgm:if>
+              <dgm:else name="Name7">
+                <dgm:alg type="hierChild">
+                  <dgm:param type="linDir" val="fromR"/>
+                </dgm:alg>
+              </dgm:else>
+            </dgm:choose>
+            <dgm:shape xmlns:r="http://schemas.openxmlformats.org/officeDocument/2006/relationships" r:blip="">
+              <dgm:adjLst/>
+            </dgm:shape>
+            <dgm:presOf/>
+            <dgm:constrLst/>
+            <dgm:ruleLst/>
+            <dgm:forEach name="Name8" axis="ch">
+              <dgm:forEach name="Name9" axis="self" ptType="parTrans" cnt="1">
+                <dgm:layoutNode name="Name10">
+                  <dgm:alg type="conn">
+                    <dgm:param type="dim" val="1D"/>
+                    <dgm:param type="endSty" val="noArr"/>
+                    <dgm:param type="connRout" val="bend"/>
+                    <dgm:param type="bendPt" val="end"/>
+                    <dgm:param type="begPts" val="bCtr"/>
+                    <dgm:param type="endPts" val="tCtr"/>
+                    <dgm:param type="srcNode" val="background"/>
+                    <dgm:param type="dstNode" val="background2"/>
+                  </dgm:alg>
+                  <dgm:shape xmlns:r="http://schemas.openxmlformats.org/officeDocument/2006/relationships" type="conn" r:blip="" zOrderOff="-999">
+                    <dgm:adjLst/>
+                  </dgm:shape>
+                  <dgm:presOf axis="self"/>
+                  <dgm:constrLst>
+                    <dgm:constr type="begPad"/>
+                    <dgm:constr type="endPad"/>
+                  </dgm:constrLst>
+                  <dgm:ruleLst/>
+                </dgm:layoutNode>
+              </dgm:forEach>
+              <dgm:forEach name="Name11" axis="self" ptType="node">
+                <dgm:layoutNode name="hierRoot2">
+                  <dgm:alg type="hierRoot"/>
+                  <dgm:shape xmlns:r="http://schemas.openxmlformats.org/officeDocument/2006/relationships" r:blip="">
+                    <dgm:adjLst/>
+                  </dgm:shape>
+                  <dgm:presOf/>
+                  <dgm:constrLst>
+                    <dgm:constr type="bendDist" for="des" ptType="parTrans" refType="sp" fact="0.5"/>
+                  </dgm:constrLst>
+                  <dgm:ruleLst/>
+                  <dgm:layoutNode name="composite2">
+                    <dgm:alg type="composite"/>
+                    <dgm:shape xmlns:r="http://schemas.openxmlformats.org/officeDocument/2006/relationships" r:blip="">
+                      <dgm:adjLst/>
+                    </dgm:shape>
+                    <dgm:presOf/>
+                    <dgm:constrLst>
+                      <dgm:constr type="w" for="ch" forName="background2" refType="w" fact="0.9"/>
+                      <dgm:constr type="h" for="ch" forName="background2" refType="w" refFor="ch" refForName="background2" fact="0.635"/>
+                      <dgm:constr type="t" for="ch" forName="background2"/>
+                      <dgm:constr type="l" for="ch" forName="background2"/>
+                      <dgm:constr type="w" for="ch" forName="text2" refType="w" fact="0.9"/>
+                      <dgm:constr type="h" for="ch" forName="text2" refType="w" refFor="ch" refForName="text2" fact="0.635"/>
+                      <dgm:constr type="t" for="ch" forName="text2" refType="w" fact="0.095"/>
+                      <dgm:constr type="l" for="ch" forName="text2" refType="w" fact="0.1"/>
+                    </dgm:constrLst>
+                    <dgm:ruleLst/>
+                    <dgm:layoutNode name="background2" moveWith="text2">
+                      <dgm:alg type="sp"/>
+                      <dgm:shape xmlns:r="http://schemas.openxmlformats.org/officeDocument/2006/relationships" type="roundRect" r:blip="">
+                        <dgm:adjLst>
+                          <dgm:adj idx="1" val="0.1"/>
+                        </dgm:adjLst>
+                      </dgm:shape>
+                      <dgm:presOf/>
+                      <dgm:constrLst/>
+                      <dgm:ruleLst/>
+                    </dgm:layoutNode>
+                    <dgm:layoutNode name="text2" styleLbl="fgAcc2">
+                      <dgm:varLst>
+                        <dgm:chPref val="3"/>
+                      </dgm:varLst>
+                      <dgm:alg type="tx"/>
+                      <dgm:shape xmlns:r="http://schemas.openxmlformats.org/officeDocument/2006/relationships" type="roundRect" r:blip="">
+                        <dgm:adjLst>
+                          <dgm:adj idx="1" val="0.1"/>
+                        </dgm:adjLst>
+                      </dgm:shape>
+                      <dgm:presOf axis="self"/>
+                      <dgm:constrLst>
+                        <dgm:constr type="tMarg" refType="primFontSz" fact="0.3"/>
+                        <dgm:constr type="bMarg" refType="primFontSz" fact="0.3"/>
+                        <dgm:constr type="lMarg" refType="primFontSz" fact="0.3"/>
+                        <dgm:constr type="rMarg" refType="primFontSz" fact="0.3"/>
+                      </dgm:constrLst>
+                      <dgm:ruleLst>
+                        <dgm:rule type="primFontSz" val="5" fact="NaN" max="NaN"/>
+                      </dgm:ruleLst>
+                    </dgm:layoutNode>
+                  </dgm:layoutNode>
+                  <dgm:layoutNode name="hierChild3">
+                    <dgm:choose name="Name12">
+                      <dgm:if name="Name13" func="var" arg="dir" op="equ" val="norm">
+                        <dgm:alg type="hierChild">
+                          <dgm:param type="linDir" val="fromL"/>
+                        </dgm:alg>
+                      </dgm:if>
+                      <dgm:else name="Name14">
+                        <dgm:alg type="hierChild">
+                          <dgm:param type="linDir" val="fromR"/>
+                        </dgm:alg>
+                      </dgm:else>
+                    </dgm:choose>
+                    <dgm:shape xmlns:r="http://schemas.openxmlformats.org/officeDocument/2006/relationships" r:blip="">
+                      <dgm:adjLst/>
+                    </dgm:shape>
+                    <dgm:presOf/>
+                    <dgm:constrLst/>
+                    <dgm:ruleLst/>
+                    <dgm:forEach name="Name15" axis="ch">
+                      <dgm:forEach name="Name16" axis="self" ptType="parTrans" cnt="1">
+                        <dgm:layoutNode name="Name17">
+                          <dgm:alg type="conn">
+                            <dgm:param type="dim" val="1D"/>
+                            <dgm:param type="endSty" val="noArr"/>
+                            <dgm:param type="connRout" val="bend"/>
+                            <dgm:param type="bendPt" val="end"/>
+                            <dgm:param type="begPts" val="bCtr"/>
+                            <dgm:param type="endPts" val="tCtr"/>
+                            <dgm:param type="srcNode" val="background2"/>
+                            <dgm:param type="dstNode" val="background3"/>
+                          </dgm:alg>
+                          <dgm:shape xmlns:r="http://schemas.openxmlformats.org/officeDocument/2006/relationships" type="conn" r:blip="" zOrderOff="-999">
+                            <dgm:adjLst/>
+                          </dgm:shape>
+                          <dgm:presOf axis="self"/>
+                          <dgm:constrLst>
+                            <dgm:constr type="begPad"/>
+                            <dgm:constr type="endPad"/>
+                          </dgm:constrLst>
+                          <dgm:ruleLst/>
+                        </dgm:layoutNode>
+                      </dgm:forEach>
+                      <dgm:forEach name="Name18" axis="self" ptType="node">
+                        <dgm:layoutNode name="hierRoot3">
+                          <dgm:alg type="hierRoot"/>
+                          <dgm:shape xmlns:r="http://schemas.openxmlformats.org/officeDocument/2006/relationships" r:blip="">
+                            <dgm:adjLst/>
+                          </dgm:shape>
+                          <dgm:presOf/>
+                          <dgm:constrLst>
+                            <dgm:constr type="bendDist" for="des" ptType="parTrans" refType="sp" fact="0.5"/>
+                          </dgm:constrLst>
+                          <dgm:ruleLst/>
+                          <dgm:layoutNode name="composite3">
+                            <dgm:alg type="composite"/>
+                            <dgm:shape xmlns:r="http://schemas.openxmlformats.org/officeDocument/2006/relationships" r:blip="">
+                              <dgm:adjLst/>
+                            </dgm:shape>
+                            <dgm:presOf/>
+                            <dgm:constrLst>
+                              <dgm:constr type="w" for="ch" forName="background3" refType="w" fact="0.9"/>
+                              <dgm:constr type="h" for="ch" forName="background3" refType="w" refFor="ch" refForName="background3" fact="0.635"/>
+                              <dgm:constr type="t" for="ch" forName="background3"/>
+                              <dgm:constr type="l" for="ch" forName="background3"/>
+                              <dgm:constr type="w" for="ch" forName="text3" refType="w" fact="0.9"/>
+                              <dgm:constr type="h" for="ch" forName="text3" refType="w" refFor="ch" refForName="text3" fact="0.635"/>
+                              <dgm:constr type="t" for="ch" forName="text3" refType="w" fact="0.095"/>
+                              <dgm:constr type="l" for="ch" forName="text3" refType="w" fact="0.1"/>
+                            </dgm:constrLst>
+                            <dgm:ruleLst/>
+                            <dgm:layoutNode name="background3" moveWith="text3">
+                              <dgm:alg type="sp"/>
+                              <dgm:shape xmlns:r="http://schemas.openxmlformats.org/officeDocument/2006/relationships" type="roundRect" r:blip="">
+                                <dgm:adjLst>
+                                  <dgm:adj idx="1" val="0.1"/>
+                                </dgm:adjLst>
+                              </dgm:shape>
+                              <dgm:presOf/>
+                              <dgm:constrLst/>
+                              <dgm:ruleLst/>
+                            </dgm:layoutNode>
+                            <dgm:layoutNode name="text3" styleLbl="fgAcc3">
+                              <dgm:varLst>
+                                <dgm:chPref val="3"/>
+                              </dgm:varLst>
+                              <dgm:alg type="tx"/>
+                              <dgm:shape xmlns:r="http://schemas.openxmlformats.org/officeDocument/2006/relationships" type="roundRect" r:blip="">
+                                <dgm:adjLst>
+                                  <dgm:adj idx="1" val="0.1"/>
+                                </dgm:adjLst>
+                              </dgm:shape>
+                              <dgm:presOf axis="self"/>
+                              <dgm:constrLst>
+                                <dgm:constr type="tMarg" refType="primFontSz" fact="0.3"/>
+                                <dgm:constr type="bMarg" refType="primFontSz" fact="0.3"/>
+                                <dgm:constr type="lMarg" refType="primFontSz" fact="0.3"/>
+                                <dgm:constr type="rMarg" refType="primFontSz" fact="0.3"/>
+                              </dgm:constrLst>
+                              <dgm:ruleLst>
+                                <dgm:rule type="primFontSz" val="5" fact="NaN" max="NaN"/>
+                              </dgm:ruleLst>
+                            </dgm:layoutNode>
+                          </dgm:layoutNode>
+                          <dgm:layoutNode name="hierChild4">
+                            <dgm:choose name="Name19">
+                              <dgm:if name="Name20" func="var" arg="dir" op="equ" val="norm">
+                                <dgm:alg type="hierChild">
+                                  <dgm:param type="linDir" val="fromL"/>
+                                </dgm:alg>
+                              </dgm:if>
+                              <dgm:else name="Name21">
+                                <dgm:alg type="hierChild">
+                                  <dgm:param type="linDir" val="fromR"/>
+                                </dgm:alg>
+                              </dgm:else>
+                            </dgm:choose>
+                            <dgm:shape xmlns:r="http://schemas.openxmlformats.org/officeDocument/2006/relationships" r:blip="">
+                              <dgm:adjLst/>
+                            </dgm:shape>
+                            <dgm:presOf/>
+                            <dgm:constrLst/>
+                            <dgm:ruleLst/>
+                            <dgm:forEach name="repeat" axis="ch">
+                              <dgm:forEach name="Name22" axis="self" ptType="parTrans" cnt="1">
+                                <dgm:layoutNode name="Name23">
+                                  <dgm:choose name="Name24">
+                                    <dgm:if name="Name25" axis="self" func="depth" op="lte" val="4">
+                                      <dgm:alg type="conn">
+                                        <dgm:param type="dim" val="1D"/>
+                                        <dgm:param type="endSty" val="noArr"/>
+                                        <dgm:param type="connRout" val="bend"/>
+                                        <dgm:param type="bendPt" val="end"/>
+                                        <dgm:param type="begPts" val="bCtr"/>
+                                        <dgm:param type="endPts" val="tCtr"/>
+                                        <dgm:param type="srcNode" val="background3"/>
+                                        <dgm:param type="dstNode" val="background4"/>
+                                      </dgm:alg>
+                                    </dgm:if>
+                                    <dgm:else name="Name26">
+                                      <dgm:alg type="conn">
+                                        <dgm:param type="dim" val="1D"/>
+                                        <dgm:param type="endSty" val="noArr"/>
+                                        <dgm:param type="connRout" val="bend"/>
+                                        <dgm:param type="bendPt" val="end"/>
+                                        <dgm:param type="begPts" val="bCtr"/>
+                                        <dgm:param type="endPts" val="tCtr"/>
+                                        <dgm:param type="srcNode" val="background4"/>
+                                        <dgm:param type="dstNode" val="background4"/>
+                                      </dgm:alg>
+                                    </dgm:else>
+                                  </dgm:choose>
+                                  <dgm:shape xmlns:r="http://schemas.openxmlformats.org/officeDocument/2006/relationships" type="conn" r:blip="" zOrderOff="-999">
+                                    <dgm:adjLst/>
+                                  </dgm:shape>
+                                  <dgm:presOf axis="self"/>
+                                  <dgm:constrLst>
+                                    <dgm:constr type="begPad"/>
+                                    <dgm:constr type="endPad"/>
+                                  </dgm:constrLst>
+                                  <dgm:ruleLst/>
+                                </dgm:layoutNode>
+                              </dgm:forEach>
+                              <dgm:forEach name="Name27" axis="self" ptType="node">
+                                <dgm:layoutNode name="hierRoot4">
+                                  <dgm:alg type="hierRoot"/>
+                                  <dgm:shape xmlns:r="http://schemas.openxmlformats.org/officeDocument/2006/relationships" r:blip="">
+                                    <dgm:adjLst/>
+                                  </dgm:shape>
+                                  <dgm:presOf/>
+                                  <dgm:constrLst>
+                                    <dgm:constr type="bendDist" for="des" ptType="parTrans" refType="sp" fact="0.5"/>
+                                  </dgm:constrLst>
+                                  <dgm:ruleLst/>
+                                  <dgm:layoutNode name="composite4">
+                                    <dgm:alg type="composite"/>
+                                    <dgm:shape xmlns:r="http://schemas.openxmlformats.org/officeDocument/2006/relationships" r:blip="">
+                                      <dgm:adjLst/>
+                                    </dgm:shape>
+                                    <dgm:presOf/>
+                                    <dgm:constrLst>
+                                      <dgm:constr type="w" for="ch" forName="background4" refType="w" fact="0.9"/>
+                                      <dgm:constr type="h" for="ch" forName="background4" refType="w" refFor="ch" refForName="background4" fact="0.635"/>
+                                      <dgm:constr type="t" for="ch" forName="background4"/>
+                                      <dgm:constr type="l" for="ch" forName="background4"/>
+                                      <dgm:constr type="w" for="ch" forName="text4" refType="w" fact="0.9"/>
+                                      <dgm:constr type="h" for="ch" forName="text4" refType="w" refFor="ch" refForName="text4" fact="0.635"/>
+                                      <dgm:constr type="t" for="ch" forName="text4" refType="w" fact="0.095"/>
+                                      <dgm:constr type="l" for="ch" forName="text4" refType="w" fact="0.1"/>
+                                    </dgm:constrLst>
+                                    <dgm:ruleLst/>
+                                    <dgm:layoutNode name="background4" moveWith="text4">
+                                      <dgm:alg type="sp"/>
+                                      <dgm:shape xmlns:r="http://schemas.openxmlformats.org/officeDocument/2006/relationships" type="roundRect" r:blip="">
+                                        <dgm:adjLst>
+                                          <dgm:adj idx="1" val="0.1"/>
+                                        </dgm:adjLst>
+                                      </dgm:shape>
+                                      <dgm:presOf/>
+                                      <dgm:constrLst/>
+                                      <dgm:ruleLst/>
+                                    </dgm:layoutNode>
+                                    <dgm:layoutNode name="text4" styleLbl="fgAcc4">
+                                      <dgm:varLst>
+                                        <dgm:chPref val="3"/>
+                                      </dgm:varLst>
+                                      <dgm:alg type="tx"/>
+                                      <dgm:shape xmlns:r="http://schemas.openxmlformats.org/officeDocument/2006/relationships" type="roundRect" r:blip="">
+                                        <dgm:adjLst>
+                                          <dgm:adj idx="1" val="0.1"/>
+                                        </dgm:adjLst>
+                                      </dgm:shape>
+                                      <dgm:presOf axis="self"/>
+                                      <dgm:constrLst>
+                                        <dgm:constr type="tMarg" refType="primFontSz" fact="0.3"/>
+                                        <dgm:constr type="bMarg" refType="primFontSz" fact="0.3"/>
+                                        <dgm:constr type="lMarg" refType="primFontSz" fact="0.3"/>
+                                        <dgm:constr type="rMarg" refType="primFontSz" fact="0.3"/>
+                                      </dgm:constrLst>
+                                      <dgm:ruleLst>
+                                        <dgm:rule type="primFontSz" val="5" fact="NaN" max="NaN"/>
+                                      </dgm:ruleLst>
+                                    </dgm:layoutNode>
+                                  </dgm:layoutNode>
+                                  <dgm:layoutNode name="hierChild5">
+                                    <dgm:choose name="Name28">
+                                      <dgm:if name="Name29" func="var" arg="dir" op="equ" val="norm">
+                                        <dgm:alg type="hierChild">
+                                          <dgm:param type="linDir" val="fromL"/>
+                                        </dgm:alg>
+                                      </dgm:if>
+                                      <dgm:else name="Name30">
+                                        <dgm:alg type="hierChild">
+                                          <dgm:param type="linDir" val="fromR"/>
+                                        </dgm:alg>
+                                      </dgm:else>
+                                    </dgm:choose>
+                                    <dgm:shape xmlns:r="http://schemas.openxmlformats.org/officeDocument/2006/relationships" r:blip="">
+                                      <dgm:adjLst/>
+                                    </dgm:shape>
+                                    <dgm:presOf/>
+                                    <dgm:constrLst/>
+                                    <dgm:ruleLst/>
+                                    <dgm:forEach name="Name31" ref="repeat"/>
+                                  </dgm:layoutNode>
+                                </dgm:layoutNode>
+                              </dgm:forEach>
+                            </dgm:forEach>
+                          </dgm:layoutNode>
+                        </dgm:layoutNode>
+                      </dgm:forEach>
+                    </dgm:forEach>
+                  </dgm:layoutNode>
+                </dgm:layoutNode>
+              </dgm:forEach>
+            </dgm:forEach>
+          </dgm:layoutNode>
+        </dgm:layoutNode>
+      </dgm:forEach>
+    </dgm:forEach>
+  </dgm:layoutNode>
+</dgm:layoutDef>
+</file>
+
+<file path=ppt/diagrams/quickStyle1.xml><?xml version="1.0" encoding="utf-8"?>
+<dgm:styleDef xmlns:dgm="http://schemas.openxmlformats.org/drawingml/2006/diagram" xmlns:a="http://schemas.openxmlformats.org/drawingml/2006/main" uniqueId="urn:microsoft.com/office/officeart/2005/8/quickstyle/simple1">
+  <dgm:title val=""/>
+  <dgm:desc val=""/>
+  <dgm:catLst>
+    <dgm:cat type="simple" pri="10100"/>
+  </dgm:catLst>
+  <dgm:scene3d>
+    <a:camera prst="orthographicFront"/>
+    <a:lightRig rig="threePt" dir="t"/>
+  </dgm:scene3d>
+  <dgm:styleLbl name="node0">
+    <dgm:scene3d>
+      <a:camera prst="orthographicFront"/>
+      <a:lightRig rig="threePt" dir="t"/>
+    </dgm:scene3d>
+    <dgm:sp3d/>
+    <dgm:txPr/>
+    <dgm:style>
+      <a:lnRef idx="2">
+        <a:scrgbClr r="0" g="0" b="0"/>
+      </a:lnRef>
+      <a:fillRef idx="1">
+        <a:scrgbClr r="0" g="0" b="0"/>
+      </a:fillRef>
+      <a:effectRef idx="0">
+        <a:scrgbClr r="0" g="0" b="0"/>
+      </a:effectRef>
+      <a:fontRef idx="minor">
+        <a:schemeClr val="lt1"/>
+      </a:fontRef>
+    </dgm:style>
+  </dgm:styleLbl>
+  <dgm:styleLbl name="lnNode1">
+    <dgm:scene3d>
+      <a:camera prst="orthographicFront"/>
+      <a:lightRig rig="threePt" dir="t"/>
+    </dgm:scene3d>
+    <dgm:sp3d/>
+    <dgm:txPr/>
+    <dgm:style>
+      <a:lnRef idx="2">
+        <a:scrgbClr r="0" g="0" b="0"/>
+      </a:lnRef>
+      <a:fillRef idx="1">
+        <a:scrgbClr r="0" g="0" b="0"/>
+      </a:fillRef>
+      <a:effectRef idx="0">
+        <a:scrgbClr r="0" g="0" b="0"/>
+      </a:effectRef>
+      <a:fontRef idx="minor">
+        <a:schemeClr val="lt1"/>
+      </a:fontRef>
+    </dgm:style>
+  </dgm:styleLbl>
+  <dgm:styleLbl name="vennNode1">
+    <dgm:scene3d>
+      <a:camera prst="orthographicFront"/>
+      <a:lightRig rig="threePt" dir="t"/>
+    </dgm:scene3d>
+    <dgm:sp3d/>
+    <dgm:txPr/>
+    <dgm:style>
+      <a:lnRef idx="2">
+        <a:scrgbClr r="0" g="0" b="0"/>
+      </a:lnRef>
+      <a:fillRef idx="1">
+        <a:scrgbClr r="0" g="0" b="0"/>
+      </a:fillRef>
+      <a:effectRef idx="0">
+        <a:scrgbClr r="0" g="0" b="0"/>
+      </a:effectRef>
+      <a:fontRef idx="minor">
+        <a:schemeClr val="tx1"/>
+      </a:fontRef>
+    </dgm:style>
+  </dgm:styleLbl>
+  <dgm:styleLbl name="alignNode1">
+    <dgm:scene3d>
+      <a:camera prst="orthographicFront"/>
+      <a:lightRig rig="threePt" dir="t"/>
+    </dgm:scene3d>
+    <dgm:sp3d/>
+    <dgm:txPr/>
+    <dgm:style>
+      <a:lnRef idx="2">
+        <a:scrgbClr r="0" g="0" b="0"/>
+      </a:lnRef>
+      <a:fillRef idx="1">
+        <a:scrgbClr r="0" g="0" b="0"/>
+      </a:fillRef>
+      <a:effectRef idx="0">
+        <a:scrgbClr r="0" g="0" b="0"/>
+      </a:effectRef>
+      <a:fontRef idx="minor">
+        <a:schemeClr val="lt1"/>
+      </a:fontRef>
+    </dgm:style>
+  </dgm:styleLbl>
+  <dgm:styleLbl name="node1">
+    <dgm:scene3d>
+      <a:camera prst="orthographicFront"/>
+      <a:lightRig rig="threePt" dir="t"/>
+    </dgm:scene3d>
+    <dgm:sp3d/>
+    <dgm:txPr/>
+    <dgm:style>
+      <a:lnRef idx="2">
+        <a:scrgbClr r="0" g="0" b="0"/>
+      </a:lnRef>
+      <a:fillRef idx="1">
+        <a:scrgbClr r="0" g="0" b="0"/>
+      </a:fillRef>
+      <a:effectRef idx="0">
+        <a:scrgbClr r="0" g="0" b="0"/>
+      </a:effectRef>
+      <a:fontRef idx="minor">
+        <a:schemeClr val="lt1"/>
+      </a:fontRef>
+    </dgm:style>
+  </dgm:styleLbl>
+  <dgm:styleLbl name="node2">
+    <dgm:scene3d>
+      <a:camera prst="orthographicFront"/>
+      <a:lightRig rig="threePt" dir="t"/>
+    </dgm:scene3d>
+    <dgm:sp3d/>
+    <dgm:txPr/>
+    <dgm:style>
+      <a:lnRef idx="2">
+        <a:scrgbClr r="0" g="0" b="0"/>
+      </a:lnRef>
+      <a:fillRef idx="1">
+        <a:scrgbClr r="0" g="0" b="0"/>
+      </a:fillRef>
+      <a:effectRef idx="0">
+        <a:scrgbClr r="0" g="0" b="0"/>
+      </a:effectRef>
+      <a:fontRef idx="minor">
+        <a:schemeClr val="lt1"/>
+      </a:fontRef>
+    </dgm:style>
+  </dgm:styleLbl>
+  <dgm:styleLbl name="node3">
+    <dgm:scene3d>
+      <a:camera prst="orthographicFront"/>
+      <a:lightRig rig="threePt" dir="t"/>
+    </dgm:scene3d>
+    <dgm:sp3d/>
+    <dgm:txPr/>
+    <dgm:style>
+      <a:lnRef idx="2">
+        <a:scrgbClr r="0" g="0" b="0"/>
+      </a:lnRef>
+      <a:fillRef idx="1">
+        <a:scrgbClr r="0" g="0" b="0"/>
+      </a:fillRef>
+      <a:effectRef idx="0">
+        <a:scrgbClr r="0" g="0" b="0"/>
+      </a:effectRef>
+      <a:fontRef idx="minor">
+        <a:schemeClr val="lt1"/>
+      </a:fontRef>
+    </dgm:style>
+  </dgm:styleLbl>
+  <dgm:styleLbl name="node4">
+    <dgm:scene3d>
+      <a:camera prst="orthographicFront"/>
+      <a:lightRig rig="threePt" dir="t"/>
+    </dgm:scene3d>
+    <dgm:sp3d/>
+    <dgm:txPr/>
+    <dgm:style>
+      <a:lnRef idx="2">
+        <a:scrgbClr r="0" g="0" b="0"/>
+      </a:lnRef>
+      <a:fillRef idx="1">
+        <a:scrgbClr r="0" g="0" b="0"/>
+      </a:fillRef>
+      <a:effectRef idx="0">
+        <a:scrgbClr r="0" g="0" b="0"/>
+      </a:effectRef>
+      <a:fontRef idx="minor">
+        <a:schemeClr val="lt1"/>
+      </a:fontRef>
+    </dgm:style>
+  </dgm:styleLbl>
+  <dgm:styleLbl name="fgImgPlace1">
+    <dgm:scene3d>
+      <a:camera prst="orthographicFront"/>
+      <a:lightRig rig="threePt" dir="t"/>
+    </dgm:scene3d>
+    <dgm:sp3d/>
+    <dgm:txPr/>
+    <dgm:style>
+      <a:lnRef idx="2">
+        <a:scrgbClr r="0" g="0" b="0"/>
+      </a:lnRef>
+      <a:fillRef idx="1">
+        <a:scrgbClr r="0" g="0" b="0"/>
+      </a:fillRef>
+      <a:effectRef idx="0">
+        <a:scrgbClr r="0" g="0" b="0"/>
+      </a:effectRef>
+      <a:fontRef idx="minor"/>
+    </dgm:style>
+  </dgm:styleLbl>
+  <dgm:styleLbl name="alignImgPlace1">
+    <dgm:scene3d>
+      <a:camera prst="orthographicFront"/>
+      <a:lightRig rig="threePt" dir="t"/>
+    </dgm:scene3d>
+    <dgm:sp3d/>
+    <dgm:txPr/>
+    <dgm:style>
+      <a:lnRef idx="2">
+        <a:scrgbClr r="0" g="0" b="0"/>
+      </a:lnRef>
+      <a:fillRef idx="1">
+        <a:scrgbClr r="0" g="0" b="0"/>
+      </a:fillRef>
+      <a:effectRef idx="0">
+        <a:scrgbClr r="0" g="0" b="0"/>
+      </a:effectRef>
+      <a:fontRef idx="minor"/>
+    </dgm:style>
+  </dgm:styleLbl>
+  <dgm:styleLbl name="bgImgPlace1">
+    <dgm:scene3d>
+      <a:camera prst="orthographicFront"/>
+      <a:lightRig rig="threePt" dir="t"/>
+    </dgm:scene3d>
+    <dgm:sp3d/>
+    <dgm:txPr/>
+    <dgm:style>
+      <a:lnRef idx="2">
+        <a:scrgbClr r="0" g="0" b="0"/>
+      </a:lnRef>
+      <a:fillRef idx="1">
+        <a:scrgbClr r="0" g="0" b="0"/>
+      </a:fillRef>
+      <a:effectRef idx="0">
+        <a:scrgbClr r="0" g="0" b="0"/>
+      </a:effectRef>
+      <a:fontRef idx="minor"/>
+    </dgm:style>
+  </dgm:styleLbl>
+  <dgm:styleLbl name="sibTrans2D1">
+    <dgm:scene3d>
+      <a:camera prst="orthographicFront"/>
+      <a:lightRig rig="threePt" dir="t"/>
+    </dgm:scene3d>
+    <dgm:sp3d/>
+    <dgm:txPr/>
+    <dgm:style>
+      <a:lnRef idx="0">
+        <a:scrgbClr r="0" g="0" b="0"/>
+      </a:lnRef>
+      <a:fillRef idx="1">
+        <a:scrgbClr r="0" g="0" b="0"/>
+      </a:fillRef>
+      <a:effectRef idx="0">
+        <a:scrgbClr r="0" g="0" b="0"/>
+      </a:effectRef>
+      <a:fontRef idx="minor">
+        <a:schemeClr val="lt1"/>
+      </a:fontRef>
+    </dgm:style>
+  </dgm:styleLbl>
+  <dgm:styleLbl name="fgSibTrans2D1">
+    <dgm:scene3d>
+      <a:camera prst="orthographicFront"/>
+      <a:lightRig rig="threePt" dir="t"/>
+    </dgm:scene3d>
+    <dgm:sp3d/>
+    <dgm:txPr/>
+    <dgm:style>
+      <a:lnRef idx="0">
+        <a:scrgbClr r="0" g="0" b="0"/>
+      </a:lnRef>
+      <a:fillRef idx="1">
+        <a:scrgbClr r="0" g="0" b="0"/>
+      </a:fillRef>
+      <a:effectRef idx="0">
+        <a:scrgbClr r="0" g="0" b="0"/>
+      </a:effectRef>
+      <a:fontRef idx="minor">
+        <a:schemeClr val="lt1"/>
+      </a:fontRef>
+    </dgm:style>
+  </dgm:styleLbl>
+  <dgm:styleLbl name="bgSibTrans2D1">
+    <dgm:scene3d>
+      <a:camera prst="orthographicFront"/>
+      <a:lightRig rig="threePt" dir="t"/>
+    </dgm:scene3d>
+    <dgm:sp3d/>
+    <dgm:txPr/>
+    <dgm:style>
+      <a:lnRef idx="0">
+        <a:scrgbClr r="0" g="0" b="0"/>
+      </a:lnRef>
+      <a:fillRef idx="1">
+        <a:scrgbClr r="0" g="0" b="0"/>
+      </a:fillRef>
+      <a:effectRef idx="0">
+        <a:scrgbClr r="0" g="0" b="0"/>
+      </a:effectRef>
+      <a:fontRef idx="minor">
+        <a:schemeClr val="lt1"/>
+      </a:fontRef>
+    </dgm:style>
+  </dgm:styleLbl>
+  <dgm:styleLbl name="sibTrans1D1">
+    <dgm:scene3d>
+      <a:camera prst="orthographicFront"/>
+      <a:lightRig rig="threePt" dir="t"/>
+    </dgm:scene3d>
+    <dgm:sp3d/>
+    <dgm:txPr/>
+    <dgm:style>
+      <a:lnRef idx="1">
+        <a:scrgbClr r="0" g="0" b="0"/>
+      </a:lnRef>
+      <a:fillRef idx="0">
+        <a:scrgbClr r="0" g="0" b="0"/>
+      </a:fillRef>
+      <a:effectRef idx="0">
+        <a:scrgbClr r="0" g="0" b="0"/>
+      </a:effectRef>
+      <a:fontRef idx="minor"/>
+    </dgm:style>
+  </dgm:styleLbl>
+  <dgm:styleLbl name="callout">
+    <dgm:scene3d>
+      <a:camera prst="orthographicFront"/>
+      <a:lightRig rig="threePt" dir="t"/>
+    </dgm:scene3d>
+    <dgm:sp3d/>
+    <dgm:txPr/>
+    <dgm:style>
+      <a:lnRef idx="2">
+        <a:scrgbClr r="0" g="0" b="0"/>
+      </a:lnRef>
+      <a:fillRef idx="1">
+        <a:scrgbClr r="0" g="0" b="0"/>
+      </a:fillRef>
+      <a:effectRef idx="0">
+        <a:scrgbClr r="0" g="0" b="0"/>
+      </a:effectRef>
+      <a:fontRef idx="minor"/>
+    </dgm:style>
+  </dgm:styleLbl>
+  <dgm:styleLbl name="asst0">
+    <dgm:scene3d>
+      <a:camera prst="orthographicFront"/>
+      <a:lightRig rig="threePt" dir="t"/>
+    </dgm:scene3d>
+    <dgm:sp3d/>
+    <dgm:txPr/>
+    <dgm:style>
+      <a:lnRef idx="2">
+        <a:scrgbClr r="0" g="0" b="0"/>
+      </a:lnRef>
+      <a:fillRef idx="1">
+        <a:scrgbClr r="0" g="0" b="0"/>
+      </a:fillRef>
+      <a:effectRef idx="0">
+        <a:scrgbClr r="0" g="0" b="0"/>
+      </a:effectRef>
+      <a:fontRef idx="minor">
+        <a:schemeClr val="lt1"/>
+      </a:fontRef>
+    </dgm:style>
+  </dgm:styleLbl>
+  <dgm:styleLbl name="asst1">
+    <dgm:scene3d>
+      <a:camera prst="orthographicFront"/>
+      <a:lightRig rig="threePt" dir="t"/>
+    </dgm:scene3d>
+    <dgm:sp3d/>
+    <dgm:txPr/>
+    <dgm:style>
+      <a:lnRef idx="2">
+        <a:scrgbClr r="0" g="0" b="0"/>
+      </a:lnRef>
+      <a:fillRef idx="1">
+        <a:scrgbClr r="0" g="0" b="0"/>
+      </a:fillRef>
+      <a:effectRef idx="0">
+        <a:scrgbClr r="0" g="0" b="0"/>
+      </a:effectRef>
+      <a:fontRef idx="minor">
+        <a:schemeClr val="lt1"/>
+      </a:fontRef>
+    </dgm:style>
+  </dgm:styleLbl>
+  <dgm:styleLbl name="asst2">
+    <dgm:scene3d>
+      <a:camera prst="orthographicFront"/>
+      <a:lightRig rig="threePt" dir="t"/>
+    </dgm:scene3d>
+    <dgm:sp3d/>
+    <dgm:txPr/>
+    <dgm:style>
+      <a:lnRef idx="2">
+        <a:scrgbClr r="0" g="0" b="0"/>
+      </a:lnRef>
+      <a:fillRef idx="1">
+        <a:scrgbClr r="0" g="0" b="0"/>
+      </a:fillRef>
+      <a:effectRef idx="0">
+        <a:scrgbClr r="0" g="0" b="0"/>
+      </a:effectRef>
+      <a:fontRef idx="minor">
+        <a:schemeClr val="lt1"/>
+      </a:fontRef>
+    </dgm:style>
+  </dgm:styleLbl>
+  <dgm:styleLbl name="asst3">
+    <dgm:scene3d>
+      <a:camera prst="orthographicFront"/>
+      <a:lightRig rig="threePt" dir="t"/>
+    </dgm:scene3d>
+    <dgm:sp3d/>
+    <dgm:txPr/>
+    <dgm:style>
+      <a:lnRef idx="2">
+        <a:scrgbClr r="0" g="0" b="0"/>
+      </a:lnRef>
+      <a:fillRef idx="1">
+        <a:scrgbClr r="0" g="0" b="0"/>
+      </a:fillRef>
+      <a:effectRef idx="0">
+        <a:scrgbClr r="0" g="0" b="0"/>
+      </a:effectRef>
+      <a:fontRef idx="minor">
+        <a:schemeClr val="lt1"/>
+      </a:fontRef>
+    </dgm:style>
+  </dgm:styleLbl>
+  <dgm:styleLbl name="asst4">
+    <dgm:scene3d>
+      <a:camera prst="orthographicFront"/>
+      <a:lightRig rig="threePt" dir="t"/>
+    </dgm:scene3d>
+    <dgm:sp3d/>
+    <dgm:txPr/>
+    <dgm:style>
+      <a:lnRef idx="2">
+        <a:scrgbClr r="0" g="0" b="0"/>
+      </a:lnRef>
+      <a:fillRef idx="1">
+        <a:scrgbClr r="0" g="0" b="0"/>
+      </a:fillRef>
+      <a:effectRef idx="0">
+        <a:scrgbClr r="0" g="0" b="0"/>
+      </a:effectRef>
+      <a:fontRef idx="minor">
+        <a:schemeClr val="lt1"/>
+      </a:fontRef>
+    </dgm:style>
+  </dgm:styleLbl>
+  <dgm:styleLbl name="parChTrans2D1">
+    <dgm:scene3d>
+      <a:camera prst="orthographicFront"/>
+      <a:lightRig rig="threePt" dir="t"/>
+    </dgm:scene3d>
+    <dgm:sp3d/>
+    <dgm:txPr/>
+    <dgm:style>
+      <a:lnRef idx="2">
+        <a:scrgbClr r="0" g="0" b="0"/>
+      </a:lnRef>
+      <a:fillRef idx="1">
+        <a:scrgbClr r="0" g="0" b="0"/>
+      </a:fillRef>
+      <a:effectRef idx="0">
+        <a:scrgbClr r="0" g="0" b="0"/>
+      </a:effectRef>
+      <a:fontRef idx="minor">
+        <a:schemeClr val="lt1"/>
+      </a:fontRef>
+    </dgm:style>
+  </dgm:styleLbl>
+  <dgm:styleLbl name="parChTrans2D2">
+    <dgm:scene3d>
+      <a:camera prst="orthographicFront"/>
+      <a:lightRig rig="threePt" dir="t"/>
+    </dgm:scene3d>
+    <dgm:sp3d/>
+    <dgm:txPr/>
+    <dgm:style>
+      <a:lnRef idx="2">
+        <a:scrgbClr r="0" g="0" b="0"/>
+      </a:lnRef>
+      <a:fillRef idx="1">
+        <a:scrgbClr r="0" g="0" b="0"/>
+      </a:fillRef>
+      <a:effectRef idx="0">
+        <a:scrgbClr r="0" g="0" b="0"/>
+      </a:effectRef>
+      <a:fontRef idx="minor">
+        <a:schemeClr val="lt1"/>
+      </a:fontRef>
+    </dgm:style>
+  </dgm:styleLbl>
+  <dgm:styleLbl name="parChTrans2D3">
+    <dgm:scene3d>
+      <a:camera prst="orthographicFront"/>
+      <a:lightRig rig="threePt" dir="t"/>
+    </dgm:scene3d>
+    <dgm:sp3d/>
+    <dgm:txPr/>
+    <dgm:style>
+      <a:lnRef idx="2">
+        <a:scrgbClr r="0" g="0" b="0"/>
+      </a:lnRef>
+      <a:fillRef idx="1">
+        <a:scrgbClr r="0" g="0" b="0"/>
+      </a:fillRef>
+      <a:effectRef idx="0">
+        <a:scrgbClr r="0" g="0" b="0"/>
+      </a:effectRef>
+      <a:fontRef idx="minor">
+        <a:schemeClr val="lt1"/>
+      </a:fontRef>
+    </dgm:style>
+  </dgm:styleLbl>
+  <dgm:styleLbl name="parChTrans2D4">
+    <dgm:scene3d>
+      <a:camera prst="orthographicFront"/>
+      <a:lightRig rig="threePt" dir="t"/>
+    </dgm:scene3d>
+    <dgm:sp3d/>
+    <dgm:txPr/>
+    <dgm:style>
+      <a:lnRef idx="2">
+        <a:scrgbClr r="0" g="0" b="0"/>
+      </a:lnRef>
+      <a:fillRef idx="1">
+        <a:scrgbClr r="0" g="0" b="0"/>
+      </a:fillRef>
+      <a:effectRef idx="0">
+        <a:scrgbClr r="0" g="0" b="0"/>
+      </a:effectRef>
+      <a:fontRef idx="minor">
+        <a:schemeClr val="lt1"/>
+      </a:fontRef>
+    </dgm:style>
+  </dgm:styleLbl>
+  <dgm:styleLbl name="parChTrans1D1">
+    <dgm:scene3d>
+      <a:camera prst="orthographicFront"/>
+      <a:lightRig rig="threePt" dir="t"/>
+    </dgm:scene3d>
+    <dgm:sp3d/>
+    <dgm:txPr/>
+    <dgm:style>
+      <a:lnRef idx="2">
+        <a:scrgbClr r="0" g="0" b="0"/>
+      </a:lnRef>
+      <a:fillRef idx="0">
+        <a:scrgbClr r="0" g="0" b="0"/>
+      </a:fillRef>
+      <a:effectRef idx="0">
+        <a:scrgbClr r="0" g="0" b="0"/>
+      </a:effectRef>
+      <a:fontRef idx="minor"/>
+    </dgm:style>
+  </dgm:styleLbl>
+  <dgm:styleLbl name="parChTrans1D2">
+    <dgm:scene3d>
+      <a:camera prst="orthographicFront"/>
+      <a:lightRig rig="threePt" dir="t"/>
+    </dgm:scene3d>
+    <dgm:sp3d/>
+    <dgm:txPr/>
+    <dgm:style>
+      <a:lnRef idx="2">
+        <a:scrgbClr r="0" g="0" b="0"/>
+      </a:lnRef>
+      <a:fillRef idx="0">
+        <a:scrgbClr r="0" g="0" b="0"/>
+      </a:fillRef>
+      <a:effectRef idx="0">
+        <a:scrgbClr r="0" g="0" b="0"/>
+      </a:effectRef>
+      <a:fontRef idx="minor"/>
+    </dgm:style>
+  </dgm:styleLbl>
+  <dgm:styleLbl name="parChTrans1D3">
+    <dgm:scene3d>
+      <a:camera prst="orthographicFront"/>
+      <a:lightRig rig="threePt" dir="t"/>
+    </dgm:scene3d>
+    <dgm:sp3d/>
+    <dgm:txPr/>
+    <dgm:style>
+      <a:lnRef idx="2">
+        <a:scrgbClr r="0" g="0" b="0"/>
+      </a:lnRef>
+      <a:fillRef idx="0">
+        <a:scrgbClr r="0" g="0" b="0"/>
+      </a:fillRef>
+      <a:effectRef idx="0">
+        <a:scrgbClr r="0" g="0" b="0"/>
+      </a:effectRef>
+      <a:fontRef idx="minor"/>
+    </dgm:style>
+  </dgm:styleLbl>
+  <dgm:styleLbl name="parChTrans1D4">
+    <dgm:scene3d>
+      <a:camera prst="orthographicFront"/>
+      <a:lightRig rig="threePt" dir="t"/>
+    </dgm:scene3d>
+    <dgm:sp3d/>
+    <dgm:txPr/>
+    <dgm:style>
+      <a:lnRef idx="2">
+        <a:scrgbClr r="0" g="0" b="0"/>
+      </a:lnRef>
+      <a:fillRef idx="0">
+        <a:scrgbClr r="0" g="0" b="0"/>
+      </a:fillRef>
+      <a:effectRef idx="0">
+        <a:scrgbClr r="0" g="0" b="0"/>
+      </a:effectRef>
+      <a:fontRef idx="minor"/>
+    </dgm:style>
+  </dgm:styleLbl>
+  <dgm:styleLbl name="fgAcc1">
+    <dgm:scene3d>
+      <a:camera prst="orthographicFront"/>
+      <a:lightRig rig="threePt" dir="t"/>
+    </dgm:scene3d>
+    <dgm:sp3d/>
+    <dgm:txPr/>
+    <dgm:style>
+      <a:lnRef idx="2">
+        <a:scrgbClr r="0" g="0" b="0"/>
+      </a:lnRef>
+      <a:fillRef idx="1">
+        <a:scrgbClr r="0" g="0" b="0"/>
+      </a:fillRef>
+      <a:effectRef idx="0">
+        <a:scrgbClr r="0" g="0" b="0"/>
+      </a:effectRef>
+      <a:fontRef idx="minor"/>
+    </dgm:style>
+  </dgm:styleLbl>
+  <dgm:styleLbl name="conFgAcc1">
+    <dgm:scene3d>
+      <a:camera prst="orthographicFront"/>
+      <a:lightRig rig="threePt" dir="t"/>
+    </dgm:scene3d>
+    <dgm:sp3d/>
+    <dgm:txPr/>
+    <dgm:style>
+      <a:lnRef idx="2">
+        <a:scrgbClr r="0" g="0" b="0"/>
+      </a:lnRef>
+      <a:fillRef idx="1">
+        <a:scrgbClr r="0" g="0" b="0"/>
+      </a:fillRef>
+      <a:effectRef idx="0">
+        <a:scrgbClr r="0" g="0" b="0"/>
+      </a:effectRef>
+      <a:fontRef idx="minor"/>
+    </dgm:style>
+  </dgm:styleLbl>
+  <dgm:styleLbl name="alignAcc1">
+    <dgm:scene3d>
+      <a:camera prst="orthographicFront"/>
+      <a:lightRig rig="threePt" dir="t"/>
+    </dgm:scene3d>
+    <dgm:sp3d/>
+    <dgm:txPr/>
+    <dgm:style>
+      <a:lnRef idx="2">
+        <a:scrgbClr r="0" g="0" b="0"/>
+      </a:lnRef>
+      <a:fillRef idx="1">
+        <a:scrgbClr r="0" g="0" b="0"/>
+      </a:fillRef>
+      <a:effectRef idx="0">
+        <a:scrgbClr r="0" g="0" b="0"/>
+      </a:effectRef>
+      <a:fontRef idx="minor"/>
+    </dgm:style>
+  </dgm:styleLbl>
+  <dgm:styleLbl name="trAlignAcc1">
+    <dgm:scene3d>
+      <a:camera prst="orthographicFront"/>
+      <a:lightRig rig="threePt" dir="t"/>
+    </dgm:scene3d>
+    <dgm:sp3d/>
+    <dgm:txPr/>
+    <dgm:style>
+      <a:lnRef idx="1">
+        <a:scrgbClr r="0" g="0" b="0"/>
+      </a:lnRef>
+      <a:fillRef idx="1">
+        <a:scrgbClr r="0" g="0" b="0"/>
+      </a:fillRef>
+      <a:effectRef idx="0">
+        <a:scrgbClr r="0" g="0" b="0"/>
+      </a:effectRef>
+      <a:fontRef idx="minor"/>
+    </dgm:style>
+  </dgm:styleLbl>
+  <dgm:styleLbl name="bgAcc1">
+    <dgm:scene3d>
+      <a:camera prst="orthographicFront"/>
+      <a:lightRig rig="threePt" dir="t"/>
+    </dgm:scene3d>
+    <dgm:sp3d/>
+    <dgm:txPr/>
+    <dgm:style>
+      <a:lnRef idx="2">
+        <a:scrgbClr r="0" g="0" b="0"/>
+      </a:lnRef>
+      <a:fillRef idx="1">
+        <a:scrgbClr r="0" g="0" b="0"/>
+      </a:fillRef>
+      <a:effectRef idx="0">
+        <a:scrgbClr r="0" g="0" b="0"/>
+      </a:effectRef>
+      <a:fontRef idx="minor"/>
+    </dgm:style>
+  </dgm:styleLbl>
+  <dgm:styleLbl name="solidFgAcc1">
+    <dgm:scene3d>
+      <a:camera prst="orthographicFront"/>
+      <a:lightRig rig="threePt" dir="t"/>
+    </dgm:scene3d>
+    <dgm:sp3d/>
+    <dgm:txPr/>
+    <dgm:style>
+      <a:lnRef idx="2">
+        <a:scrgbClr r="0" g="0" b="0"/>
+      </a:lnRef>
+      <a:fillRef idx="1">
+        <a:scrgbClr r="0" g="0" b="0"/>
+      </a:fillRef>
+      <a:effectRef idx="0">
+        <a:scrgbClr r="0" g="0" b="0"/>
+      </a:effectRef>
+      <a:fontRef idx="minor"/>
+    </dgm:style>
+  </dgm:styleLbl>
+  <dgm:styleLbl name="solidAlignAcc1">
+    <dgm:scene3d>
+      <a:camera prst="orthographicFront"/>
+      <a:lightRig rig="threePt" dir="t"/>
+    </dgm:scene3d>
+    <dgm:sp3d/>
+    <dgm:txPr/>
+    <dgm:style>
+      <a:lnRef idx="2">
+        <a:scrgbClr r="0" g="0" b="0"/>
+      </a:lnRef>
+      <a:fillRef idx="1">
+        <a:scrgbClr r="0" g="0" b="0"/>
+      </a:fillRef>
+      <a:effectRef idx="0">
+        <a:scrgbClr r="0" g="0" b="0"/>
+      </a:effectRef>
+      <a:fontRef idx="minor"/>
+    </dgm:style>
+  </dgm:styleLbl>
+  <dgm:styleLbl name="solidBgAcc1">
+    <dgm:scene3d>
+      <a:camera prst="orthographicFront"/>
+      <a:lightRig rig="threePt" dir="t"/>
+    </dgm:scene3d>
+    <dgm:sp3d/>
+    <dgm:txPr/>
+    <dgm:style>
+      <a:lnRef idx="2">
+        <a:scrgbClr r="0" g="0" b="0"/>
+      </a:lnRef>
+      <a:fillRef idx="1">
+        <a:scrgbClr r="0" g="0" b="0"/>
+      </a:fillRef>
+      <a:effectRef idx="0">
+        <a:scrgbClr r="0" g="0" b="0"/>
+      </a:effectRef>
+      <a:fontRef idx="minor"/>
+    </dgm:style>
+  </dgm:styleLbl>
+  <dgm:styleLbl name="fgAccFollowNode1">
+    <dgm:scene3d>
+      <a:camera prst="orthographicFront"/>
+      <a:lightRig rig="threePt" dir="t"/>
+    </dgm:scene3d>
+    <dgm:sp3d/>
+    <dgm:txPr/>
+    <dgm:style>
+      <a:lnRef idx="2">
+        <a:scrgbClr r="0" g="0" b="0"/>
+      </a:lnRef>
+      <a:fillRef idx="1">
+        <a:scrgbClr r="0" g="0" b="0"/>
+      </a:fillRef>
+      <a:effectRef idx="0">
+        <a:scrgbClr r="0" g="0" b="0"/>
+      </a:effectRef>
+      <a:fontRef idx="minor"/>
+    </dgm:style>
+  </dgm:styleLbl>
+  <dgm:styleLbl name="alignAccFollowNode1">
+    <dgm:scene3d>
+      <a:camera prst="orthographicFront"/>
+      <a:lightRig rig="threePt" dir="t"/>
+    </dgm:scene3d>
+    <dgm:sp3d/>
+    <dgm:txPr/>
+    <dgm:style>
+      <a:lnRef idx="2">
+        <a:scrgbClr r="0" g="0" b="0"/>
+      </a:lnRef>
+      <a:fillRef idx="1">
+        <a:scrgbClr r="0" g="0" b="0"/>
+      </a:fillRef>
+      <a:effectRef idx="0">
+        <a:scrgbClr r="0" g="0" b="0"/>
+      </a:effectRef>
+      <a:fontRef idx="minor"/>
+    </dgm:style>
+  </dgm:styleLbl>
+  <dgm:styleLbl name="bgAccFollowNode1">
+    <dgm:scene3d>
+      <a:camera prst="orthographicFront"/>
+      <a:lightRig rig="threePt" dir="t"/>
+    </dgm:scene3d>
+    <dgm:sp3d/>
+    <dgm:txPr/>
+    <dgm:style>
+      <a:lnRef idx="2">
+        <a:scrgbClr r="0" g="0" b="0"/>
+      </a:lnRef>
+      <a:fillRef idx="1">
+        <a:scrgbClr r="0" g="0" b="0"/>
+      </a:fillRef>
+      <a:effectRef idx="0">
+        <a:scrgbClr r="0" g="0" b="0"/>
+      </a:effectRef>
+      <a:fontRef idx="minor"/>
+    </dgm:style>
+  </dgm:styleLbl>
+  <dgm:styleLbl name="fgAcc0">
+    <dgm:scene3d>
+      <a:camera prst="orthographicFront"/>
+      <a:lightRig rig="threePt" dir="t"/>
+    </dgm:scene3d>
+    <dgm:sp3d/>
+    <dgm:txPr/>
+    <dgm:style>
+      <a:lnRef idx="2">
+        <a:scrgbClr r="0" g="0" b="0"/>
+      </a:lnRef>
+      <a:fillRef idx="1">
+        <a:scrgbClr r="0" g="0" b="0"/>
+      </a:fillRef>
+      <a:effectRef idx="0">
+        <a:scrgbClr r="0" g="0" b="0"/>
+      </a:effectRef>
+      <a:fontRef idx="minor"/>
+    </dgm:style>
+  </dgm:styleLbl>
+  <dgm:styleLbl name="fgAcc2">
+    <dgm:scene3d>
+      <a:camera prst="orthographicFront"/>
+      <a:lightRig rig="threePt" dir="t"/>
+    </dgm:scene3d>
+    <dgm:sp3d/>
+    <dgm:txPr/>
+    <dgm:style>
+      <a:lnRef idx="2">
+        <a:scrgbClr r="0" g="0" b="0"/>
+      </a:lnRef>
+      <a:fillRef idx="1">
+        <a:scrgbClr r="0" g="0" b="0"/>
+      </a:fillRef>
+      <a:effectRef idx="0">
+        <a:scrgbClr r="0" g="0" b="0"/>
+      </a:effectRef>
+      <a:fontRef idx="minor"/>
+    </dgm:style>
+  </dgm:styleLbl>
+  <dgm:styleLbl name="fgAcc3">
+    <dgm:scene3d>
+      <a:camera prst="orthographicFront"/>
+      <a:lightRig rig="threePt" dir="t"/>
+    </dgm:scene3d>
+    <dgm:sp3d/>
+    <dgm:txPr/>
+    <dgm:style>
+      <a:lnRef idx="2">
+        <a:scrgbClr r="0" g="0" b="0"/>
+      </a:lnRef>
+      <a:fillRef idx="1">
+        <a:scrgbClr r="0" g="0" b="0"/>
+      </a:fillRef>
+      <a:effectRef idx="0">
+        <a:scrgbClr r="0" g="0" b="0"/>
+      </a:effectRef>
+      <a:fontRef idx="minor"/>
+    </dgm:style>
+  </dgm:styleLbl>
+  <dgm:styleLbl name="fgAcc4">
+    <dgm:scene3d>
+      <a:camera prst="orthographicFront"/>
+      <a:lightRig rig="threePt" dir="t"/>
+    </dgm:scene3d>
+    <dgm:sp3d/>
+    <dgm:txPr/>
+    <dgm:style>
+      <a:lnRef idx="2">
+        <a:scrgbClr r="0" g="0" b="0"/>
+      </a:lnRef>
+      <a:fillRef idx="1">
+        <a:scrgbClr r="0" g="0" b="0"/>
+      </a:fillRef>
+      <a:effectRef idx="0">
+        <a:scrgbClr r="0" g="0" b="0"/>
+      </a:effectRef>
+      <a:fontRef idx="minor"/>
+    </dgm:style>
+  </dgm:styleLbl>
+  <dgm:styleLbl name="bgShp">
+    <dgm:scene3d>
+      <a:camera prst="orthographicFront"/>
+      <a:lightRig rig="threePt" dir="t"/>
+    </dgm:scene3d>
+    <dgm:sp3d/>
+    <dgm:txPr/>
+    <dgm:style>
+      <a:lnRef idx="0">
+        <a:scrgbClr r="0" g="0" b="0"/>
+      </a:lnRef>
+      <a:fillRef idx="1">
+        <a:scrgbClr r="0" g="0" b="0"/>
+      </a:fillRef>
+      <a:effectRef idx="0">
+        <a:scrgbClr r="0" g="0" b="0"/>
+      </a:effectRef>
+      <a:fontRef idx="minor"/>
+    </dgm:style>
+  </dgm:styleLbl>
+  <dgm:styleLbl name="dkBgShp">
+    <dgm:scene3d>
+      <a:camera prst="orthographicFront"/>
+      <a:lightRig rig="threePt" dir="t"/>
+    </dgm:scene3d>
+    <dgm:sp3d/>
+    <dgm:txPr/>
+    <dgm:style>
+      <a:lnRef idx="0">
+        <a:scrgbClr r="0" g="0" b="0"/>
+      </a:lnRef>
+      <a:fillRef idx="1">
+        <a:scrgbClr r="0" g="0" b="0"/>
+      </a:fillRef>
+      <a:effectRef idx="0">
+        <a:scrgbClr r="0" g="0" b="0"/>
+      </a:effectRef>
+      <a:fontRef idx="minor"/>
+    </dgm:style>
+  </dgm:styleLbl>
+  <dgm:styleLbl name="trBgShp">
+    <dgm:scene3d>
+      <a:camera prst="orthographicFront"/>
+      <a:lightRig rig="threePt" dir="t"/>
+    </dgm:scene3d>
+    <dgm:sp3d/>
+    <dgm:txPr/>
+    <dgm:style>
+      <a:lnRef idx="0">
+        <a:scrgbClr r="0" g="0" b="0"/>
+      </a:lnRef>
+      <a:fillRef idx="1">
+        <a:scrgbClr r="0" g="0" b="0"/>
+      </a:fillRef>
+      <a:effectRef idx="0">
+        <a:scrgbClr r="0" g="0" b="0"/>
+      </a:effectRef>
+      <a:fontRef idx="minor"/>
+    </dgm:style>
+  </dgm:styleLbl>
+  <dgm:styleLbl name="fgShp">
+    <dgm:scene3d>
+      <a:camera prst="orthographicFront"/>
+      <a:lightRig rig="threePt" dir="t"/>
+    </dgm:scene3d>
+    <dgm:sp3d/>
+    <dgm:txPr/>
+    <dgm:style>
+      <a:lnRef idx="2">
+        <a:scrgbClr r="0" g="0" b="0"/>
+      </a:lnRef>
+      <a:fillRef idx="1">
+        <a:scrgbClr r="0" g="0" b="0"/>
+      </a:fillRef>
+      <a:effectRef idx="0">
+        <a:scrgbClr r="0" g="0" b="0"/>
+      </a:effectRef>
+      <a:fontRef idx="minor"/>
+    </dgm:style>
+  </dgm:styleLbl>
+  <dgm:styleLbl name="revTx">
+    <dgm:scene3d>
+      <a:camera prst="orthographicFront"/>
+      <a:lightRig rig="threePt" dir="t"/>
+    </dgm:scene3d>
+    <dgm:sp3d/>
+    <dgm:txPr/>
+    <dgm:style>
+      <a:lnRef idx="0">
+        <a:scrgbClr r="0" g="0" b="0"/>
+      </a:lnRef>
+      <a:fillRef idx="0">
+        <a:scrgbClr r="0" g="0" b="0"/>
+      </a:fillRef>
+      <a:effectRef idx="0">
+        <a:scrgbClr r="0" g="0" b="0"/>
+      </a:effectRef>
+      <a:fontRef idx="minor"/>
+    </dgm:style>
+  </dgm:styleLbl>
+</dgm:styleDef>
 </file>
 
 <file path=ppt/notesMasters/notesMaster1.xml><?xml version="1.0" encoding="utf-8"?>
@@ -196,7 +4654,7 @@
           <a:p>
             <a:fld id="{CAA43551-4512-7144-B96C-DE0D10C873E8}" type="datetimeFigureOut">
               <a:rPr lang="en-US" smtClean="0"/>
-              <a:t>2/8/23</a:t>
+              <a:t>2/13/23</a:t>
             </a:fld>
             <a:endParaRPr lang="en-US"/>
           </a:p>
@@ -697,7 +5155,7 @@
           <a:p>
             <a:fld id="{3DBFFAE8-E8D5-8B46-A32A-441CDDC64DCC}" type="datetimeFigureOut">
               <a:rPr lang="en-US" smtClean="0"/>
-              <a:t>2/8/23</a:t>
+              <a:t>2/13/23</a:t>
             </a:fld>
             <a:endParaRPr lang="en-US"/>
           </a:p>
@@ -897,7 +5355,7 @@
           <a:p>
             <a:fld id="{3DBFFAE8-E8D5-8B46-A32A-441CDDC64DCC}" type="datetimeFigureOut">
               <a:rPr lang="en-US" smtClean="0"/>
-              <a:t>2/8/23</a:t>
+              <a:t>2/13/23</a:t>
             </a:fld>
             <a:endParaRPr lang="en-US"/>
           </a:p>
@@ -1107,7 +5565,7 @@
           <a:p>
             <a:fld id="{3DBFFAE8-E8D5-8B46-A32A-441CDDC64DCC}" type="datetimeFigureOut">
               <a:rPr lang="en-US" smtClean="0"/>
-              <a:t>2/8/23</a:t>
+              <a:t>2/13/23</a:t>
             </a:fld>
             <a:endParaRPr lang="en-US"/>
           </a:p>
@@ -1307,7 +5765,7 @@
           <a:p>
             <a:fld id="{3DBFFAE8-E8D5-8B46-A32A-441CDDC64DCC}" type="datetimeFigureOut">
               <a:rPr lang="en-US" smtClean="0"/>
-              <a:t>2/8/23</a:t>
+              <a:t>2/13/23</a:t>
             </a:fld>
             <a:endParaRPr lang="en-US"/>
           </a:p>
@@ -1583,7 +6041,7 @@
           <a:p>
             <a:fld id="{3DBFFAE8-E8D5-8B46-A32A-441CDDC64DCC}" type="datetimeFigureOut">
               <a:rPr lang="en-US" smtClean="0"/>
-              <a:t>2/8/23</a:t>
+              <a:t>2/13/23</a:t>
             </a:fld>
             <a:endParaRPr lang="en-US"/>
           </a:p>
@@ -1851,7 +6309,7 @@
           <a:p>
             <a:fld id="{3DBFFAE8-E8D5-8B46-A32A-441CDDC64DCC}" type="datetimeFigureOut">
               <a:rPr lang="en-US" smtClean="0"/>
-              <a:t>2/8/23</a:t>
+              <a:t>2/13/23</a:t>
             </a:fld>
             <a:endParaRPr lang="en-US"/>
           </a:p>
@@ -2266,7 +6724,7 @@
           <a:p>
             <a:fld id="{3DBFFAE8-E8D5-8B46-A32A-441CDDC64DCC}" type="datetimeFigureOut">
               <a:rPr lang="en-US" smtClean="0"/>
-              <a:t>2/8/23</a:t>
+              <a:t>2/13/23</a:t>
             </a:fld>
             <a:endParaRPr lang="en-US"/>
           </a:p>
@@ -2408,7 +6866,7 @@
           <a:p>
             <a:fld id="{3DBFFAE8-E8D5-8B46-A32A-441CDDC64DCC}" type="datetimeFigureOut">
               <a:rPr lang="en-US" smtClean="0"/>
-              <a:t>2/8/23</a:t>
+              <a:t>2/13/23</a:t>
             </a:fld>
             <a:endParaRPr lang="en-US"/>
           </a:p>
@@ -2521,7 +6979,7 @@
           <a:p>
             <a:fld id="{3DBFFAE8-E8D5-8B46-A32A-441CDDC64DCC}" type="datetimeFigureOut">
               <a:rPr lang="en-US" smtClean="0"/>
-              <a:t>2/8/23</a:t>
+              <a:t>2/13/23</a:t>
             </a:fld>
             <a:endParaRPr lang="en-US"/>
           </a:p>
@@ -2834,7 +7292,7 @@
           <a:p>
             <a:fld id="{3DBFFAE8-E8D5-8B46-A32A-441CDDC64DCC}" type="datetimeFigureOut">
               <a:rPr lang="en-US" smtClean="0"/>
-              <a:t>2/8/23</a:t>
+              <a:t>2/13/23</a:t>
             </a:fld>
             <a:endParaRPr lang="en-US"/>
           </a:p>
@@ -3123,7 +7581,7 @@
           <a:p>
             <a:fld id="{3DBFFAE8-E8D5-8B46-A32A-441CDDC64DCC}" type="datetimeFigureOut">
               <a:rPr lang="en-US" smtClean="0"/>
-              <a:t>2/8/23</a:t>
+              <a:t>2/13/23</a:t>
             </a:fld>
             <a:endParaRPr lang="en-US"/>
           </a:p>
@@ -3366,7 +7824,7 @@
           <a:p>
             <a:fld id="{3DBFFAE8-E8D5-8B46-A32A-441CDDC64DCC}" type="datetimeFigureOut">
               <a:rPr lang="en-US" smtClean="0"/>
-              <a:t>2/8/23</a:t>
+              <a:t>2/13/23</a:t>
             </a:fld>
             <a:endParaRPr lang="en-US"/>
           </a:p>
@@ -4371,10 +8829,80 @@
           <a:bodyPr/>
           <a:lstStyle/>
           <a:p>
+            <a:r>
+              <a:rPr lang="en-US" dirty="0"/>
+              <a:t>Before: Toxic Chemicals </a:t>
+            </a:r>
+            <a:r>
+              <a:rPr lang="en-US" dirty="0">
+                <a:sym typeface="Wingdings" pitchFamily="2" charset="2"/>
+              </a:rPr>
+              <a:t> Death</a:t>
+            </a:r>
+          </a:p>
+          <a:p>
+            <a:endParaRPr lang="en-US" dirty="0">
+              <a:sym typeface="Wingdings" pitchFamily="2" charset="2"/>
+            </a:endParaRPr>
+          </a:p>
+          <a:p>
+            <a:r>
+              <a:rPr lang="en-US" dirty="0"/>
+              <a:t>WHY people cannot identify them</a:t>
+            </a:r>
+          </a:p>
+          <a:p>
             <a:endParaRPr lang="en-US" dirty="0"/>
           </a:p>
         </p:txBody>
       </p:sp>
+      <p:pic>
+        <p:nvPicPr>
+          <p:cNvPr id="1026" name="Picture 2" descr="What is Your &quot;Why&quot;? — Graphic Design &amp; Websites • Mystic, CT">
+            <a:extLst>
+              <a:ext uri="{FF2B5EF4-FFF2-40B4-BE49-F238E27FC236}">
+                <a16:creationId xmlns:a16="http://schemas.microsoft.com/office/drawing/2014/main" id="{6011535F-57AE-464C-3273-D9E4CBCD7102}"/>
+              </a:ext>
+            </a:extLst>
+          </p:cNvPr>
+          <p:cNvPicPr>
+            <a:picLocks noChangeAspect="1" noChangeArrowheads="1"/>
+          </p:cNvPicPr>
+          <p:nvPr/>
+        </p:nvPicPr>
+        <p:blipFill>
+          <a:blip r:embed="rId3">
+            <a:extLst>
+              <a:ext uri="{28A0092B-C50C-407E-A947-70E740481C1C}">
+                <a14:useLocalDpi xmlns:a14="http://schemas.microsoft.com/office/drawing/2010/main" val="0"/>
+              </a:ext>
+            </a:extLst>
+          </a:blip>
+          <a:srcRect/>
+          <a:stretch>
+            <a:fillRect/>
+          </a:stretch>
+        </p:blipFill>
+        <p:spPr bwMode="auto">
+          <a:xfrm>
+            <a:off x="6095206" y="3429000"/>
+            <a:ext cx="5141119" cy="3429000"/>
+          </a:xfrm>
+          <a:prstGeom prst="rect">
+            <a:avLst/>
+          </a:prstGeom>
+          <a:noFill/>
+          <a:extLst>
+            <a:ext uri="{909E8E84-426E-40DD-AFC4-6F175D3DCCD1}">
+              <a14:hiddenFill xmlns:a14="http://schemas.microsoft.com/office/drawing/2010/main">
+                <a:solidFill>
+                  <a:srgbClr val="FFFFFF"/>
+                </a:solidFill>
+              </a14:hiddenFill>
+            </a:ext>
+          </a:extLst>
+        </p:spPr>
+      </p:pic>
     </p:spTree>
     <p:extLst>
       <p:ext uri="{BB962C8B-B14F-4D97-AF65-F5344CB8AC3E}">
@@ -4385,10 +8913,398 @@
   <p:clrMapOvr>
     <a:masterClrMapping/>
   </p:clrMapOvr>
+  <p:timing>
+    <p:tnLst>
+      <p:par>
+        <p:cTn id="1" dur="indefinite" restart="never" nodeType="tmRoot">
+          <p:childTnLst>
+            <p:seq concurrent="1" nextAc="seek">
+              <p:cTn id="2" dur="indefinite" nodeType="mainSeq">
+                <p:childTnLst>
+                  <p:par>
+                    <p:cTn id="3" fill="hold">
+                      <p:stCondLst>
+                        <p:cond delay="indefinite"/>
+                      </p:stCondLst>
+                      <p:childTnLst>
+                        <p:par>
+                          <p:cTn id="4" fill="hold">
+                            <p:stCondLst>
+                              <p:cond delay="0"/>
+                            </p:stCondLst>
+                            <p:childTnLst>
+                              <p:par>
+                                <p:cTn id="5" presetID="1" presetClass="entr" presetSubtype="0" fill="hold" nodeType="clickEffect">
+                                  <p:stCondLst>
+                                    <p:cond delay="0"/>
+                                  </p:stCondLst>
+                                  <p:childTnLst>
+                                    <p:set>
+                                      <p:cBhvr>
+                                        <p:cTn id="6" dur="1" fill="hold">
+                                          <p:stCondLst>
+                                            <p:cond delay="0"/>
+                                          </p:stCondLst>
+                                        </p:cTn>
+                                        <p:tgtEl>
+                                          <p:spTgt spid="3">
+                                            <p:txEl>
+                                              <p:pRg st="2" end="2"/>
+                                            </p:txEl>
+                                          </p:spTgt>
+                                        </p:tgtEl>
+                                        <p:attrNameLst>
+                                          <p:attrName>style.visibility</p:attrName>
+                                        </p:attrNameLst>
+                                      </p:cBhvr>
+                                      <p:to>
+                                        <p:strVal val="visible"/>
+                                      </p:to>
+                                    </p:set>
+                                  </p:childTnLst>
+                                </p:cTn>
+                              </p:par>
+                              <p:par>
+                                <p:cTn id="7" presetID="1" presetClass="entr" presetSubtype="0" fill="hold" nodeType="withEffect">
+                                  <p:stCondLst>
+                                    <p:cond delay="0"/>
+                                  </p:stCondLst>
+                                  <p:childTnLst>
+                                    <p:set>
+                                      <p:cBhvr>
+                                        <p:cTn id="8" dur="1" fill="hold">
+                                          <p:stCondLst>
+                                            <p:cond delay="0"/>
+                                          </p:stCondLst>
+                                        </p:cTn>
+                                        <p:tgtEl>
+                                          <p:spTgt spid="1026"/>
+                                        </p:tgtEl>
+                                        <p:attrNameLst>
+                                          <p:attrName>style.visibility</p:attrName>
+                                        </p:attrNameLst>
+                                      </p:cBhvr>
+                                      <p:to>
+                                        <p:strVal val="visible"/>
+                                      </p:to>
+                                    </p:set>
+                                  </p:childTnLst>
+                                </p:cTn>
+                              </p:par>
+                            </p:childTnLst>
+                          </p:cTn>
+                        </p:par>
+                      </p:childTnLst>
+                    </p:cTn>
+                  </p:par>
+                </p:childTnLst>
+              </p:cTn>
+              <p:prevCondLst>
+                <p:cond evt="onPrev" delay="0">
+                  <p:tgtEl>
+                    <p:sldTgt/>
+                  </p:tgtEl>
+                </p:cond>
+              </p:prevCondLst>
+              <p:nextCondLst>
+                <p:cond evt="onNext" delay="0">
+                  <p:tgtEl>
+                    <p:sldTgt/>
+                  </p:tgtEl>
+                </p:cond>
+              </p:nextCondLst>
+            </p:seq>
+          </p:childTnLst>
+        </p:cTn>
+      </p:par>
+    </p:tnLst>
+  </p:timing>
 </p:sld>
 </file>
 
 <file path=ppt/slides/slide5.xml><?xml version="1.0" encoding="utf-8"?>
+<p:sld xmlns:a="http://schemas.openxmlformats.org/drawingml/2006/main" xmlns:r="http://schemas.openxmlformats.org/officeDocument/2006/relationships" xmlns:p="http://schemas.openxmlformats.org/presentationml/2006/main">
+  <p:cSld>
+    <p:bg>
+      <p:bgPr>
+        <a:solidFill>
+          <a:schemeClr val="bg1"/>
+        </a:solidFill>
+        <a:effectLst/>
+      </p:bgPr>
+    </p:bg>
+    <p:spTree>
+      <p:nvGrpSpPr>
+        <p:cNvPr id="1" name=""/>
+        <p:cNvGrpSpPr/>
+        <p:nvPr/>
+      </p:nvGrpSpPr>
+      <p:grpSpPr>
+        <a:xfrm>
+          <a:off x="0" y="0"/>
+          <a:ext cx="0" cy="0"/>
+          <a:chOff x="0" y="0"/>
+          <a:chExt cx="0" cy="0"/>
+        </a:xfrm>
+      </p:grpSpPr>
+      <p:sp useBgFill="1">
+        <p:nvSpPr>
+          <p:cNvPr id="2060" name="Rectangle 2059">
+            <a:extLst>
+              <a:ext uri="{FF2B5EF4-FFF2-40B4-BE49-F238E27FC236}">
+                <a16:creationId xmlns:a16="http://schemas.microsoft.com/office/drawing/2014/main" id="{11BE3FA7-0D70-4431-814F-D8C40576EA93}"/>
+              </a:ext>
+              <a:ext uri="{C183D7F6-B498-43B3-948B-1728B52AA6E4}">
+                <adec:decorative xmlns:adec="http://schemas.microsoft.com/office/drawing/2017/decorative" val="1"/>
+              </a:ext>
+            </a:extLst>
+          </p:cNvPr>
+          <p:cNvSpPr>
+            <a:spLocks noGrp="1" noRot="1" noChangeAspect="1" noMove="1" noResize="1" noEditPoints="1" noAdjustHandles="1" noChangeArrowheads="1" noChangeShapeType="1" noTextEdit="1"/>
+          </p:cNvSpPr>
+          <p:nvPr>
+            <p:extLst>
+              <p:ext uri="{386F3935-93C4-4BCD-93E2-E3B085C9AB24}">
+                <p16:designElem xmlns:p16="http://schemas.microsoft.com/office/powerpoint/2015/main" val="1"/>
+              </p:ext>
+            </p:extLst>
+          </p:nvPr>
+        </p:nvSpPr>
+        <p:spPr bwMode="white">
+          <a:xfrm>
+            <a:off x="1524" y="0"/>
+            <a:ext cx="12188952" cy="6858000"/>
+          </a:xfrm>
+          <a:prstGeom prst="rect">
+            <a:avLst/>
+          </a:prstGeom>
+          <a:ln>
+            <a:noFill/>
+          </a:ln>
+        </p:spPr>
+        <p:style>
+          <a:lnRef idx="2">
+            <a:schemeClr val="accent1">
+              <a:shade val="50000"/>
+            </a:schemeClr>
+          </a:lnRef>
+          <a:fillRef idx="1">
+            <a:schemeClr val="accent1"/>
+          </a:fillRef>
+          <a:effectRef idx="0">
+            <a:schemeClr val="accent1"/>
+          </a:effectRef>
+          <a:fontRef idx="minor">
+            <a:schemeClr val="lt1"/>
+          </a:fontRef>
+        </p:style>
+        <p:txBody>
+          <a:bodyPr rtlCol="0" anchor="ctr"/>
+          <a:lstStyle>
+            <a:defPPr>
+              <a:defRPr lang="en-US"/>
+            </a:defPPr>
+            <a:lvl1pPr marL="0" algn="l" defTabSz="914400" rtl="0" eaLnBrk="1" latinLnBrk="0" hangingPunct="1">
+              <a:defRPr sz="1800" kern="1200">
+                <a:solidFill>
+                  <a:schemeClr val="lt1"/>
+                </a:solidFill>
+                <a:latin typeface="+mn-lt"/>
+                <a:ea typeface="+mn-ea"/>
+                <a:cs typeface="+mn-cs"/>
+              </a:defRPr>
+            </a:lvl1pPr>
+            <a:lvl2pPr marL="457200" algn="l" defTabSz="914400" rtl="0" eaLnBrk="1" latinLnBrk="0" hangingPunct="1">
+              <a:defRPr sz="1800" kern="1200">
+                <a:solidFill>
+                  <a:schemeClr val="lt1"/>
+                </a:solidFill>
+                <a:latin typeface="+mn-lt"/>
+                <a:ea typeface="+mn-ea"/>
+                <a:cs typeface="+mn-cs"/>
+              </a:defRPr>
+            </a:lvl2pPr>
+            <a:lvl3pPr marL="914400" algn="l" defTabSz="914400" rtl="0" eaLnBrk="1" latinLnBrk="0" hangingPunct="1">
+              <a:defRPr sz="1800" kern="1200">
+                <a:solidFill>
+                  <a:schemeClr val="lt1"/>
+                </a:solidFill>
+                <a:latin typeface="+mn-lt"/>
+                <a:ea typeface="+mn-ea"/>
+                <a:cs typeface="+mn-cs"/>
+              </a:defRPr>
+            </a:lvl3pPr>
+            <a:lvl4pPr marL="1371600" algn="l" defTabSz="914400" rtl="0" eaLnBrk="1" latinLnBrk="0" hangingPunct="1">
+              <a:defRPr sz="1800" kern="1200">
+                <a:solidFill>
+                  <a:schemeClr val="lt1"/>
+                </a:solidFill>
+                <a:latin typeface="+mn-lt"/>
+                <a:ea typeface="+mn-ea"/>
+                <a:cs typeface="+mn-cs"/>
+              </a:defRPr>
+            </a:lvl4pPr>
+            <a:lvl5pPr marL="1828800" algn="l" defTabSz="914400" rtl="0" eaLnBrk="1" latinLnBrk="0" hangingPunct="1">
+              <a:defRPr sz="1800" kern="1200">
+                <a:solidFill>
+                  <a:schemeClr val="lt1"/>
+                </a:solidFill>
+                <a:latin typeface="+mn-lt"/>
+                <a:ea typeface="+mn-ea"/>
+                <a:cs typeface="+mn-cs"/>
+              </a:defRPr>
+            </a:lvl5pPr>
+            <a:lvl6pPr marL="2286000" algn="l" defTabSz="914400" rtl="0" eaLnBrk="1" latinLnBrk="0" hangingPunct="1">
+              <a:defRPr sz="1800" kern="1200">
+                <a:solidFill>
+                  <a:schemeClr val="lt1"/>
+                </a:solidFill>
+                <a:latin typeface="+mn-lt"/>
+                <a:ea typeface="+mn-ea"/>
+                <a:cs typeface="+mn-cs"/>
+              </a:defRPr>
+            </a:lvl6pPr>
+            <a:lvl7pPr marL="2743200" algn="l" defTabSz="914400" rtl="0" eaLnBrk="1" latinLnBrk="0" hangingPunct="1">
+              <a:defRPr sz="1800" kern="1200">
+                <a:solidFill>
+                  <a:schemeClr val="lt1"/>
+                </a:solidFill>
+                <a:latin typeface="+mn-lt"/>
+                <a:ea typeface="+mn-ea"/>
+                <a:cs typeface="+mn-cs"/>
+              </a:defRPr>
+            </a:lvl7pPr>
+            <a:lvl8pPr marL="3200400" algn="l" defTabSz="914400" rtl="0" eaLnBrk="1" latinLnBrk="0" hangingPunct="1">
+              <a:defRPr sz="1800" kern="1200">
+                <a:solidFill>
+                  <a:schemeClr val="lt1"/>
+                </a:solidFill>
+                <a:latin typeface="+mn-lt"/>
+                <a:ea typeface="+mn-ea"/>
+                <a:cs typeface="+mn-cs"/>
+              </a:defRPr>
+            </a:lvl8pPr>
+            <a:lvl9pPr marL="3657600" algn="l" defTabSz="914400" rtl="0" eaLnBrk="1" latinLnBrk="0" hangingPunct="1">
+              <a:defRPr sz="1800" kern="1200">
+                <a:solidFill>
+                  <a:schemeClr val="lt1"/>
+                </a:solidFill>
+                <a:latin typeface="+mn-lt"/>
+                <a:ea typeface="+mn-ea"/>
+                <a:cs typeface="+mn-cs"/>
+              </a:defRPr>
+            </a:lvl9pPr>
+          </a:lstStyle>
+          <a:p>
+            <a:pPr algn="ctr"/>
+            <a:endParaRPr lang="en-US"/>
+          </a:p>
+        </p:txBody>
+      </p:sp>
+      <p:pic>
+        <p:nvPicPr>
+          <p:cNvPr id="2052" name="Picture 4" descr="Never answer another 'how?' question again!">
+            <a:extLst>
+              <a:ext uri="{FF2B5EF4-FFF2-40B4-BE49-F238E27FC236}">
+                <a16:creationId xmlns:a16="http://schemas.microsoft.com/office/drawing/2014/main" id="{4CCA5EC2-9EFA-4C77-34D9-F5F4162BC384}"/>
+              </a:ext>
+            </a:extLst>
+          </p:cNvPr>
+          <p:cNvPicPr>
+            <a:picLocks noChangeAspect="1" noChangeArrowheads="1"/>
+          </p:cNvPicPr>
+          <p:nvPr/>
+        </p:nvPicPr>
+        <p:blipFill rotWithShape="1">
+          <a:blip r:embed="rId2">
+            <a:extLst>
+              <a:ext uri="{28A0092B-C50C-407E-A947-70E740481C1C}">
+                <a14:useLocalDpi xmlns:a14="http://schemas.microsoft.com/office/drawing/2010/main" val="0"/>
+              </a:ext>
+            </a:extLst>
+          </a:blip>
+          <a:srcRect l="22884" r="15881" b="2"/>
+          <a:stretch/>
+        </p:blipFill>
+        <p:spPr bwMode="auto">
+          <a:xfrm>
+            <a:off x="6308896" y="340621"/>
+            <a:ext cx="5668684" cy="5743618"/>
+          </a:xfrm>
+          <a:prstGeom prst="rect">
+            <a:avLst/>
+          </a:prstGeom>
+          <a:noFill/>
+          <a:extLst>
+            <a:ext uri="{909E8E84-426E-40DD-AFC4-6F175D3DCCD1}">
+              <a14:hiddenFill xmlns:a14="http://schemas.microsoft.com/office/drawing/2010/main">
+                <a:solidFill>
+                  <a:srgbClr val="FFFFFF"/>
+                </a:solidFill>
+              </a14:hiddenFill>
+            </a:ext>
+          </a:extLst>
+        </p:spPr>
+      </p:pic>
+      <p:pic>
+        <p:nvPicPr>
+          <p:cNvPr id="2050" name="Picture 2" descr="How Reading Can Educate You for Your Business – Inspiring Decisions">
+            <a:extLst>
+              <a:ext uri="{FF2B5EF4-FFF2-40B4-BE49-F238E27FC236}">
+                <a16:creationId xmlns:a16="http://schemas.microsoft.com/office/drawing/2014/main" id="{DDB7A475-1AB7-3A34-A3CA-8D2796974E1D}"/>
+              </a:ext>
+            </a:extLst>
+          </p:cNvPr>
+          <p:cNvPicPr>
+            <a:picLocks noChangeAspect="1" noChangeArrowheads="1"/>
+          </p:cNvPicPr>
+          <p:nvPr/>
+        </p:nvPicPr>
+        <p:blipFill rotWithShape="1">
+          <a:blip r:embed="rId3">
+            <a:extLst>
+              <a:ext uri="{28A0092B-C50C-407E-A947-70E740481C1C}">
+                <a14:useLocalDpi xmlns:a14="http://schemas.microsoft.com/office/drawing/2010/main" val="0"/>
+              </a:ext>
+            </a:extLst>
+          </a:blip>
+          <a:srcRect r="1196"/>
+          <a:stretch/>
+        </p:blipFill>
+        <p:spPr bwMode="auto">
+          <a:xfrm>
+            <a:off x="421107" y="557191"/>
+            <a:ext cx="5674893" cy="5743618"/>
+          </a:xfrm>
+          <a:prstGeom prst="rect">
+            <a:avLst/>
+          </a:prstGeom>
+          <a:noFill/>
+          <a:extLst>
+            <a:ext uri="{909E8E84-426E-40DD-AFC4-6F175D3DCCD1}">
+              <a14:hiddenFill xmlns:a14="http://schemas.microsoft.com/office/drawing/2010/main">
+                <a:solidFill>
+                  <a:srgbClr val="FFFFFF"/>
+                </a:solidFill>
+              </a14:hiddenFill>
+            </a:ext>
+          </a:extLst>
+        </p:spPr>
+      </p:pic>
+    </p:spTree>
+    <p:extLst>
+      <p:ext uri="{BB962C8B-B14F-4D97-AF65-F5344CB8AC3E}">
+        <p14:creationId xmlns:p14="http://schemas.microsoft.com/office/powerpoint/2010/main" val="1287184660"/>
+      </p:ext>
+    </p:extLst>
+  </p:cSld>
+  <p:clrMapOvr>
+    <a:masterClrMapping/>
+  </p:clrMapOvr>
+</p:sld>
+</file>
+
+<file path=ppt/slides/slide6.xml><?xml version="1.0" encoding="utf-8"?>
 <p:sld xmlns:a="http://schemas.openxmlformats.org/drawingml/2006/main" xmlns:r="http://schemas.openxmlformats.org/officeDocument/2006/relationships" xmlns:p="http://schemas.openxmlformats.org/presentationml/2006/main">
   <p:cSld>
     <p:spTree>
@@ -4405,10 +9321,1171 @@
           <a:chExt cx="0" cy="0"/>
         </a:xfrm>
       </p:grpSpPr>
+      <p:graphicFrame>
+        <p:nvGraphicFramePr>
+          <p:cNvPr id="3" name="Diagram 2">
+            <a:extLst>
+              <a:ext uri="{FF2B5EF4-FFF2-40B4-BE49-F238E27FC236}">
+                <a16:creationId xmlns:a16="http://schemas.microsoft.com/office/drawing/2014/main" id="{4C64F07E-D3FB-B9EC-F00E-A8AFA2469ADA}"/>
+              </a:ext>
+            </a:extLst>
+          </p:cNvPr>
+          <p:cNvGraphicFramePr/>
+          <p:nvPr>
+            <p:extLst>
+              <p:ext uri="{D42A27DB-BD31-4B8C-83A1-F6EECF244321}">
+                <p14:modId xmlns:p14="http://schemas.microsoft.com/office/powerpoint/2010/main" val="3609487278"/>
+              </p:ext>
+            </p:extLst>
+          </p:nvPr>
+        </p:nvGraphicFramePr>
+        <p:xfrm>
+          <a:off x="505326" y="132347"/>
+          <a:ext cx="11562348" cy="6569241"/>
+        </p:xfrm>
+        <a:graphic>
+          <a:graphicData uri="http://schemas.openxmlformats.org/drawingml/2006/diagram">
+            <dgm:relIds xmlns:dgm="http://schemas.openxmlformats.org/drawingml/2006/diagram" xmlns:r="http://schemas.openxmlformats.org/officeDocument/2006/relationships" r:dm="rId2" r:lo="rId3" r:qs="rId4" r:cs="rId5"/>
+          </a:graphicData>
+        </a:graphic>
+      </p:graphicFrame>
+      <p:sp>
+        <p:nvSpPr>
+          <p:cNvPr id="4" name="Rectangle 3">
+            <a:extLst>
+              <a:ext uri="{FF2B5EF4-FFF2-40B4-BE49-F238E27FC236}">
+                <a16:creationId xmlns:a16="http://schemas.microsoft.com/office/drawing/2014/main" id="{51D9FBE2-837B-164C-B26C-15240EFF289F}"/>
+              </a:ext>
+            </a:extLst>
+          </p:cNvPr>
+          <p:cNvSpPr/>
+          <p:nvPr/>
+        </p:nvSpPr>
+        <p:spPr>
+          <a:xfrm>
+            <a:off x="1564105" y="2550695"/>
+            <a:ext cx="2394284" cy="1756610"/>
+          </a:xfrm>
+          <a:prstGeom prst="rect">
+            <a:avLst/>
+          </a:prstGeom>
+          <a:solidFill>
+            <a:schemeClr val="bg1"/>
+          </a:solidFill>
+          <a:ln>
+            <a:solidFill>
+              <a:schemeClr val="bg1"/>
+            </a:solidFill>
+          </a:ln>
+        </p:spPr>
+        <p:style>
+          <a:lnRef idx="2">
+            <a:schemeClr val="accent1">
+              <a:shade val="50000"/>
+            </a:schemeClr>
+          </a:lnRef>
+          <a:fillRef idx="1">
+            <a:schemeClr val="accent1"/>
+          </a:fillRef>
+          <a:effectRef idx="0">
+            <a:schemeClr val="accent1"/>
+          </a:effectRef>
+          <a:fontRef idx="minor">
+            <a:schemeClr val="lt1"/>
+          </a:fontRef>
+        </p:style>
+        <p:txBody>
+          <a:bodyPr rtlCol="0" anchor="ctr"/>
+          <a:lstStyle/>
+          <a:p>
+            <a:pPr algn="ctr"/>
+            <a:endParaRPr lang="en-US"/>
+          </a:p>
+        </p:txBody>
+      </p:sp>
+      <p:sp>
+        <p:nvSpPr>
+          <p:cNvPr id="5" name="Rectangle 4">
+            <a:extLst>
+              <a:ext uri="{FF2B5EF4-FFF2-40B4-BE49-F238E27FC236}">
+                <a16:creationId xmlns:a16="http://schemas.microsoft.com/office/drawing/2014/main" id="{0303A3AE-5B3F-ABA2-446C-D3EC63D09CAF}"/>
+              </a:ext>
+            </a:extLst>
+          </p:cNvPr>
+          <p:cNvSpPr/>
+          <p:nvPr/>
+        </p:nvSpPr>
+        <p:spPr>
+          <a:xfrm>
+            <a:off x="366963" y="4307305"/>
+            <a:ext cx="2394284" cy="1756610"/>
+          </a:xfrm>
+          <a:prstGeom prst="rect">
+            <a:avLst/>
+          </a:prstGeom>
+          <a:solidFill>
+            <a:schemeClr val="bg1"/>
+          </a:solidFill>
+          <a:ln>
+            <a:solidFill>
+              <a:schemeClr val="bg1"/>
+            </a:solidFill>
+          </a:ln>
+        </p:spPr>
+        <p:style>
+          <a:lnRef idx="2">
+            <a:schemeClr val="accent1">
+              <a:shade val="50000"/>
+            </a:schemeClr>
+          </a:lnRef>
+          <a:fillRef idx="1">
+            <a:schemeClr val="accent1"/>
+          </a:fillRef>
+          <a:effectRef idx="0">
+            <a:schemeClr val="accent1"/>
+          </a:effectRef>
+          <a:fontRef idx="minor">
+            <a:schemeClr val="lt1"/>
+          </a:fontRef>
+        </p:style>
+        <p:txBody>
+          <a:bodyPr rtlCol="0" anchor="ctr"/>
+          <a:lstStyle/>
+          <a:p>
+            <a:pPr algn="ctr"/>
+            <a:endParaRPr lang="en-US"/>
+          </a:p>
+        </p:txBody>
+      </p:sp>
+      <p:sp>
+        <p:nvSpPr>
+          <p:cNvPr id="6" name="Rectangle 5">
+            <a:extLst>
+              <a:ext uri="{FF2B5EF4-FFF2-40B4-BE49-F238E27FC236}">
+                <a16:creationId xmlns:a16="http://schemas.microsoft.com/office/drawing/2014/main" id="{3AED0C49-6398-E0C7-C564-9469DAE4FE5B}"/>
+              </a:ext>
+            </a:extLst>
+          </p:cNvPr>
+          <p:cNvSpPr/>
+          <p:nvPr/>
+        </p:nvSpPr>
+        <p:spPr>
+          <a:xfrm>
+            <a:off x="2761247" y="4307305"/>
+            <a:ext cx="2394284" cy="1756610"/>
+          </a:xfrm>
+          <a:prstGeom prst="rect">
+            <a:avLst/>
+          </a:prstGeom>
+          <a:solidFill>
+            <a:schemeClr val="bg1"/>
+          </a:solidFill>
+          <a:ln>
+            <a:solidFill>
+              <a:schemeClr val="bg1"/>
+            </a:solidFill>
+          </a:ln>
+        </p:spPr>
+        <p:style>
+          <a:lnRef idx="2">
+            <a:schemeClr val="accent1">
+              <a:shade val="50000"/>
+            </a:schemeClr>
+          </a:lnRef>
+          <a:fillRef idx="1">
+            <a:schemeClr val="accent1"/>
+          </a:fillRef>
+          <a:effectRef idx="0">
+            <a:schemeClr val="accent1"/>
+          </a:effectRef>
+          <a:fontRef idx="minor">
+            <a:schemeClr val="lt1"/>
+          </a:fontRef>
+        </p:style>
+        <p:txBody>
+          <a:bodyPr rtlCol="0" anchor="ctr"/>
+          <a:lstStyle/>
+          <a:p>
+            <a:pPr algn="ctr"/>
+            <a:endParaRPr lang="en-US"/>
+          </a:p>
+        </p:txBody>
+      </p:sp>
+      <p:sp>
+        <p:nvSpPr>
+          <p:cNvPr id="7" name="Rectangle 6">
+            <a:extLst>
+              <a:ext uri="{FF2B5EF4-FFF2-40B4-BE49-F238E27FC236}">
+                <a16:creationId xmlns:a16="http://schemas.microsoft.com/office/drawing/2014/main" id="{B40DD0DE-9344-4929-A5A3-37630E333A49}"/>
+              </a:ext>
+            </a:extLst>
+          </p:cNvPr>
+          <p:cNvSpPr/>
+          <p:nvPr/>
+        </p:nvSpPr>
+        <p:spPr>
+          <a:xfrm>
+            <a:off x="7503694" y="2610851"/>
+            <a:ext cx="2394284" cy="1756610"/>
+          </a:xfrm>
+          <a:prstGeom prst="rect">
+            <a:avLst/>
+          </a:prstGeom>
+          <a:solidFill>
+            <a:schemeClr val="bg1"/>
+          </a:solidFill>
+          <a:ln>
+            <a:solidFill>
+              <a:schemeClr val="bg1"/>
+            </a:solidFill>
+          </a:ln>
+        </p:spPr>
+        <p:style>
+          <a:lnRef idx="2">
+            <a:schemeClr val="accent1">
+              <a:shade val="50000"/>
+            </a:schemeClr>
+          </a:lnRef>
+          <a:fillRef idx="1">
+            <a:schemeClr val="accent1"/>
+          </a:fillRef>
+          <a:effectRef idx="0">
+            <a:schemeClr val="accent1"/>
+          </a:effectRef>
+          <a:fontRef idx="minor">
+            <a:schemeClr val="lt1"/>
+          </a:fontRef>
+        </p:style>
+        <p:txBody>
+          <a:bodyPr rtlCol="0" anchor="ctr"/>
+          <a:lstStyle/>
+          <a:p>
+            <a:pPr algn="ctr"/>
+            <a:endParaRPr lang="en-US"/>
+          </a:p>
+        </p:txBody>
+      </p:sp>
+      <p:sp>
+        <p:nvSpPr>
+          <p:cNvPr id="8" name="Rectangle 7">
+            <a:extLst>
+              <a:ext uri="{FF2B5EF4-FFF2-40B4-BE49-F238E27FC236}">
+                <a16:creationId xmlns:a16="http://schemas.microsoft.com/office/drawing/2014/main" id="{72CC5F08-2B75-11AE-869C-47D231598EF6}"/>
+              </a:ext>
+            </a:extLst>
+          </p:cNvPr>
+          <p:cNvSpPr/>
+          <p:nvPr/>
+        </p:nvSpPr>
+        <p:spPr>
+          <a:xfrm>
+            <a:off x="5132471" y="4307305"/>
+            <a:ext cx="2394284" cy="1756610"/>
+          </a:xfrm>
+          <a:prstGeom prst="rect">
+            <a:avLst/>
+          </a:prstGeom>
+          <a:solidFill>
+            <a:schemeClr val="bg1"/>
+          </a:solidFill>
+          <a:ln>
+            <a:solidFill>
+              <a:schemeClr val="bg1"/>
+            </a:solidFill>
+          </a:ln>
+        </p:spPr>
+        <p:style>
+          <a:lnRef idx="2">
+            <a:schemeClr val="accent1">
+              <a:shade val="50000"/>
+            </a:schemeClr>
+          </a:lnRef>
+          <a:fillRef idx="1">
+            <a:schemeClr val="accent1"/>
+          </a:fillRef>
+          <a:effectRef idx="0">
+            <a:schemeClr val="accent1"/>
+          </a:effectRef>
+          <a:fontRef idx="minor">
+            <a:schemeClr val="lt1"/>
+          </a:fontRef>
+        </p:style>
+        <p:txBody>
+          <a:bodyPr rtlCol="0" anchor="ctr"/>
+          <a:lstStyle/>
+          <a:p>
+            <a:pPr algn="ctr"/>
+            <a:endParaRPr lang="en-US"/>
+          </a:p>
+        </p:txBody>
+      </p:sp>
+      <p:sp>
+        <p:nvSpPr>
+          <p:cNvPr id="9" name="Rectangle 8">
+            <a:extLst>
+              <a:ext uri="{FF2B5EF4-FFF2-40B4-BE49-F238E27FC236}">
+                <a16:creationId xmlns:a16="http://schemas.microsoft.com/office/drawing/2014/main" id="{2E6E65E7-89E8-EFEA-6960-2F9ECF0D950F}"/>
+              </a:ext>
+            </a:extLst>
+          </p:cNvPr>
+          <p:cNvSpPr/>
+          <p:nvPr/>
+        </p:nvSpPr>
+        <p:spPr>
+          <a:xfrm>
+            <a:off x="7391400" y="4337383"/>
+            <a:ext cx="2394284" cy="1756610"/>
+          </a:xfrm>
+          <a:prstGeom prst="rect">
+            <a:avLst/>
+          </a:prstGeom>
+          <a:solidFill>
+            <a:schemeClr val="bg1"/>
+          </a:solidFill>
+          <a:ln>
+            <a:solidFill>
+              <a:schemeClr val="bg1"/>
+            </a:solidFill>
+          </a:ln>
+        </p:spPr>
+        <p:style>
+          <a:lnRef idx="2">
+            <a:schemeClr val="accent1">
+              <a:shade val="50000"/>
+            </a:schemeClr>
+          </a:lnRef>
+          <a:fillRef idx="1">
+            <a:schemeClr val="accent1"/>
+          </a:fillRef>
+          <a:effectRef idx="0">
+            <a:schemeClr val="accent1"/>
+          </a:effectRef>
+          <a:fontRef idx="minor">
+            <a:schemeClr val="lt1"/>
+          </a:fontRef>
+        </p:style>
+        <p:txBody>
+          <a:bodyPr rtlCol="0" anchor="ctr"/>
+          <a:lstStyle/>
+          <a:p>
+            <a:pPr algn="ctr"/>
+            <a:endParaRPr lang="en-US"/>
+          </a:p>
+        </p:txBody>
+      </p:sp>
+      <p:sp>
+        <p:nvSpPr>
+          <p:cNvPr id="10" name="Rectangle 9">
+            <a:extLst>
+              <a:ext uri="{FF2B5EF4-FFF2-40B4-BE49-F238E27FC236}">
+                <a16:creationId xmlns:a16="http://schemas.microsoft.com/office/drawing/2014/main" id="{6AEF4E3B-204B-8137-5276-3050E7A19C67}"/>
+              </a:ext>
+            </a:extLst>
+          </p:cNvPr>
+          <p:cNvSpPr/>
+          <p:nvPr/>
+        </p:nvSpPr>
+        <p:spPr>
+          <a:xfrm>
+            <a:off x="9797716" y="4195011"/>
+            <a:ext cx="2394284" cy="1756610"/>
+          </a:xfrm>
+          <a:prstGeom prst="rect">
+            <a:avLst/>
+          </a:prstGeom>
+          <a:solidFill>
+            <a:schemeClr val="bg1"/>
+          </a:solidFill>
+          <a:ln>
+            <a:solidFill>
+              <a:schemeClr val="bg1"/>
+            </a:solidFill>
+          </a:ln>
+        </p:spPr>
+        <p:style>
+          <a:lnRef idx="2">
+            <a:schemeClr val="accent1">
+              <a:shade val="50000"/>
+            </a:schemeClr>
+          </a:lnRef>
+          <a:fillRef idx="1">
+            <a:schemeClr val="accent1"/>
+          </a:fillRef>
+          <a:effectRef idx="0">
+            <a:schemeClr val="accent1"/>
+          </a:effectRef>
+          <a:fontRef idx="minor">
+            <a:schemeClr val="lt1"/>
+          </a:fontRef>
+        </p:style>
+        <p:txBody>
+          <a:bodyPr rtlCol="0" anchor="ctr"/>
+          <a:lstStyle/>
+          <a:p>
+            <a:pPr algn="ctr"/>
+            <a:endParaRPr lang="en-US"/>
+          </a:p>
+        </p:txBody>
+      </p:sp>
     </p:spTree>
     <p:extLst>
       <p:ext uri="{BB962C8B-B14F-4D97-AF65-F5344CB8AC3E}">
-        <p14:creationId xmlns:p14="http://schemas.microsoft.com/office/powerpoint/2010/main" val="1287184660"/>
+        <p14:creationId xmlns:p14="http://schemas.microsoft.com/office/powerpoint/2010/main" val="2265231457"/>
+      </p:ext>
+    </p:extLst>
+  </p:cSld>
+  <p:clrMapOvr>
+    <a:masterClrMapping/>
+  </p:clrMapOvr>
+  <p:timing>
+    <p:tnLst>
+      <p:par>
+        <p:cTn id="1" dur="indefinite" restart="never" nodeType="tmRoot">
+          <p:childTnLst>
+            <p:seq concurrent="1" nextAc="seek">
+              <p:cTn id="2" dur="indefinite" nodeType="mainSeq">
+                <p:childTnLst>
+                  <p:par>
+                    <p:cTn id="3" fill="hold">
+                      <p:stCondLst>
+                        <p:cond delay="indefinite"/>
+                      </p:stCondLst>
+                      <p:childTnLst>
+                        <p:par>
+                          <p:cTn id="4" fill="hold">
+                            <p:stCondLst>
+                              <p:cond delay="0"/>
+                            </p:stCondLst>
+                            <p:childTnLst>
+                              <p:par>
+                                <p:cTn id="5" presetID="1" presetClass="exit" presetSubtype="0" fill="hold" grpId="1" nodeType="clickEffect">
+                                  <p:stCondLst>
+                                    <p:cond delay="0"/>
+                                  </p:stCondLst>
+                                  <p:childTnLst>
+                                    <p:set>
+                                      <p:cBhvr>
+                                        <p:cTn id="6" dur="1" fill="hold">
+                                          <p:stCondLst>
+                                            <p:cond delay="0"/>
+                                          </p:stCondLst>
+                                        </p:cTn>
+                                        <p:tgtEl>
+                                          <p:spTgt spid="4"/>
+                                        </p:tgtEl>
+                                        <p:attrNameLst>
+                                          <p:attrName>style.visibility</p:attrName>
+                                        </p:attrNameLst>
+                                      </p:cBhvr>
+                                      <p:to>
+                                        <p:strVal val="hidden"/>
+                                      </p:to>
+                                    </p:set>
+                                  </p:childTnLst>
+                                </p:cTn>
+                              </p:par>
+                            </p:childTnLst>
+                          </p:cTn>
+                        </p:par>
+                      </p:childTnLst>
+                    </p:cTn>
+                  </p:par>
+                  <p:par>
+                    <p:cTn id="7" fill="hold">
+                      <p:stCondLst>
+                        <p:cond delay="indefinite"/>
+                      </p:stCondLst>
+                      <p:childTnLst>
+                        <p:par>
+                          <p:cTn id="8" fill="hold">
+                            <p:stCondLst>
+                              <p:cond delay="0"/>
+                            </p:stCondLst>
+                            <p:childTnLst>
+                              <p:par>
+                                <p:cTn id="9" presetID="1" presetClass="exit" presetSubtype="0" fill="hold" grpId="0" nodeType="clickEffect">
+                                  <p:stCondLst>
+                                    <p:cond delay="0"/>
+                                  </p:stCondLst>
+                                  <p:childTnLst>
+                                    <p:set>
+                                      <p:cBhvr>
+                                        <p:cTn id="10" dur="1" fill="hold">
+                                          <p:stCondLst>
+                                            <p:cond delay="0"/>
+                                          </p:stCondLst>
+                                        </p:cTn>
+                                        <p:tgtEl>
+                                          <p:spTgt spid="7"/>
+                                        </p:tgtEl>
+                                        <p:attrNameLst>
+                                          <p:attrName>style.visibility</p:attrName>
+                                        </p:attrNameLst>
+                                      </p:cBhvr>
+                                      <p:to>
+                                        <p:strVal val="hidden"/>
+                                      </p:to>
+                                    </p:set>
+                                  </p:childTnLst>
+                                </p:cTn>
+                              </p:par>
+                            </p:childTnLst>
+                          </p:cTn>
+                        </p:par>
+                      </p:childTnLst>
+                    </p:cTn>
+                  </p:par>
+                  <p:par>
+                    <p:cTn id="11" fill="hold">
+                      <p:stCondLst>
+                        <p:cond delay="indefinite"/>
+                      </p:stCondLst>
+                      <p:childTnLst>
+                        <p:par>
+                          <p:cTn id="12" fill="hold">
+                            <p:stCondLst>
+                              <p:cond delay="0"/>
+                            </p:stCondLst>
+                            <p:childTnLst>
+                              <p:par>
+                                <p:cTn id="13" presetID="1" presetClass="exit" presetSubtype="0" fill="hold" grpId="0" nodeType="clickEffect">
+                                  <p:stCondLst>
+                                    <p:cond delay="0"/>
+                                  </p:stCondLst>
+                                  <p:childTnLst>
+                                    <p:set>
+                                      <p:cBhvr>
+                                        <p:cTn id="14" dur="1" fill="hold">
+                                          <p:stCondLst>
+                                            <p:cond delay="0"/>
+                                          </p:stCondLst>
+                                        </p:cTn>
+                                        <p:tgtEl>
+                                          <p:spTgt spid="5"/>
+                                        </p:tgtEl>
+                                        <p:attrNameLst>
+                                          <p:attrName>style.visibility</p:attrName>
+                                        </p:attrNameLst>
+                                      </p:cBhvr>
+                                      <p:to>
+                                        <p:strVal val="hidden"/>
+                                      </p:to>
+                                    </p:set>
+                                  </p:childTnLst>
+                                </p:cTn>
+                              </p:par>
+                            </p:childTnLst>
+                          </p:cTn>
+                        </p:par>
+                      </p:childTnLst>
+                    </p:cTn>
+                  </p:par>
+                  <p:par>
+                    <p:cTn id="15" fill="hold">
+                      <p:stCondLst>
+                        <p:cond delay="indefinite"/>
+                      </p:stCondLst>
+                      <p:childTnLst>
+                        <p:par>
+                          <p:cTn id="16" fill="hold">
+                            <p:stCondLst>
+                              <p:cond delay="0"/>
+                            </p:stCondLst>
+                            <p:childTnLst>
+                              <p:par>
+                                <p:cTn id="17" presetID="1" presetClass="exit" presetSubtype="0" fill="hold" grpId="0" nodeType="clickEffect">
+                                  <p:stCondLst>
+                                    <p:cond delay="0"/>
+                                  </p:stCondLst>
+                                  <p:childTnLst>
+                                    <p:set>
+                                      <p:cBhvr>
+                                        <p:cTn id="18" dur="1" fill="hold">
+                                          <p:stCondLst>
+                                            <p:cond delay="0"/>
+                                          </p:stCondLst>
+                                        </p:cTn>
+                                        <p:tgtEl>
+                                          <p:spTgt spid="6"/>
+                                        </p:tgtEl>
+                                        <p:attrNameLst>
+                                          <p:attrName>style.visibility</p:attrName>
+                                        </p:attrNameLst>
+                                      </p:cBhvr>
+                                      <p:to>
+                                        <p:strVal val="hidden"/>
+                                      </p:to>
+                                    </p:set>
+                                  </p:childTnLst>
+                                </p:cTn>
+                              </p:par>
+                            </p:childTnLst>
+                          </p:cTn>
+                        </p:par>
+                      </p:childTnLst>
+                    </p:cTn>
+                  </p:par>
+                  <p:par>
+                    <p:cTn id="19" fill="hold">
+                      <p:stCondLst>
+                        <p:cond delay="indefinite"/>
+                      </p:stCondLst>
+                      <p:childTnLst>
+                        <p:par>
+                          <p:cTn id="20" fill="hold">
+                            <p:stCondLst>
+                              <p:cond delay="0"/>
+                            </p:stCondLst>
+                            <p:childTnLst>
+                              <p:par>
+                                <p:cTn id="21" presetID="1" presetClass="exit" presetSubtype="0" fill="hold" grpId="0" nodeType="clickEffect">
+                                  <p:stCondLst>
+                                    <p:cond delay="0"/>
+                                  </p:stCondLst>
+                                  <p:childTnLst>
+                                    <p:set>
+                                      <p:cBhvr>
+                                        <p:cTn id="22" dur="1" fill="hold">
+                                          <p:stCondLst>
+                                            <p:cond delay="0"/>
+                                          </p:stCondLst>
+                                        </p:cTn>
+                                        <p:tgtEl>
+                                          <p:spTgt spid="8"/>
+                                        </p:tgtEl>
+                                        <p:attrNameLst>
+                                          <p:attrName>style.visibility</p:attrName>
+                                        </p:attrNameLst>
+                                      </p:cBhvr>
+                                      <p:to>
+                                        <p:strVal val="hidden"/>
+                                      </p:to>
+                                    </p:set>
+                                  </p:childTnLst>
+                                </p:cTn>
+                              </p:par>
+                            </p:childTnLst>
+                          </p:cTn>
+                        </p:par>
+                      </p:childTnLst>
+                    </p:cTn>
+                  </p:par>
+                  <p:par>
+                    <p:cTn id="23" fill="hold">
+                      <p:stCondLst>
+                        <p:cond delay="indefinite"/>
+                      </p:stCondLst>
+                      <p:childTnLst>
+                        <p:par>
+                          <p:cTn id="24" fill="hold">
+                            <p:stCondLst>
+                              <p:cond delay="0"/>
+                            </p:stCondLst>
+                            <p:childTnLst>
+                              <p:par>
+                                <p:cTn id="25" presetID="1" presetClass="exit" presetSubtype="0" fill="hold" grpId="0" nodeType="clickEffect">
+                                  <p:stCondLst>
+                                    <p:cond delay="0"/>
+                                  </p:stCondLst>
+                                  <p:childTnLst>
+                                    <p:set>
+                                      <p:cBhvr>
+                                        <p:cTn id="26" dur="1" fill="hold">
+                                          <p:stCondLst>
+                                            <p:cond delay="0"/>
+                                          </p:stCondLst>
+                                        </p:cTn>
+                                        <p:tgtEl>
+                                          <p:spTgt spid="9"/>
+                                        </p:tgtEl>
+                                        <p:attrNameLst>
+                                          <p:attrName>style.visibility</p:attrName>
+                                        </p:attrNameLst>
+                                      </p:cBhvr>
+                                      <p:to>
+                                        <p:strVal val="hidden"/>
+                                      </p:to>
+                                    </p:set>
+                                  </p:childTnLst>
+                                </p:cTn>
+                              </p:par>
+                            </p:childTnLst>
+                          </p:cTn>
+                        </p:par>
+                      </p:childTnLst>
+                    </p:cTn>
+                  </p:par>
+                  <p:par>
+                    <p:cTn id="27" fill="hold">
+                      <p:stCondLst>
+                        <p:cond delay="indefinite"/>
+                      </p:stCondLst>
+                      <p:childTnLst>
+                        <p:par>
+                          <p:cTn id="28" fill="hold">
+                            <p:stCondLst>
+                              <p:cond delay="0"/>
+                            </p:stCondLst>
+                            <p:childTnLst>
+                              <p:par>
+                                <p:cTn id="29" presetID="1" presetClass="exit" presetSubtype="0" fill="hold" grpId="0" nodeType="clickEffect">
+                                  <p:stCondLst>
+                                    <p:cond delay="0"/>
+                                  </p:stCondLst>
+                                  <p:childTnLst>
+                                    <p:set>
+                                      <p:cBhvr>
+                                        <p:cTn id="30" dur="1" fill="hold">
+                                          <p:stCondLst>
+                                            <p:cond delay="0"/>
+                                          </p:stCondLst>
+                                        </p:cTn>
+                                        <p:tgtEl>
+                                          <p:spTgt spid="10"/>
+                                        </p:tgtEl>
+                                        <p:attrNameLst>
+                                          <p:attrName>style.visibility</p:attrName>
+                                        </p:attrNameLst>
+                                      </p:cBhvr>
+                                      <p:to>
+                                        <p:strVal val="hidden"/>
+                                      </p:to>
+                                    </p:set>
+                                  </p:childTnLst>
+                                </p:cTn>
+                              </p:par>
+                            </p:childTnLst>
+                          </p:cTn>
+                        </p:par>
+                      </p:childTnLst>
+                    </p:cTn>
+                  </p:par>
+                </p:childTnLst>
+              </p:cTn>
+              <p:prevCondLst>
+                <p:cond evt="onPrev" delay="0">
+                  <p:tgtEl>
+                    <p:sldTgt/>
+                  </p:tgtEl>
+                </p:cond>
+              </p:prevCondLst>
+              <p:nextCondLst>
+                <p:cond evt="onNext" delay="0">
+                  <p:tgtEl>
+                    <p:sldTgt/>
+                  </p:tgtEl>
+                </p:cond>
+              </p:nextCondLst>
+            </p:seq>
+          </p:childTnLst>
+        </p:cTn>
+      </p:par>
+    </p:tnLst>
+    <p:bldLst>
+      <p:bldP spid="4" grpId="1" animBg="1"/>
+      <p:bldP spid="5" grpId="0" animBg="1"/>
+      <p:bldP spid="6" grpId="0" animBg="1"/>
+      <p:bldP spid="7" grpId="0" animBg="1"/>
+      <p:bldP spid="8" grpId="0" animBg="1"/>
+      <p:bldP spid="9" grpId="0" animBg="1"/>
+      <p:bldP spid="10" grpId="0" animBg="1"/>
+    </p:bldLst>
+  </p:timing>
+</p:sld>
+</file>
+
+<file path=ppt/slides/slide7.xml><?xml version="1.0" encoding="utf-8"?>
+<p:sld xmlns:a="http://schemas.openxmlformats.org/drawingml/2006/main" xmlns:r="http://schemas.openxmlformats.org/officeDocument/2006/relationships" xmlns:p="http://schemas.openxmlformats.org/presentationml/2006/main">
+  <p:cSld>
+    <p:spTree>
+      <p:nvGrpSpPr>
+        <p:cNvPr id="1" name=""/>
+        <p:cNvGrpSpPr/>
+        <p:nvPr/>
+      </p:nvGrpSpPr>
+      <p:grpSpPr>
+        <a:xfrm>
+          <a:off x="0" y="0"/>
+          <a:ext cx="0" cy="0"/>
+          <a:chOff x="0" y="0"/>
+          <a:chExt cx="0" cy="0"/>
+        </a:xfrm>
+      </p:grpSpPr>
+      <p:sp>
+        <p:nvSpPr>
+          <p:cNvPr id="2" name="Title 1">
+            <a:extLst>
+              <a:ext uri="{FF2B5EF4-FFF2-40B4-BE49-F238E27FC236}">
+                <a16:creationId xmlns:a16="http://schemas.microsoft.com/office/drawing/2014/main" id="{D54D5271-FCC5-F3A8-59EC-E04483B2DF9E}"/>
+              </a:ext>
+            </a:extLst>
+          </p:cNvPr>
+          <p:cNvSpPr>
+            <a:spLocks noGrp="1"/>
+          </p:cNvSpPr>
+          <p:nvPr>
+            <p:ph type="title"/>
+          </p:nvPr>
+        </p:nvSpPr>
+        <p:spPr/>
+        <p:txBody>
+          <a:bodyPr/>
+          <a:lstStyle/>
+          <a:p>
+            <a:r>
+              <a:rPr lang="en-US" dirty="0"/>
+              <a:t>Materials</a:t>
+            </a:r>
+          </a:p>
+        </p:txBody>
+      </p:sp>
+      <p:sp>
+        <p:nvSpPr>
+          <p:cNvPr id="3" name="Content Placeholder 2">
+            <a:extLst>
+              <a:ext uri="{FF2B5EF4-FFF2-40B4-BE49-F238E27FC236}">
+                <a16:creationId xmlns:a16="http://schemas.microsoft.com/office/drawing/2014/main" id="{2DEFAED9-631D-A639-5D52-0554C8BAEC0D}"/>
+              </a:ext>
+            </a:extLst>
+          </p:cNvPr>
+          <p:cNvSpPr>
+            <a:spLocks noGrp="1"/>
+          </p:cNvSpPr>
+          <p:nvPr>
+            <p:ph idx="1"/>
+          </p:nvPr>
+        </p:nvSpPr>
+        <p:spPr/>
+        <p:txBody>
+          <a:bodyPr/>
+          <a:lstStyle/>
+          <a:p>
+            <a:r>
+              <a:rPr lang="en-US" dirty="0"/>
+              <a:t>Char Siu Board</a:t>
+            </a:r>
+          </a:p>
+          <a:p>
+            <a:r>
+              <a:rPr lang="en-US" dirty="0"/>
+              <a:t>Gas Sensors</a:t>
+            </a:r>
+          </a:p>
+          <a:p>
+            <a:r>
+              <a:rPr lang="en-US" dirty="0"/>
+              <a:t>Arduino Board</a:t>
+            </a:r>
+          </a:p>
+          <a:p>
+            <a:r>
+              <a:rPr lang="en-US" dirty="0"/>
+              <a:t>Ethernet Extension Shield</a:t>
+            </a:r>
+          </a:p>
+          <a:p>
+            <a:r>
+              <a:rPr lang="en-US" dirty="0"/>
+              <a:t>20x4 LCD Display</a:t>
+            </a:r>
+          </a:p>
+          <a:p>
+            <a:r>
+              <a:rPr lang="en-US" dirty="0"/>
+              <a:t>LED</a:t>
+            </a:r>
+          </a:p>
+          <a:p>
+            <a:r>
+              <a:rPr lang="en-US" dirty="0"/>
+              <a:t>Buzzer</a:t>
+            </a:r>
+          </a:p>
+          <a:p>
+            <a:r>
+              <a:rPr lang="en-US" dirty="0"/>
+              <a:t>Battery Holder</a:t>
+            </a:r>
+          </a:p>
+        </p:txBody>
+      </p:sp>
+    </p:spTree>
+    <p:extLst>
+      <p:ext uri="{BB962C8B-B14F-4D97-AF65-F5344CB8AC3E}">
+        <p14:creationId xmlns:p14="http://schemas.microsoft.com/office/powerpoint/2010/main" val="2153288797"/>
+      </p:ext>
+    </p:extLst>
+  </p:cSld>
+  <p:clrMapOvr>
+    <a:masterClrMapping/>
+  </p:clrMapOvr>
+</p:sld>
+</file>
+
+<file path=ppt/slides/slide8.xml><?xml version="1.0" encoding="utf-8"?>
+<p:sld xmlns:a="http://schemas.openxmlformats.org/drawingml/2006/main" xmlns:r="http://schemas.openxmlformats.org/officeDocument/2006/relationships" xmlns:p="http://schemas.openxmlformats.org/presentationml/2006/main">
+  <p:cSld>
+    <p:bg>
+      <p:bgPr>
+        <a:solidFill>
+          <a:schemeClr val="bg1"/>
+        </a:solidFill>
+        <a:effectLst/>
+      </p:bgPr>
+    </p:bg>
+    <p:spTree>
+      <p:nvGrpSpPr>
+        <p:cNvPr id="1" name=""/>
+        <p:cNvGrpSpPr/>
+        <p:nvPr/>
+      </p:nvGrpSpPr>
+      <p:grpSpPr>
+        <a:xfrm>
+          <a:off x="0" y="0"/>
+          <a:ext cx="0" cy="0"/>
+          <a:chOff x="0" y="0"/>
+          <a:chExt cx="0" cy="0"/>
+        </a:xfrm>
+      </p:grpSpPr>
+      <p:sp>
+        <p:nvSpPr>
+          <p:cNvPr id="2" name="Title 1">
+            <a:extLst>
+              <a:ext uri="{FF2B5EF4-FFF2-40B4-BE49-F238E27FC236}">
+                <a16:creationId xmlns:a16="http://schemas.microsoft.com/office/drawing/2014/main" id="{0E56A80C-9147-89F3-FED4-BBD286E53DA5}"/>
+              </a:ext>
+            </a:extLst>
+          </p:cNvPr>
+          <p:cNvSpPr>
+            <a:spLocks noGrp="1"/>
+          </p:cNvSpPr>
+          <p:nvPr>
+            <p:ph type="title"/>
+          </p:nvPr>
+        </p:nvSpPr>
+        <p:spPr>
+          <a:xfrm>
+            <a:off x="648929" y="629266"/>
+            <a:ext cx="3505495" cy="1622321"/>
+          </a:xfrm>
+        </p:spPr>
+        <p:txBody>
+          <a:bodyPr>
+            <a:normAutofit/>
+          </a:bodyPr>
+          <a:lstStyle/>
+          <a:p>
+            <a:r>
+              <a:rPr lang="en-US" dirty="0"/>
+              <a:t>Basic Design</a:t>
+            </a:r>
+          </a:p>
+        </p:txBody>
+      </p:sp>
+      <p:sp>
+        <p:nvSpPr>
+          <p:cNvPr id="3097" name="Content Placeholder 3096">
+            <a:extLst>
+              <a:ext uri="{FF2B5EF4-FFF2-40B4-BE49-F238E27FC236}">
+                <a16:creationId xmlns:a16="http://schemas.microsoft.com/office/drawing/2014/main" id="{EAB8958A-8CDB-D7B8-B687-74341ECCA9CB}"/>
+              </a:ext>
+            </a:extLst>
+          </p:cNvPr>
+          <p:cNvSpPr>
+            <a:spLocks noGrp="1"/>
+          </p:cNvSpPr>
+          <p:nvPr>
+            <p:ph idx="1"/>
+          </p:nvPr>
+        </p:nvSpPr>
+        <p:spPr>
+          <a:xfrm>
+            <a:off x="648931" y="2438400"/>
+            <a:ext cx="3505494" cy="3785419"/>
+          </a:xfrm>
+        </p:spPr>
+        <p:txBody>
+          <a:bodyPr>
+            <a:normAutofit/>
+          </a:bodyPr>
+          <a:lstStyle/>
+          <a:p>
+            <a:endParaRPr lang="en-US" sz="2000"/>
+          </a:p>
+        </p:txBody>
+      </p:sp>
+      <p:sp>
+        <p:nvSpPr>
+          <p:cNvPr id="3100" name="Rectangle 3099">
+            <a:extLst>
+              <a:ext uri="{FF2B5EF4-FFF2-40B4-BE49-F238E27FC236}">
+                <a16:creationId xmlns:a16="http://schemas.microsoft.com/office/drawing/2014/main" id="{5E39A796-BE83-48B1-B33F-35C4A32AAB57}"/>
+              </a:ext>
+              <a:ext uri="{C183D7F6-B498-43B3-948B-1728B52AA6E4}">
+                <adec:decorative xmlns:adec="http://schemas.microsoft.com/office/drawing/2017/decorative" val="1"/>
+              </a:ext>
+            </a:extLst>
+          </p:cNvPr>
+          <p:cNvSpPr>
+            <a:spLocks noGrp="1" noRot="1" noChangeAspect="1" noMove="1" noResize="1" noEditPoints="1" noAdjustHandles="1" noChangeArrowheads="1" noChangeShapeType="1" noTextEdit="1"/>
+          </p:cNvSpPr>
+          <p:nvPr>
+            <p:extLst>
+              <p:ext uri="{386F3935-93C4-4BCD-93E2-E3B085C9AB24}">
+                <p16:designElem xmlns:p16="http://schemas.microsoft.com/office/powerpoint/2015/main" val="1"/>
+              </p:ext>
+            </p:extLst>
+          </p:nvPr>
+        </p:nvSpPr>
+        <p:spPr>
+          <a:xfrm>
+            <a:off x="4639056" y="0"/>
+            <a:ext cx="7552944" cy="6858000"/>
+          </a:xfrm>
+          <a:prstGeom prst="rect">
+            <a:avLst/>
+          </a:prstGeom>
+          <a:solidFill>
+            <a:srgbClr val="C8CACA"/>
+          </a:solidFill>
+          <a:ln>
+            <a:noFill/>
+          </a:ln>
+        </p:spPr>
+        <p:style>
+          <a:lnRef idx="2">
+            <a:schemeClr val="accent1">
+              <a:shade val="50000"/>
+            </a:schemeClr>
+          </a:lnRef>
+          <a:fillRef idx="1">
+            <a:schemeClr val="accent1"/>
+          </a:fillRef>
+          <a:effectRef idx="0">
+            <a:schemeClr val="accent1"/>
+          </a:effectRef>
+          <a:fontRef idx="minor">
+            <a:schemeClr val="lt1"/>
+          </a:fontRef>
+        </p:style>
+        <p:txBody>
+          <a:bodyPr rtlCol="0" anchor="ctr"/>
+          <a:lstStyle/>
+          <a:p>
+            <a:pPr algn="ctr"/>
+            <a:endParaRPr lang="en-US"/>
+          </a:p>
+        </p:txBody>
+      </p:sp>
+      <p:sp>
+        <p:nvSpPr>
+          <p:cNvPr id="3102" name="Rounded Rectangle 9">
+            <a:extLst>
+              <a:ext uri="{FF2B5EF4-FFF2-40B4-BE49-F238E27FC236}">
+                <a16:creationId xmlns:a16="http://schemas.microsoft.com/office/drawing/2014/main" id="{72F84B47-E267-4194-8194-831DB7B5547F}"/>
+              </a:ext>
+              <a:ext uri="{C183D7F6-B498-43B3-948B-1728B52AA6E4}">
+                <adec:decorative xmlns:adec="http://schemas.microsoft.com/office/drawing/2017/decorative" val="1"/>
+              </a:ext>
+            </a:extLst>
+          </p:cNvPr>
+          <p:cNvSpPr>
+            <a:spLocks noGrp="1" noRot="1" noChangeAspect="1" noMove="1" noResize="1" noEditPoints="1" noAdjustHandles="1" noChangeArrowheads="1" noChangeShapeType="1" noTextEdit="1"/>
+          </p:cNvSpPr>
+          <p:nvPr>
+            <p:extLst>
+              <p:ext uri="{386F3935-93C4-4BCD-93E2-E3B085C9AB24}">
+                <p16:designElem xmlns:p16="http://schemas.microsoft.com/office/powerpoint/2015/main" val="1"/>
+              </p:ext>
+            </p:extLst>
+          </p:nvPr>
+        </p:nvSpPr>
+        <p:spPr>
+          <a:xfrm>
+            <a:off x="5123688" y="557784"/>
+            <a:ext cx="6584098" cy="5739187"/>
+          </a:xfrm>
+          <a:prstGeom prst="roundRect">
+            <a:avLst>
+              <a:gd name="adj" fmla="val 0"/>
+            </a:avLst>
+          </a:prstGeom>
+          <a:solidFill>
+            <a:srgbClr val="FFFFFF"/>
+          </a:solidFill>
+          <a:ln w="9525">
+            <a:solidFill>
+              <a:srgbClr val="C8CACA"/>
+            </a:solidFill>
+          </a:ln>
+          <a:effectLst>
+            <a:outerShdw blurRad="57150" dist="19050" dir="5400000" algn="t" rotWithShape="0">
+              <a:prstClr val="black">
+                <a:alpha val="63000"/>
+              </a:prstClr>
+            </a:outerShdw>
+          </a:effectLst>
+        </p:spPr>
+        <p:style>
+          <a:lnRef idx="2">
+            <a:schemeClr val="accent1">
+              <a:shade val="50000"/>
+            </a:schemeClr>
+          </a:lnRef>
+          <a:fillRef idx="1">
+            <a:schemeClr val="accent1"/>
+          </a:fillRef>
+          <a:effectRef idx="0">
+            <a:schemeClr val="accent1"/>
+          </a:effectRef>
+          <a:fontRef idx="minor">
+            <a:schemeClr val="lt1"/>
+          </a:fontRef>
+        </p:style>
+        <p:txBody>
+          <a:bodyPr rtlCol="0" anchor="ctr"/>
+          <a:lstStyle/>
+          <a:p>
+            <a:pPr algn="ctr"/>
+            <a:endParaRPr lang="en-US"/>
+          </a:p>
+        </p:txBody>
+      </p:sp>
+      <p:pic>
+        <p:nvPicPr>
+          <p:cNvPr id="5" name="Content Placeholder 4" descr="Diagram&#10;&#10;Description automatically generated">
+            <a:extLst>
+              <a:ext uri="{FF2B5EF4-FFF2-40B4-BE49-F238E27FC236}">
+                <a16:creationId xmlns:a16="http://schemas.microsoft.com/office/drawing/2014/main" id="{81C45FCA-7A72-A606-0976-B1E39B101B20}"/>
+              </a:ext>
+            </a:extLst>
+          </p:cNvPr>
+          <p:cNvPicPr>
+            <a:picLocks noChangeAspect="1"/>
+          </p:cNvPicPr>
+          <p:nvPr/>
+        </p:nvPicPr>
+        <p:blipFill>
+          <a:blip r:embed="rId2"/>
+          <a:stretch>
+            <a:fillRect/>
+          </a:stretch>
+        </p:blipFill>
+        <p:spPr>
+          <a:xfrm>
+            <a:off x="6701590" y="562698"/>
+            <a:ext cx="4018548" cy="5679930"/>
+          </a:xfrm>
+          <a:prstGeom prst="rect">
+            <a:avLst/>
+          </a:prstGeom>
+          <a:effectLst/>
+        </p:spPr>
+      </p:pic>
+    </p:spTree>
+    <p:extLst>
+      <p:ext uri="{BB962C8B-B14F-4D97-AF65-F5344CB8AC3E}">
+        <p14:creationId xmlns:p14="http://schemas.microsoft.com/office/powerpoint/2010/main" val="2984258169"/>
       </p:ext>
     </p:extLst>
   </p:cSld>

--- a/Presentation of proposal.pptx
+++ b/Presentation of proposal.pptx
@@ -5,7 +5,7 @@
     <p:sldMasterId id="2147483648" r:id="rId1"/>
   </p:sldMasterIdLst>
   <p:notesMasterIdLst>
-    <p:notesMasterId r:id="rId10"/>
+    <p:notesMasterId r:id="rId9"/>
   </p:notesMasterIdLst>
   <p:sldIdLst>
     <p:sldId id="256" r:id="rId2"/>
@@ -15,7 +15,6 @@
     <p:sldId id="260" r:id="rId6"/>
     <p:sldId id="261" r:id="rId7"/>
     <p:sldId id="262" r:id="rId8"/>
-    <p:sldId id="263" r:id="rId9"/>
   </p:sldIdLst>
   <p:sldSz cx="12192000" cy="6858000"/>
   <p:notesSz cx="6858000" cy="9144000"/>
@@ -892,7 +891,7 @@
         <a:p>
           <a:r>
             <a:rPr lang="en-GB" dirty="0"/>
-            <a:t>Weather Monitoring System</a:t>
+            <a:t>Air Monitoring System</a:t>
           </a:r>
         </a:p>
       </dgm:t>
@@ -2045,7 +2044,7 @@
           </a:pPr>
           <a:r>
             <a:rPr lang="en-GB" sz="1800" kern="1200" dirty="0"/>
-            <a:t>Weather Monitoring System</a:t>
+            <a:t>Air Monitoring System</a:t>
           </a:r>
         </a:p>
       </dsp:txBody>
@@ -9334,7 +9333,7 @@
           <p:nvPr>
             <p:extLst>
               <p:ext uri="{D42A27DB-BD31-4B8C-83A1-F6EECF244321}">
-                <p14:modId xmlns:p14="http://schemas.microsoft.com/office/powerpoint/2010/main" val="3609487278"/>
+                <p14:modId xmlns:p14="http://schemas.microsoft.com/office/powerpoint/2010/main" val="129793161"/>
               </p:ext>
             </p:extLst>
           </p:nvPr>
@@ -10209,254 +10208,12 @@
           </a:p>
         </p:txBody>
       </p:sp>
-    </p:spTree>
-    <p:extLst>
-      <p:ext uri="{BB962C8B-B14F-4D97-AF65-F5344CB8AC3E}">
-        <p14:creationId xmlns:p14="http://schemas.microsoft.com/office/powerpoint/2010/main" val="2153288797"/>
-      </p:ext>
-    </p:extLst>
-  </p:cSld>
-  <p:clrMapOvr>
-    <a:masterClrMapping/>
-  </p:clrMapOvr>
-</p:sld>
-</file>
-
-<file path=ppt/slides/slide8.xml><?xml version="1.0" encoding="utf-8"?>
-<p:sld xmlns:a="http://schemas.openxmlformats.org/drawingml/2006/main" xmlns:r="http://schemas.openxmlformats.org/officeDocument/2006/relationships" xmlns:p="http://schemas.openxmlformats.org/presentationml/2006/main">
-  <p:cSld>
-    <p:bg>
-      <p:bgPr>
-        <a:solidFill>
-          <a:schemeClr val="bg1"/>
-        </a:solidFill>
-        <a:effectLst/>
-      </p:bgPr>
-    </p:bg>
-    <p:spTree>
-      <p:nvGrpSpPr>
-        <p:cNvPr id="1" name=""/>
-        <p:cNvGrpSpPr/>
-        <p:nvPr/>
-      </p:nvGrpSpPr>
-      <p:grpSpPr>
-        <a:xfrm>
-          <a:off x="0" y="0"/>
-          <a:ext cx="0" cy="0"/>
-          <a:chOff x="0" y="0"/>
-          <a:chExt cx="0" cy="0"/>
-        </a:xfrm>
-      </p:grpSpPr>
-      <p:sp>
-        <p:nvSpPr>
-          <p:cNvPr id="2" name="Title 1">
+      <p:pic>
+        <p:nvPicPr>
+          <p:cNvPr id="4" name="Content Placeholder 4" descr="Diagram&#10;&#10;Description automatically generated">
             <a:extLst>
               <a:ext uri="{FF2B5EF4-FFF2-40B4-BE49-F238E27FC236}">
-                <a16:creationId xmlns:a16="http://schemas.microsoft.com/office/drawing/2014/main" id="{0E56A80C-9147-89F3-FED4-BBD286E53DA5}"/>
-              </a:ext>
-            </a:extLst>
-          </p:cNvPr>
-          <p:cNvSpPr>
-            <a:spLocks noGrp="1"/>
-          </p:cNvSpPr>
-          <p:nvPr>
-            <p:ph type="title"/>
-          </p:nvPr>
-        </p:nvSpPr>
-        <p:spPr>
-          <a:xfrm>
-            <a:off x="648929" y="629266"/>
-            <a:ext cx="3505495" cy="1622321"/>
-          </a:xfrm>
-        </p:spPr>
-        <p:txBody>
-          <a:bodyPr>
-            <a:normAutofit/>
-          </a:bodyPr>
-          <a:lstStyle/>
-          <a:p>
-            <a:r>
-              <a:rPr lang="en-US" dirty="0"/>
-              <a:t>Basic Design</a:t>
-            </a:r>
-          </a:p>
-        </p:txBody>
-      </p:sp>
-      <p:sp>
-        <p:nvSpPr>
-          <p:cNvPr id="3097" name="Content Placeholder 3096">
-            <a:extLst>
-              <a:ext uri="{FF2B5EF4-FFF2-40B4-BE49-F238E27FC236}">
-                <a16:creationId xmlns:a16="http://schemas.microsoft.com/office/drawing/2014/main" id="{EAB8958A-8CDB-D7B8-B687-74341ECCA9CB}"/>
-              </a:ext>
-            </a:extLst>
-          </p:cNvPr>
-          <p:cNvSpPr>
-            <a:spLocks noGrp="1"/>
-          </p:cNvSpPr>
-          <p:nvPr>
-            <p:ph idx="1"/>
-          </p:nvPr>
-        </p:nvSpPr>
-        <p:spPr>
-          <a:xfrm>
-            <a:off x="648931" y="2438400"/>
-            <a:ext cx="3505494" cy="3785419"/>
-          </a:xfrm>
-        </p:spPr>
-        <p:txBody>
-          <a:bodyPr>
-            <a:normAutofit/>
-          </a:bodyPr>
-          <a:lstStyle/>
-          <a:p>
-            <a:endParaRPr lang="en-US" sz="2000"/>
-          </a:p>
-        </p:txBody>
-      </p:sp>
-      <p:sp>
-        <p:nvSpPr>
-          <p:cNvPr id="3100" name="Rectangle 3099">
-            <a:extLst>
-              <a:ext uri="{FF2B5EF4-FFF2-40B4-BE49-F238E27FC236}">
-                <a16:creationId xmlns:a16="http://schemas.microsoft.com/office/drawing/2014/main" id="{5E39A796-BE83-48B1-B33F-35C4A32AAB57}"/>
-              </a:ext>
-              <a:ext uri="{C183D7F6-B498-43B3-948B-1728B52AA6E4}">
-                <adec:decorative xmlns:adec="http://schemas.microsoft.com/office/drawing/2017/decorative" val="1"/>
-              </a:ext>
-            </a:extLst>
-          </p:cNvPr>
-          <p:cNvSpPr>
-            <a:spLocks noGrp="1" noRot="1" noChangeAspect="1" noMove="1" noResize="1" noEditPoints="1" noAdjustHandles="1" noChangeArrowheads="1" noChangeShapeType="1" noTextEdit="1"/>
-          </p:cNvSpPr>
-          <p:nvPr>
-            <p:extLst>
-              <p:ext uri="{386F3935-93C4-4BCD-93E2-E3B085C9AB24}">
-                <p16:designElem xmlns:p16="http://schemas.microsoft.com/office/powerpoint/2015/main" val="1"/>
-              </p:ext>
-            </p:extLst>
-          </p:nvPr>
-        </p:nvSpPr>
-        <p:spPr>
-          <a:xfrm>
-            <a:off x="4639056" y="0"/>
-            <a:ext cx="7552944" cy="6858000"/>
-          </a:xfrm>
-          <a:prstGeom prst="rect">
-            <a:avLst/>
-          </a:prstGeom>
-          <a:solidFill>
-            <a:srgbClr val="C8CACA"/>
-          </a:solidFill>
-          <a:ln>
-            <a:noFill/>
-          </a:ln>
-        </p:spPr>
-        <p:style>
-          <a:lnRef idx="2">
-            <a:schemeClr val="accent1">
-              <a:shade val="50000"/>
-            </a:schemeClr>
-          </a:lnRef>
-          <a:fillRef idx="1">
-            <a:schemeClr val="accent1"/>
-          </a:fillRef>
-          <a:effectRef idx="0">
-            <a:schemeClr val="accent1"/>
-          </a:effectRef>
-          <a:fontRef idx="minor">
-            <a:schemeClr val="lt1"/>
-          </a:fontRef>
-        </p:style>
-        <p:txBody>
-          <a:bodyPr rtlCol="0" anchor="ctr"/>
-          <a:lstStyle/>
-          <a:p>
-            <a:pPr algn="ctr"/>
-            <a:endParaRPr lang="en-US"/>
-          </a:p>
-        </p:txBody>
-      </p:sp>
-      <p:sp>
-        <p:nvSpPr>
-          <p:cNvPr id="3102" name="Rounded Rectangle 9">
-            <a:extLst>
-              <a:ext uri="{FF2B5EF4-FFF2-40B4-BE49-F238E27FC236}">
-                <a16:creationId xmlns:a16="http://schemas.microsoft.com/office/drawing/2014/main" id="{72F84B47-E267-4194-8194-831DB7B5547F}"/>
-              </a:ext>
-              <a:ext uri="{C183D7F6-B498-43B3-948B-1728B52AA6E4}">
-                <adec:decorative xmlns:adec="http://schemas.microsoft.com/office/drawing/2017/decorative" val="1"/>
-              </a:ext>
-            </a:extLst>
-          </p:cNvPr>
-          <p:cNvSpPr>
-            <a:spLocks noGrp="1" noRot="1" noChangeAspect="1" noMove="1" noResize="1" noEditPoints="1" noAdjustHandles="1" noChangeArrowheads="1" noChangeShapeType="1" noTextEdit="1"/>
-          </p:cNvSpPr>
-          <p:nvPr>
-            <p:extLst>
-              <p:ext uri="{386F3935-93C4-4BCD-93E2-E3B085C9AB24}">
-                <p16:designElem xmlns:p16="http://schemas.microsoft.com/office/powerpoint/2015/main" val="1"/>
-              </p:ext>
-            </p:extLst>
-          </p:nvPr>
-        </p:nvSpPr>
-        <p:spPr>
-          <a:xfrm>
-            <a:off x="5123688" y="557784"/>
-            <a:ext cx="6584098" cy="5739187"/>
-          </a:xfrm>
-          <a:prstGeom prst="roundRect">
-            <a:avLst>
-              <a:gd name="adj" fmla="val 0"/>
-            </a:avLst>
-          </a:prstGeom>
-          <a:solidFill>
-            <a:srgbClr val="FFFFFF"/>
-          </a:solidFill>
-          <a:ln w="9525">
-            <a:solidFill>
-              <a:srgbClr val="C8CACA"/>
-            </a:solidFill>
-          </a:ln>
-          <a:effectLst>
-            <a:outerShdw blurRad="57150" dist="19050" dir="5400000" algn="t" rotWithShape="0">
-              <a:prstClr val="black">
-                <a:alpha val="63000"/>
-              </a:prstClr>
-            </a:outerShdw>
-          </a:effectLst>
-        </p:spPr>
-        <p:style>
-          <a:lnRef idx="2">
-            <a:schemeClr val="accent1">
-              <a:shade val="50000"/>
-            </a:schemeClr>
-          </a:lnRef>
-          <a:fillRef idx="1">
-            <a:schemeClr val="accent1"/>
-          </a:fillRef>
-          <a:effectRef idx="0">
-            <a:schemeClr val="accent1"/>
-          </a:effectRef>
-          <a:fontRef idx="minor">
-            <a:schemeClr val="lt1"/>
-          </a:fontRef>
-        </p:style>
-        <p:txBody>
-          <a:bodyPr rtlCol="0" anchor="ctr"/>
-          <a:lstStyle/>
-          <a:p>
-            <a:pPr algn="ctr"/>
-            <a:endParaRPr lang="en-US"/>
-          </a:p>
-        </p:txBody>
-      </p:sp>
-      <p:pic>
-        <p:nvPicPr>
-          <p:cNvPr id="5" name="Content Placeholder 4" descr="Diagram&#10;&#10;Description automatically generated">
-            <a:extLst>
-              <a:ext uri="{FF2B5EF4-FFF2-40B4-BE49-F238E27FC236}">
-                <a16:creationId xmlns:a16="http://schemas.microsoft.com/office/drawing/2014/main" id="{81C45FCA-7A72-A606-0976-B1E39B101B20}"/>
+                <a16:creationId xmlns:a16="http://schemas.microsoft.com/office/drawing/2014/main" id="{849873E3-29EF-8299-CC3D-F7226148881D}"/>
               </a:ext>
             </a:extLst>
           </p:cNvPr>
@@ -10473,7 +10230,7 @@
         </p:blipFill>
         <p:spPr>
           <a:xfrm>
-            <a:off x="6701590" y="562698"/>
+            <a:off x="6758740" y="119785"/>
             <a:ext cx="4018548" cy="5679930"/>
           </a:xfrm>
           <a:prstGeom prst="rect">
@@ -10482,10 +10239,65 @@
           <a:effectLst/>
         </p:spPr>
       </p:pic>
+      <p:sp>
+        <p:nvSpPr>
+          <p:cNvPr id="5" name="Title 1">
+            <a:extLst>
+              <a:ext uri="{FF2B5EF4-FFF2-40B4-BE49-F238E27FC236}">
+                <a16:creationId xmlns:a16="http://schemas.microsoft.com/office/drawing/2014/main" id="{A1AE11B4-F761-EF75-9D66-A2EE31D54641}"/>
+              </a:ext>
+            </a:extLst>
+          </p:cNvPr>
+          <p:cNvSpPr txBox="1">
+            <a:spLocks/>
+          </p:cNvSpPr>
+          <p:nvPr/>
+        </p:nvSpPr>
+        <p:spPr>
+          <a:xfrm>
+            <a:off x="6758740" y="5245203"/>
+            <a:ext cx="3505495" cy="1622321"/>
+          </a:xfrm>
+          <a:prstGeom prst="rect">
+            <a:avLst/>
+          </a:prstGeom>
+        </p:spPr>
+        <p:txBody>
+          <a:bodyPr vert="horz" lIns="91440" tIns="45720" rIns="91440" bIns="45720" rtlCol="0" anchor="ctr">
+            <a:normAutofit/>
+          </a:bodyPr>
+          <a:lstStyle>
+            <a:lvl1pPr algn="l" defTabSz="914400" rtl="0" eaLnBrk="1" latinLnBrk="0" hangingPunct="1">
+              <a:lnSpc>
+                <a:spcPct val="90000"/>
+              </a:lnSpc>
+              <a:spcBef>
+                <a:spcPct val="0"/>
+              </a:spcBef>
+              <a:buNone/>
+              <a:defRPr sz="4400" kern="1200">
+                <a:solidFill>
+                  <a:schemeClr val="tx1"/>
+                </a:solidFill>
+                <a:latin typeface="+mj-lt"/>
+                <a:ea typeface="+mj-ea"/>
+                <a:cs typeface="+mj-cs"/>
+              </a:defRPr>
+            </a:lvl1pPr>
+          </a:lstStyle>
+          <a:p>
+            <a:r>
+              <a:rPr lang="en-US"/>
+              <a:t>Basic Design</a:t>
+            </a:r>
+            <a:endParaRPr lang="en-US" dirty="0"/>
+          </a:p>
+        </p:txBody>
+      </p:sp>
     </p:spTree>
     <p:extLst>
       <p:ext uri="{BB962C8B-B14F-4D97-AF65-F5344CB8AC3E}">
-        <p14:creationId xmlns:p14="http://schemas.microsoft.com/office/powerpoint/2010/main" val="2984258169"/>
+        <p14:creationId xmlns:p14="http://schemas.microsoft.com/office/powerpoint/2010/main" val="2153288797"/>
       </p:ext>
     </p:extLst>
   </p:cSld>

--- a/Presentation of proposal.pptx
+++ b/Presentation of proposal.pptx
@@ -5,7 +5,7 @@
     <p:sldMasterId id="2147483648" r:id="rId1"/>
   </p:sldMasterIdLst>
   <p:notesMasterIdLst>
-    <p:notesMasterId r:id="rId9"/>
+    <p:notesMasterId r:id="rId10"/>
   </p:notesMasterIdLst>
   <p:sldIdLst>
     <p:sldId id="256" r:id="rId2"/>
@@ -15,6 +15,7 @@
     <p:sldId id="260" r:id="rId6"/>
     <p:sldId id="261" r:id="rId7"/>
     <p:sldId id="262" r:id="rId8"/>
+    <p:sldId id="263" r:id="rId9"/>
   </p:sldIdLst>
   <p:sldSz cx="12192000" cy="6858000"/>
   <p:notesSz cx="6858000" cy="9144000"/>
@@ -4653,7 +4654,7 @@
           <a:p>
             <a:fld id="{CAA43551-4512-7144-B96C-DE0D10C873E8}" type="datetimeFigureOut">
               <a:rPr lang="en-US" smtClean="0"/>
-              <a:t>2/13/23</a:t>
+              <a:t>2/22/23</a:t>
             </a:fld>
             <a:endParaRPr lang="en-US"/>
           </a:p>
@@ -5154,7 +5155,7 @@
           <a:p>
             <a:fld id="{3DBFFAE8-E8D5-8B46-A32A-441CDDC64DCC}" type="datetimeFigureOut">
               <a:rPr lang="en-US" smtClean="0"/>
-              <a:t>2/13/23</a:t>
+              <a:t>2/22/23</a:t>
             </a:fld>
             <a:endParaRPr lang="en-US"/>
           </a:p>
@@ -5354,7 +5355,7 @@
           <a:p>
             <a:fld id="{3DBFFAE8-E8D5-8B46-A32A-441CDDC64DCC}" type="datetimeFigureOut">
               <a:rPr lang="en-US" smtClean="0"/>
-              <a:t>2/13/23</a:t>
+              <a:t>2/22/23</a:t>
             </a:fld>
             <a:endParaRPr lang="en-US"/>
           </a:p>
@@ -5564,7 +5565,7 @@
           <a:p>
             <a:fld id="{3DBFFAE8-E8D5-8B46-A32A-441CDDC64DCC}" type="datetimeFigureOut">
               <a:rPr lang="en-US" smtClean="0"/>
-              <a:t>2/13/23</a:t>
+              <a:t>2/22/23</a:t>
             </a:fld>
             <a:endParaRPr lang="en-US"/>
           </a:p>
@@ -5764,7 +5765,7 @@
           <a:p>
             <a:fld id="{3DBFFAE8-E8D5-8B46-A32A-441CDDC64DCC}" type="datetimeFigureOut">
               <a:rPr lang="en-US" smtClean="0"/>
-              <a:t>2/13/23</a:t>
+              <a:t>2/22/23</a:t>
             </a:fld>
             <a:endParaRPr lang="en-US"/>
           </a:p>
@@ -6040,7 +6041,7 @@
           <a:p>
             <a:fld id="{3DBFFAE8-E8D5-8B46-A32A-441CDDC64DCC}" type="datetimeFigureOut">
               <a:rPr lang="en-US" smtClean="0"/>
-              <a:t>2/13/23</a:t>
+              <a:t>2/22/23</a:t>
             </a:fld>
             <a:endParaRPr lang="en-US"/>
           </a:p>
@@ -6308,7 +6309,7 @@
           <a:p>
             <a:fld id="{3DBFFAE8-E8D5-8B46-A32A-441CDDC64DCC}" type="datetimeFigureOut">
               <a:rPr lang="en-US" smtClean="0"/>
-              <a:t>2/13/23</a:t>
+              <a:t>2/22/23</a:t>
             </a:fld>
             <a:endParaRPr lang="en-US"/>
           </a:p>
@@ -6723,7 +6724,7 @@
           <a:p>
             <a:fld id="{3DBFFAE8-E8D5-8B46-A32A-441CDDC64DCC}" type="datetimeFigureOut">
               <a:rPr lang="en-US" smtClean="0"/>
-              <a:t>2/13/23</a:t>
+              <a:t>2/22/23</a:t>
             </a:fld>
             <a:endParaRPr lang="en-US"/>
           </a:p>
@@ -6865,7 +6866,7 @@
           <a:p>
             <a:fld id="{3DBFFAE8-E8D5-8B46-A32A-441CDDC64DCC}" type="datetimeFigureOut">
               <a:rPr lang="en-US" smtClean="0"/>
-              <a:t>2/13/23</a:t>
+              <a:t>2/22/23</a:t>
             </a:fld>
             <a:endParaRPr lang="en-US"/>
           </a:p>
@@ -6978,7 +6979,7 @@
           <a:p>
             <a:fld id="{3DBFFAE8-E8D5-8B46-A32A-441CDDC64DCC}" type="datetimeFigureOut">
               <a:rPr lang="en-US" smtClean="0"/>
-              <a:t>2/13/23</a:t>
+              <a:t>2/22/23</a:t>
             </a:fld>
             <a:endParaRPr lang="en-US"/>
           </a:p>
@@ -7291,7 +7292,7 @@
           <a:p>
             <a:fld id="{3DBFFAE8-E8D5-8B46-A32A-441CDDC64DCC}" type="datetimeFigureOut">
               <a:rPr lang="en-US" smtClean="0"/>
-              <a:t>2/13/23</a:t>
+              <a:t>2/22/23</a:t>
             </a:fld>
             <a:endParaRPr lang="en-US"/>
           </a:p>
@@ -7580,7 +7581,7 @@
           <a:p>
             <a:fld id="{3DBFFAE8-E8D5-8B46-A32A-441CDDC64DCC}" type="datetimeFigureOut">
               <a:rPr lang="en-US" smtClean="0"/>
-              <a:t>2/13/23</a:t>
+              <a:t>2/22/23</a:t>
             </a:fld>
             <a:endParaRPr lang="en-US"/>
           </a:p>
@@ -7823,7 +7824,7 @@
           <a:p>
             <a:fld id="{3DBFFAE8-E8D5-8B46-A32A-441CDDC64DCC}" type="datetimeFigureOut">
               <a:rPr lang="en-US" smtClean="0"/>
-              <a:t>2/13/23</a:t>
+              <a:t>2/22/23</a:t>
             </a:fld>
             <a:endParaRPr lang="en-US"/>
           </a:p>
@@ -8226,6 +8227,14 @@
 <file path=ppt/slides/slide1.xml><?xml version="1.0" encoding="utf-8"?>
 <p:sld xmlns:a="http://schemas.openxmlformats.org/drawingml/2006/main" xmlns:r="http://schemas.openxmlformats.org/officeDocument/2006/relationships" xmlns:p="http://schemas.openxmlformats.org/presentationml/2006/main">
   <p:cSld>
+    <p:bg>
+      <p:bgPr>
+        <a:solidFill>
+          <a:schemeClr val="bg1"/>
+        </a:solidFill>
+        <a:effectLst/>
+      </p:bgPr>
+    </p:bg>
     <p:spTree>
       <p:nvGrpSpPr>
         <p:cNvPr id="1" name=""/>
@@ -8240,6 +8249,66 @@
           <a:chExt cx="0" cy="0"/>
         </a:xfrm>
       </p:grpSpPr>
+      <p:sp useBgFill="1">
+        <p:nvSpPr>
+          <p:cNvPr id="1045" name="Rectangle 1035">
+            <a:extLst>
+              <a:ext uri="{FF2B5EF4-FFF2-40B4-BE49-F238E27FC236}">
+                <a16:creationId xmlns:a16="http://schemas.microsoft.com/office/drawing/2014/main" id="{3AFE8227-C443-417B-BA91-520EB1EF4559}"/>
+              </a:ext>
+              <a:ext uri="{C183D7F6-B498-43B3-948B-1728B52AA6E4}">
+                <adec:decorative xmlns:adec="http://schemas.microsoft.com/office/drawing/2017/decorative" val="1"/>
+              </a:ext>
+            </a:extLst>
+          </p:cNvPr>
+          <p:cNvSpPr>
+            <a:spLocks noGrp="1" noRot="1" noChangeAspect="1" noMove="1" noResize="1" noEditPoints="1" noAdjustHandles="1" noChangeArrowheads="1" noChangeShapeType="1" noTextEdit="1"/>
+          </p:cNvSpPr>
+          <p:nvPr>
+            <p:extLst>
+              <p:ext uri="{386F3935-93C4-4BCD-93E2-E3B085C9AB24}">
+                <p16:designElem xmlns:p16="http://schemas.microsoft.com/office/powerpoint/2015/main" val="1"/>
+              </p:ext>
+            </p:extLst>
+          </p:nvPr>
+        </p:nvSpPr>
+        <p:spPr>
+          <a:xfrm>
+            <a:off x="0" y="2"/>
+            <a:ext cx="12192000" cy="6857997"/>
+          </a:xfrm>
+          <a:prstGeom prst="rect">
+            <a:avLst/>
+          </a:prstGeom>
+          <a:ln>
+            <a:noFill/>
+          </a:ln>
+        </p:spPr>
+        <p:style>
+          <a:lnRef idx="2">
+            <a:schemeClr val="accent1">
+              <a:shade val="50000"/>
+            </a:schemeClr>
+          </a:lnRef>
+          <a:fillRef idx="1">
+            <a:schemeClr val="accent1"/>
+          </a:fillRef>
+          <a:effectRef idx="0">
+            <a:schemeClr val="accent1"/>
+          </a:effectRef>
+          <a:fontRef idx="minor">
+            <a:schemeClr val="lt1"/>
+          </a:fontRef>
+        </p:style>
+        <p:txBody>
+          <a:bodyPr rtlCol="0" anchor="ctr"/>
+          <a:lstStyle/>
+          <a:p>
+            <a:pPr algn="ctr"/>
+            <a:endParaRPr lang="en-US"/>
+          </a:p>
+        </p:txBody>
+      </p:sp>
       <p:sp>
         <p:nvSpPr>
           <p:cNvPr id="2" name="Title 1">
@@ -8256,18 +8325,71 @@
             <p:ph type="ctrTitle"/>
           </p:nvPr>
         </p:nvSpPr>
-        <p:spPr/>
+        <p:spPr>
+          <a:xfrm>
+            <a:off x="8643193" y="489507"/>
+            <a:ext cx="3091607" cy="1655483"/>
+          </a:xfrm>
+        </p:spPr>
         <p:txBody>
-          <a:bodyPr/>
+          <a:bodyPr vert="horz" lIns="91440" tIns="45720" rIns="91440" bIns="45720" rtlCol="0" anchor="b">
+            <a:normAutofit/>
+          </a:bodyPr>
           <a:lstStyle/>
           <a:p>
+            <a:pPr algn="l"/>
             <a:r>
-              <a:rPr lang="en-US" dirty="0"/>
+              <a:rPr lang="en-US" sz="4000"/>
               <a:t>FORM 2 STEM PROJECT</a:t>
             </a:r>
           </a:p>
         </p:txBody>
       </p:sp>
+      <p:pic>
+        <p:nvPicPr>
+          <p:cNvPr id="1026" name="Picture 2" descr="Sustainable Development Goals">
+            <a:extLst>
+              <a:ext uri="{FF2B5EF4-FFF2-40B4-BE49-F238E27FC236}">
+                <a16:creationId xmlns:a16="http://schemas.microsoft.com/office/drawing/2014/main" id="{4E9D4321-B1BC-0D99-65C4-CDCB5FA166C9}"/>
+              </a:ext>
+            </a:extLst>
+          </p:cNvPr>
+          <p:cNvPicPr>
+            <a:picLocks noChangeAspect="1" noChangeArrowheads="1"/>
+          </p:cNvPicPr>
+          <p:nvPr/>
+        </p:nvPicPr>
+        <p:blipFill rotWithShape="1">
+          <a:blip r:embed="rId2">
+            <a:extLst>
+              <a:ext uri="{28A0092B-C50C-407E-A947-70E740481C1C}">
+                <a14:useLocalDpi xmlns:a14="http://schemas.microsoft.com/office/drawing/2010/main" val="0"/>
+              </a:ext>
+            </a:extLst>
+          </a:blip>
+          <a:srcRect l="8880" r="6589" b="-1"/>
+          <a:stretch/>
+        </p:blipFill>
+        <p:spPr bwMode="auto">
+          <a:xfrm>
+            <a:off x="20" y="431"/>
+            <a:ext cx="8115280" cy="6408311"/>
+          </a:xfrm>
+          <a:prstGeom prst="rect">
+            <a:avLst/>
+          </a:prstGeom>
+          <a:noFill/>
+          <a:extLst>
+            <a:ext uri="{909E8E84-426E-40DD-AFC4-6F175D3DCCD1}">
+              <a14:hiddenFill xmlns:a14="http://schemas.microsoft.com/office/drawing/2010/main">
+                <a:solidFill>
+                  <a:srgbClr val="FFFFFF"/>
+                </a:solidFill>
+              </a14:hiddenFill>
+            </a:ext>
+          </a:extLst>
+        </p:spPr>
+      </p:pic>
       <p:sp>
         <p:nvSpPr>
           <p:cNvPr id="3" name="Subtitle 2">
@@ -8284,35 +8406,205 @@
             <p:ph type="subTitle" idx="1"/>
           </p:nvPr>
         </p:nvSpPr>
-        <p:spPr/>
+        <p:spPr>
+          <a:xfrm>
+            <a:off x="8643193" y="2418408"/>
+            <a:ext cx="2942813" cy="3540265"/>
+          </a:xfrm>
+        </p:spPr>
         <p:txBody>
-          <a:bodyPr>
-            <a:normAutofit lnSpcReduction="10000"/>
+          <a:bodyPr vert="horz" lIns="91440" tIns="45720" rIns="91440" bIns="45720" rtlCol="0">
+            <a:normAutofit/>
           </a:bodyPr>
           <a:lstStyle/>
           <a:p>
+            <a:pPr indent="-228600" algn="l">
+              <a:buFont typeface="Arial" panose="020B0604020202020204" pitchFamily="34" charset="0"/>
+              <a:buChar char="•"/>
+            </a:pPr>
             <a:r>
-              <a:rPr lang="en-US" dirty="0"/>
+              <a:rPr lang="en-US" sz="2000" dirty="0"/>
               <a:t>Chan Tsz Him ( 4 )</a:t>
             </a:r>
           </a:p>
           <a:p>
+            <a:pPr indent="-228600" algn="l">
+              <a:buFont typeface="Arial" panose="020B0604020202020204" pitchFamily="34" charset="0"/>
+              <a:buChar char="•"/>
+            </a:pPr>
             <a:r>
-              <a:rPr lang="en-US" dirty="0"/>
+              <a:rPr lang="en-US" sz="2000" dirty="0"/>
               <a:t>Lemuel Ma ( 18 )</a:t>
             </a:r>
           </a:p>
           <a:p>
+            <a:pPr indent="-228600" algn="l">
+              <a:buFont typeface="Arial" panose="020B0604020202020204" pitchFamily="34" charset="0"/>
+              <a:buChar char="•"/>
+            </a:pPr>
             <a:r>
-              <a:rPr lang="en-US" dirty="0"/>
+              <a:rPr lang="en-US" sz="2000" dirty="0"/>
               <a:t>Ben Liu ( 17 )</a:t>
             </a:r>
           </a:p>
           <a:p>
+            <a:pPr indent="-228600" algn="l">
+              <a:buFont typeface="Arial" panose="020B0604020202020204" pitchFamily="34" charset="0"/>
+              <a:buChar char="•"/>
+            </a:pPr>
             <a:r>
-              <a:rPr lang="en-US" dirty="0"/>
+              <a:rPr lang="en-US" sz="2000" dirty="0"/>
               <a:t>Tam Yu Ji ( 24 )</a:t>
             </a:r>
+          </a:p>
+        </p:txBody>
+      </p:sp>
+      <p:sp>
+        <p:nvSpPr>
+          <p:cNvPr id="1046" name="Rectangle 1037">
+            <a:extLst>
+              <a:ext uri="{FF2B5EF4-FFF2-40B4-BE49-F238E27FC236}">
+                <a16:creationId xmlns:a16="http://schemas.microsoft.com/office/drawing/2014/main" id="{907741FC-B544-4A6E-B831-6789D042333D}"/>
+              </a:ext>
+              <a:ext uri="{C183D7F6-B498-43B3-948B-1728B52AA6E4}">
+                <adec:decorative xmlns:adec="http://schemas.microsoft.com/office/drawing/2017/decorative" val="1"/>
+              </a:ext>
+            </a:extLst>
+          </p:cNvPr>
+          <p:cNvSpPr>
+            <a:spLocks noGrp="1" noRot="1" noChangeAspect="1" noMove="1" noResize="1" noEditPoints="1" noAdjustHandles="1" noChangeArrowheads="1" noChangeShapeType="1" noTextEdit="1"/>
+          </p:cNvSpPr>
+          <p:nvPr>
+            <p:extLst>
+              <p:ext uri="{386F3935-93C4-4BCD-93E2-E3B085C9AB24}">
+                <p16:designElem xmlns:p16="http://schemas.microsoft.com/office/powerpoint/2015/main" val="1"/>
+              </p:ext>
+            </p:extLst>
+          </p:nvPr>
+        </p:nvSpPr>
+        <p:spPr>
+          <a:xfrm flipH="1">
+            <a:off x="-1" y="6408741"/>
+            <a:ext cx="12191998" cy="457202"/>
+          </a:xfrm>
+          <a:prstGeom prst="rect">
+            <a:avLst/>
+          </a:prstGeom>
+          <a:gradFill>
+            <a:gsLst>
+              <a:gs pos="34000">
+                <a:srgbClr val="000000">
+                  <a:alpha val="96000"/>
+                </a:srgbClr>
+              </a:gs>
+              <a:gs pos="100000">
+                <a:schemeClr val="accent1"/>
+              </a:gs>
+            </a:gsLst>
+            <a:lin ang="8400000" scaled="0"/>
+          </a:gradFill>
+          <a:ln>
+            <a:noFill/>
+          </a:ln>
+        </p:spPr>
+        <p:style>
+          <a:lnRef idx="2">
+            <a:schemeClr val="accent1">
+              <a:shade val="50000"/>
+            </a:schemeClr>
+          </a:lnRef>
+          <a:fillRef idx="1">
+            <a:schemeClr val="accent1"/>
+          </a:fillRef>
+          <a:effectRef idx="0">
+            <a:schemeClr val="accent1"/>
+          </a:effectRef>
+          <a:fontRef idx="minor">
+            <a:schemeClr val="lt1"/>
+          </a:fontRef>
+        </p:style>
+        <p:txBody>
+          <a:bodyPr rtlCol="0" anchor="ctr"/>
+          <a:lstStyle/>
+          <a:p>
+            <a:pPr algn="ctr"/>
+            <a:endParaRPr lang="en-US"/>
+          </a:p>
+        </p:txBody>
+      </p:sp>
+      <p:sp>
+        <p:nvSpPr>
+          <p:cNvPr id="1040" name="Rectangle 1039">
+            <a:extLst>
+              <a:ext uri="{FF2B5EF4-FFF2-40B4-BE49-F238E27FC236}">
+                <a16:creationId xmlns:a16="http://schemas.microsoft.com/office/drawing/2014/main" id="{3F0BE7ED-7814-4273-B18A-F26CC0380380}"/>
+              </a:ext>
+              <a:ext uri="{C183D7F6-B498-43B3-948B-1728B52AA6E4}">
+                <adec:decorative xmlns:adec="http://schemas.microsoft.com/office/drawing/2017/decorative" val="1"/>
+              </a:ext>
+            </a:extLst>
+          </p:cNvPr>
+          <p:cNvSpPr>
+            <a:spLocks noGrp="1" noRot="1" noChangeAspect="1" noMove="1" noResize="1" noEditPoints="1" noAdjustHandles="1" noChangeArrowheads="1" noChangeShapeType="1" noTextEdit="1"/>
+          </p:cNvSpPr>
+          <p:nvPr>
+            <p:extLst>
+              <p:ext uri="{386F3935-93C4-4BCD-93E2-E3B085C9AB24}">
+                <p16:designElem xmlns:p16="http://schemas.microsoft.com/office/powerpoint/2015/main" val="1"/>
+              </p:ext>
+            </p:extLst>
+          </p:nvPr>
+        </p:nvSpPr>
+        <p:spPr>
+          <a:xfrm flipH="1">
+            <a:off x="-4" y="6408742"/>
+            <a:ext cx="8115300" cy="449258"/>
+          </a:xfrm>
+          <a:prstGeom prst="rect">
+            <a:avLst/>
+          </a:prstGeom>
+          <a:gradFill>
+            <a:gsLst>
+              <a:gs pos="28000">
+                <a:schemeClr val="accent1">
+                  <a:lumMod val="75000"/>
+                  <a:alpha val="59000"/>
+                </a:schemeClr>
+              </a:gs>
+              <a:gs pos="100000">
+                <a:srgbClr val="000000">
+                  <a:alpha val="70000"/>
+                </a:srgbClr>
+              </a:gs>
+            </a:gsLst>
+            <a:lin ang="11400000" scaled="0"/>
+          </a:gradFill>
+          <a:ln>
+            <a:noFill/>
+          </a:ln>
+        </p:spPr>
+        <p:style>
+          <a:lnRef idx="2">
+            <a:schemeClr val="accent1">
+              <a:shade val="50000"/>
+            </a:schemeClr>
+          </a:lnRef>
+          <a:fillRef idx="1">
+            <a:schemeClr val="accent1"/>
+          </a:fillRef>
+          <a:effectRef idx="0">
+            <a:schemeClr val="accent1"/>
+          </a:effectRef>
+          <a:fontRef idx="minor">
+            <a:schemeClr val="lt1"/>
+          </a:fontRef>
+        </p:style>
+        <p:txBody>
+          <a:bodyPr rtlCol="0" anchor="ctr"/>
+          <a:lstStyle/>
+          <a:p>
+            <a:pPr algn="ctr"/>
+            <a:endParaRPr lang="en-US"/>
           </a:p>
         </p:txBody>
       </p:sp>
@@ -10208,96 +10500,114 @@
           </a:p>
         </p:txBody>
       </p:sp>
-      <p:pic>
-        <p:nvPicPr>
-          <p:cNvPr id="4" name="Content Placeholder 4" descr="Diagram&#10;&#10;Description automatically generated">
+    </p:spTree>
+    <p:extLst>
+      <p:ext uri="{BB962C8B-B14F-4D97-AF65-F5344CB8AC3E}">
+        <p14:creationId xmlns:p14="http://schemas.microsoft.com/office/powerpoint/2010/main" val="2153288797"/>
+      </p:ext>
+    </p:extLst>
+  </p:cSld>
+  <p:clrMapOvr>
+    <a:masterClrMapping/>
+  </p:clrMapOvr>
+</p:sld>
+</file>
+
+<file path=ppt/slides/slide8.xml><?xml version="1.0" encoding="utf-8"?>
+<p:sld xmlns:a="http://schemas.openxmlformats.org/drawingml/2006/main" xmlns:r="http://schemas.openxmlformats.org/officeDocument/2006/relationships" xmlns:p="http://schemas.openxmlformats.org/presentationml/2006/main">
+  <p:cSld>
+    <p:spTree>
+      <p:nvGrpSpPr>
+        <p:cNvPr id="1" name=""/>
+        <p:cNvGrpSpPr/>
+        <p:nvPr/>
+      </p:nvGrpSpPr>
+      <p:grpSpPr>
+        <a:xfrm>
+          <a:off x="0" y="0"/>
+          <a:ext cx="0" cy="0"/>
+          <a:chOff x="0" y="0"/>
+          <a:chExt cx="0" cy="0"/>
+        </a:xfrm>
+      </p:grpSpPr>
+      <p:sp>
+        <p:nvSpPr>
+          <p:cNvPr id="2" name="Title 1">
             <a:extLst>
               <a:ext uri="{FF2B5EF4-FFF2-40B4-BE49-F238E27FC236}">
-                <a16:creationId xmlns:a16="http://schemas.microsoft.com/office/drawing/2014/main" id="{849873E3-29EF-8299-CC3D-F7226148881D}"/>
+                <a16:creationId xmlns:a16="http://schemas.microsoft.com/office/drawing/2014/main" id="{03843171-2113-3670-1ECD-85DBA1A494B0}"/>
               </a:ext>
             </a:extLst>
           </p:cNvPr>
-          <p:cNvPicPr>
-            <a:picLocks noChangeAspect="1"/>
-          </p:cNvPicPr>
-          <p:nvPr/>
-        </p:nvPicPr>
-        <p:blipFill>
-          <a:blip r:embed="rId2"/>
-          <a:stretch>
-            <a:fillRect/>
-          </a:stretch>
-        </p:blipFill>
-        <p:spPr>
-          <a:xfrm>
-            <a:off x="6758740" y="119785"/>
-            <a:ext cx="4018548" cy="5679930"/>
-          </a:xfrm>
-          <a:prstGeom prst="rect">
-            <a:avLst/>
-          </a:prstGeom>
-          <a:effectLst/>
-        </p:spPr>
-      </p:pic>
+          <p:cNvSpPr>
+            <a:spLocks noGrp="1"/>
+          </p:cNvSpPr>
+          <p:nvPr>
+            <p:ph type="title"/>
+          </p:nvPr>
+        </p:nvSpPr>
+        <p:spPr/>
+        <p:txBody>
+          <a:bodyPr/>
+          <a:lstStyle/>
+          <a:p>
+            <a:r>
+              <a:rPr lang="en-US" dirty="0"/>
+              <a:t>Future of the Project</a:t>
+            </a:r>
+          </a:p>
+        </p:txBody>
+      </p:sp>
       <p:sp>
         <p:nvSpPr>
-          <p:cNvPr id="5" name="Title 1">
+          <p:cNvPr id="3" name="Content Placeholder 2">
             <a:extLst>
               <a:ext uri="{FF2B5EF4-FFF2-40B4-BE49-F238E27FC236}">
-                <a16:creationId xmlns:a16="http://schemas.microsoft.com/office/drawing/2014/main" id="{A1AE11B4-F761-EF75-9D66-A2EE31D54641}"/>
+                <a16:creationId xmlns:a16="http://schemas.microsoft.com/office/drawing/2014/main" id="{00ED3013-A6AF-CBD0-530F-1B15895B6609}"/>
               </a:ext>
             </a:extLst>
           </p:cNvPr>
-          <p:cNvSpPr txBox="1">
-            <a:spLocks/>
+          <p:cNvSpPr>
+            <a:spLocks noGrp="1"/>
           </p:cNvSpPr>
-          <p:nvPr/>
+          <p:nvPr>
+            <p:ph idx="1"/>
+          </p:nvPr>
         </p:nvSpPr>
-        <p:spPr>
-          <a:xfrm>
-            <a:off x="6758740" y="5245203"/>
-            <a:ext cx="3505495" cy="1622321"/>
-          </a:xfrm>
-          <a:prstGeom prst="rect">
-            <a:avLst/>
-          </a:prstGeom>
-        </p:spPr>
+        <p:spPr/>
         <p:txBody>
-          <a:bodyPr vert="horz" lIns="91440" tIns="45720" rIns="91440" bIns="45720" rtlCol="0" anchor="ctr">
-            <a:normAutofit/>
-          </a:bodyPr>
-          <a:lstStyle>
-            <a:lvl1pPr algn="l" defTabSz="914400" rtl="0" eaLnBrk="1" latinLnBrk="0" hangingPunct="1">
-              <a:lnSpc>
-                <a:spcPct val="90000"/>
-              </a:lnSpc>
-              <a:spcBef>
-                <a:spcPct val="0"/>
-              </a:spcBef>
-              <a:buNone/>
-              <a:defRPr sz="4400" kern="1200">
-                <a:solidFill>
-                  <a:schemeClr val="tx1"/>
-                </a:solidFill>
-                <a:latin typeface="+mj-lt"/>
-                <a:ea typeface="+mj-ea"/>
-                <a:cs typeface="+mj-cs"/>
-              </a:defRPr>
-            </a:lvl1pPr>
-          </a:lstStyle>
+          <a:bodyPr/>
+          <a:lstStyle/>
           <a:p>
             <a:r>
-              <a:rPr lang="en-US"/>
-              <a:t>Basic Design</a:t>
+              <a:rPr lang="en-US" dirty="0"/>
+              <a:t>Fume Cupboard</a:t>
             </a:r>
+          </a:p>
+          <a:p>
             <a:endParaRPr lang="en-US" dirty="0"/>
+          </a:p>
+          <a:p>
+            <a:r>
+              <a:rPr lang="en-US" dirty="0"/>
+              <a:t>Update the data using the internet wirelessly with ESP32</a:t>
+            </a:r>
+          </a:p>
+          <a:p>
+            <a:endParaRPr lang="en-US" dirty="0"/>
+          </a:p>
+          <a:p>
+            <a:r>
+              <a:rPr lang="en-US" dirty="0"/>
+              <a:t>Test for present of gas in experiment</a:t>
+            </a:r>
           </a:p>
         </p:txBody>
       </p:sp>
     </p:spTree>
     <p:extLst>
       <p:ext uri="{BB962C8B-B14F-4D97-AF65-F5344CB8AC3E}">
-        <p14:creationId xmlns:p14="http://schemas.microsoft.com/office/powerpoint/2010/main" val="2153288797"/>
+        <p14:creationId xmlns:p14="http://schemas.microsoft.com/office/powerpoint/2010/main" val="34996753"/>
       </p:ext>
     </p:extLst>
   </p:cSld>

--- a/Presentation of proposal.pptx
+++ b/Presentation of proposal.pptx
@@ -4654,7 +4654,7 @@
           <a:p>
             <a:fld id="{CAA43551-4512-7144-B96C-DE0D10C873E8}" type="datetimeFigureOut">
               <a:rPr lang="en-US" smtClean="0"/>
-              <a:t>2/22/23</a:t>
+              <a:t>2/23/23</a:t>
             </a:fld>
             <a:endParaRPr lang="en-US"/>
           </a:p>
@@ -5155,7 +5155,7 @@
           <a:p>
             <a:fld id="{3DBFFAE8-E8D5-8B46-A32A-441CDDC64DCC}" type="datetimeFigureOut">
               <a:rPr lang="en-US" smtClean="0"/>
-              <a:t>2/22/23</a:t>
+              <a:t>2/23/23</a:t>
             </a:fld>
             <a:endParaRPr lang="en-US"/>
           </a:p>
@@ -5355,7 +5355,7 @@
           <a:p>
             <a:fld id="{3DBFFAE8-E8D5-8B46-A32A-441CDDC64DCC}" type="datetimeFigureOut">
               <a:rPr lang="en-US" smtClean="0"/>
-              <a:t>2/22/23</a:t>
+              <a:t>2/23/23</a:t>
             </a:fld>
             <a:endParaRPr lang="en-US"/>
           </a:p>
@@ -5565,7 +5565,7 @@
           <a:p>
             <a:fld id="{3DBFFAE8-E8D5-8B46-A32A-441CDDC64DCC}" type="datetimeFigureOut">
               <a:rPr lang="en-US" smtClean="0"/>
-              <a:t>2/22/23</a:t>
+              <a:t>2/23/23</a:t>
             </a:fld>
             <a:endParaRPr lang="en-US"/>
           </a:p>
@@ -5765,7 +5765,7 @@
           <a:p>
             <a:fld id="{3DBFFAE8-E8D5-8B46-A32A-441CDDC64DCC}" type="datetimeFigureOut">
               <a:rPr lang="en-US" smtClean="0"/>
-              <a:t>2/22/23</a:t>
+              <a:t>2/23/23</a:t>
             </a:fld>
             <a:endParaRPr lang="en-US"/>
           </a:p>
@@ -6041,7 +6041,7 @@
           <a:p>
             <a:fld id="{3DBFFAE8-E8D5-8B46-A32A-441CDDC64DCC}" type="datetimeFigureOut">
               <a:rPr lang="en-US" smtClean="0"/>
-              <a:t>2/22/23</a:t>
+              <a:t>2/23/23</a:t>
             </a:fld>
             <a:endParaRPr lang="en-US"/>
           </a:p>
@@ -6309,7 +6309,7 @@
           <a:p>
             <a:fld id="{3DBFFAE8-E8D5-8B46-A32A-441CDDC64DCC}" type="datetimeFigureOut">
               <a:rPr lang="en-US" smtClean="0"/>
-              <a:t>2/22/23</a:t>
+              <a:t>2/23/23</a:t>
             </a:fld>
             <a:endParaRPr lang="en-US"/>
           </a:p>
@@ -6724,7 +6724,7 @@
           <a:p>
             <a:fld id="{3DBFFAE8-E8D5-8B46-A32A-441CDDC64DCC}" type="datetimeFigureOut">
               <a:rPr lang="en-US" smtClean="0"/>
-              <a:t>2/22/23</a:t>
+              <a:t>2/23/23</a:t>
             </a:fld>
             <a:endParaRPr lang="en-US"/>
           </a:p>
@@ -6866,7 +6866,7 @@
           <a:p>
             <a:fld id="{3DBFFAE8-E8D5-8B46-A32A-441CDDC64DCC}" type="datetimeFigureOut">
               <a:rPr lang="en-US" smtClean="0"/>
-              <a:t>2/22/23</a:t>
+              <a:t>2/23/23</a:t>
             </a:fld>
             <a:endParaRPr lang="en-US"/>
           </a:p>
@@ -6979,7 +6979,7 @@
           <a:p>
             <a:fld id="{3DBFFAE8-E8D5-8B46-A32A-441CDDC64DCC}" type="datetimeFigureOut">
               <a:rPr lang="en-US" smtClean="0"/>
-              <a:t>2/22/23</a:t>
+              <a:t>2/23/23</a:t>
             </a:fld>
             <a:endParaRPr lang="en-US"/>
           </a:p>
@@ -7292,7 +7292,7 @@
           <a:p>
             <a:fld id="{3DBFFAE8-E8D5-8B46-A32A-441CDDC64DCC}" type="datetimeFigureOut">
               <a:rPr lang="en-US" smtClean="0"/>
-              <a:t>2/22/23</a:t>
+              <a:t>2/23/23</a:t>
             </a:fld>
             <a:endParaRPr lang="en-US"/>
           </a:p>
@@ -7581,7 +7581,7 @@
           <a:p>
             <a:fld id="{3DBFFAE8-E8D5-8B46-A32A-441CDDC64DCC}" type="datetimeFigureOut">
               <a:rPr lang="en-US" smtClean="0"/>
-              <a:t>2/22/23</a:t>
+              <a:t>2/23/23</a:t>
             </a:fld>
             <a:endParaRPr lang="en-US"/>
           </a:p>
@@ -7824,7 +7824,7 @@
           <a:p>
             <a:fld id="{3DBFFAE8-E8D5-8B46-A32A-441CDDC64DCC}" type="datetimeFigureOut">
               <a:rPr lang="en-US" smtClean="0"/>
-              <a:t>2/22/23</a:t>
+              <a:t>2/23/23</a:t>
             </a:fld>
             <a:endParaRPr lang="en-US"/>
           </a:p>
@@ -9122,7 +9122,7 @@
           <a:p>
             <a:r>
               <a:rPr lang="en-US" dirty="0"/>
-              <a:t>Before: Toxic Chemicals </a:t>
+              <a:t>Before: Toxic Chemicals possibly </a:t>
             </a:r>
             <a:r>
               <a:rPr lang="en-US" dirty="0">
@@ -10500,6 +10500,35 @@
           </a:p>
         </p:txBody>
       </p:sp>
+      <p:pic>
+        <p:nvPicPr>
+          <p:cNvPr id="5" name="Picture 4" descr="A picture containing text&#10;&#10;Description automatically generated">
+            <a:extLst>
+              <a:ext uri="{FF2B5EF4-FFF2-40B4-BE49-F238E27FC236}">
+                <a16:creationId xmlns:a16="http://schemas.microsoft.com/office/drawing/2014/main" id="{228F5022-ED74-3BEE-51F1-C388DC6C4542}"/>
+              </a:ext>
+            </a:extLst>
+          </p:cNvPr>
+          <p:cNvPicPr>
+            <a:picLocks noChangeAspect="1"/>
+          </p:cNvPicPr>
+          <p:nvPr/>
+        </p:nvPicPr>
+        <p:blipFill rotWithShape="1">
+          <a:blip r:embed="rId2"/>
+          <a:srcRect l="17280" r="14257"/>
+          <a:stretch/>
+        </p:blipFill>
+        <p:spPr>
+          <a:xfrm>
+            <a:off x="5063913" y="1052762"/>
+            <a:ext cx="6978535" cy="4752475"/>
+          </a:xfrm>
+          <a:prstGeom prst="rect">
+            <a:avLst/>
+          </a:prstGeom>
+        </p:spPr>
+      </p:pic>
     </p:spTree>
     <p:extLst>
       <p:ext uri="{BB962C8B-B14F-4D97-AF65-F5344CB8AC3E}">

--- a/Presentation of proposal.pptx
+++ b/Presentation of proposal.pptx
@@ -9122,14 +9122,21 @@
           <a:p>
             <a:r>
               <a:rPr lang="en-US" dirty="0"/>
-              <a:t>Before: Toxic Chemicals possibly </a:t>
+              <a:t>Before: Toxic Chemicals may </a:t>
             </a:r>
             <a:r>
-              <a:rPr lang="en-US" dirty="0">
+              <a:rPr lang="en-US" dirty="0" err="1"/>
+              <a:t>cause</a:t>
+            </a:r>
+            <a:r>
+              <a:rPr lang="en-US" dirty="0" err="1">
                 <a:sym typeface="Wingdings" pitchFamily="2" charset="2"/>
               </a:rPr>
-              <a:t> Death</a:t>
+              <a:t>Death</a:t>
             </a:r>
+            <a:endParaRPr lang="en-US" dirty="0">
+              <a:sym typeface="Wingdings" pitchFamily="2" charset="2"/>
+            </a:endParaRPr>
           </a:p>
           <a:p>
             <a:endParaRPr lang="en-US" dirty="0">
@@ -10388,6 +10395,14 @@
 <file path=ppt/slides/slide7.xml><?xml version="1.0" encoding="utf-8"?>
 <p:sld xmlns:a="http://schemas.openxmlformats.org/drawingml/2006/main" xmlns:r="http://schemas.openxmlformats.org/officeDocument/2006/relationships" xmlns:p="http://schemas.openxmlformats.org/presentationml/2006/main">
   <p:cSld>
+    <p:bg>
+      <p:bgPr>
+        <a:solidFill>
+          <a:schemeClr val="bg1"/>
+        </a:solidFill>
+        <a:effectLst/>
+      </p:bgPr>
+    </p:bg>
     <p:spTree>
       <p:nvGrpSpPr>
         <p:cNvPr id="1" name=""/>
@@ -10404,99 +10419,64 @@
       </p:grpSpPr>
       <p:sp>
         <p:nvSpPr>
-          <p:cNvPr id="2" name="Title 1">
+          <p:cNvPr id="12" name="Rectangle 11">
             <a:extLst>
               <a:ext uri="{FF2B5EF4-FFF2-40B4-BE49-F238E27FC236}">
-                <a16:creationId xmlns:a16="http://schemas.microsoft.com/office/drawing/2014/main" id="{D54D5271-FCC5-F3A8-59EC-E04483B2DF9E}"/>
+                <a16:creationId xmlns:a16="http://schemas.microsoft.com/office/drawing/2014/main" id="{4845A0EE-C4C8-4AE1-B3C6-1261368AC036}"/>
+              </a:ext>
+              <a:ext uri="{C183D7F6-B498-43B3-948B-1728B52AA6E4}">
+                <adec:decorative xmlns:adec="http://schemas.microsoft.com/office/drawing/2017/decorative" val="1"/>
               </a:ext>
             </a:extLst>
           </p:cNvPr>
           <p:cNvSpPr>
-            <a:spLocks noGrp="1"/>
+            <a:spLocks noGrp="1" noRot="1" noChangeAspect="1" noMove="1" noResize="1" noEditPoints="1" noAdjustHandles="1" noChangeArrowheads="1" noChangeShapeType="1" noTextEdit="1"/>
           </p:cNvSpPr>
           <p:nvPr>
-            <p:ph type="title"/>
+            <p:extLst>
+              <p:ext uri="{386F3935-93C4-4BCD-93E2-E3B085C9AB24}">
+                <p16:designElem xmlns:p16="http://schemas.microsoft.com/office/powerpoint/2015/main" val="1"/>
+              </p:ext>
+            </p:extLst>
           </p:nvPr>
         </p:nvSpPr>
-        <p:spPr/>
+        <p:spPr>
+          <a:xfrm>
+            <a:off x="0" y="0"/>
+            <a:ext cx="5468548" cy="6858000"/>
+          </a:xfrm>
+          <a:prstGeom prst="rect">
+            <a:avLst/>
+          </a:prstGeom>
+          <a:solidFill>
+            <a:srgbClr val="2F4F39"/>
+          </a:solidFill>
+          <a:ln>
+            <a:noFill/>
+          </a:ln>
+        </p:spPr>
+        <p:style>
+          <a:lnRef idx="2">
+            <a:schemeClr val="accent1">
+              <a:shade val="50000"/>
+            </a:schemeClr>
+          </a:lnRef>
+          <a:fillRef idx="1">
+            <a:schemeClr val="accent1"/>
+          </a:fillRef>
+          <a:effectRef idx="0">
+            <a:schemeClr val="accent1"/>
+          </a:effectRef>
+          <a:fontRef idx="minor">
+            <a:schemeClr val="lt1"/>
+          </a:fontRef>
+        </p:style>
         <p:txBody>
-          <a:bodyPr/>
+          <a:bodyPr rtlCol="0" anchor="ctr"/>
           <a:lstStyle/>
           <a:p>
-            <a:r>
-              <a:rPr lang="en-US" dirty="0"/>
-              <a:t>Materials</a:t>
-            </a:r>
-          </a:p>
-        </p:txBody>
-      </p:sp>
-      <p:sp>
-        <p:nvSpPr>
-          <p:cNvPr id="3" name="Content Placeholder 2">
-            <a:extLst>
-              <a:ext uri="{FF2B5EF4-FFF2-40B4-BE49-F238E27FC236}">
-                <a16:creationId xmlns:a16="http://schemas.microsoft.com/office/drawing/2014/main" id="{2DEFAED9-631D-A639-5D52-0554C8BAEC0D}"/>
-              </a:ext>
-            </a:extLst>
-          </p:cNvPr>
-          <p:cNvSpPr>
-            <a:spLocks noGrp="1"/>
-          </p:cNvSpPr>
-          <p:nvPr>
-            <p:ph idx="1"/>
-          </p:nvPr>
-        </p:nvSpPr>
-        <p:spPr/>
-        <p:txBody>
-          <a:bodyPr/>
-          <a:lstStyle/>
-          <a:p>
-            <a:r>
-              <a:rPr lang="en-US" dirty="0"/>
-              <a:t>Char Siu Board</a:t>
-            </a:r>
-          </a:p>
-          <a:p>
-            <a:r>
-              <a:rPr lang="en-US" dirty="0"/>
-              <a:t>Gas Sensors</a:t>
-            </a:r>
-          </a:p>
-          <a:p>
-            <a:r>
-              <a:rPr lang="en-US" dirty="0"/>
-              <a:t>Arduino Board</a:t>
-            </a:r>
-          </a:p>
-          <a:p>
-            <a:r>
-              <a:rPr lang="en-US" dirty="0"/>
-              <a:t>Ethernet Extension Shield</a:t>
-            </a:r>
-          </a:p>
-          <a:p>
-            <a:r>
-              <a:rPr lang="en-US" dirty="0"/>
-              <a:t>20x4 LCD Display</a:t>
-            </a:r>
-          </a:p>
-          <a:p>
-            <a:r>
-              <a:rPr lang="en-US" dirty="0"/>
-              <a:t>LED</a:t>
-            </a:r>
-          </a:p>
-          <a:p>
-            <a:r>
-              <a:rPr lang="en-US" dirty="0"/>
-              <a:t>Buzzer</a:t>
-            </a:r>
-          </a:p>
-          <a:p>
-            <a:r>
-              <a:rPr lang="en-US" dirty="0"/>
-              <a:t>Battery Holder</a:t>
-            </a:r>
+            <a:pPr algn="ctr"/>
+            <a:endParaRPr lang="en-US"/>
           </a:p>
         </p:txBody>
       </p:sp>
@@ -10521,8 +10501,270 @@
         </p:blipFill>
         <p:spPr>
           <a:xfrm>
-            <a:off x="5063913" y="1052762"/>
-            <a:ext cx="6978535" cy="4752475"/>
+            <a:off x="6310313" y="639763"/>
+            <a:ext cx="5030788" cy="3405188"/>
+          </a:xfrm>
+          <a:prstGeom prst="rect">
+            <a:avLst/>
+          </a:prstGeom>
+        </p:spPr>
+      </p:pic>
+      <p:sp>
+        <p:nvSpPr>
+          <p:cNvPr id="2" name="Title 1">
+            <a:extLst>
+              <a:ext uri="{FF2B5EF4-FFF2-40B4-BE49-F238E27FC236}">
+                <a16:creationId xmlns:a16="http://schemas.microsoft.com/office/drawing/2014/main" id="{D54D5271-FCC5-F3A8-59EC-E04483B2DF9E}"/>
+              </a:ext>
+            </a:extLst>
+          </p:cNvPr>
+          <p:cNvSpPr>
+            <a:spLocks noGrp="1"/>
+          </p:cNvSpPr>
+          <p:nvPr>
+            <p:ph type="title"/>
+          </p:nvPr>
+        </p:nvSpPr>
+        <p:spPr>
+          <a:xfrm>
+            <a:off x="621629" y="640080"/>
+            <a:ext cx="4225290" cy="5578816"/>
+          </a:xfrm>
+        </p:spPr>
+        <p:txBody>
+          <a:bodyPr vert="horz" lIns="91440" tIns="45720" rIns="91440" bIns="45720" rtlCol="0" anchor="ctr">
+            <a:normAutofit/>
+          </a:bodyPr>
+          <a:lstStyle/>
+          <a:p>
+            <a:pPr algn="ctr"/>
+            <a:r>
+              <a:rPr lang="en-US" kern="1200">
+                <a:solidFill>
+                  <a:srgbClr val="FFFFFF"/>
+                </a:solidFill>
+                <a:latin typeface="+mj-lt"/>
+                <a:ea typeface="+mj-ea"/>
+                <a:cs typeface="+mj-cs"/>
+              </a:rPr>
+              <a:t>Materials</a:t>
+            </a:r>
+          </a:p>
+        </p:txBody>
+      </p:sp>
+      <p:sp>
+        <p:nvSpPr>
+          <p:cNvPr id="10" name="TextBox 9">
+            <a:extLst>
+              <a:ext uri="{FF2B5EF4-FFF2-40B4-BE49-F238E27FC236}">
+                <a16:creationId xmlns:a16="http://schemas.microsoft.com/office/drawing/2014/main" id="{4027AAFD-328C-2079-037A-2630B5888949}"/>
+              </a:ext>
+            </a:extLst>
+          </p:cNvPr>
+          <p:cNvSpPr txBox="1"/>
+          <p:nvPr/>
+        </p:nvSpPr>
+        <p:spPr>
+          <a:xfrm>
+            <a:off x="10551694" y="2342357"/>
+            <a:ext cx="309700" cy="369332"/>
+          </a:xfrm>
+          <a:prstGeom prst="rect">
+            <a:avLst/>
+          </a:prstGeom>
+          <a:noFill/>
+        </p:spPr>
+        <p:txBody>
+          <a:bodyPr wrap="none" rtlCol="0">
+            <a:spAutoFit/>
+          </a:bodyPr>
+          <a:lstStyle/>
+          <a:p>
+            <a:r>
+              <a:rPr lang="en-US" dirty="0"/>
+              <a:t>B</a:t>
+            </a:r>
+          </a:p>
+        </p:txBody>
+      </p:sp>
+      <p:sp>
+        <p:nvSpPr>
+          <p:cNvPr id="11" name="TextBox 10">
+            <a:extLst>
+              <a:ext uri="{FF2B5EF4-FFF2-40B4-BE49-F238E27FC236}">
+                <a16:creationId xmlns:a16="http://schemas.microsoft.com/office/drawing/2014/main" id="{3C1EC3C0-1FE3-A7E2-33C9-06CEAFF6A919}"/>
+              </a:ext>
+            </a:extLst>
+          </p:cNvPr>
+          <p:cNvSpPr txBox="1"/>
+          <p:nvPr/>
+        </p:nvSpPr>
+        <p:spPr>
+          <a:xfrm>
+            <a:off x="10551694" y="1016078"/>
+            <a:ext cx="308098" cy="369332"/>
+          </a:xfrm>
+          <a:prstGeom prst="rect">
+            <a:avLst/>
+          </a:prstGeom>
+          <a:noFill/>
+        </p:spPr>
+        <p:txBody>
+          <a:bodyPr wrap="none" rtlCol="0">
+            <a:spAutoFit/>
+          </a:bodyPr>
+          <a:lstStyle/>
+          <a:p>
+            <a:r>
+              <a:rPr lang="en-US" dirty="0"/>
+              <a:t>C</a:t>
+            </a:r>
+          </a:p>
+        </p:txBody>
+      </p:sp>
+      <p:sp>
+        <p:nvSpPr>
+          <p:cNvPr id="17" name="TextBox 16">
+            <a:extLst>
+              <a:ext uri="{FF2B5EF4-FFF2-40B4-BE49-F238E27FC236}">
+                <a16:creationId xmlns:a16="http://schemas.microsoft.com/office/drawing/2014/main" id="{FD1DAA7E-858C-6356-C4A4-48DC42511AC2}"/>
+              </a:ext>
+            </a:extLst>
+          </p:cNvPr>
+          <p:cNvSpPr txBox="1"/>
+          <p:nvPr/>
+        </p:nvSpPr>
+        <p:spPr>
+          <a:xfrm>
+            <a:off x="7820526" y="3621505"/>
+            <a:ext cx="296876" cy="369332"/>
+          </a:xfrm>
+          <a:prstGeom prst="rect">
+            <a:avLst/>
+          </a:prstGeom>
+          <a:noFill/>
+        </p:spPr>
+        <p:txBody>
+          <a:bodyPr wrap="none" rtlCol="0">
+            <a:spAutoFit/>
+          </a:bodyPr>
+          <a:lstStyle/>
+          <a:p>
+            <a:r>
+              <a:rPr lang="en-US" dirty="0"/>
+              <a:t>E</a:t>
+            </a:r>
+          </a:p>
+        </p:txBody>
+      </p:sp>
+      <p:sp>
+        <p:nvSpPr>
+          <p:cNvPr id="18" name="TextBox 17">
+            <a:extLst>
+              <a:ext uri="{FF2B5EF4-FFF2-40B4-BE49-F238E27FC236}">
+                <a16:creationId xmlns:a16="http://schemas.microsoft.com/office/drawing/2014/main" id="{D7390EF2-AB17-9383-CA31-66DC35D45EFD}"/>
+              </a:ext>
+            </a:extLst>
+          </p:cNvPr>
+          <p:cNvSpPr txBox="1"/>
+          <p:nvPr/>
+        </p:nvSpPr>
+        <p:spPr>
+          <a:xfrm>
+            <a:off x="6797842" y="1385410"/>
+            <a:ext cx="327334" cy="369332"/>
+          </a:xfrm>
+          <a:prstGeom prst="rect">
+            <a:avLst/>
+          </a:prstGeom>
+          <a:noFill/>
+        </p:spPr>
+        <p:txBody>
+          <a:bodyPr wrap="none" rtlCol="0">
+            <a:spAutoFit/>
+          </a:bodyPr>
+          <a:lstStyle/>
+          <a:p>
+            <a:r>
+              <a:rPr lang="en-US" dirty="0"/>
+              <a:t>D</a:t>
+            </a:r>
+          </a:p>
+        </p:txBody>
+      </p:sp>
+      <p:sp>
+        <p:nvSpPr>
+          <p:cNvPr id="19" name="TextBox 18">
+            <a:extLst>
+              <a:ext uri="{FF2B5EF4-FFF2-40B4-BE49-F238E27FC236}">
+                <a16:creationId xmlns:a16="http://schemas.microsoft.com/office/drawing/2014/main" id="{9621EFA1-5B4A-D7E8-43A5-4EE12450D34E}"/>
+              </a:ext>
+            </a:extLst>
+          </p:cNvPr>
+          <p:cNvSpPr txBox="1"/>
+          <p:nvPr/>
+        </p:nvSpPr>
+        <p:spPr>
+          <a:xfrm>
+            <a:off x="8273437" y="958652"/>
+            <a:ext cx="1847237" cy="646331"/>
+          </a:xfrm>
+          <a:prstGeom prst="rect">
+            <a:avLst/>
+          </a:prstGeom>
+          <a:noFill/>
+        </p:spPr>
+        <p:txBody>
+          <a:bodyPr wrap="none" rtlCol="0">
+            <a:spAutoFit/>
+          </a:bodyPr>
+          <a:lstStyle/>
+          <a:p>
+            <a:r>
+              <a:rPr lang="en-US" dirty="0">
+                <a:solidFill>
+                  <a:srgbClr val="FFFF00"/>
+                </a:solidFill>
+              </a:rPr>
+              <a:t>Replacement of A</a:t>
+            </a:r>
+          </a:p>
+          <a:p>
+            <a:r>
+              <a:rPr lang="en-US" dirty="0">
+                <a:solidFill>
+                  <a:srgbClr val="FFFF00"/>
+                </a:solidFill>
+              </a:rPr>
+              <a:t>for tests</a:t>
+            </a:r>
+          </a:p>
+        </p:txBody>
+      </p:sp>
+      <p:pic>
+        <p:nvPicPr>
+          <p:cNvPr id="21" name="Picture 20" descr="Table&#10;&#10;Description automatically generated">
+            <a:extLst>
+              <a:ext uri="{FF2B5EF4-FFF2-40B4-BE49-F238E27FC236}">
+                <a16:creationId xmlns:a16="http://schemas.microsoft.com/office/drawing/2014/main" id="{15C08787-791D-B278-ECC7-DE4322AC4491}"/>
+              </a:ext>
+            </a:extLst>
+          </p:cNvPr>
+          <p:cNvPicPr>
+            <a:picLocks noChangeAspect="1"/>
+          </p:cNvPicPr>
+          <p:nvPr/>
+        </p:nvPicPr>
+        <p:blipFill>
+          <a:blip r:embed="rId3"/>
+          <a:stretch>
+            <a:fillRect/>
+          </a:stretch>
+        </p:blipFill>
+        <p:spPr>
+          <a:xfrm>
+            <a:off x="6273801" y="4093077"/>
+            <a:ext cx="5067300" cy="2578100"/>
           </a:xfrm>
           <a:prstGeom prst="rect">
             <a:avLst/>
@@ -10619,7 +10861,7 @@
           <a:p>
             <a:r>
               <a:rPr lang="en-US" dirty="0"/>
-              <a:t>Update the data using the internet wirelessly with ESP32</a:t>
+              <a:t>Update the data using the internet wirelessly</a:t>
             </a:r>
           </a:p>
           <a:p>
@@ -10628,7 +10870,7 @@
           <a:p>
             <a:r>
               <a:rPr lang="en-US" dirty="0"/>
-              <a:t>Test for present of gas in experiment</a:t>
+              <a:t>Test for presence of gas in experiment</a:t>
             </a:r>
           </a:p>
         </p:txBody>

--- a/Presentation of proposal.pptx
+++ b/Presentation of proposal.pptx
@@ -5,17 +5,18 @@
     <p:sldMasterId id="2147483648" r:id="rId1"/>
   </p:sldMasterIdLst>
   <p:notesMasterIdLst>
-    <p:notesMasterId r:id="rId10"/>
+    <p:notesMasterId r:id="rId11"/>
   </p:notesMasterIdLst>
   <p:sldIdLst>
     <p:sldId id="256" r:id="rId2"/>
     <p:sldId id="258" r:id="rId3"/>
     <p:sldId id="259" r:id="rId4"/>
-    <p:sldId id="257" r:id="rId5"/>
-    <p:sldId id="260" r:id="rId6"/>
-    <p:sldId id="261" r:id="rId7"/>
-    <p:sldId id="262" r:id="rId8"/>
-    <p:sldId id="263" r:id="rId9"/>
+    <p:sldId id="264" r:id="rId5"/>
+    <p:sldId id="265" r:id="rId6"/>
+    <p:sldId id="260" r:id="rId7"/>
+    <p:sldId id="261" r:id="rId8"/>
+    <p:sldId id="262" r:id="rId9"/>
+    <p:sldId id="263" r:id="rId10"/>
   </p:sldIdLst>
   <p:sldSz cx="12192000" cy="6858000"/>
   <p:notesSz cx="6858000" cy="9144000"/>
@@ -4654,7 +4655,7 @@
           <a:p>
             <a:fld id="{CAA43551-4512-7144-B96C-DE0D10C873E8}" type="datetimeFigureOut">
               <a:rPr lang="en-US" smtClean="0"/>
-              <a:t>2/23/23</a:t>
+              <a:t>2/24/23</a:t>
             </a:fld>
             <a:endParaRPr lang="en-US"/>
           </a:p>
@@ -4922,90 +4923,6 @@
 </p:notesMaster>
 </file>
 
-<file path=ppt/notesSlides/notesSlide1.xml><?xml version="1.0" encoding="utf-8"?>
-<p:notes xmlns:a="http://schemas.openxmlformats.org/drawingml/2006/main" xmlns:r="http://schemas.openxmlformats.org/officeDocument/2006/relationships" xmlns:p="http://schemas.openxmlformats.org/presentationml/2006/main">
-  <p:cSld>
-    <p:spTree>
-      <p:nvGrpSpPr>
-        <p:cNvPr id="1" name=""/>
-        <p:cNvGrpSpPr/>
-        <p:nvPr/>
-      </p:nvGrpSpPr>
-      <p:grpSpPr>
-        <a:xfrm>
-          <a:off x="0" y="0"/>
-          <a:ext cx="0" cy="0"/>
-          <a:chOff x="0" y="0"/>
-          <a:chExt cx="0" cy="0"/>
-        </a:xfrm>
-      </p:grpSpPr>
-      <p:sp>
-        <p:nvSpPr>
-          <p:cNvPr id="2" name="Slide Image Placeholder 1"/>
-          <p:cNvSpPr>
-            <a:spLocks noGrp="1" noRot="1" noChangeAspect="1"/>
-          </p:cNvSpPr>
-          <p:nvPr>
-            <p:ph type="sldImg"/>
-          </p:nvPr>
-        </p:nvSpPr>
-        <p:spPr/>
-      </p:sp>
-      <p:sp>
-        <p:nvSpPr>
-          <p:cNvPr id="3" name="Notes Placeholder 2"/>
-          <p:cNvSpPr>
-            <a:spLocks noGrp="1"/>
-          </p:cNvSpPr>
-          <p:nvPr>
-            <p:ph type="body" idx="1"/>
-          </p:nvPr>
-        </p:nvSpPr>
-        <p:spPr/>
-        <p:txBody>
-          <a:bodyPr/>
-          <a:lstStyle/>
-          <a:p>
-            <a:endParaRPr lang="en-US" dirty="0"/>
-          </a:p>
-        </p:txBody>
-      </p:sp>
-      <p:sp>
-        <p:nvSpPr>
-          <p:cNvPr id="4" name="Slide Number Placeholder 3"/>
-          <p:cNvSpPr>
-            <a:spLocks noGrp="1"/>
-          </p:cNvSpPr>
-          <p:nvPr>
-            <p:ph type="sldNum" sz="quarter" idx="5"/>
-          </p:nvPr>
-        </p:nvSpPr>
-        <p:spPr/>
-        <p:txBody>
-          <a:bodyPr/>
-          <a:lstStyle/>
-          <a:p>
-            <a:fld id="{4DE0AFDA-E183-E147-89E4-AA0A5D4DF63D}" type="slidenum">
-              <a:rPr lang="en-US" smtClean="0"/>
-              <a:t>4</a:t>
-            </a:fld>
-            <a:endParaRPr lang="en-US"/>
-          </a:p>
-        </p:txBody>
-      </p:sp>
-    </p:spTree>
-    <p:extLst>
-      <p:ext uri="{BB962C8B-B14F-4D97-AF65-F5344CB8AC3E}">
-        <p14:creationId xmlns:p14="http://schemas.microsoft.com/office/powerpoint/2010/main" val="1500663844"/>
-      </p:ext>
-    </p:extLst>
-  </p:cSld>
-  <p:clrMapOvr>
-    <a:masterClrMapping/>
-  </p:clrMapOvr>
-</p:notes>
-</file>
-
 <file path=ppt/slideLayouts/slideLayout1.xml><?xml version="1.0" encoding="utf-8"?>
 <p:sldLayout xmlns:a="http://schemas.openxmlformats.org/drawingml/2006/main" xmlns:r="http://schemas.openxmlformats.org/officeDocument/2006/relationships" xmlns:p="http://schemas.openxmlformats.org/presentationml/2006/main" type="title" preserve="1">
   <p:cSld name="Title Slide">
@@ -5155,7 +5072,7 @@
           <a:p>
             <a:fld id="{3DBFFAE8-E8D5-8B46-A32A-441CDDC64DCC}" type="datetimeFigureOut">
               <a:rPr lang="en-US" smtClean="0"/>
-              <a:t>2/23/23</a:t>
+              <a:t>2/24/23</a:t>
             </a:fld>
             <a:endParaRPr lang="en-US"/>
           </a:p>
@@ -5355,7 +5272,7 @@
           <a:p>
             <a:fld id="{3DBFFAE8-E8D5-8B46-A32A-441CDDC64DCC}" type="datetimeFigureOut">
               <a:rPr lang="en-US" smtClean="0"/>
-              <a:t>2/23/23</a:t>
+              <a:t>2/24/23</a:t>
             </a:fld>
             <a:endParaRPr lang="en-US"/>
           </a:p>
@@ -5565,7 +5482,7 @@
           <a:p>
             <a:fld id="{3DBFFAE8-E8D5-8B46-A32A-441CDDC64DCC}" type="datetimeFigureOut">
               <a:rPr lang="en-US" smtClean="0"/>
-              <a:t>2/23/23</a:t>
+              <a:t>2/24/23</a:t>
             </a:fld>
             <a:endParaRPr lang="en-US"/>
           </a:p>
@@ -5765,7 +5682,7 @@
           <a:p>
             <a:fld id="{3DBFFAE8-E8D5-8B46-A32A-441CDDC64DCC}" type="datetimeFigureOut">
               <a:rPr lang="en-US" smtClean="0"/>
-              <a:t>2/23/23</a:t>
+              <a:t>2/24/23</a:t>
             </a:fld>
             <a:endParaRPr lang="en-US"/>
           </a:p>
@@ -6041,7 +5958,7 @@
           <a:p>
             <a:fld id="{3DBFFAE8-E8D5-8B46-A32A-441CDDC64DCC}" type="datetimeFigureOut">
               <a:rPr lang="en-US" smtClean="0"/>
-              <a:t>2/23/23</a:t>
+              <a:t>2/24/23</a:t>
             </a:fld>
             <a:endParaRPr lang="en-US"/>
           </a:p>
@@ -6309,7 +6226,7 @@
           <a:p>
             <a:fld id="{3DBFFAE8-E8D5-8B46-A32A-441CDDC64DCC}" type="datetimeFigureOut">
               <a:rPr lang="en-US" smtClean="0"/>
-              <a:t>2/23/23</a:t>
+              <a:t>2/24/23</a:t>
             </a:fld>
             <a:endParaRPr lang="en-US"/>
           </a:p>
@@ -6724,7 +6641,7 @@
           <a:p>
             <a:fld id="{3DBFFAE8-E8D5-8B46-A32A-441CDDC64DCC}" type="datetimeFigureOut">
               <a:rPr lang="en-US" smtClean="0"/>
-              <a:t>2/23/23</a:t>
+              <a:t>2/24/23</a:t>
             </a:fld>
             <a:endParaRPr lang="en-US"/>
           </a:p>
@@ -6866,7 +6783,7 @@
           <a:p>
             <a:fld id="{3DBFFAE8-E8D5-8B46-A32A-441CDDC64DCC}" type="datetimeFigureOut">
               <a:rPr lang="en-US" smtClean="0"/>
-              <a:t>2/23/23</a:t>
+              <a:t>2/24/23</a:t>
             </a:fld>
             <a:endParaRPr lang="en-US"/>
           </a:p>
@@ -6979,7 +6896,7 @@
           <a:p>
             <a:fld id="{3DBFFAE8-E8D5-8B46-A32A-441CDDC64DCC}" type="datetimeFigureOut">
               <a:rPr lang="en-US" smtClean="0"/>
-              <a:t>2/23/23</a:t>
+              <a:t>2/24/23</a:t>
             </a:fld>
             <a:endParaRPr lang="en-US"/>
           </a:p>
@@ -7292,7 +7209,7 @@
           <a:p>
             <a:fld id="{3DBFFAE8-E8D5-8B46-A32A-441CDDC64DCC}" type="datetimeFigureOut">
               <a:rPr lang="en-US" smtClean="0"/>
-              <a:t>2/23/23</a:t>
+              <a:t>2/24/23</a:t>
             </a:fld>
             <a:endParaRPr lang="en-US"/>
           </a:p>
@@ -7581,7 +7498,7 @@
           <a:p>
             <a:fld id="{3DBFFAE8-E8D5-8B46-A32A-441CDDC64DCC}" type="datetimeFigureOut">
               <a:rPr lang="en-US" smtClean="0"/>
-              <a:t>2/23/23</a:t>
+              <a:t>2/24/23</a:t>
             </a:fld>
             <a:endParaRPr lang="en-US"/>
           </a:p>
@@ -7824,7 +7741,7 @@
           <a:p>
             <a:fld id="{3DBFFAE8-E8D5-8B46-A32A-441CDDC64DCC}" type="datetimeFigureOut">
               <a:rPr lang="en-US" smtClean="0"/>
-              <a:t>2/23/23</a:t>
+              <a:t>2/24/23</a:t>
             </a:fld>
             <a:endParaRPr lang="en-US"/>
           </a:p>
@@ -9057,6 +8974,14 @@
 <file path=ppt/slides/slide4.xml><?xml version="1.0" encoding="utf-8"?>
 <p:sld xmlns:a="http://schemas.openxmlformats.org/drawingml/2006/main" xmlns:r="http://schemas.openxmlformats.org/officeDocument/2006/relationships" xmlns:p="http://schemas.openxmlformats.org/presentationml/2006/main">
   <p:cSld>
+    <p:bg>
+      <p:bgPr>
+        <a:solidFill>
+          <a:schemeClr val="bg1"/>
+        </a:solidFill>
+        <a:effectLst/>
+      </p:bgPr>
+    </p:bg>
     <p:spTree>
       <p:nvGrpSpPr>
         <p:cNvPr id="1" name=""/>
@@ -9073,10 +8998,70 @@
       </p:grpSpPr>
       <p:sp>
         <p:nvSpPr>
+          <p:cNvPr id="10" name="Rectangle 9">
+            <a:extLst>
+              <a:ext uri="{FF2B5EF4-FFF2-40B4-BE49-F238E27FC236}">
+                <a16:creationId xmlns:a16="http://schemas.microsoft.com/office/drawing/2014/main" id="{427F7AF4-72C6-4B71-9E40-53E8BFEF36B2}"/>
+              </a:ext>
+              <a:ext uri="{C183D7F6-B498-43B3-948B-1728B52AA6E4}">
+                <adec:decorative xmlns:adec="http://schemas.microsoft.com/office/drawing/2017/decorative" val="1"/>
+              </a:ext>
+            </a:extLst>
+          </p:cNvPr>
+          <p:cNvSpPr>
+            <a:spLocks noGrp="1" noRot="1" noChangeAspect="1" noMove="1" noResize="1" noEditPoints="1" noAdjustHandles="1" noChangeArrowheads="1" noChangeShapeType="1" noTextEdit="1"/>
+          </p:cNvSpPr>
+          <p:nvPr>
+            <p:extLst>
+              <p:ext uri="{386F3935-93C4-4BCD-93E2-E3B085C9AB24}">
+                <p16:designElem xmlns:p16="http://schemas.microsoft.com/office/powerpoint/2015/main" val="1"/>
+              </p:ext>
+            </p:extLst>
+          </p:nvPr>
+        </p:nvSpPr>
+        <p:spPr>
+          <a:xfrm>
+            <a:off x="-1" y="0"/>
+            <a:ext cx="12192001" cy="2001328"/>
+          </a:xfrm>
+          <a:prstGeom prst="rect">
+            <a:avLst/>
+          </a:prstGeom>
+          <a:ln>
+            <a:noFill/>
+          </a:ln>
+        </p:spPr>
+        <p:style>
+          <a:lnRef idx="2">
+            <a:schemeClr val="accent1">
+              <a:shade val="50000"/>
+            </a:schemeClr>
+          </a:lnRef>
+          <a:fillRef idx="1">
+            <a:schemeClr val="accent1"/>
+          </a:fillRef>
+          <a:effectRef idx="0">
+            <a:schemeClr val="accent1"/>
+          </a:effectRef>
+          <a:fontRef idx="minor">
+            <a:schemeClr val="lt1"/>
+          </a:fontRef>
+        </p:style>
+        <p:txBody>
+          <a:bodyPr rtlCol="0" anchor="ctr"/>
+          <a:lstStyle/>
+          <a:p>
+            <a:pPr algn="ctr"/>
+            <a:endParaRPr lang="en-US" dirty="0"/>
+          </a:p>
+        </p:txBody>
+      </p:sp>
+      <p:sp>
+        <p:nvSpPr>
           <p:cNvPr id="2" name="Title 1">
             <a:extLst>
               <a:ext uri="{FF2B5EF4-FFF2-40B4-BE49-F238E27FC236}">
-                <a16:creationId xmlns:a16="http://schemas.microsoft.com/office/drawing/2014/main" id="{75B85669-BCBE-C793-5038-DAA04125DD47}"/>
+                <a16:creationId xmlns:a16="http://schemas.microsoft.com/office/drawing/2014/main" id="{D7D22B72-23FD-02E4-96B0-69E1C2AD87C3}"/>
               </a:ext>
             </a:extLst>
           </p:cNvPr>
@@ -9087,13 +9072,27 @@
             <p:ph type="title"/>
           </p:nvPr>
         </p:nvSpPr>
-        <p:spPr/>
+        <p:spPr>
+          <a:xfrm>
+            <a:off x="424131" y="245082"/>
+            <a:ext cx="10515599" cy="932688"/>
+          </a:xfrm>
+        </p:spPr>
         <p:txBody>
-          <a:bodyPr/>
+          <a:bodyPr vert="horz" lIns="91440" tIns="45720" rIns="91440" bIns="45720" rtlCol="0" anchor="b">
+            <a:normAutofit/>
+          </a:bodyPr>
           <a:lstStyle/>
           <a:p>
             <a:r>
-              <a:rPr lang="en-US" dirty="0"/>
+              <a:rPr lang="en-US" sz="5400" kern="1200">
+                <a:solidFill>
+                  <a:schemeClr val="bg1"/>
+                </a:solidFill>
+                <a:latin typeface="+mj-lt"/>
+                <a:ea typeface="+mj-ea"/>
+                <a:cs typeface="+mj-cs"/>
+              </a:rPr>
               <a:t>Problem for achieving the SDG</a:t>
             </a:r>
           </a:p>
@@ -9104,7 +9103,7 @@
           <p:cNvPr id="3" name="Content Placeholder 2">
             <a:extLst>
               <a:ext uri="{FF2B5EF4-FFF2-40B4-BE49-F238E27FC236}">
-                <a16:creationId xmlns:a16="http://schemas.microsoft.com/office/drawing/2014/main" id="{289BFFAA-3180-1E97-559E-87D116D491F2}"/>
+                <a16:creationId xmlns:a16="http://schemas.microsoft.com/office/drawing/2014/main" id="{3E410F00-351A-8904-745B-901E1759EBA6}"/>
               </a:ext>
             </a:extLst>
           </p:cNvPr>
@@ -9115,96 +9114,168 @@
             <p:ph idx="1"/>
           </p:nvPr>
         </p:nvSpPr>
-        <p:spPr/>
+        <p:spPr>
+          <a:xfrm>
+            <a:off x="424131" y="1289718"/>
+            <a:ext cx="10515599" cy="420624"/>
+          </a:xfrm>
+        </p:spPr>
         <p:txBody>
-          <a:bodyPr/>
+          <a:bodyPr vert="horz" lIns="91440" tIns="45720" rIns="91440" bIns="45720" rtlCol="0">
+            <a:normAutofit/>
+          </a:bodyPr>
           <a:lstStyle/>
           <a:p>
+            <a:pPr marL="0" indent="0">
+              <a:buNone/>
+            </a:pPr>
             <a:r>
-              <a:rPr lang="en-US" dirty="0"/>
-              <a:t>Before: Toxic Chemicals may </a:t>
+              <a:rPr lang="en-US" sz="2400" kern="1200">
+                <a:solidFill>
+                  <a:schemeClr val="accent1">
+                    <a:lumMod val="20000"/>
+                    <a:lumOff val="80000"/>
+                  </a:schemeClr>
+                </a:solidFill>
+                <a:latin typeface="+mn-lt"/>
+                <a:ea typeface="+mn-ea"/>
+                <a:cs typeface="+mn-cs"/>
+              </a:rPr>
+              <a:t>News from 19/02/2023</a:t>
             </a:r>
-            <a:r>
-              <a:rPr lang="en-US" dirty="0" err="1"/>
-              <a:t>cause</a:t>
-            </a:r>
-            <a:r>
-              <a:rPr lang="en-US" dirty="0" err="1">
-                <a:sym typeface="Wingdings" pitchFamily="2" charset="2"/>
-              </a:rPr>
-              <a:t>Death</a:t>
-            </a:r>
-            <a:endParaRPr lang="en-US" dirty="0">
-              <a:sym typeface="Wingdings" pitchFamily="2" charset="2"/>
-            </a:endParaRPr>
-          </a:p>
-          <a:p>
-            <a:endParaRPr lang="en-US" dirty="0">
-              <a:sym typeface="Wingdings" pitchFamily="2" charset="2"/>
-            </a:endParaRPr>
-          </a:p>
-          <a:p>
-            <a:r>
-              <a:rPr lang="en-US" dirty="0"/>
-              <a:t>WHY people cannot identify them</a:t>
-            </a:r>
-          </a:p>
-          <a:p>
-            <a:endParaRPr lang="en-US" dirty="0"/>
           </a:p>
         </p:txBody>
       </p:sp>
       <p:pic>
         <p:nvPicPr>
-          <p:cNvPr id="1026" name="Picture 2" descr="What is Your &quot;Why&quot;? — Graphic Design &amp; Websites • Mystic, CT">
+          <p:cNvPr id="5" name="Picture 4" descr="Text, letter&#10;&#10;Description automatically generated">
             <a:extLst>
               <a:ext uri="{FF2B5EF4-FFF2-40B4-BE49-F238E27FC236}">
-                <a16:creationId xmlns:a16="http://schemas.microsoft.com/office/drawing/2014/main" id="{6011535F-57AE-464C-3273-D9E4CBCD7102}"/>
+                <a16:creationId xmlns:a16="http://schemas.microsoft.com/office/drawing/2014/main" id="{14291E63-CAAC-9BC6-F243-621C21830C11}"/>
               </a:ext>
             </a:extLst>
           </p:cNvPr>
           <p:cNvPicPr>
-            <a:picLocks noChangeAspect="1" noChangeArrowheads="1"/>
+            <a:picLocks noChangeAspect="1"/>
           </p:cNvPicPr>
           <p:nvPr/>
         </p:nvPicPr>
         <p:blipFill>
-          <a:blip r:embed="rId3">
-            <a:extLst>
-              <a:ext uri="{28A0092B-C50C-407E-A947-70E740481C1C}">
-                <a14:useLocalDpi xmlns:a14="http://schemas.microsoft.com/office/drawing/2010/main" val="0"/>
-              </a:ext>
-            </a:extLst>
-          </a:blip>
-          <a:srcRect/>
+          <a:blip r:embed="rId2"/>
           <a:stretch>
             <a:fillRect/>
           </a:stretch>
         </p:blipFill>
-        <p:spPr bwMode="auto">
+        <p:spPr>
           <a:xfrm>
-            <a:off x="6095206" y="3429000"/>
-            <a:ext cx="5141119" cy="3429000"/>
+            <a:off x="838200" y="2251226"/>
+            <a:ext cx="10515599" cy="4048503"/>
+          </a:xfrm>
+          <a:prstGeom prst="rect">
+            <a:avLst/>
+          </a:prstGeom>
+        </p:spPr>
+      </p:pic>
+      <p:sp>
+        <p:nvSpPr>
+          <p:cNvPr id="6" name="TextBox 5">
+            <a:extLst>
+              <a:ext uri="{FF2B5EF4-FFF2-40B4-BE49-F238E27FC236}">
+                <a16:creationId xmlns:a16="http://schemas.microsoft.com/office/drawing/2014/main" id="{AD7E01E6-9A9B-B7E4-798F-6A3B43F5572F}"/>
+              </a:ext>
+            </a:extLst>
+          </p:cNvPr>
+          <p:cNvSpPr txBox="1"/>
+          <p:nvPr/>
+        </p:nvSpPr>
+        <p:spPr>
+          <a:xfrm>
+            <a:off x="838200" y="6460958"/>
+            <a:ext cx="3097899" cy="369332"/>
           </a:xfrm>
           <a:prstGeom prst="rect">
             <a:avLst/>
           </a:prstGeom>
           <a:noFill/>
-          <a:extLst>
-            <a:ext uri="{909E8E84-426E-40DD-AFC4-6F175D3DCCD1}">
-              <a14:hiddenFill xmlns:a14="http://schemas.microsoft.com/office/drawing/2010/main">
+        </p:spPr>
+        <p:txBody>
+          <a:bodyPr wrap="none" rtlCol="0">
+            <a:spAutoFit/>
+          </a:bodyPr>
+          <a:lstStyle/>
+          <a:p>
+            <a:r>
+              <a:rPr lang="en-US" dirty="0"/>
+              <a:t>Source : Ming Pao </a:t>
+            </a:r>
+            <a:r>
+              <a:rPr lang="en-HK" b="0" i="0" u="none" strike="noStrike" dirty="0">
                 <a:solidFill>
-                  <a:srgbClr val="FFFFFF"/>
+                  <a:srgbClr val="2281C2"/>
                 </a:solidFill>
-              </a14:hiddenFill>
-            </a:ext>
-          </a:extLst>
+                <a:effectLst/>
+                <a:latin typeface="Proximanova"/>
+                <a:hlinkClick r:id="rId3" tooltip="https://rb.gy/rzitmn"/>
+              </a:rPr>
+              <a:t>rb.gy/rzitmn</a:t>
+            </a:r>
+            <a:endParaRPr lang="en-US" dirty="0"/>
+          </a:p>
+        </p:txBody>
+      </p:sp>
+      <p:sp>
+        <p:nvSpPr>
+          <p:cNvPr id="7" name="Explosion 2 6">
+            <a:extLst>
+              <a:ext uri="{FF2B5EF4-FFF2-40B4-BE49-F238E27FC236}">
+                <a16:creationId xmlns:a16="http://schemas.microsoft.com/office/drawing/2014/main" id="{2AED6DB9-2D62-22FF-B93B-F5BA8AA0B49A}"/>
+              </a:ext>
+            </a:extLst>
+          </p:cNvPr>
+          <p:cNvSpPr/>
+          <p:nvPr/>
+        </p:nvSpPr>
+        <p:spPr>
+          <a:xfrm>
+            <a:off x="4334393" y="2089997"/>
+            <a:ext cx="5671869" cy="4126831"/>
+          </a:xfrm>
+          <a:prstGeom prst="irregularSeal2">
+            <a:avLst/>
+          </a:prstGeom>
         </p:spPr>
-      </p:pic>
+        <p:style>
+          <a:lnRef idx="2">
+            <a:schemeClr val="accent1">
+              <a:shade val="50000"/>
+            </a:schemeClr>
+          </a:lnRef>
+          <a:fillRef idx="1">
+            <a:schemeClr val="accent1"/>
+          </a:fillRef>
+          <a:effectRef idx="0">
+            <a:schemeClr val="accent1"/>
+          </a:effectRef>
+          <a:fontRef idx="minor">
+            <a:schemeClr val="lt1"/>
+          </a:fontRef>
+        </p:style>
+        <p:txBody>
+          <a:bodyPr rtlCol="0" anchor="ctr"/>
+          <a:lstStyle/>
+          <a:p>
+            <a:pPr algn="ctr"/>
+            <a:r>
+              <a:rPr lang="en-US" sz="2400" dirty="0"/>
+              <a:t>Every year, at least 430 people die in the U.S. from accidental CO poisoning.</a:t>
+            </a:r>
+          </a:p>
+        </p:txBody>
+      </p:sp>
     </p:spTree>
     <p:extLst>
       <p:ext uri="{BB962C8B-B14F-4D97-AF65-F5344CB8AC3E}">
-        <p14:creationId xmlns:p14="http://schemas.microsoft.com/office/powerpoint/2010/main" val="1606146062"/>
+        <p14:creationId xmlns:p14="http://schemas.microsoft.com/office/powerpoint/2010/main" val="3208389876"/>
       </p:ext>
     </p:extLst>
   </p:cSld>
@@ -9232,7 +9303,7 @@
                             </p:stCondLst>
                             <p:childTnLst>
                               <p:par>
-                                <p:cTn id="5" presetID="1" presetClass="entr" presetSubtype="0" fill="hold" nodeType="clickEffect">
+                                <p:cTn id="5" presetID="1" presetClass="entr" presetSubtype="0" fill="hold" grpId="0" nodeType="clickEffect">
                                   <p:stCondLst>
                                     <p:cond delay="0"/>
                                   </p:stCondLst>
@@ -9245,11 +9316,7 @@
                                           </p:stCondLst>
                                         </p:cTn>
                                         <p:tgtEl>
-                                          <p:spTgt spid="3">
-                                            <p:txEl>
-                                              <p:pRg st="2" end="2"/>
-                                            </p:txEl>
-                                          </p:spTgt>
+                                          <p:spTgt spid="7"/>
                                         </p:tgtEl>
                                         <p:attrNameLst>
                                           <p:attrName>style.visibility</p:attrName>
@@ -9262,21 +9329,315 @@
                                   </p:childTnLst>
                                 </p:cTn>
                               </p:par>
+                            </p:childTnLst>
+                          </p:cTn>
+                        </p:par>
+                      </p:childTnLst>
+                    </p:cTn>
+                  </p:par>
+                </p:childTnLst>
+              </p:cTn>
+              <p:prevCondLst>
+                <p:cond evt="onPrev" delay="0">
+                  <p:tgtEl>
+                    <p:sldTgt/>
+                  </p:tgtEl>
+                </p:cond>
+              </p:prevCondLst>
+              <p:nextCondLst>
+                <p:cond evt="onNext" delay="0">
+                  <p:tgtEl>
+                    <p:sldTgt/>
+                  </p:tgtEl>
+                </p:cond>
+              </p:nextCondLst>
+            </p:seq>
+          </p:childTnLst>
+        </p:cTn>
+      </p:par>
+    </p:tnLst>
+    <p:bldLst>
+      <p:bldP spid="7" grpId="0" animBg="1"/>
+    </p:bldLst>
+  </p:timing>
+</p:sld>
+</file>
+
+<file path=ppt/slides/slide5.xml><?xml version="1.0" encoding="utf-8"?>
+<p:sld xmlns:a="http://schemas.openxmlformats.org/drawingml/2006/main" xmlns:r="http://schemas.openxmlformats.org/officeDocument/2006/relationships" xmlns:p="http://schemas.openxmlformats.org/presentationml/2006/main">
+  <p:cSld>
+    <p:bg>
+      <p:bgPr>
+        <a:solidFill>
+          <a:schemeClr val="bg1"/>
+        </a:solidFill>
+        <a:effectLst/>
+      </p:bgPr>
+    </p:bg>
+    <p:spTree>
+      <p:nvGrpSpPr>
+        <p:cNvPr id="1" name=""/>
+        <p:cNvGrpSpPr/>
+        <p:nvPr/>
+      </p:nvGrpSpPr>
+      <p:grpSpPr>
+        <a:xfrm>
+          <a:off x="0" y="0"/>
+          <a:ext cx="0" cy="0"/>
+          <a:chOff x="0" y="0"/>
+          <a:chExt cx="0" cy="0"/>
+        </a:xfrm>
+      </p:grpSpPr>
+      <p:sp>
+        <p:nvSpPr>
+          <p:cNvPr id="9" name="Rectangle 8">
+            <a:extLst>
+              <a:ext uri="{FF2B5EF4-FFF2-40B4-BE49-F238E27FC236}">
+                <a16:creationId xmlns:a16="http://schemas.microsoft.com/office/drawing/2014/main" id="{42A4FC2C-047E-45A5-965D-8E1E3BF09BC6}"/>
+              </a:ext>
+              <a:ext uri="{C183D7F6-B498-43B3-948B-1728B52AA6E4}">
+                <adec:decorative xmlns:adec="http://schemas.microsoft.com/office/drawing/2017/decorative" val="1"/>
+              </a:ext>
+            </a:extLst>
+          </p:cNvPr>
+          <p:cNvSpPr>
+            <a:spLocks noGrp="1" noRot="1" noChangeAspect="1" noMove="1" noResize="1" noEditPoints="1" noAdjustHandles="1" noChangeArrowheads="1" noChangeShapeType="1" noTextEdit="1"/>
+          </p:cNvSpPr>
+          <p:nvPr>
+            <p:extLst>
+              <p:ext uri="{386F3935-93C4-4BCD-93E2-E3B085C9AB24}">
+                <p16:designElem xmlns:p16="http://schemas.microsoft.com/office/powerpoint/2015/main" val="1"/>
+              </p:ext>
+            </p:extLst>
+          </p:nvPr>
+        </p:nvSpPr>
+        <p:spPr bwMode="white">
+          <a:xfrm>
+            <a:off x="1524" y="0"/>
+            <a:ext cx="12188952" cy="6858000"/>
+          </a:xfrm>
+          <a:prstGeom prst="rect">
+            <a:avLst/>
+          </a:prstGeom>
+          <a:noFill/>
+          <a:ln>
+            <a:noFill/>
+          </a:ln>
+        </p:spPr>
+        <p:style>
+          <a:lnRef idx="2">
+            <a:schemeClr val="accent1">
+              <a:shade val="50000"/>
+            </a:schemeClr>
+          </a:lnRef>
+          <a:fillRef idx="1">
+            <a:schemeClr val="accent1"/>
+          </a:fillRef>
+          <a:effectRef idx="0">
+            <a:schemeClr val="accent1"/>
+          </a:effectRef>
+          <a:fontRef idx="minor">
+            <a:schemeClr val="lt1"/>
+          </a:fontRef>
+        </p:style>
+        <p:txBody>
+          <a:bodyPr rtlCol="0" anchor="ctr"/>
+          <a:lstStyle>
+            <a:defPPr>
+              <a:defRPr lang="en-US"/>
+            </a:defPPr>
+            <a:lvl1pPr marL="0" algn="l" defTabSz="914400" rtl="0" eaLnBrk="1" latinLnBrk="0" hangingPunct="1">
+              <a:defRPr sz="1800" kern="1200">
+                <a:solidFill>
+                  <a:schemeClr val="lt1"/>
+                </a:solidFill>
+                <a:latin typeface="+mn-lt"/>
+                <a:ea typeface="+mn-ea"/>
+                <a:cs typeface="+mn-cs"/>
+              </a:defRPr>
+            </a:lvl1pPr>
+            <a:lvl2pPr marL="457200" algn="l" defTabSz="914400" rtl="0" eaLnBrk="1" latinLnBrk="0" hangingPunct="1">
+              <a:defRPr sz="1800" kern="1200">
+                <a:solidFill>
+                  <a:schemeClr val="lt1"/>
+                </a:solidFill>
+                <a:latin typeface="+mn-lt"/>
+                <a:ea typeface="+mn-ea"/>
+                <a:cs typeface="+mn-cs"/>
+              </a:defRPr>
+            </a:lvl2pPr>
+            <a:lvl3pPr marL="914400" algn="l" defTabSz="914400" rtl="0" eaLnBrk="1" latinLnBrk="0" hangingPunct="1">
+              <a:defRPr sz="1800" kern="1200">
+                <a:solidFill>
+                  <a:schemeClr val="lt1"/>
+                </a:solidFill>
+                <a:latin typeface="+mn-lt"/>
+                <a:ea typeface="+mn-ea"/>
+                <a:cs typeface="+mn-cs"/>
+              </a:defRPr>
+            </a:lvl3pPr>
+            <a:lvl4pPr marL="1371600" algn="l" defTabSz="914400" rtl="0" eaLnBrk="1" latinLnBrk="0" hangingPunct="1">
+              <a:defRPr sz="1800" kern="1200">
+                <a:solidFill>
+                  <a:schemeClr val="lt1"/>
+                </a:solidFill>
+                <a:latin typeface="+mn-lt"/>
+                <a:ea typeface="+mn-ea"/>
+                <a:cs typeface="+mn-cs"/>
+              </a:defRPr>
+            </a:lvl4pPr>
+            <a:lvl5pPr marL="1828800" algn="l" defTabSz="914400" rtl="0" eaLnBrk="1" latinLnBrk="0" hangingPunct="1">
+              <a:defRPr sz="1800" kern="1200">
+                <a:solidFill>
+                  <a:schemeClr val="lt1"/>
+                </a:solidFill>
+                <a:latin typeface="+mn-lt"/>
+                <a:ea typeface="+mn-ea"/>
+                <a:cs typeface="+mn-cs"/>
+              </a:defRPr>
+            </a:lvl5pPr>
+            <a:lvl6pPr marL="2286000" algn="l" defTabSz="914400" rtl="0" eaLnBrk="1" latinLnBrk="0" hangingPunct="1">
+              <a:defRPr sz="1800" kern="1200">
+                <a:solidFill>
+                  <a:schemeClr val="lt1"/>
+                </a:solidFill>
+                <a:latin typeface="+mn-lt"/>
+                <a:ea typeface="+mn-ea"/>
+                <a:cs typeface="+mn-cs"/>
+              </a:defRPr>
+            </a:lvl6pPr>
+            <a:lvl7pPr marL="2743200" algn="l" defTabSz="914400" rtl="0" eaLnBrk="1" latinLnBrk="0" hangingPunct="1">
+              <a:defRPr sz="1800" kern="1200">
+                <a:solidFill>
+                  <a:schemeClr val="lt1"/>
+                </a:solidFill>
+                <a:latin typeface="+mn-lt"/>
+                <a:ea typeface="+mn-ea"/>
+                <a:cs typeface="+mn-cs"/>
+              </a:defRPr>
+            </a:lvl7pPr>
+            <a:lvl8pPr marL="3200400" algn="l" defTabSz="914400" rtl="0" eaLnBrk="1" latinLnBrk="0" hangingPunct="1">
+              <a:defRPr sz="1800" kern="1200">
+                <a:solidFill>
+                  <a:schemeClr val="lt1"/>
+                </a:solidFill>
+                <a:latin typeface="+mn-lt"/>
+                <a:ea typeface="+mn-ea"/>
+                <a:cs typeface="+mn-cs"/>
+              </a:defRPr>
+            </a:lvl8pPr>
+            <a:lvl9pPr marL="3657600" algn="l" defTabSz="914400" rtl="0" eaLnBrk="1" latinLnBrk="0" hangingPunct="1">
+              <a:defRPr sz="1800" kern="1200">
+                <a:solidFill>
+                  <a:schemeClr val="lt1"/>
+                </a:solidFill>
+                <a:latin typeface="+mn-lt"/>
+                <a:ea typeface="+mn-ea"/>
+                <a:cs typeface="+mn-cs"/>
+              </a:defRPr>
+            </a:lvl9pPr>
+          </a:lstStyle>
+          <a:p>
+            <a:pPr algn="ctr"/>
+            <a:endParaRPr lang="en-US"/>
+          </a:p>
+        </p:txBody>
+      </p:sp>
+      <p:pic>
+        <p:nvPicPr>
+          <p:cNvPr id="4" name="Picture 2" descr="What is Your &quot;Why&quot;? — Graphic Design &amp; Websites • Mystic, CT">
+            <a:extLst>
+              <a:ext uri="{FF2B5EF4-FFF2-40B4-BE49-F238E27FC236}">
+                <a16:creationId xmlns:a16="http://schemas.microsoft.com/office/drawing/2014/main" id="{2D43EAB3-DDB9-4820-9124-2394A4D097FA}"/>
+              </a:ext>
+            </a:extLst>
+          </p:cNvPr>
+          <p:cNvPicPr>
+            <a:picLocks noGrp="1" noChangeAspect="1" noChangeArrowheads="1"/>
+          </p:cNvPicPr>
+          <p:nvPr>
+            <p:ph idx="1"/>
+          </p:nvPr>
+        </p:nvPicPr>
+        <p:blipFill rotWithShape="1">
+          <a:blip r:embed="rId2">
+            <a:extLst>
+              <a:ext uri="{28A0092B-C50C-407E-A947-70E740481C1C}">
+                <a14:useLocalDpi xmlns:a14="http://schemas.microsoft.com/office/drawing/2010/main" val="0"/>
+              </a:ext>
+            </a:extLst>
+          </a:blip>
+          <a:srcRect t="10880" b="4866"/>
+          <a:stretch/>
+        </p:blipFill>
+        <p:spPr bwMode="auto">
+          <a:xfrm>
+            <a:off x="20" y="1282"/>
+            <a:ext cx="12191980" cy="6856718"/>
+          </a:xfrm>
+          <a:prstGeom prst="rect">
+            <a:avLst/>
+          </a:prstGeom>
+          <a:noFill/>
+          <a:extLst>
+            <a:ext uri="{909E8E84-426E-40DD-AFC4-6F175D3DCCD1}">
+              <a14:hiddenFill xmlns:a14="http://schemas.microsoft.com/office/drawing/2010/main">
+                <a:solidFill>
+                  <a:srgbClr val="FFFFFF"/>
+                </a:solidFill>
+              </a14:hiddenFill>
+            </a:ext>
+          </a:extLst>
+        </p:spPr>
+      </p:pic>
+    </p:spTree>
+    <p:extLst>
+      <p:ext uri="{BB962C8B-B14F-4D97-AF65-F5344CB8AC3E}">
+        <p14:creationId xmlns:p14="http://schemas.microsoft.com/office/powerpoint/2010/main" val="4013649440"/>
+      </p:ext>
+    </p:extLst>
+  </p:cSld>
+  <p:clrMapOvr>
+    <a:masterClrMapping/>
+  </p:clrMapOvr>
+  <p:timing>
+    <p:tnLst>
+      <p:par>
+        <p:cTn id="1" dur="indefinite" restart="never" nodeType="tmRoot">
+          <p:childTnLst>
+            <p:seq concurrent="1" nextAc="seek">
+              <p:cTn id="2" dur="indefinite" nodeType="mainSeq">
+                <p:childTnLst>
+                  <p:par>
+                    <p:cTn id="3" fill="hold">
+                      <p:stCondLst>
+                        <p:cond delay="indefinite"/>
+                        <p:cond evt="onBegin" delay="0">
+                          <p:tn val="2"/>
+                        </p:cond>
+                      </p:stCondLst>
+                      <p:childTnLst>
+                        <p:par>
+                          <p:cTn id="4" fill="hold">
+                            <p:stCondLst>
+                              <p:cond delay="0"/>
+                            </p:stCondLst>
+                            <p:childTnLst>
                               <p:par>
-                                <p:cTn id="7" presetID="1" presetClass="entr" presetSubtype="0" fill="hold" nodeType="withEffect">
+                                <p:cTn id="5" presetID="1" presetClass="entr" presetSubtype="0" fill="hold" nodeType="withEffect">
                                   <p:stCondLst>
                                     <p:cond delay="0"/>
                                   </p:stCondLst>
                                   <p:childTnLst>
                                     <p:set>
                                       <p:cBhvr>
-                                        <p:cTn id="8" dur="1" fill="hold">
+                                        <p:cTn id="6" dur="1" fill="hold">
                                           <p:stCondLst>
                                             <p:cond delay="0"/>
                                           </p:stCondLst>
                                         </p:cTn>
                                         <p:tgtEl>
-                                          <p:spTgt spid="1026"/>
+                                          <p:spTgt spid="4"/>
                                         </p:tgtEl>
                                         <p:attrNameLst>
                                           <p:attrName>style.visibility</p:attrName>
@@ -9320,7 +9681,7 @@
 </p:sld>
 </file>
 
-<file path=ppt/slides/slide5.xml><?xml version="1.0" encoding="utf-8"?>
+<file path=ppt/slides/slide6.xml><?xml version="1.0" encoding="utf-8"?>
 <p:sld xmlns:a="http://schemas.openxmlformats.org/drawingml/2006/main" xmlns:r="http://schemas.openxmlformats.org/officeDocument/2006/relationships" xmlns:p="http://schemas.openxmlformats.org/presentationml/2006/main">
   <p:cSld>
     <p:bg>
@@ -9602,7 +9963,7 @@
 </p:sld>
 </file>
 
-<file path=ppt/slides/slide6.xml><?xml version="1.0" encoding="utf-8"?>
+<file path=ppt/slides/slide7.xml><?xml version="1.0" encoding="utf-8"?>
 <p:sld xmlns:a="http://schemas.openxmlformats.org/drawingml/2006/main" xmlns:r="http://schemas.openxmlformats.org/officeDocument/2006/relationships" xmlns:p="http://schemas.openxmlformats.org/presentationml/2006/main">
   <p:cSld>
     <p:spTree>
@@ -10392,7 +10753,7 @@
 </p:sld>
 </file>
 
-<file path=ppt/slides/slide7.xml><?xml version="1.0" encoding="utf-8"?>
+<file path=ppt/slides/slide8.xml><?xml version="1.0" encoding="utf-8"?>
 <p:sld xmlns:a="http://schemas.openxmlformats.org/drawingml/2006/main" xmlns:r="http://schemas.openxmlformats.org/officeDocument/2006/relationships" xmlns:p="http://schemas.openxmlformats.org/presentationml/2006/main">
   <p:cSld>
     <p:bg>
@@ -10784,7 +11145,7 @@
 </p:sld>
 </file>
 
-<file path=ppt/slides/slide8.xml><?xml version="1.0" encoding="utf-8"?>
+<file path=ppt/slides/slide9.xml><?xml version="1.0" encoding="utf-8"?>
 <p:sld xmlns:a="http://schemas.openxmlformats.org/drawingml/2006/main" xmlns:r="http://schemas.openxmlformats.org/officeDocument/2006/relationships" xmlns:p="http://schemas.openxmlformats.org/presentationml/2006/main">
   <p:cSld>
     <p:spTree>
@@ -10817,15 +11178,23 @@
             <p:ph type="title"/>
           </p:nvPr>
         </p:nvSpPr>
-        <p:spPr/>
+        <p:spPr>
+          <a:xfrm>
+            <a:off x="648929" y="629266"/>
+            <a:ext cx="3505495" cy="1622321"/>
+          </a:xfrm>
+        </p:spPr>
         <p:txBody>
-          <a:bodyPr/>
+          <a:bodyPr>
+            <a:normAutofit/>
+          </a:bodyPr>
           <a:lstStyle/>
           <a:p>
             <a:r>
-              <a:rPr lang="en-US" dirty="0"/>
-              <a:t>Future of the Project</a:t>
+              <a:rPr lang="en-US"/>
+              <a:t>Extension of the Project</a:t>
             </a:r>
+            <a:endParaRPr lang="en-US" dirty="0"/>
           </a:p>
         </p:txBody>
       </p:sp>
@@ -10845,36 +11214,227 @@
             <p:ph idx="1"/>
           </p:nvPr>
         </p:nvSpPr>
-        <p:spPr/>
+        <p:spPr>
+          <a:xfrm>
+            <a:off x="648931" y="2438400"/>
+            <a:ext cx="3505494" cy="3785419"/>
+          </a:xfrm>
+        </p:spPr>
         <p:txBody>
-          <a:bodyPr/>
+          <a:bodyPr>
+            <a:normAutofit/>
+          </a:bodyPr>
           <a:lstStyle/>
           <a:p>
             <a:r>
-              <a:rPr lang="en-US" dirty="0"/>
+              <a:rPr lang="en-US" sz="2000"/>
               <a:t>Fume Cupboard</a:t>
             </a:r>
           </a:p>
           <a:p>
-            <a:endParaRPr lang="en-US" dirty="0"/>
+            <a:endParaRPr lang="en-US" sz="2000"/>
           </a:p>
           <a:p>
             <a:r>
-              <a:rPr lang="en-US" dirty="0"/>
+              <a:rPr lang="en-US" sz="2000"/>
               <a:t>Update the data using the internet wirelessly</a:t>
             </a:r>
           </a:p>
           <a:p>
-            <a:endParaRPr lang="en-US" dirty="0"/>
+            <a:endParaRPr lang="en-US" sz="2000"/>
           </a:p>
           <a:p>
             <a:r>
-              <a:rPr lang="en-US" dirty="0"/>
+              <a:rPr lang="en-US" sz="2000"/>
               <a:t>Test for presence of gas in experiment</a:t>
             </a:r>
           </a:p>
         </p:txBody>
       </p:sp>
+      <p:sp>
+        <p:nvSpPr>
+          <p:cNvPr id="1031" name="Rectangle 1030">
+            <a:extLst>
+              <a:ext uri="{FF2B5EF4-FFF2-40B4-BE49-F238E27FC236}">
+                <a16:creationId xmlns:a16="http://schemas.microsoft.com/office/drawing/2014/main" id="{5E39A796-BE83-48B1-B33F-35C4A32AAB57}"/>
+              </a:ext>
+              <a:ext uri="{C183D7F6-B498-43B3-948B-1728B52AA6E4}">
+                <adec:decorative xmlns:adec="http://schemas.microsoft.com/office/drawing/2017/decorative" val="1"/>
+              </a:ext>
+            </a:extLst>
+          </p:cNvPr>
+          <p:cNvSpPr>
+            <a:spLocks noGrp="1" noRot="1" noChangeAspect="1" noMove="1" noResize="1" noEditPoints="1" noAdjustHandles="1" noChangeArrowheads="1" noChangeShapeType="1" noTextEdit="1"/>
+          </p:cNvSpPr>
+          <p:nvPr>
+            <p:extLst>
+              <p:ext uri="{386F3935-93C4-4BCD-93E2-E3B085C9AB24}">
+                <p16:designElem xmlns:p16="http://schemas.microsoft.com/office/powerpoint/2015/main" val="1"/>
+              </p:ext>
+            </p:extLst>
+          </p:nvPr>
+        </p:nvSpPr>
+        <p:spPr>
+          <a:xfrm>
+            <a:off x="4639056" y="0"/>
+            <a:ext cx="7552944" cy="6858000"/>
+          </a:xfrm>
+          <a:prstGeom prst="rect">
+            <a:avLst/>
+          </a:prstGeom>
+          <a:solidFill>
+            <a:srgbClr val="C8CACA"/>
+          </a:solidFill>
+          <a:ln>
+            <a:noFill/>
+          </a:ln>
+        </p:spPr>
+        <p:style>
+          <a:lnRef idx="2">
+            <a:schemeClr val="accent1">
+              <a:shade val="50000"/>
+            </a:schemeClr>
+          </a:lnRef>
+          <a:fillRef idx="1">
+            <a:schemeClr val="accent1"/>
+          </a:fillRef>
+          <a:effectRef idx="0">
+            <a:schemeClr val="accent1"/>
+          </a:effectRef>
+          <a:fontRef idx="minor">
+            <a:schemeClr val="lt1"/>
+          </a:fontRef>
+        </p:style>
+        <p:txBody>
+          <a:bodyPr rtlCol="0" anchor="ctr"/>
+          <a:lstStyle/>
+          <a:p>
+            <a:pPr algn="ctr"/>
+            <a:endParaRPr lang="en-US"/>
+          </a:p>
+        </p:txBody>
+      </p:sp>
+      <p:sp>
+        <p:nvSpPr>
+          <p:cNvPr id="1033" name="Rounded Rectangle 9">
+            <a:extLst>
+              <a:ext uri="{FF2B5EF4-FFF2-40B4-BE49-F238E27FC236}">
+                <a16:creationId xmlns:a16="http://schemas.microsoft.com/office/drawing/2014/main" id="{72F84B47-E267-4194-8194-831DB7B5547F}"/>
+              </a:ext>
+              <a:ext uri="{C183D7F6-B498-43B3-948B-1728B52AA6E4}">
+                <adec:decorative xmlns:adec="http://schemas.microsoft.com/office/drawing/2017/decorative" val="1"/>
+              </a:ext>
+            </a:extLst>
+          </p:cNvPr>
+          <p:cNvSpPr>
+            <a:spLocks noGrp="1" noRot="1" noChangeAspect="1" noMove="1" noResize="1" noEditPoints="1" noAdjustHandles="1" noChangeArrowheads="1" noChangeShapeType="1" noTextEdit="1"/>
+          </p:cNvSpPr>
+          <p:nvPr>
+            <p:extLst>
+              <p:ext uri="{386F3935-93C4-4BCD-93E2-E3B085C9AB24}">
+                <p16:designElem xmlns:p16="http://schemas.microsoft.com/office/powerpoint/2015/main" val="1"/>
+              </p:ext>
+            </p:extLst>
+          </p:nvPr>
+        </p:nvSpPr>
+        <p:spPr>
+          <a:xfrm>
+            <a:off x="5123688" y="557784"/>
+            <a:ext cx="6584098" cy="5739187"/>
+          </a:xfrm>
+          <a:prstGeom prst="roundRect">
+            <a:avLst>
+              <a:gd name="adj" fmla="val 0"/>
+            </a:avLst>
+          </a:prstGeom>
+          <a:solidFill>
+            <a:srgbClr val="FFFFFF"/>
+          </a:solidFill>
+          <a:ln w="9525">
+            <a:solidFill>
+              <a:srgbClr val="C8CACA"/>
+            </a:solidFill>
+          </a:ln>
+          <a:effectLst>
+            <a:outerShdw blurRad="57150" dist="19050" dir="5400000" algn="t" rotWithShape="0">
+              <a:prstClr val="black">
+                <a:alpha val="63000"/>
+              </a:prstClr>
+            </a:outerShdw>
+          </a:effectLst>
+        </p:spPr>
+        <p:style>
+          <a:lnRef idx="2">
+            <a:schemeClr val="accent1">
+              <a:shade val="50000"/>
+            </a:schemeClr>
+          </a:lnRef>
+          <a:fillRef idx="1">
+            <a:schemeClr val="accent1"/>
+          </a:fillRef>
+          <a:effectRef idx="0">
+            <a:schemeClr val="accent1"/>
+          </a:effectRef>
+          <a:fontRef idx="minor">
+            <a:schemeClr val="lt1"/>
+          </a:fontRef>
+        </p:style>
+        <p:txBody>
+          <a:bodyPr rtlCol="0" anchor="ctr"/>
+          <a:lstStyle/>
+          <a:p>
+            <a:pPr algn="ctr"/>
+            <a:endParaRPr lang="en-US"/>
+          </a:p>
+        </p:txBody>
+      </p:sp>
+      <p:pic>
+        <p:nvPicPr>
+          <p:cNvPr id="1026" name="Picture 2" descr="Polypropylene Fume Cupboard - TOPAIR - LAB SOLUTIONS">
+            <a:extLst>
+              <a:ext uri="{FF2B5EF4-FFF2-40B4-BE49-F238E27FC236}">
+                <a16:creationId xmlns:a16="http://schemas.microsoft.com/office/drawing/2014/main" id="{7CB51C9C-A8A1-9A9E-8320-ADBE1AB30A9F}"/>
+              </a:ext>
+            </a:extLst>
+          </p:cNvPr>
+          <p:cNvPicPr>
+            <a:picLocks noChangeAspect="1" noChangeArrowheads="1"/>
+          </p:cNvPicPr>
+          <p:nvPr/>
+        </p:nvPicPr>
+        <p:blipFill>
+          <a:blip r:embed="rId2">
+            <a:extLst>
+              <a:ext uri="{28A0092B-C50C-407E-A947-70E740481C1C}">
+                <a14:useLocalDpi xmlns:a14="http://schemas.microsoft.com/office/drawing/2010/main" val="0"/>
+              </a:ext>
+            </a:extLst>
+          </a:blip>
+          <a:stretch>
+            <a:fillRect/>
+          </a:stretch>
+        </p:blipFill>
+        <p:spPr bwMode="auto">
+          <a:xfrm>
+            <a:off x="6431041" y="807593"/>
+            <a:ext cx="3968972" cy="5239568"/>
+          </a:xfrm>
+          <a:prstGeom prst="rect">
+            <a:avLst/>
+          </a:prstGeom>
+          <a:noFill/>
+          <a:effectLst/>
+          <a:extLst>
+            <a:ext uri="{909E8E84-426E-40DD-AFC4-6F175D3DCCD1}">
+              <a14:hiddenFill xmlns:a14="http://schemas.microsoft.com/office/drawing/2010/main">
+                <a:solidFill>
+                  <a:srgbClr val="FFFFFF"/>
+                </a:solidFill>
+              </a14:hiddenFill>
+            </a:ext>
+          </a:extLst>
+        </p:spPr>
+      </p:pic>
     </p:spTree>
     <p:extLst>
       <p:ext uri="{BB962C8B-B14F-4D97-AF65-F5344CB8AC3E}">

--- a/Presentation of proposal.pptx
+++ b/Presentation of proposal.pptx
@@ -9130,7 +9130,7 @@
               <a:buNone/>
             </a:pPr>
             <a:r>
-              <a:rPr lang="en-US" sz="2400" kern="1200">
+              <a:rPr lang="en-US" sz="2400" kern="1200" dirty="0">
                 <a:solidFill>
                   <a:schemeClr val="accent1">
                     <a:lumMod val="20000"/>
@@ -9141,7 +9141,32 @@
                 <a:ea typeface="+mn-ea"/>
                 <a:cs typeface="+mn-cs"/>
               </a:rPr>
-              <a:t>News from 19/02/2023</a:t>
+              <a:t>News from </a:t>
+            </a:r>
+            <a:r>
+              <a:rPr lang="en-US" sz="2400" dirty="0">
+                <a:solidFill>
+                  <a:schemeClr val="accent1">
+                    <a:lumMod val="20000"/>
+                    <a:lumOff val="80000"/>
+                  </a:schemeClr>
+                </a:solidFill>
+              </a:rPr>
+              <a:t>21</a:t>
+            </a:r>
+            <a:r>
+              <a:rPr lang="en-US" sz="2400" kern="1200" dirty="0">
+                <a:solidFill>
+                  <a:schemeClr val="accent1">
+                    <a:lumMod val="20000"/>
+                    <a:lumOff val="80000"/>
+                  </a:schemeClr>
+                </a:solidFill>
+                <a:latin typeface="+mn-lt"/>
+                <a:ea typeface="+mn-ea"/>
+                <a:cs typeface="+mn-cs"/>
+              </a:rPr>
+              <a:t>/02/2023</a:t>
             </a:r>
           </a:p>
         </p:txBody>
@@ -9600,84 +9625,6 @@
   <p:clrMapOvr>
     <a:masterClrMapping/>
   </p:clrMapOvr>
-  <p:timing>
-    <p:tnLst>
-      <p:par>
-        <p:cTn id="1" dur="indefinite" restart="never" nodeType="tmRoot">
-          <p:childTnLst>
-            <p:seq concurrent="1" nextAc="seek">
-              <p:cTn id="2" dur="indefinite" nodeType="mainSeq">
-                <p:childTnLst>
-                  <p:par>
-                    <p:cTn id="3" fill="hold">
-                      <p:stCondLst>
-                        <p:cond delay="indefinite"/>
-                        <p:cond evt="onBegin" delay="0">
-                          <p:tn val="2"/>
-                        </p:cond>
-                      </p:stCondLst>
-                      <p:childTnLst>
-                        <p:par>
-                          <p:cTn id="4" fill="hold">
-                            <p:stCondLst>
-                              <p:cond delay="0"/>
-                            </p:stCondLst>
-                            <p:childTnLst>
-                              <p:par>
-                                <p:cTn id="5" presetID="1" presetClass="entr" presetSubtype="0" fill="hold" nodeType="withEffect">
-                                  <p:stCondLst>
-                                    <p:cond delay="0"/>
-                                  </p:stCondLst>
-                                  <p:childTnLst>
-                                    <p:set>
-                                      <p:cBhvr>
-                                        <p:cTn id="6" dur="1" fill="hold">
-                                          <p:stCondLst>
-                                            <p:cond delay="0"/>
-                                          </p:stCondLst>
-                                        </p:cTn>
-                                        <p:tgtEl>
-                                          <p:spTgt spid="4"/>
-                                        </p:tgtEl>
-                                        <p:attrNameLst>
-                                          <p:attrName>style.visibility</p:attrName>
-                                        </p:attrNameLst>
-                                      </p:cBhvr>
-                                      <p:to>
-                                        <p:strVal val="visible"/>
-                                      </p:to>
-                                    </p:set>
-                                  </p:childTnLst>
-                                </p:cTn>
-                              </p:par>
-                            </p:childTnLst>
-                          </p:cTn>
-                        </p:par>
-                      </p:childTnLst>
-                    </p:cTn>
-                  </p:par>
-                </p:childTnLst>
-              </p:cTn>
-              <p:prevCondLst>
-                <p:cond evt="onPrev" delay="0">
-                  <p:tgtEl>
-                    <p:sldTgt/>
-                  </p:tgtEl>
-                </p:cond>
-              </p:prevCondLst>
-              <p:nextCondLst>
-                <p:cond evt="onNext" delay="0">
-                  <p:tgtEl>
-                    <p:sldTgt/>
-                  </p:tgtEl>
-                </p:cond>
-              </p:nextCondLst>
-            </p:seq>
-          </p:childTnLst>
-        </p:cTn>
-      </p:par>
-    </p:tnLst>
-  </p:timing>
 </p:sld>
 </file>
 

--- a/Presentation of proposal.pptx
+++ b/Presentation of proposal.pptx
@@ -1145,7 +1145,7 @@
         <a:p>
           <a:r>
             <a:rPr lang="en-GB" dirty="0"/>
-            <a:t>Turn on LED lights and emit sound</a:t>
+            <a:t>Emit sound to warn people</a:t>
           </a:r>
         </a:p>
       </dgm:t>
@@ -2963,7 +2963,7 @@
           </a:pPr>
           <a:r>
             <a:rPr lang="en-GB" sz="1800" kern="1200" dirty="0"/>
-            <a:t>Turn on LED lights and emit sound</a:t>
+            <a:t>Emit sound to warn people</a:t>
           </a:r>
         </a:p>
       </dsp:txBody>
@@ -4655,7 +4655,7 @@
           <a:p>
             <a:fld id="{CAA43551-4512-7144-B96C-DE0D10C873E8}" type="datetimeFigureOut">
               <a:rPr lang="en-US" smtClean="0"/>
-              <a:t>2/24/23</a:t>
+              <a:t>5/17/23</a:t>
             </a:fld>
             <a:endParaRPr lang="en-US"/>
           </a:p>
@@ -5072,7 +5072,7 @@
           <a:p>
             <a:fld id="{3DBFFAE8-E8D5-8B46-A32A-441CDDC64DCC}" type="datetimeFigureOut">
               <a:rPr lang="en-US" smtClean="0"/>
-              <a:t>2/24/23</a:t>
+              <a:t>5/17/23</a:t>
             </a:fld>
             <a:endParaRPr lang="en-US"/>
           </a:p>
@@ -5272,7 +5272,7 @@
           <a:p>
             <a:fld id="{3DBFFAE8-E8D5-8B46-A32A-441CDDC64DCC}" type="datetimeFigureOut">
               <a:rPr lang="en-US" smtClean="0"/>
-              <a:t>2/24/23</a:t>
+              <a:t>5/17/23</a:t>
             </a:fld>
             <a:endParaRPr lang="en-US"/>
           </a:p>
@@ -5482,7 +5482,7 @@
           <a:p>
             <a:fld id="{3DBFFAE8-E8D5-8B46-A32A-441CDDC64DCC}" type="datetimeFigureOut">
               <a:rPr lang="en-US" smtClean="0"/>
-              <a:t>2/24/23</a:t>
+              <a:t>5/17/23</a:t>
             </a:fld>
             <a:endParaRPr lang="en-US"/>
           </a:p>
@@ -5682,7 +5682,7 @@
           <a:p>
             <a:fld id="{3DBFFAE8-E8D5-8B46-A32A-441CDDC64DCC}" type="datetimeFigureOut">
               <a:rPr lang="en-US" smtClean="0"/>
-              <a:t>2/24/23</a:t>
+              <a:t>5/17/23</a:t>
             </a:fld>
             <a:endParaRPr lang="en-US"/>
           </a:p>
@@ -5958,7 +5958,7 @@
           <a:p>
             <a:fld id="{3DBFFAE8-E8D5-8B46-A32A-441CDDC64DCC}" type="datetimeFigureOut">
               <a:rPr lang="en-US" smtClean="0"/>
-              <a:t>2/24/23</a:t>
+              <a:t>5/17/23</a:t>
             </a:fld>
             <a:endParaRPr lang="en-US"/>
           </a:p>
@@ -6226,7 +6226,7 @@
           <a:p>
             <a:fld id="{3DBFFAE8-E8D5-8B46-A32A-441CDDC64DCC}" type="datetimeFigureOut">
               <a:rPr lang="en-US" smtClean="0"/>
-              <a:t>2/24/23</a:t>
+              <a:t>5/17/23</a:t>
             </a:fld>
             <a:endParaRPr lang="en-US"/>
           </a:p>
@@ -6641,7 +6641,7 @@
           <a:p>
             <a:fld id="{3DBFFAE8-E8D5-8B46-A32A-441CDDC64DCC}" type="datetimeFigureOut">
               <a:rPr lang="en-US" smtClean="0"/>
-              <a:t>2/24/23</a:t>
+              <a:t>5/17/23</a:t>
             </a:fld>
             <a:endParaRPr lang="en-US"/>
           </a:p>
@@ -6783,7 +6783,7 @@
           <a:p>
             <a:fld id="{3DBFFAE8-E8D5-8B46-A32A-441CDDC64DCC}" type="datetimeFigureOut">
               <a:rPr lang="en-US" smtClean="0"/>
-              <a:t>2/24/23</a:t>
+              <a:t>5/17/23</a:t>
             </a:fld>
             <a:endParaRPr lang="en-US"/>
           </a:p>
@@ -6896,7 +6896,7 @@
           <a:p>
             <a:fld id="{3DBFFAE8-E8D5-8B46-A32A-441CDDC64DCC}" type="datetimeFigureOut">
               <a:rPr lang="en-US" smtClean="0"/>
-              <a:t>2/24/23</a:t>
+              <a:t>5/17/23</a:t>
             </a:fld>
             <a:endParaRPr lang="en-US"/>
           </a:p>
@@ -7209,7 +7209,7 @@
           <a:p>
             <a:fld id="{3DBFFAE8-E8D5-8B46-A32A-441CDDC64DCC}" type="datetimeFigureOut">
               <a:rPr lang="en-US" smtClean="0"/>
-              <a:t>2/24/23</a:t>
+              <a:t>5/17/23</a:t>
             </a:fld>
             <a:endParaRPr lang="en-US"/>
           </a:p>
@@ -7498,7 +7498,7 @@
           <a:p>
             <a:fld id="{3DBFFAE8-E8D5-8B46-A32A-441CDDC64DCC}" type="datetimeFigureOut">
               <a:rPr lang="en-US" smtClean="0"/>
-              <a:t>2/24/23</a:t>
+              <a:t>5/17/23</a:t>
             </a:fld>
             <a:endParaRPr lang="en-US"/>
           </a:p>
@@ -7741,7 +7741,7 @@
           <a:p>
             <a:fld id="{3DBFFAE8-E8D5-8B46-A32A-441CDDC64DCC}" type="datetimeFigureOut">
               <a:rPr lang="en-US" smtClean="0"/>
-              <a:t>2/24/23</a:t>
+              <a:t>5/17/23</a:t>
             </a:fld>
             <a:endParaRPr lang="en-US"/>
           </a:p>
@@ -9940,7 +9940,7 @@
           <p:nvPr>
             <p:extLst>
               <p:ext uri="{D42A27DB-BD31-4B8C-83A1-F6EECF244321}">
-                <p14:modId xmlns:p14="http://schemas.microsoft.com/office/powerpoint/2010/main" val="129793161"/>
+                <p14:modId xmlns:p14="http://schemas.microsoft.com/office/powerpoint/2010/main" val="1133853619"/>
               </p:ext>
             </p:extLst>
           </p:nvPr>
@@ -10281,10 +10281,10 @@
       </p:sp>
       <p:sp>
         <p:nvSpPr>
-          <p:cNvPr id="10" name="Rectangle 9">
+          <p:cNvPr id="2" name="Rectangle 1">
             <a:extLst>
               <a:ext uri="{FF2B5EF4-FFF2-40B4-BE49-F238E27FC236}">
-                <a16:creationId xmlns:a16="http://schemas.microsoft.com/office/drawing/2014/main" id="{6AEF4E3B-204B-8137-5276-3050E7A19C67}"/>
+                <a16:creationId xmlns:a16="http://schemas.microsoft.com/office/drawing/2014/main" id="{C4D84A92-46EA-1028-CAA5-782569E6F016}"/>
               </a:ext>
             </a:extLst>
           </p:cNvPr>
@@ -10647,7 +10647,7 @@
                                           </p:stCondLst>
                                         </p:cTn>
                                         <p:tgtEl>
-                                          <p:spTgt spid="10"/>
+                                          <p:spTgt spid="2"/>
                                         </p:tgtEl>
                                         <p:attrNameLst>
                                           <p:attrName>style.visibility</p:attrName>
@@ -10694,7 +10694,7 @@
       <p:bldP spid="7" grpId="0" animBg="1"/>
       <p:bldP spid="8" grpId="0" animBg="1"/>
       <p:bldP spid="9" grpId="0" animBg="1"/>
-      <p:bldP spid="10" grpId="0" animBg="1"/>
+      <p:bldP spid="2" grpId="0" animBg="1"/>
     </p:bldLst>
   </p:timing>
 </p:sld>
